--- a/output/presentation_mathes.pptx
+++ b/output/presentation_mathes.pptx
@@ -109,6 +109,11 @@
       </a:defRPr>
     </a:lvl9pPr>
   </p:defaultTextStyle>
+  <p:extLst>
+    <p:ext uri="{EFAFB233-063F-42B5-8137-9DF3F51BA10A}">
+      <p15:sldGuideLst xmlns:p15="http://schemas.microsoft.com/office/powerpoint/2012/main"/>
+    </p:ext>
+  </p:extLst>
 </p:presentation>
 </file>
 
@@ -5205,18 +5210,9 @@
           <a:lstStyle/>
           <a:p>
             <a:r>
-              <a:rPr lang="de-DE" dirty="0" err="1"/>
-              <a:t>Two</a:t>
-            </a:r>
-            <a:r>
-              <a:rPr lang="de-DE" dirty="0"/>
-              <a:t> </a:t>
-            </a:r>
-            <a:r>
-              <a:rPr lang="de-DE" dirty="0" err="1"/>
-              <a:t>approaches</a:t>
-            </a:r>
-            <a:endParaRPr lang="en-US" dirty="0"/>
+              <a:rPr lang="en-US" dirty="0"/>
+              <a:t>Two approaches</a:t>
+            </a:r>
           </a:p>
         </p:txBody>
       </p:sp>
@@ -5305,92 +5301,22 @@
           </a:p>
         </p:txBody>
       </p:sp>
-      <p:pic>
-        <p:nvPicPr>
-          <p:cNvPr id="8" name="Google Shape;376;p63">
-            <a:extLst>
-              <a:ext uri="{FF2B5EF4-FFF2-40B4-BE49-F238E27FC236}">
-                <a16:creationId xmlns:a16="http://schemas.microsoft.com/office/drawing/2014/main" id="{5E3D4D5A-4F99-4FA3-9EF3-E8F7725AD83C}"/>
-              </a:ext>
-            </a:extLst>
-          </p:cNvPr>
-          <p:cNvPicPr preferRelativeResize="0">
-            <a:picLocks noChangeAspect="1"/>
-          </p:cNvPicPr>
+      <p:sp>
+        <p:nvSpPr>
+          <p:cNvPr id="10" name="TextBox 9">
+            <a:extLst>
+              <a:ext uri="{FF2B5EF4-FFF2-40B4-BE49-F238E27FC236}">
+                <a16:creationId xmlns:a16="http://schemas.microsoft.com/office/drawing/2014/main" id="{6F42DEF1-A11D-44D1-8259-8B5615AD94B5}"/>
+              </a:ext>
+            </a:extLst>
+          </p:cNvPr>
+          <p:cNvSpPr txBox="1"/>
           <p:nvPr/>
-        </p:nvPicPr>
-        <p:blipFill rotWithShape="1">
-          <a:blip r:embed="rId2">
-            <a:alphaModFix/>
-          </a:blip>
-          <a:srcRect l="6171" t="5866" r="6174" b="89872"/>
-          <a:stretch/>
-        </p:blipFill>
+        </p:nvSpPr>
         <p:spPr>
           <a:xfrm>
-            <a:off x="153915" y="1930400"/>
-            <a:ext cx="5824901" cy="365125"/>
-          </a:xfrm>
-          <a:prstGeom prst="rect">
-            <a:avLst/>
-          </a:prstGeom>
-          <a:noFill/>
-          <a:ln>
-            <a:noFill/>
-          </a:ln>
-        </p:spPr>
-      </p:pic>
-      <p:pic>
-        <p:nvPicPr>
-          <p:cNvPr id="9" name="Google Shape;374;p63">
-            <a:extLst>
-              <a:ext uri="{FF2B5EF4-FFF2-40B4-BE49-F238E27FC236}">
-                <a16:creationId xmlns:a16="http://schemas.microsoft.com/office/drawing/2014/main" id="{7D6C1073-2651-4480-9AB2-AB53C8E2F40D}"/>
-              </a:ext>
-            </a:extLst>
-          </p:cNvPr>
-          <p:cNvPicPr preferRelativeResize="0">
-            <a:picLocks noChangeAspect="1"/>
-          </p:cNvPicPr>
-          <p:nvPr/>
-        </p:nvPicPr>
-        <p:blipFill rotWithShape="1">
-          <a:blip r:embed="rId3">
-            <a:alphaModFix/>
-          </a:blip>
-          <a:srcRect/>
-          <a:stretch/>
-        </p:blipFill>
-        <p:spPr>
-          <a:xfrm>
-            <a:off x="6607531" y="2142837"/>
-            <a:ext cx="5149458" cy="3284305"/>
-          </a:xfrm>
-          <a:prstGeom prst="rect">
-            <a:avLst/>
-          </a:prstGeom>
-          <a:noFill/>
-          <a:ln>
-            <a:noFill/>
-          </a:ln>
-        </p:spPr>
-      </p:pic>
-      <p:sp>
-        <p:nvSpPr>
-          <p:cNvPr id="10" name="TextBox 9">
-            <a:extLst>
-              <a:ext uri="{FF2B5EF4-FFF2-40B4-BE49-F238E27FC236}">
-                <a16:creationId xmlns:a16="http://schemas.microsoft.com/office/drawing/2014/main" id="{6F42DEF1-A11D-44D1-8259-8B5615AD94B5}"/>
-              </a:ext>
-            </a:extLst>
-          </p:cNvPr>
-          <p:cNvSpPr txBox="1"/>
-          <p:nvPr/>
-        </p:nvSpPr>
-        <p:spPr>
-          <a:xfrm>
-            <a:off x="153915" y="5228283"/>
-            <a:ext cx="914400" cy="276999"/>
+            <a:off x="4490917" y="5685696"/>
+            <a:ext cx="1995055" cy="276999"/>
           </a:xfrm>
           <a:prstGeom prst="rect">
             <a:avLst/>
@@ -5403,6 +5329,17 @@
           </a:bodyPr>
           <a:lstStyle/>
           <a:p>
+            <a:r>
+              <a:rPr lang="de-DE" sz="1200" dirty="0" err="1">
+                <a:solidFill>
+                  <a:schemeClr val="tx1">
+                    <a:lumMod val="50000"/>
+                    <a:lumOff val="50000"/>
+                  </a:schemeClr>
+                </a:solidFill>
+              </a:rPr>
+              <a:t>modified</a:t>
+            </a:r>
             <a:r>
               <a:rPr lang="de-DE" sz="1200" dirty="0">
                 <a:solidFill>
@@ -5412,7 +5349,7 @@
                   </a:schemeClr>
                 </a:solidFill>
               </a:rPr>
-              <a:t>IPCC 2022</a:t>
+              <a:t> after IPCC 2022</a:t>
             </a:r>
             <a:endParaRPr lang="en-US" sz="1200" dirty="0">
               <a:solidFill>
@@ -5439,7 +5376,7 @@
         </p:nvSpPr>
         <p:spPr>
           <a:xfrm>
-            <a:off x="10289077" y="5228283"/>
+            <a:off x="10289077" y="5685696"/>
             <a:ext cx="1336965" cy="276999"/>
           </a:xfrm>
           <a:prstGeom prst="rect">
@@ -5477,72 +5414,290 @@
       </p:sp>
       <p:pic>
         <p:nvPicPr>
-          <p:cNvPr id="12" name="Google Shape;376;p63">
-            <a:extLst>
-              <a:ext uri="{FF2B5EF4-FFF2-40B4-BE49-F238E27FC236}">
-                <a16:creationId xmlns:a16="http://schemas.microsoft.com/office/drawing/2014/main" id="{70BE889C-9A10-4FEC-9F6E-107798DF8BC0}"/>
-              </a:ext>
-            </a:extLst>
-          </p:cNvPr>
-          <p:cNvPicPr preferRelativeResize="0">
+          <p:cNvPr id="23" name="Picture 22">
+            <a:extLst>
+              <a:ext uri="{FF2B5EF4-FFF2-40B4-BE49-F238E27FC236}">
+                <a16:creationId xmlns:a16="http://schemas.microsoft.com/office/drawing/2014/main" id="{6E226B7D-E084-4992-A17F-484087E51DE0}"/>
+              </a:ext>
+            </a:extLst>
+          </p:cNvPr>
+          <p:cNvPicPr>
             <a:picLocks noChangeAspect="1"/>
           </p:cNvPicPr>
           <p:nvPr/>
         </p:nvPicPr>
-        <p:blipFill rotWithShape="1">
+        <p:blipFill>
           <a:blip r:embed="rId2">
-            <a:alphaModFix/>
+            <a:extLst>
+              <a:ext uri="{28A0092B-C50C-407E-A947-70E740481C1C}">
+                <a14:useLocalDpi xmlns:a14="http://schemas.microsoft.com/office/drawing/2010/main" val="0"/>
+              </a:ext>
+            </a:extLst>
           </a:blip>
-          <a:srcRect l="6171" t="10128" r="53475" b="54893"/>
-          <a:stretch/>
+          <a:stretch>
+            <a:fillRect/>
+          </a:stretch>
         </p:blipFill>
         <p:spPr>
           <a:xfrm>
-            <a:off x="153915" y="2295524"/>
-            <a:ext cx="2681649" cy="2996911"/>
+            <a:off x="426274" y="1410101"/>
+            <a:ext cx="5279756" cy="4319634"/>
           </a:xfrm>
           <a:prstGeom prst="rect">
             <a:avLst/>
           </a:prstGeom>
-          <a:noFill/>
-          <a:ln>
-            <a:noFill/>
-          </a:ln>
         </p:spPr>
       </p:pic>
       <p:pic>
         <p:nvPicPr>
-          <p:cNvPr id="13" name="Google Shape;376;p63">
-            <a:extLst>
-              <a:ext uri="{FF2B5EF4-FFF2-40B4-BE49-F238E27FC236}">
-                <a16:creationId xmlns:a16="http://schemas.microsoft.com/office/drawing/2014/main" id="{590A4E8B-73D3-4A81-9683-49DB49E02678}"/>
-              </a:ext>
-            </a:extLst>
-          </p:cNvPr>
-          <p:cNvPicPr preferRelativeResize="0">
+          <p:cNvPr id="29" name="Picture 28">
+            <a:extLst>
+              <a:ext uri="{FF2B5EF4-FFF2-40B4-BE49-F238E27FC236}">
+                <a16:creationId xmlns:a16="http://schemas.microsoft.com/office/drawing/2014/main" id="{50A92197-8820-4113-B471-270AAAE66496}"/>
+              </a:ext>
+            </a:extLst>
+          </p:cNvPr>
+          <p:cNvPicPr>
             <a:picLocks noChangeAspect="1"/>
           </p:cNvPicPr>
           <p:nvPr/>
         </p:nvPicPr>
-        <p:blipFill rotWithShape="1">
-          <a:blip r:embed="rId2">
-            <a:alphaModFix/>
+        <p:blipFill>
+          <a:blip r:embed="rId3">
+            <a:extLst>
+              <a:ext uri="{28A0092B-C50C-407E-A947-70E740481C1C}">
+                <a14:useLocalDpi xmlns:a14="http://schemas.microsoft.com/office/drawing/2010/main" val="0"/>
+              </a:ext>
+            </a:extLst>
           </a:blip>
-          <a:srcRect l="46525" t="5866" r="6174" b="54893"/>
-          <a:stretch/>
+          <a:stretch>
+            <a:fillRect/>
+          </a:stretch>
         </p:blipFill>
         <p:spPr>
           <a:xfrm>
-            <a:off x="2835564" y="1930400"/>
-            <a:ext cx="3143252" cy="3362036"/>
+            <a:off x="424800" y="1411200"/>
+            <a:ext cx="5279756" cy="4319634"/>
           </a:xfrm>
           <a:prstGeom prst="rect">
             <a:avLst/>
           </a:prstGeom>
-          <a:noFill/>
-          <a:ln>
-            <a:noFill/>
-          </a:ln>
+        </p:spPr>
+      </p:pic>
+      <p:pic>
+        <p:nvPicPr>
+          <p:cNvPr id="39" name="Picture 38">
+            <a:extLst>
+              <a:ext uri="{FF2B5EF4-FFF2-40B4-BE49-F238E27FC236}">
+                <a16:creationId xmlns:a16="http://schemas.microsoft.com/office/drawing/2014/main" id="{0D3B8405-BC2A-4F38-ADF5-FF0528666670}"/>
+              </a:ext>
+            </a:extLst>
+          </p:cNvPr>
+          <p:cNvPicPr>
+            <a:picLocks noChangeAspect="1"/>
+          </p:cNvPicPr>
+          <p:nvPr/>
+        </p:nvPicPr>
+        <p:blipFill>
+          <a:blip r:embed="rId4">
+            <a:extLst>
+              <a:ext uri="{28A0092B-C50C-407E-A947-70E740481C1C}">
+                <a14:useLocalDpi xmlns:a14="http://schemas.microsoft.com/office/drawing/2010/main" val="0"/>
+              </a:ext>
+            </a:extLst>
+          </a:blip>
+          <a:stretch>
+            <a:fillRect/>
+          </a:stretch>
+        </p:blipFill>
+        <p:spPr>
+          <a:xfrm>
+            <a:off x="424800" y="1411200"/>
+            <a:ext cx="5279756" cy="4319634"/>
+          </a:xfrm>
+          <a:prstGeom prst="rect">
+            <a:avLst/>
+          </a:prstGeom>
+        </p:spPr>
+      </p:pic>
+      <p:pic>
+        <p:nvPicPr>
+          <p:cNvPr id="43" name="Picture 42">
+            <a:extLst>
+              <a:ext uri="{FF2B5EF4-FFF2-40B4-BE49-F238E27FC236}">
+                <a16:creationId xmlns:a16="http://schemas.microsoft.com/office/drawing/2014/main" id="{4A3AFB1A-366D-42E8-8A3E-7403C46C5E93}"/>
+              </a:ext>
+            </a:extLst>
+          </p:cNvPr>
+          <p:cNvPicPr>
+            <a:picLocks noChangeAspect="1"/>
+          </p:cNvPicPr>
+          <p:nvPr/>
+        </p:nvPicPr>
+        <p:blipFill>
+          <a:blip r:embed="rId5">
+            <a:extLst>
+              <a:ext uri="{28A0092B-C50C-407E-A947-70E740481C1C}">
+                <a14:useLocalDpi xmlns:a14="http://schemas.microsoft.com/office/drawing/2010/main" val="0"/>
+              </a:ext>
+            </a:extLst>
+          </a:blip>
+          <a:stretch>
+            <a:fillRect/>
+          </a:stretch>
+        </p:blipFill>
+        <p:spPr>
+          <a:xfrm>
+            <a:off x="424800" y="1411200"/>
+            <a:ext cx="5279756" cy="4319634"/>
+          </a:xfrm>
+          <a:prstGeom prst="rect">
+            <a:avLst/>
+          </a:prstGeom>
+        </p:spPr>
+      </p:pic>
+      <p:pic>
+        <p:nvPicPr>
+          <p:cNvPr id="33" name="Picture 32">
+            <a:extLst>
+              <a:ext uri="{FF2B5EF4-FFF2-40B4-BE49-F238E27FC236}">
+                <a16:creationId xmlns:a16="http://schemas.microsoft.com/office/drawing/2014/main" id="{00B52196-93F7-4F7A-8F0E-F3AA4293F3D2}"/>
+              </a:ext>
+            </a:extLst>
+          </p:cNvPr>
+          <p:cNvPicPr>
+            <a:picLocks noChangeAspect="1"/>
+          </p:cNvPicPr>
+          <p:nvPr/>
+        </p:nvPicPr>
+        <p:blipFill>
+          <a:blip r:embed="rId6">
+            <a:extLst>
+              <a:ext uri="{28A0092B-C50C-407E-A947-70E740481C1C}">
+                <a14:useLocalDpi xmlns:a14="http://schemas.microsoft.com/office/drawing/2010/main" val="0"/>
+              </a:ext>
+            </a:extLst>
+          </a:blip>
+          <a:stretch>
+            <a:fillRect/>
+          </a:stretch>
+        </p:blipFill>
+        <p:spPr>
+          <a:xfrm>
+            <a:off x="424800" y="1411200"/>
+            <a:ext cx="5279756" cy="4319634"/>
+          </a:xfrm>
+          <a:prstGeom prst="rect">
+            <a:avLst/>
+          </a:prstGeom>
+        </p:spPr>
+      </p:pic>
+      <p:pic>
+        <p:nvPicPr>
+          <p:cNvPr id="35" name="Picture 34">
+            <a:extLst>
+              <a:ext uri="{FF2B5EF4-FFF2-40B4-BE49-F238E27FC236}">
+                <a16:creationId xmlns:a16="http://schemas.microsoft.com/office/drawing/2014/main" id="{551EB8BC-0AD4-46B4-ACCF-65E97406C553}"/>
+              </a:ext>
+            </a:extLst>
+          </p:cNvPr>
+          <p:cNvPicPr>
+            <a:picLocks noChangeAspect="1"/>
+          </p:cNvPicPr>
+          <p:nvPr/>
+        </p:nvPicPr>
+        <p:blipFill>
+          <a:blip r:embed="rId7">
+            <a:extLst>
+              <a:ext uri="{28A0092B-C50C-407E-A947-70E740481C1C}">
+                <a14:useLocalDpi xmlns:a14="http://schemas.microsoft.com/office/drawing/2010/main" val="0"/>
+              </a:ext>
+            </a:extLst>
+          </a:blip>
+          <a:stretch>
+            <a:fillRect/>
+          </a:stretch>
+        </p:blipFill>
+        <p:spPr>
+          <a:xfrm>
+            <a:off x="424800" y="1411200"/>
+            <a:ext cx="5279756" cy="4319634"/>
+          </a:xfrm>
+          <a:prstGeom prst="rect">
+            <a:avLst/>
+          </a:prstGeom>
+        </p:spPr>
+      </p:pic>
+      <p:pic>
+        <p:nvPicPr>
+          <p:cNvPr id="37" name="Picture 36">
+            <a:extLst>
+              <a:ext uri="{FF2B5EF4-FFF2-40B4-BE49-F238E27FC236}">
+                <a16:creationId xmlns:a16="http://schemas.microsoft.com/office/drawing/2014/main" id="{BE60192D-0FEB-4B83-B39C-12A8DB6B25F7}"/>
+              </a:ext>
+            </a:extLst>
+          </p:cNvPr>
+          <p:cNvPicPr>
+            <a:picLocks noChangeAspect="1"/>
+          </p:cNvPicPr>
+          <p:nvPr/>
+        </p:nvPicPr>
+        <p:blipFill>
+          <a:blip r:embed="rId8">
+            <a:extLst>
+              <a:ext uri="{28A0092B-C50C-407E-A947-70E740481C1C}">
+                <a14:useLocalDpi xmlns:a14="http://schemas.microsoft.com/office/drawing/2010/main" val="0"/>
+              </a:ext>
+            </a:extLst>
+          </a:blip>
+          <a:stretch>
+            <a:fillRect/>
+          </a:stretch>
+        </p:blipFill>
+        <p:spPr>
+          <a:xfrm>
+            <a:off x="424800" y="1411200"/>
+            <a:ext cx="5279756" cy="4319634"/>
+          </a:xfrm>
+          <a:prstGeom prst="rect">
+            <a:avLst/>
+          </a:prstGeom>
+        </p:spPr>
+      </p:pic>
+      <p:pic>
+        <p:nvPicPr>
+          <p:cNvPr id="45" name="Picture 44">
+            <a:extLst>
+              <a:ext uri="{FF2B5EF4-FFF2-40B4-BE49-F238E27FC236}">
+                <a16:creationId xmlns:a16="http://schemas.microsoft.com/office/drawing/2014/main" id="{F2381824-AE50-4AF7-A11D-00047CE4572F}"/>
+              </a:ext>
+            </a:extLst>
+          </p:cNvPr>
+          <p:cNvPicPr>
+            <a:picLocks noChangeAspect="1"/>
+          </p:cNvPicPr>
+          <p:nvPr/>
+        </p:nvPicPr>
+        <p:blipFill>
+          <a:blip r:embed="rId4">
+            <a:extLst>
+              <a:ext uri="{28A0092B-C50C-407E-A947-70E740481C1C}">
+                <a14:useLocalDpi xmlns:a14="http://schemas.microsoft.com/office/drawing/2010/main" val="0"/>
+              </a:ext>
+            </a:extLst>
+          </a:blip>
+          <a:stretch>
+            <a:fillRect/>
+          </a:stretch>
+        </p:blipFill>
+        <p:spPr>
+          <a:xfrm>
+            <a:off x="424800" y="1411200"/>
+            <a:ext cx="5279756" cy="4319634"/>
+          </a:xfrm>
+          <a:prstGeom prst="rect">
+            <a:avLst/>
+          </a:prstGeom>
         </p:spPr>
       </p:pic>
     </p:spTree>
@@ -5592,7 +5747,7 @@
                                           </p:stCondLst>
                                         </p:cTn>
                                         <p:tgtEl>
-                                          <p:spTgt spid="8"/>
+                                          <p:spTgt spid="23"/>
                                         </p:tgtEl>
                                         <p:attrNameLst>
                                           <p:attrName>style.visibility</p:attrName>
@@ -5606,7 +5761,7 @@
                                       <p:cBhvr>
                                         <p:cTn id="7" dur="500"/>
                                         <p:tgtEl>
-                                          <p:spTgt spid="8"/>
+                                          <p:spTgt spid="23"/>
                                         </p:tgtEl>
                                       </p:cBhvr>
                                     </p:animEffect>
@@ -5614,7 +5769,7 @@
                                 </p:cTn>
                               </p:par>
                               <p:par>
-                                <p:cTn id="8" presetID="10" presetClass="entr" presetSubtype="0" fill="hold" nodeType="withEffect">
+                                <p:cTn id="8" presetID="10" presetClass="entr" presetSubtype="0" fill="hold" grpId="0" nodeType="withEffect">
                                   <p:stCondLst>
                                     <p:cond delay="0"/>
                                   </p:stCondLst>
@@ -5622,41 +5777,6 @@
                                     <p:set>
                                       <p:cBhvr>
                                         <p:cTn id="9" dur="1" fill="hold">
-                                          <p:stCondLst>
-                                            <p:cond delay="0"/>
-                                          </p:stCondLst>
-                                        </p:cTn>
-                                        <p:tgtEl>
-                                          <p:spTgt spid="12"/>
-                                        </p:tgtEl>
-                                        <p:attrNameLst>
-                                          <p:attrName>style.visibility</p:attrName>
-                                        </p:attrNameLst>
-                                      </p:cBhvr>
-                                      <p:to>
-                                        <p:strVal val="visible"/>
-                                      </p:to>
-                                    </p:set>
-                                    <p:animEffect transition="in" filter="fade">
-                                      <p:cBhvr>
-                                        <p:cTn id="10" dur="500"/>
-                                        <p:tgtEl>
-                                          <p:spTgt spid="12"/>
-                                        </p:tgtEl>
-                                      </p:cBhvr>
-                                    </p:animEffect>
-                                  </p:childTnLst>
-                                </p:cTn>
-                              </p:par>
-                              <p:par>
-                                <p:cTn id="11" presetID="10" presetClass="entr" presetSubtype="0" fill="hold" grpId="0" nodeType="withEffect">
-                                  <p:stCondLst>
-                                    <p:cond delay="0"/>
-                                  </p:stCondLst>
-                                  <p:childTnLst>
-                                    <p:set>
-                                      <p:cBhvr>
-                                        <p:cTn id="12" dur="1" fill="hold">
                                           <p:stCondLst>
                                             <p:cond delay="0"/>
                                           </p:stCondLst>
@@ -5674,7 +5794,7 @@
                                     </p:set>
                                     <p:animEffect transition="in" filter="fade">
                                       <p:cBhvr>
-                                        <p:cTn id="13" dur="500"/>
+                                        <p:cTn id="10" dur="500"/>
                                         <p:tgtEl>
                                           <p:spTgt spid="10"/>
                                         </p:tgtEl>
@@ -5690,32 +5810,32 @@
                     </p:cTn>
                   </p:par>
                   <p:par>
-                    <p:cTn id="14" fill="hold">
+                    <p:cTn id="11" fill="hold">
                       <p:stCondLst>
                         <p:cond delay="indefinite"/>
                       </p:stCondLst>
                       <p:childTnLst>
                         <p:par>
-                          <p:cTn id="15" fill="hold">
+                          <p:cTn id="12" fill="hold">
                             <p:stCondLst>
                               <p:cond delay="0"/>
                             </p:stCondLst>
                             <p:childTnLst>
                               <p:par>
-                                <p:cTn id="16" presetID="10" presetClass="entr" presetSubtype="0" fill="hold" nodeType="clickEffect">
+                                <p:cTn id="13" presetID="22" presetClass="entr" presetSubtype="8" fill="hold" nodeType="clickEffect">
                                   <p:stCondLst>
                                     <p:cond delay="0"/>
                                   </p:stCondLst>
                                   <p:childTnLst>
                                     <p:set>
                                       <p:cBhvr>
-                                        <p:cTn id="17" dur="1" fill="hold">
+                                        <p:cTn id="14" dur="1" fill="hold">
                                           <p:stCondLst>
                                             <p:cond delay="0"/>
                                           </p:stCondLst>
                                         </p:cTn>
                                         <p:tgtEl>
-                                          <p:spTgt spid="13"/>
+                                          <p:spTgt spid="29"/>
                                         </p:tgtEl>
                                         <p:attrNameLst>
                                           <p:attrName>style.visibility</p:attrName>
@@ -5725,11 +5845,11 @@
                                         <p:strVal val="visible"/>
                                       </p:to>
                                     </p:set>
-                                    <p:animEffect transition="in" filter="fade">
+                                    <p:animEffect transition="in" filter="wipe(left)">
                                       <p:cBhvr>
-                                        <p:cTn id="18" dur="500"/>
+                                        <p:cTn id="15" dur="2000"/>
                                         <p:tgtEl>
-                                          <p:spTgt spid="13"/>
+                                          <p:spTgt spid="29"/>
                                         </p:tgtEl>
                                       </p:cBhvr>
                                     </p:animEffect>
@@ -5743,21 +5863,56 @@
                     </p:cTn>
                   </p:par>
                   <p:par>
-                    <p:cTn id="19" fill="hold">
+                    <p:cTn id="16" fill="hold">
                       <p:stCondLst>
                         <p:cond delay="indefinite"/>
                       </p:stCondLst>
                       <p:childTnLst>
                         <p:par>
-                          <p:cTn id="20" fill="hold">
+                          <p:cTn id="17" fill="hold">
                             <p:stCondLst>
                               <p:cond delay="0"/>
                             </p:stCondLst>
                             <p:childTnLst>
                               <p:par>
-                                <p:cTn id="21" presetID="10" presetClass="entr" presetSubtype="0" fill="hold" nodeType="clickEffect">
+                                <p:cTn id="18" presetID="22" presetClass="entr" presetSubtype="8" fill="hold" nodeType="clickEffect">
                                   <p:stCondLst>
                                     <p:cond delay="0"/>
+                                  </p:stCondLst>
+                                  <p:childTnLst>
+                                    <p:set>
+                                      <p:cBhvr>
+                                        <p:cTn id="19" dur="1" fill="hold">
+                                          <p:stCondLst>
+                                            <p:cond delay="0"/>
+                                          </p:stCondLst>
+                                        </p:cTn>
+                                        <p:tgtEl>
+                                          <p:spTgt spid="43"/>
+                                        </p:tgtEl>
+                                        <p:attrNameLst>
+                                          <p:attrName>style.visibility</p:attrName>
+                                        </p:attrNameLst>
+                                      </p:cBhvr>
+                                      <p:to>
+                                        <p:strVal val="visible"/>
+                                      </p:to>
+                                    </p:set>
+                                    <p:animEffect transition="in" filter="wipe(left)">
+                                      <p:cBhvr>
+                                        <p:cTn id="20" dur="2000"/>
+                                        <p:tgtEl>
+                                          <p:spTgt spid="43"/>
+                                        </p:tgtEl>
+                                      </p:cBhvr>
+                                    </p:animEffect>
+                                  </p:childTnLst>
+                                </p:cTn>
+                              </p:par>
+                              <p:par>
+                                <p:cTn id="21" presetID="22" presetClass="entr" presetSubtype="8" fill="hold" nodeType="withEffect">
+                                  <p:stCondLst>
+                                    <p:cond delay="500"/>
                                   </p:stCondLst>
                                   <p:childTnLst>
                                     <p:set>
@@ -5768,7 +5923,7 @@
                                           </p:stCondLst>
                                         </p:cTn>
                                         <p:tgtEl>
-                                          <p:spTgt spid="9"/>
+                                          <p:spTgt spid="33"/>
                                         </p:tgtEl>
                                         <p:attrNameLst>
                                           <p:attrName>style.visibility</p:attrName>
@@ -5778,11 +5933,11 @@
                                         <p:strVal val="visible"/>
                                       </p:to>
                                     </p:set>
-                                    <p:animEffect transition="in" filter="fade">
+                                    <p:animEffect transition="in" filter="wipe(left)">
                                       <p:cBhvr>
-                                        <p:cTn id="23" dur="500"/>
+                                        <p:cTn id="23" dur="3000"/>
                                         <p:tgtEl>
-                                          <p:spTgt spid="9"/>
+                                          <p:spTgt spid="33"/>
                                         </p:tgtEl>
                                       </p:cBhvr>
                                     </p:animEffect>
@@ -5790,9 +5945,9 @@
                                 </p:cTn>
                               </p:par>
                               <p:par>
-                                <p:cTn id="24" presetID="10" presetClass="entr" presetSubtype="0" fill="hold" grpId="0" nodeType="withEffect">
+                                <p:cTn id="24" presetID="22" presetClass="entr" presetSubtype="8" fill="hold" nodeType="withEffect">
                                   <p:stCondLst>
-                                    <p:cond delay="0"/>
+                                    <p:cond delay="1000"/>
                                   </p:stCondLst>
                                   <p:childTnLst>
                                     <p:set>
@@ -5803,7 +5958,7 @@
                                           </p:stCondLst>
                                         </p:cTn>
                                         <p:tgtEl>
-                                          <p:spTgt spid="11"/>
+                                          <p:spTgt spid="35"/>
                                         </p:tgtEl>
                                         <p:attrNameLst>
                                           <p:attrName>style.visibility</p:attrName>
@@ -5813,11 +5968,116 @@
                                         <p:strVal val="visible"/>
                                       </p:to>
                                     </p:set>
-                                    <p:animEffect transition="in" filter="fade">
+                                    <p:animEffect transition="in" filter="wipe(left)">
                                       <p:cBhvr>
-                                        <p:cTn id="26" dur="500"/>
+                                        <p:cTn id="26" dur="3000"/>
                                         <p:tgtEl>
-                                          <p:spTgt spid="11"/>
+                                          <p:spTgt spid="35"/>
+                                        </p:tgtEl>
+                                      </p:cBhvr>
+                                    </p:animEffect>
+                                  </p:childTnLst>
+                                </p:cTn>
+                              </p:par>
+                              <p:par>
+                                <p:cTn id="27" presetID="22" presetClass="entr" presetSubtype="8" fill="hold" nodeType="withEffect">
+                                  <p:stCondLst>
+                                    <p:cond delay="1500"/>
+                                  </p:stCondLst>
+                                  <p:childTnLst>
+                                    <p:set>
+                                      <p:cBhvr>
+                                        <p:cTn id="28" dur="1" fill="hold">
+                                          <p:stCondLst>
+                                            <p:cond delay="0"/>
+                                          </p:stCondLst>
+                                        </p:cTn>
+                                        <p:tgtEl>
+                                          <p:spTgt spid="37"/>
+                                        </p:tgtEl>
+                                        <p:attrNameLst>
+                                          <p:attrName>style.visibility</p:attrName>
+                                        </p:attrNameLst>
+                                      </p:cBhvr>
+                                      <p:to>
+                                        <p:strVal val="visible"/>
+                                      </p:to>
+                                    </p:set>
+                                    <p:animEffect transition="in" filter="wipe(left)">
+                                      <p:cBhvr>
+                                        <p:cTn id="29" dur="3000"/>
+                                        <p:tgtEl>
+                                          <p:spTgt spid="37"/>
+                                        </p:tgtEl>
+                                      </p:cBhvr>
+                                    </p:animEffect>
+                                  </p:childTnLst>
+                                </p:cTn>
+                              </p:par>
+                              <p:par>
+                                <p:cTn id="30" presetID="22" presetClass="entr" presetSubtype="8" fill="hold" nodeType="withEffect">
+                                  <p:stCondLst>
+                                    <p:cond delay="2000"/>
+                                  </p:stCondLst>
+                                  <p:childTnLst>
+                                    <p:set>
+                                      <p:cBhvr>
+                                        <p:cTn id="31" dur="1" fill="hold">
+                                          <p:stCondLst>
+                                            <p:cond delay="0"/>
+                                          </p:stCondLst>
+                                        </p:cTn>
+                                        <p:tgtEl>
+                                          <p:spTgt spid="39"/>
+                                        </p:tgtEl>
+                                        <p:attrNameLst>
+                                          <p:attrName>style.visibility</p:attrName>
+                                        </p:attrNameLst>
+                                      </p:cBhvr>
+                                      <p:to>
+                                        <p:strVal val="visible"/>
+                                      </p:to>
+                                    </p:set>
+                                    <p:animEffect transition="in" filter="wipe(left)">
+                                      <p:cBhvr>
+                                        <p:cTn id="32" dur="3000"/>
+                                        <p:tgtEl>
+                                          <p:spTgt spid="39"/>
+                                        </p:tgtEl>
+                                      </p:cBhvr>
+                                    </p:animEffect>
+                                  </p:childTnLst>
+                                </p:cTn>
+                              </p:par>
+                              <p:par>
+                                <p:cTn id="33" presetID="22" presetClass="entr" presetSubtype="8" fill="hold" nodeType="withEffect">
+                                  <p:stCondLst>
+                                    <p:cond delay="2500"/>
+                                  </p:stCondLst>
+                                  <p:childTnLst>
+                                    <p:set>
+                                      <p:cBhvr>
+                                        <p:cTn id="34" dur="1" fill="hold">
+                                          <p:stCondLst>
+                                            <p:cond delay="0"/>
+                                          </p:stCondLst>
+                                        </p:cTn>
+                                        <p:tgtEl>
+                                          <p:spTgt spid="45"/>
+                                        </p:tgtEl>
+                                        <p:attrNameLst>
+                                          <p:attrName>style.visibility</p:attrName>
+                                        </p:attrNameLst>
+                                      </p:cBhvr>
+                                      <p:to>
+                                        <p:strVal val="visible"/>
+                                      </p:to>
+                                    </p:set>
+                                    <p:animEffect transition="in" filter="wipe(left)">
+                                      <p:cBhvr>
+                                        <p:cTn id="35" dur="3000"/>
+                                        <p:tgtEl>
+                                          <p:spTgt spid="45"/>
                                         </p:tgtEl>
                                       </p:cBhvr>
                                     </p:animEffect>
@@ -5853,7 +6113,6 @@
     </p:tnLst>
     <p:bldLst>
       <p:bldP spid="10" grpId="0"/>
-      <p:bldP spid="11" grpId="0"/>
     </p:bldLst>
   </p:timing>
 </p:sld>

--- a/output/presentation_mathes.pptx
+++ b/output/presentation_mathes.pptx
@@ -5,12 +5,13 @@
     <p:sldMasterId id="2147483648" r:id="rId1"/>
   </p:sldMasterIdLst>
   <p:notesMasterIdLst>
-    <p:notesMasterId r:id="rId5"/>
+    <p:notesMasterId r:id="rId6"/>
   </p:notesMasterIdLst>
   <p:sldIdLst>
     <p:sldId id="256" r:id="rId2"/>
     <p:sldId id="258" r:id="rId3"/>
     <p:sldId id="257" r:id="rId4"/>
+    <p:sldId id="259" r:id="rId5"/>
   </p:sldIdLst>
   <p:sldSz cx="12192000" cy="6858000"/>
   <p:notesSz cx="6858000" cy="9144000"/>
@@ -5188,6 +5189,42 @@
           <a:chExt cx="0" cy="0"/>
         </a:xfrm>
       </p:grpSpPr>
+      <p:pic>
+        <p:nvPicPr>
+          <p:cNvPr id="60" name="Picture 59">
+            <a:extLst>
+              <a:ext uri="{FF2B5EF4-FFF2-40B4-BE49-F238E27FC236}">
+                <a16:creationId xmlns:a16="http://schemas.microsoft.com/office/drawing/2014/main" id="{5DACE961-8006-4386-BB35-C4F4AFD34197}"/>
+              </a:ext>
+            </a:extLst>
+          </p:cNvPr>
+          <p:cNvPicPr>
+            <a:picLocks noChangeAspect="1"/>
+          </p:cNvPicPr>
+          <p:nvPr/>
+        </p:nvPicPr>
+        <p:blipFill>
+          <a:blip r:embed="rId2">
+            <a:extLst>
+              <a:ext uri="{28A0092B-C50C-407E-A947-70E740481C1C}">
+                <a14:useLocalDpi xmlns:a14="http://schemas.microsoft.com/office/drawing/2010/main" val="0"/>
+              </a:ext>
+            </a:extLst>
+          </a:blip>
+          <a:stretch>
+            <a:fillRect/>
+          </a:stretch>
+        </p:blipFill>
+        <p:spPr>
+          <a:xfrm>
+            <a:off x="6487200" y="1504800"/>
+            <a:ext cx="5279756" cy="4319634"/>
+          </a:xfrm>
+          <a:prstGeom prst="rect">
+            <a:avLst/>
+          </a:prstGeom>
+        </p:spPr>
+      </p:pic>
       <p:sp>
         <p:nvSpPr>
           <p:cNvPr id="2" name="Title 1">
@@ -5315,7 +5352,7 @@
         </p:nvSpPr>
         <p:spPr>
           <a:xfrm>
-            <a:off x="4490917" y="5685696"/>
+            <a:off x="4100945" y="5835541"/>
             <a:ext cx="1995055" cy="276999"/>
           </a:xfrm>
           <a:prstGeom prst="rect">
@@ -5362,56 +5399,6 @@
           </a:p>
         </p:txBody>
       </p:sp>
-      <p:sp>
-        <p:nvSpPr>
-          <p:cNvPr id="11" name="TextBox 10">
-            <a:extLst>
-              <a:ext uri="{FF2B5EF4-FFF2-40B4-BE49-F238E27FC236}">
-                <a16:creationId xmlns:a16="http://schemas.microsoft.com/office/drawing/2014/main" id="{F7106327-A244-46FA-9C2D-2B0929A3566D}"/>
-              </a:ext>
-            </a:extLst>
-          </p:cNvPr>
-          <p:cNvSpPr txBox="1"/>
-          <p:nvPr/>
-        </p:nvSpPr>
-        <p:spPr>
-          <a:xfrm>
-            <a:off x="10289077" y="5685696"/>
-            <a:ext cx="1336965" cy="276999"/>
-          </a:xfrm>
-          <a:prstGeom prst="rect">
-            <a:avLst/>
-          </a:prstGeom>
-          <a:noFill/>
-        </p:spPr>
-        <p:txBody>
-          <a:bodyPr wrap="square" rtlCol="0">
-            <a:spAutoFit/>
-          </a:bodyPr>
-          <a:lstStyle/>
-          <a:p>
-            <a:r>
-              <a:rPr lang="de-DE" sz="1200" dirty="0">
-                <a:solidFill>
-                  <a:schemeClr val="tx1">
-                    <a:lumMod val="50000"/>
-                    <a:lumOff val="50000"/>
-                  </a:schemeClr>
-                </a:solidFill>
-              </a:rPr>
-              <a:t>Song et al. 2022</a:t>
-            </a:r>
-            <a:endParaRPr lang="en-US" sz="1200" dirty="0">
-              <a:solidFill>
-                <a:schemeClr val="tx1">
-                  <a:lumMod val="50000"/>
-                  <a:lumOff val="50000"/>
-                </a:schemeClr>
-              </a:solidFill>
-            </a:endParaRPr>
-          </a:p>
-        </p:txBody>
-      </p:sp>
       <p:pic>
         <p:nvPicPr>
           <p:cNvPr id="23" name="Picture 22">
@@ -5427,7 +5414,7 @@
           <p:nvPr/>
         </p:nvPicPr>
         <p:blipFill>
-          <a:blip r:embed="rId2">
+          <a:blip r:embed="rId3">
             <a:extLst>
               <a:ext uri="{28A0092B-C50C-407E-A947-70E740481C1C}">
                 <a14:useLocalDpi xmlns:a14="http://schemas.microsoft.com/office/drawing/2010/main" val="0"/>
@@ -5463,7 +5450,7 @@
           <p:nvPr/>
         </p:nvPicPr>
         <p:blipFill>
-          <a:blip r:embed="rId3">
+          <a:blip r:embed="rId4">
             <a:extLst>
               <a:ext uri="{28A0092B-C50C-407E-A947-70E740481C1C}">
                 <a14:useLocalDpi xmlns:a14="http://schemas.microsoft.com/office/drawing/2010/main" val="0"/>
@@ -5499,7 +5486,7 @@
           <p:nvPr/>
         </p:nvPicPr>
         <p:blipFill>
-          <a:blip r:embed="rId4">
+          <a:blip r:embed="rId5">
             <a:extLst>
               <a:ext uri="{28A0092B-C50C-407E-A947-70E740481C1C}">
                 <a14:useLocalDpi xmlns:a14="http://schemas.microsoft.com/office/drawing/2010/main" val="0"/>
@@ -5535,7 +5522,7 @@
           <p:nvPr/>
         </p:nvPicPr>
         <p:blipFill>
-          <a:blip r:embed="rId5">
+          <a:blip r:embed="rId6">
             <a:extLst>
               <a:ext uri="{28A0092B-C50C-407E-A947-70E740481C1C}">
                 <a14:useLocalDpi xmlns:a14="http://schemas.microsoft.com/office/drawing/2010/main" val="0"/>
@@ -5571,7 +5558,7 @@
           <p:nvPr/>
         </p:nvPicPr>
         <p:blipFill>
-          <a:blip r:embed="rId6">
+          <a:blip r:embed="rId7">
             <a:extLst>
               <a:ext uri="{28A0092B-C50C-407E-A947-70E740481C1C}">
                 <a14:useLocalDpi xmlns:a14="http://schemas.microsoft.com/office/drawing/2010/main" val="0"/>
@@ -5607,7 +5594,7 @@
           <p:nvPr/>
         </p:nvPicPr>
         <p:blipFill>
-          <a:blip r:embed="rId7">
+          <a:blip r:embed="rId8">
             <a:extLst>
               <a:ext uri="{28A0092B-C50C-407E-A947-70E740481C1C}">
                 <a14:useLocalDpi xmlns:a14="http://schemas.microsoft.com/office/drawing/2010/main" val="0"/>
@@ -5643,7 +5630,7 @@
           <p:nvPr/>
         </p:nvPicPr>
         <p:blipFill>
-          <a:blip r:embed="rId8">
+          <a:blip r:embed="rId9">
             <a:extLst>
               <a:ext uri="{28A0092B-C50C-407E-A947-70E740481C1C}">
                 <a14:useLocalDpi xmlns:a14="http://schemas.microsoft.com/office/drawing/2010/main" val="0"/>
@@ -5679,7 +5666,7 @@
           <p:nvPr/>
         </p:nvPicPr>
         <p:blipFill>
-          <a:blip r:embed="rId4">
+          <a:blip r:embed="rId5">
             <a:extLst>
               <a:ext uri="{28A0092B-C50C-407E-A947-70E740481C1C}">
                 <a14:useLocalDpi xmlns:a14="http://schemas.microsoft.com/office/drawing/2010/main" val="0"/>
@@ -5700,6 +5687,319 @@
           </a:prstGeom>
         </p:spPr>
       </p:pic>
+      <p:pic>
+        <p:nvPicPr>
+          <p:cNvPr id="51" name="Picture 50">
+            <a:extLst>
+              <a:ext uri="{FF2B5EF4-FFF2-40B4-BE49-F238E27FC236}">
+                <a16:creationId xmlns:a16="http://schemas.microsoft.com/office/drawing/2014/main" id="{DD36F318-D09A-4063-A8FA-2D841197CD0C}"/>
+              </a:ext>
+            </a:extLst>
+          </p:cNvPr>
+          <p:cNvPicPr>
+            <a:picLocks noChangeAspect="1"/>
+          </p:cNvPicPr>
+          <p:nvPr/>
+        </p:nvPicPr>
+        <p:blipFill>
+          <a:blip r:embed="rId10">
+            <a:extLst>
+              <a:ext uri="{28A0092B-C50C-407E-A947-70E740481C1C}">
+                <a14:useLocalDpi xmlns:a14="http://schemas.microsoft.com/office/drawing/2010/main" val="0"/>
+              </a:ext>
+            </a:extLst>
+          </a:blip>
+          <a:stretch>
+            <a:fillRect/>
+          </a:stretch>
+        </p:blipFill>
+        <p:spPr>
+          <a:xfrm>
+            <a:off x="6485972" y="1504561"/>
+            <a:ext cx="5279756" cy="4319634"/>
+          </a:xfrm>
+          <a:prstGeom prst="rect">
+            <a:avLst/>
+          </a:prstGeom>
+        </p:spPr>
+      </p:pic>
+      <p:sp>
+        <p:nvSpPr>
+          <p:cNvPr id="11" name="TextBox 10">
+            <a:extLst>
+              <a:ext uri="{FF2B5EF4-FFF2-40B4-BE49-F238E27FC236}">
+                <a16:creationId xmlns:a16="http://schemas.microsoft.com/office/drawing/2014/main" id="{F7106327-A244-46FA-9C2D-2B0929A3566D}"/>
+              </a:ext>
+            </a:extLst>
+          </p:cNvPr>
+          <p:cNvSpPr txBox="1"/>
+          <p:nvPr/>
+        </p:nvSpPr>
+        <p:spPr>
+          <a:xfrm>
+            <a:off x="9907432" y="5835541"/>
+            <a:ext cx="2344095" cy="276999"/>
+          </a:xfrm>
+          <a:prstGeom prst="rect">
+            <a:avLst/>
+          </a:prstGeom>
+          <a:noFill/>
+        </p:spPr>
+        <p:txBody>
+          <a:bodyPr wrap="square" rtlCol="0">
+            <a:spAutoFit/>
+          </a:bodyPr>
+          <a:lstStyle/>
+          <a:p>
+            <a:r>
+              <a:rPr lang="de-DE" sz="1200" dirty="0" err="1">
+                <a:solidFill>
+                  <a:schemeClr val="tx1">
+                    <a:lumMod val="50000"/>
+                    <a:lumOff val="50000"/>
+                  </a:schemeClr>
+                </a:solidFill>
+              </a:rPr>
+              <a:t>modified</a:t>
+            </a:r>
+            <a:r>
+              <a:rPr lang="de-DE" sz="1200" dirty="0">
+                <a:solidFill>
+                  <a:schemeClr val="tx1">
+                    <a:lumMod val="50000"/>
+                    <a:lumOff val="50000"/>
+                  </a:schemeClr>
+                </a:solidFill>
+              </a:rPr>
+              <a:t> after Song et al. 2022</a:t>
+            </a:r>
+            <a:endParaRPr lang="en-US" sz="1200" dirty="0">
+              <a:solidFill>
+                <a:schemeClr val="tx1">
+                  <a:lumMod val="50000"/>
+                  <a:lumOff val="50000"/>
+                </a:schemeClr>
+              </a:solidFill>
+            </a:endParaRPr>
+          </a:p>
+        </p:txBody>
+      </p:sp>
+      <p:pic>
+        <p:nvPicPr>
+          <p:cNvPr id="53" name="Picture 52">
+            <a:extLst>
+              <a:ext uri="{FF2B5EF4-FFF2-40B4-BE49-F238E27FC236}">
+                <a16:creationId xmlns:a16="http://schemas.microsoft.com/office/drawing/2014/main" id="{4F406336-942F-4788-A2AB-B08722D259DF}"/>
+              </a:ext>
+            </a:extLst>
+          </p:cNvPr>
+          <p:cNvPicPr>
+            <a:picLocks noChangeAspect="1"/>
+          </p:cNvPicPr>
+          <p:nvPr/>
+        </p:nvPicPr>
+        <p:blipFill>
+          <a:blip r:embed="rId11">
+            <a:extLst>
+              <a:ext uri="{28A0092B-C50C-407E-A947-70E740481C1C}">
+                <a14:useLocalDpi xmlns:a14="http://schemas.microsoft.com/office/drawing/2010/main" val="0"/>
+              </a:ext>
+            </a:extLst>
+          </a:blip>
+          <a:stretch>
+            <a:fillRect/>
+          </a:stretch>
+        </p:blipFill>
+        <p:spPr>
+          <a:xfrm>
+            <a:off x="6487200" y="1504800"/>
+            <a:ext cx="5279756" cy="4319634"/>
+          </a:xfrm>
+          <a:prstGeom prst="rect">
+            <a:avLst/>
+          </a:prstGeom>
+        </p:spPr>
+      </p:pic>
+      <p:pic>
+        <p:nvPicPr>
+          <p:cNvPr id="55" name="Picture 54">
+            <a:extLst>
+              <a:ext uri="{FF2B5EF4-FFF2-40B4-BE49-F238E27FC236}">
+                <a16:creationId xmlns:a16="http://schemas.microsoft.com/office/drawing/2014/main" id="{ACDCC1BD-CA4F-42D0-A16F-E9915AE51EE7}"/>
+              </a:ext>
+            </a:extLst>
+          </p:cNvPr>
+          <p:cNvPicPr>
+            <a:picLocks noChangeAspect="1"/>
+          </p:cNvPicPr>
+          <p:nvPr/>
+        </p:nvPicPr>
+        <p:blipFill>
+          <a:blip r:embed="rId12">
+            <a:extLst>
+              <a:ext uri="{28A0092B-C50C-407E-A947-70E740481C1C}">
+                <a14:useLocalDpi xmlns:a14="http://schemas.microsoft.com/office/drawing/2010/main" val="0"/>
+              </a:ext>
+            </a:extLst>
+          </a:blip>
+          <a:stretch>
+            <a:fillRect/>
+          </a:stretch>
+        </p:blipFill>
+        <p:spPr>
+          <a:xfrm>
+            <a:off x="6487200" y="1504800"/>
+            <a:ext cx="5279756" cy="4319634"/>
+          </a:xfrm>
+          <a:prstGeom prst="rect">
+            <a:avLst/>
+          </a:prstGeom>
+        </p:spPr>
+      </p:pic>
+      <p:pic>
+        <p:nvPicPr>
+          <p:cNvPr id="57" name="Picture 56">
+            <a:extLst>
+              <a:ext uri="{FF2B5EF4-FFF2-40B4-BE49-F238E27FC236}">
+                <a16:creationId xmlns:a16="http://schemas.microsoft.com/office/drawing/2014/main" id="{40D29724-2251-4CF2-BD8B-8FA784C42478}"/>
+              </a:ext>
+            </a:extLst>
+          </p:cNvPr>
+          <p:cNvPicPr>
+            <a:picLocks noChangeAspect="1"/>
+          </p:cNvPicPr>
+          <p:nvPr/>
+        </p:nvPicPr>
+        <p:blipFill>
+          <a:blip r:embed="rId13">
+            <a:extLst>
+              <a:ext uri="{28A0092B-C50C-407E-A947-70E740481C1C}">
+                <a14:useLocalDpi xmlns:a14="http://schemas.microsoft.com/office/drawing/2010/main" val="0"/>
+              </a:ext>
+            </a:extLst>
+          </a:blip>
+          <a:stretch>
+            <a:fillRect/>
+          </a:stretch>
+        </p:blipFill>
+        <p:spPr>
+          <a:xfrm>
+            <a:off x="6487200" y="1504800"/>
+            <a:ext cx="5279756" cy="4319634"/>
+          </a:xfrm>
+          <a:prstGeom prst="rect">
+            <a:avLst/>
+          </a:prstGeom>
+        </p:spPr>
+      </p:pic>
+      <p:sp>
+        <p:nvSpPr>
+          <p:cNvPr id="58" name="Rectangle 57">
+            <a:extLst>
+              <a:ext uri="{FF2B5EF4-FFF2-40B4-BE49-F238E27FC236}">
+                <a16:creationId xmlns:a16="http://schemas.microsoft.com/office/drawing/2014/main" id="{97AE21F9-DBFE-4C4F-9676-2F2A67DE1806}"/>
+              </a:ext>
+            </a:extLst>
+          </p:cNvPr>
+          <p:cNvSpPr/>
+          <p:nvPr/>
+        </p:nvSpPr>
+        <p:spPr>
+          <a:xfrm>
+            <a:off x="109728" y="1231392"/>
+            <a:ext cx="5986272" cy="4965363"/>
+          </a:xfrm>
+          <a:prstGeom prst="rect">
+            <a:avLst/>
+          </a:prstGeom>
+          <a:solidFill>
+            <a:schemeClr val="bg1">
+              <a:alpha val="80000"/>
+            </a:schemeClr>
+          </a:solidFill>
+          <a:ln>
+            <a:noFill/>
+          </a:ln>
+        </p:spPr>
+        <p:style>
+          <a:lnRef idx="2">
+            <a:schemeClr val="accent1">
+              <a:shade val="50000"/>
+            </a:schemeClr>
+          </a:lnRef>
+          <a:fillRef idx="1">
+            <a:schemeClr val="accent1"/>
+          </a:fillRef>
+          <a:effectRef idx="0">
+            <a:schemeClr val="accent1"/>
+          </a:effectRef>
+          <a:fontRef idx="minor">
+            <a:schemeClr val="lt1"/>
+          </a:fontRef>
+        </p:style>
+        <p:txBody>
+          <a:bodyPr rtlCol="0" anchor="ctr"/>
+          <a:lstStyle/>
+          <a:p>
+            <a:pPr algn="ctr"/>
+            <a:endParaRPr lang="en-US"/>
+          </a:p>
+        </p:txBody>
+      </p:sp>
+      <p:sp>
+        <p:nvSpPr>
+          <p:cNvPr id="61" name="Rectangle 60">
+            <a:extLst>
+              <a:ext uri="{FF2B5EF4-FFF2-40B4-BE49-F238E27FC236}">
+                <a16:creationId xmlns:a16="http://schemas.microsoft.com/office/drawing/2014/main" id="{30714DD2-E692-4B95-9B66-7E7D134CFE86}"/>
+              </a:ext>
+            </a:extLst>
+          </p:cNvPr>
+          <p:cNvSpPr/>
+          <p:nvPr/>
+        </p:nvSpPr>
+        <p:spPr>
+          <a:xfrm>
+            <a:off x="5943600" y="1416873"/>
+            <a:ext cx="6138672" cy="4965363"/>
+          </a:xfrm>
+          <a:prstGeom prst="rect">
+            <a:avLst/>
+          </a:prstGeom>
+          <a:solidFill>
+            <a:schemeClr val="bg1">
+              <a:alpha val="80000"/>
+            </a:schemeClr>
+          </a:solidFill>
+          <a:ln>
+            <a:noFill/>
+          </a:ln>
+        </p:spPr>
+        <p:style>
+          <a:lnRef idx="2">
+            <a:schemeClr val="accent1">
+              <a:shade val="50000"/>
+            </a:schemeClr>
+          </a:lnRef>
+          <a:fillRef idx="1">
+            <a:schemeClr val="accent1"/>
+          </a:fillRef>
+          <a:effectRef idx="0">
+            <a:schemeClr val="accent1"/>
+          </a:effectRef>
+          <a:fontRef idx="minor">
+            <a:schemeClr val="lt1"/>
+          </a:fontRef>
+        </p:style>
+        <p:txBody>
+          <a:bodyPr rtlCol="0" anchor="ctr"/>
+          <a:lstStyle/>
+          <a:p>
+            <a:pPr algn="ctr"/>
+            <a:endParaRPr lang="en-US"/>
+          </a:p>
+        </p:txBody>
+      </p:sp>
     </p:spTree>
     <p:extLst>
       <p:ext uri="{BB962C8B-B14F-4D97-AF65-F5344CB8AC3E}">
@@ -6090,6 +6390,376 @@
                       </p:childTnLst>
                     </p:cTn>
                   </p:par>
+                  <p:par>
+                    <p:cTn id="36" fill="hold">
+                      <p:stCondLst>
+                        <p:cond delay="indefinite"/>
+                      </p:stCondLst>
+                      <p:childTnLst>
+                        <p:par>
+                          <p:cTn id="37" fill="hold">
+                            <p:stCondLst>
+                              <p:cond delay="0"/>
+                            </p:stCondLst>
+                            <p:childTnLst>
+                              <p:par>
+                                <p:cTn id="38" presetID="10" presetClass="entr" presetSubtype="0" fill="hold" nodeType="clickEffect">
+                                  <p:stCondLst>
+                                    <p:cond delay="0"/>
+                                  </p:stCondLst>
+                                  <p:childTnLst>
+                                    <p:set>
+                                      <p:cBhvr>
+                                        <p:cTn id="39" dur="1" fill="hold">
+                                          <p:stCondLst>
+                                            <p:cond delay="0"/>
+                                          </p:stCondLst>
+                                        </p:cTn>
+                                        <p:tgtEl>
+                                          <p:spTgt spid="60"/>
+                                        </p:tgtEl>
+                                        <p:attrNameLst>
+                                          <p:attrName>style.visibility</p:attrName>
+                                        </p:attrNameLst>
+                                      </p:cBhvr>
+                                      <p:to>
+                                        <p:strVal val="visible"/>
+                                      </p:to>
+                                    </p:set>
+                                    <p:animEffect transition="in" filter="fade">
+                                      <p:cBhvr>
+                                        <p:cTn id="40" dur="500"/>
+                                        <p:tgtEl>
+                                          <p:spTgt spid="60"/>
+                                        </p:tgtEl>
+                                      </p:cBhvr>
+                                    </p:animEffect>
+                                  </p:childTnLst>
+                                </p:cTn>
+                              </p:par>
+                              <p:par>
+                                <p:cTn id="41" presetID="10" presetClass="entr" presetSubtype="0" fill="hold" grpId="0" nodeType="withEffect">
+                                  <p:stCondLst>
+                                    <p:cond delay="0"/>
+                                  </p:stCondLst>
+                                  <p:childTnLst>
+                                    <p:set>
+                                      <p:cBhvr>
+                                        <p:cTn id="42" dur="1" fill="hold">
+                                          <p:stCondLst>
+                                            <p:cond delay="0"/>
+                                          </p:stCondLst>
+                                        </p:cTn>
+                                        <p:tgtEl>
+                                          <p:spTgt spid="58"/>
+                                        </p:tgtEl>
+                                        <p:attrNameLst>
+                                          <p:attrName>style.visibility</p:attrName>
+                                        </p:attrNameLst>
+                                      </p:cBhvr>
+                                      <p:to>
+                                        <p:strVal val="visible"/>
+                                      </p:to>
+                                    </p:set>
+                                    <p:animEffect transition="in" filter="fade">
+                                      <p:cBhvr>
+                                        <p:cTn id="43" dur="1000"/>
+                                        <p:tgtEl>
+                                          <p:spTgt spid="58"/>
+                                        </p:tgtEl>
+                                      </p:cBhvr>
+                                    </p:animEffect>
+                                  </p:childTnLst>
+                                </p:cTn>
+                              </p:par>
+                              <p:par>
+                                <p:cTn id="44" presetID="10" presetClass="entr" presetSubtype="0" fill="hold" grpId="0" nodeType="withEffect">
+                                  <p:stCondLst>
+                                    <p:cond delay="0"/>
+                                  </p:stCondLst>
+                                  <p:childTnLst>
+                                    <p:set>
+                                      <p:cBhvr>
+                                        <p:cTn id="45" dur="1" fill="hold">
+                                          <p:stCondLst>
+                                            <p:cond delay="0"/>
+                                          </p:stCondLst>
+                                        </p:cTn>
+                                        <p:tgtEl>
+                                          <p:spTgt spid="11"/>
+                                        </p:tgtEl>
+                                        <p:attrNameLst>
+                                          <p:attrName>style.visibility</p:attrName>
+                                        </p:attrNameLst>
+                                      </p:cBhvr>
+                                      <p:to>
+                                        <p:strVal val="visible"/>
+                                      </p:to>
+                                    </p:set>
+                                    <p:animEffect transition="in" filter="fade">
+                                      <p:cBhvr>
+                                        <p:cTn id="46" dur="500"/>
+                                        <p:tgtEl>
+                                          <p:spTgt spid="11"/>
+                                        </p:tgtEl>
+                                      </p:cBhvr>
+                                    </p:animEffect>
+                                  </p:childTnLst>
+                                </p:cTn>
+                              </p:par>
+                            </p:childTnLst>
+                          </p:cTn>
+                        </p:par>
+                      </p:childTnLst>
+                    </p:cTn>
+                  </p:par>
+                  <p:par>
+                    <p:cTn id="47" fill="hold">
+                      <p:stCondLst>
+                        <p:cond delay="indefinite"/>
+                      </p:stCondLst>
+                      <p:childTnLst>
+                        <p:par>
+                          <p:cTn id="48" fill="hold">
+                            <p:stCondLst>
+                              <p:cond delay="0"/>
+                            </p:stCondLst>
+                            <p:childTnLst>
+                              <p:par>
+                                <p:cTn id="49" presetID="10" presetClass="entr" presetSubtype="0" fill="hold" nodeType="clickEffect">
+                                  <p:stCondLst>
+                                    <p:cond delay="0"/>
+                                  </p:stCondLst>
+                                  <p:childTnLst>
+                                    <p:set>
+                                      <p:cBhvr>
+                                        <p:cTn id="50" dur="1" fill="hold">
+                                          <p:stCondLst>
+                                            <p:cond delay="0"/>
+                                          </p:stCondLst>
+                                        </p:cTn>
+                                        <p:tgtEl>
+                                          <p:spTgt spid="51"/>
+                                        </p:tgtEl>
+                                        <p:attrNameLst>
+                                          <p:attrName>style.visibility</p:attrName>
+                                        </p:attrNameLst>
+                                      </p:cBhvr>
+                                      <p:to>
+                                        <p:strVal val="visible"/>
+                                      </p:to>
+                                    </p:set>
+                                    <p:animEffect transition="in" filter="fade">
+                                      <p:cBhvr>
+                                        <p:cTn id="51" dur="1000"/>
+                                        <p:tgtEl>
+                                          <p:spTgt spid="51"/>
+                                        </p:tgtEl>
+                                      </p:cBhvr>
+                                    </p:animEffect>
+                                  </p:childTnLst>
+                                </p:cTn>
+                              </p:par>
+                            </p:childTnLst>
+                          </p:cTn>
+                        </p:par>
+                      </p:childTnLst>
+                    </p:cTn>
+                  </p:par>
+                  <p:par>
+                    <p:cTn id="52" fill="hold">
+                      <p:stCondLst>
+                        <p:cond delay="indefinite"/>
+                      </p:stCondLst>
+                      <p:childTnLst>
+                        <p:par>
+                          <p:cTn id="53" fill="hold">
+                            <p:stCondLst>
+                              <p:cond delay="0"/>
+                            </p:stCondLst>
+                            <p:childTnLst>
+                              <p:par>
+                                <p:cTn id="54" presetID="10" presetClass="entr" presetSubtype="0" fill="hold" nodeType="clickEffect">
+                                  <p:stCondLst>
+                                    <p:cond delay="0"/>
+                                  </p:stCondLst>
+                                  <p:childTnLst>
+                                    <p:set>
+                                      <p:cBhvr>
+                                        <p:cTn id="55" dur="1" fill="hold">
+                                          <p:stCondLst>
+                                            <p:cond delay="0"/>
+                                          </p:stCondLst>
+                                        </p:cTn>
+                                        <p:tgtEl>
+                                          <p:spTgt spid="53"/>
+                                        </p:tgtEl>
+                                        <p:attrNameLst>
+                                          <p:attrName>style.visibility</p:attrName>
+                                        </p:attrNameLst>
+                                      </p:cBhvr>
+                                      <p:to>
+                                        <p:strVal val="visible"/>
+                                      </p:to>
+                                    </p:set>
+                                    <p:animEffect transition="in" filter="fade">
+                                      <p:cBhvr>
+                                        <p:cTn id="56" dur="1000"/>
+                                        <p:tgtEl>
+                                          <p:spTgt spid="53"/>
+                                        </p:tgtEl>
+                                      </p:cBhvr>
+                                    </p:animEffect>
+                                  </p:childTnLst>
+                                </p:cTn>
+                              </p:par>
+                            </p:childTnLst>
+                          </p:cTn>
+                        </p:par>
+                      </p:childTnLst>
+                    </p:cTn>
+                  </p:par>
+                  <p:par>
+                    <p:cTn id="57" fill="hold">
+                      <p:stCondLst>
+                        <p:cond delay="indefinite"/>
+                      </p:stCondLst>
+                      <p:childTnLst>
+                        <p:par>
+                          <p:cTn id="58" fill="hold">
+                            <p:stCondLst>
+                              <p:cond delay="0"/>
+                            </p:stCondLst>
+                            <p:childTnLst>
+                              <p:par>
+                                <p:cTn id="59" presetID="22" presetClass="entr" presetSubtype="8" fill="hold" nodeType="clickEffect">
+                                  <p:stCondLst>
+                                    <p:cond delay="0"/>
+                                  </p:stCondLst>
+                                  <p:childTnLst>
+                                    <p:set>
+                                      <p:cBhvr>
+                                        <p:cTn id="60" dur="1" fill="hold">
+                                          <p:stCondLst>
+                                            <p:cond delay="0"/>
+                                          </p:stCondLst>
+                                        </p:cTn>
+                                        <p:tgtEl>
+                                          <p:spTgt spid="55"/>
+                                        </p:tgtEl>
+                                        <p:attrNameLst>
+                                          <p:attrName>style.visibility</p:attrName>
+                                        </p:attrNameLst>
+                                      </p:cBhvr>
+                                      <p:to>
+                                        <p:strVal val="visible"/>
+                                      </p:to>
+                                    </p:set>
+                                    <p:animEffect transition="in" filter="wipe(left)">
+                                      <p:cBhvr>
+                                        <p:cTn id="61" dur="2000"/>
+                                        <p:tgtEl>
+                                          <p:spTgt spid="55"/>
+                                        </p:tgtEl>
+                                      </p:cBhvr>
+                                    </p:animEffect>
+                                  </p:childTnLst>
+                                </p:cTn>
+                              </p:par>
+                            </p:childTnLst>
+                          </p:cTn>
+                        </p:par>
+                        <p:par>
+                          <p:cTn id="62" fill="hold">
+                            <p:stCondLst>
+                              <p:cond delay="2000"/>
+                            </p:stCondLst>
+                            <p:childTnLst>
+                              <p:par>
+                                <p:cTn id="63" presetID="22" presetClass="entr" presetSubtype="4" fill="hold" nodeType="afterEffect">
+                                  <p:stCondLst>
+                                    <p:cond delay="0"/>
+                                  </p:stCondLst>
+                                  <p:childTnLst>
+                                    <p:set>
+                                      <p:cBhvr>
+                                        <p:cTn id="64" dur="1" fill="hold">
+                                          <p:stCondLst>
+                                            <p:cond delay="0"/>
+                                          </p:stCondLst>
+                                        </p:cTn>
+                                        <p:tgtEl>
+                                          <p:spTgt spid="57"/>
+                                        </p:tgtEl>
+                                        <p:attrNameLst>
+                                          <p:attrName>style.visibility</p:attrName>
+                                        </p:attrNameLst>
+                                      </p:cBhvr>
+                                      <p:to>
+                                        <p:strVal val="visible"/>
+                                      </p:to>
+                                    </p:set>
+                                    <p:animEffect transition="in" filter="wipe(down)">
+                                      <p:cBhvr>
+                                        <p:cTn id="65" dur="2000"/>
+                                        <p:tgtEl>
+                                          <p:spTgt spid="57"/>
+                                        </p:tgtEl>
+                                      </p:cBhvr>
+                                    </p:animEffect>
+                                  </p:childTnLst>
+                                </p:cTn>
+                              </p:par>
+                            </p:childTnLst>
+                          </p:cTn>
+                        </p:par>
+                        <p:par>
+                          <p:cTn id="66" fill="hold">
+                            <p:stCondLst>
+                              <p:cond delay="4000"/>
+                            </p:stCondLst>
+                            <p:childTnLst>
+                              <p:par>
+                                <p:cTn id="67" presetID="10" presetClass="entr" presetSubtype="0" fill="hold" grpId="0" nodeType="afterEffect">
+                                  <p:stCondLst>
+                                    <p:cond delay="1000"/>
+                                  </p:stCondLst>
+                                  <p:childTnLst>
+                                    <p:set>
+                                      <p:cBhvr>
+                                        <p:cTn id="68" dur="1" fill="hold">
+                                          <p:stCondLst>
+                                            <p:cond delay="0"/>
+                                          </p:stCondLst>
+                                        </p:cTn>
+                                        <p:tgtEl>
+                                          <p:spTgt spid="61"/>
+                                        </p:tgtEl>
+                                        <p:attrNameLst>
+                                          <p:attrName>style.visibility</p:attrName>
+                                        </p:attrNameLst>
+                                      </p:cBhvr>
+                                      <p:to>
+                                        <p:strVal val="visible"/>
+                                      </p:to>
+                                    </p:set>
+                                    <p:animEffect transition="in" filter="fade">
+                                      <p:cBhvr>
+                                        <p:cTn id="69" dur="1000"/>
+                                        <p:tgtEl>
+                                          <p:spTgt spid="61"/>
+                                        </p:tgtEl>
+                                      </p:cBhvr>
+                                    </p:animEffect>
+                                  </p:childTnLst>
+                                </p:cTn>
+                              </p:par>
+                            </p:childTnLst>
+                          </p:cTn>
+                        </p:par>
+                      </p:childTnLst>
+                    </p:cTn>
+                  </p:par>
                 </p:childTnLst>
               </p:cTn>
               <p:prevCondLst>
@@ -6113,6 +6783,1386 @@
     </p:tnLst>
     <p:bldLst>
       <p:bldP spid="10" grpId="0"/>
+      <p:bldP spid="11" grpId="0"/>
+      <p:bldP spid="58" grpId="0" animBg="1"/>
+      <p:bldP spid="61" grpId="0" animBg="1"/>
+    </p:bldLst>
+  </p:timing>
+</p:sld>
+</file>
+
+<file path=ppt/slides/slide4.xml><?xml version="1.0" encoding="utf-8"?>
+<p:sld xmlns:a="http://schemas.openxmlformats.org/drawingml/2006/main" xmlns:r="http://schemas.openxmlformats.org/officeDocument/2006/relationships" xmlns:p="http://schemas.openxmlformats.org/presentationml/2006/main">
+  <p:cSld>
+    <p:spTree>
+      <p:nvGrpSpPr>
+        <p:cNvPr id="1" name=""/>
+        <p:cNvGrpSpPr/>
+        <p:nvPr/>
+      </p:nvGrpSpPr>
+      <p:grpSpPr>
+        <a:xfrm>
+          <a:off x="0" y="0"/>
+          <a:ext cx="0" cy="0"/>
+          <a:chOff x="0" y="0"/>
+          <a:chExt cx="0" cy="0"/>
+        </a:xfrm>
+      </p:grpSpPr>
+      <p:sp>
+        <p:nvSpPr>
+          <p:cNvPr id="2" name="Content Placeholder 1">
+            <a:extLst>
+              <a:ext uri="{FF2B5EF4-FFF2-40B4-BE49-F238E27FC236}">
+                <a16:creationId xmlns:a16="http://schemas.microsoft.com/office/drawing/2014/main" id="{E823179F-4662-41AD-BBC8-2AB510F78B5D}"/>
+              </a:ext>
+            </a:extLst>
+          </p:cNvPr>
+          <p:cNvSpPr>
+            <a:spLocks noGrp="1"/>
+          </p:cNvSpPr>
+          <p:nvPr>
+            <p:ph idx="1"/>
+          </p:nvPr>
+        </p:nvSpPr>
+        <p:spPr>
+          <a:xfrm>
+            <a:off x="838200" y="1397000"/>
+            <a:ext cx="10515600" cy="4791693"/>
+          </a:xfrm>
+        </p:spPr>
+        <p:txBody>
+          <a:bodyPr/>
+          <a:lstStyle/>
+          <a:p>
+            <a:r>
+              <a:rPr lang="en-US" dirty="0"/>
+              <a:t>Motivation and Background</a:t>
+            </a:r>
+          </a:p>
+          <a:p>
+            <a:r>
+              <a:rPr lang="en-US" dirty="0"/>
+              <a:t>PhD Chapters</a:t>
+            </a:r>
+          </a:p>
+          <a:p>
+            <a:pPr lvl="1"/>
+            <a:r>
+              <a:rPr lang="en-US" dirty="0"/>
+              <a:t>Deep-Time</a:t>
+            </a:r>
+          </a:p>
+          <a:p>
+            <a:pPr lvl="2"/>
+            <a:r>
+              <a:rPr lang="en-US" dirty="0"/>
+              <a:t>Extinction risk of fossils</a:t>
+            </a:r>
+          </a:p>
+          <a:p>
+            <a:pPr lvl="2"/>
+            <a:r>
+              <a:rPr lang="en-US" dirty="0"/>
+              <a:t>Origination probability of fossils</a:t>
+            </a:r>
+          </a:p>
+          <a:p>
+            <a:pPr lvl="2"/>
+            <a:r>
+              <a:rPr lang="en-US" dirty="0"/>
+              <a:t>Environmental data during extinction events</a:t>
+            </a:r>
+          </a:p>
+          <a:p>
+            <a:pPr lvl="1"/>
+            <a:r>
+              <a:rPr lang="en-US" dirty="0"/>
+              <a:t>Near-Time</a:t>
+            </a:r>
+          </a:p>
+          <a:p>
+            <a:pPr lvl="2"/>
+            <a:r>
+              <a:rPr lang="en-US" dirty="0"/>
+              <a:t>Rate of change in terrestrial plants</a:t>
+            </a:r>
+          </a:p>
+          <a:p>
+            <a:pPr lvl="2"/>
+            <a:r>
+              <a:rPr lang="en-US" dirty="0"/>
+              <a:t>Assemblage turnover in planktonic foraminifera</a:t>
+            </a:r>
+          </a:p>
+          <a:p>
+            <a:pPr lvl="2"/>
+            <a:r>
+              <a:rPr lang="en-US" dirty="0"/>
+              <a:t>Implementation in conservation science</a:t>
+            </a:r>
+          </a:p>
+          <a:p>
+            <a:r>
+              <a:rPr lang="en-US" dirty="0"/>
+              <a:t>Conclusion and Outlook</a:t>
+            </a:r>
+          </a:p>
+          <a:p>
+            <a:pPr lvl="2"/>
+            <a:r>
+              <a:rPr lang="en-US" dirty="0"/>
+              <a:t>Meta-analysis and review </a:t>
+            </a:r>
+          </a:p>
+          <a:p>
+            <a:endParaRPr lang="en-US" dirty="0"/>
+          </a:p>
+        </p:txBody>
+      </p:sp>
+      <p:sp>
+        <p:nvSpPr>
+          <p:cNvPr id="3" name="Date Placeholder 2">
+            <a:extLst>
+              <a:ext uri="{FF2B5EF4-FFF2-40B4-BE49-F238E27FC236}">
+                <a16:creationId xmlns:a16="http://schemas.microsoft.com/office/drawing/2014/main" id="{898EC78D-26AB-41D4-ACE5-BD2F033FCBE6}"/>
+              </a:ext>
+            </a:extLst>
+          </p:cNvPr>
+          <p:cNvSpPr>
+            <a:spLocks noGrp="1"/>
+          </p:cNvSpPr>
+          <p:nvPr>
+            <p:ph type="dt" sz="half" idx="10"/>
+          </p:nvPr>
+        </p:nvSpPr>
+        <p:spPr/>
+        <p:txBody>
+          <a:bodyPr/>
+          <a:lstStyle/>
+          <a:p>
+            <a:r>
+              <a:rPr lang="en-US"/>
+              <a:t>02.02.2023</a:t>
+            </a:r>
+          </a:p>
+        </p:txBody>
+      </p:sp>
+      <p:sp>
+        <p:nvSpPr>
+          <p:cNvPr id="4" name="Footer Placeholder 3">
+            <a:extLst>
+              <a:ext uri="{FF2B5EF4-FFF2-40B4-BE49-F238E27FC236}">
+                <a16:creationId xmlns:a16="http://schemas.microsoft.com/office/drawing/2014/main" id="{ABCC0684-5472-4216-9B21-AB0B92DA118F}"/>
+              </a:ext>
+            </a:extLst>
+          </p:cNvPr>
+          <p:cNvSpPr>
+            <a:spLocks noGrp="1"/>
+          </p:cNvSpPr>
+          <p:nvPr>
+            <p:ph type="ftr" sz="quarter" idx="11"/>
+          </p:nvPr>
+        </p:nvSpPr>
+        <p:spPr/>
+        <p:txBody>
+          <a:bodyPr/>
+          <a:lstStyle/>
+          <a:p>
+            <a:r>
+              <a:rPr lang="en-US"/>
+              <a:t>University of Bayreuth</a:t>
+            </a:r>
+          </a:p>
+        </p:txBody>
+      </p:sp>
+      <p:sp>
+        <p:nvSpPr>
+          <p:cNvPr id="5" name="Slide Number Placeholder 4">
+            <a:extLst>
+              <a:ext uri="{FF2B5EF4-FFF2-40B4-BE49-F238E27FC236}">
+                <a16:creationId xmlns:a16="http://schemas.microsoft.com/office/drawing/2014/main" id="{975024D9-9BB7-471A-94E4-EFC56FF3D98F}"/>
+              </a:ext>
+            </a:extLst>
+          </p:cNvPr>
+          <p:cNvSpPr>
+            <a:spLocks noGrp="1"/>
+          </p:cNvSpPr>
+          <p:nvPr>
+            <p:ph type="sldNum" sz="quarter" idx="12"/>
+          </p:nvPr>
+        </p:nvSpPr>
+        <p:spPr/>
+        <p:txBody>
+          <a:bodyPr/>
+          <a:lstStyle/>
+          <a:p>
+            <a:fld id="{0371E4C2-5E83-42DF-8C94-9AF9981AB05F}" type="slidenum">
+              <a:rPr lang="en-US" smtClean="0"/>
+              <a:t>4</a:t>
+            </a:fld>
+            <a:endParaRPr lang="en-US"/>
+          </a:p>
+        </p:txBody>
+      </p:sp>
+      <p:sp>
+        <p:nvSpPr>
+          <p:cNvPr id="6" name="Title 5">
+            <a:extLst>
+              <a:ext uri="{FF2B5EF4-FFF2-40B4-BE49-F238E27FC236}">
+                <a16:creationId xmlns:a16="http://schemas.microsoft.com/office/drawing/2014/main" id="{5AC3C16D-A511-4D80-AE4B-92B6A15782D2}"/>
+              </a:ext>
+            </a:extLst>
+          </p:cNvPr>
+          <p:cNvSpPr>
+            <a:spLocks noGrp="1"/>
+          </p:cNvSpPr>
+          <p:nvPr>
+            <p:ph type="title"/>
+          </p:nvPr>
+        </p:nvSpPr>
+        <p:spPr/>
+        <p:txBody>
+          <a:bodyPr/>
+          <a:lstStyle/>
+          <a:p>
+            <a:r>
+              <a:rPr lang="en-US"/>
+              <a:t>Temporal context matters</a:t>
+            </a:r>
+          </a:p>
+        </p:txBody>
+      </p:sp>
+    </p:spTree>
+    <p:extLst>
+      <p:ext uri="{BB962C8B-B14F-4D97-AF65-F5344CB8AC3E}">
+        <p14:creationId xmlns:p14="http://schemas.microsoft.com/office/powerpoint/2010/main" val="4011724510"/>
+      </p:ext>
+    </p:extLst>
+  </p:cSld>
+  <p:clrMapOvr>
+    <a:masterClrMapping/>
+  </p:clrMapOvr>
+  <p:transition>
+    <p:fade/>
+  </p:transition>
+  <p:timing>
+    <p:tnLst>
+      <p:par>
+        <p:cTn id="1" dur="indefinite" restart="never" nodeType="tmRoot">
+          <p:childTnLst>
+            <p:seq concurrent="1" nextAc="seek">
+              <p:cTn id="2" dur="indefinite" nodeType="mainSeq">
+                <p:childTnLst>
+                  <p:par>
+                    <p:cTn id="3" fill="hold">
+                      <p:stCondLst>
+                        <p:cond delay="indefinite"/>
+                      </p:stCondLst>
+                      <p:childTnLst>
+                        <p:par>
+                          <p:cTn id="4" fill="hold">
+                            <p:stCondLst>
+                              <p:cond delay="0"/>
+                            </p:stCondLst>
+                            <p:childTnLst>
+                              <p:par>
+                                <p:cTn id="5" presetID="10" presetClass="entr" presetSubtype="0" fill="hold" grpId="0" nodeType="clickEffect">
+                                  <p:stCondLst>
+                                    <p:cond delay="0"/>
+                                  </p:stCondLst>
+                                  <p:childTnLst>
+                                    <p:set>
+                                      <p:cBhvr>
+                                        <p:cTn id="6" dur="1" fill="hold">
+                                          <p:stCondLst>
+                                            <p:cond delay="0"/>
+                                          </p:stCondLst>
+                                        </p:cTn>
+                                        <p:tgtEl>
+                                          <p:spTgt spid="2">
+                                            <p:txEl>
+                                              <p:pRg st="0" end="0"/>
+                                            </p:txEl>
+                                          </p:spTgt>
+                                        </p:tgtEl>
+                                        <p:attrNameLst>
+                                          <p:attrName>style.visibility</p:attrName>
+                                        </p:attrNameLst>
+                                      </p:cBhvr>
+                                      <p:to>
+                                        <p:strVal val="visible"/>
+                                      </p:to>
+                                    </p:set>
+                                    <p:animEffect transition="in" filter="fade">
+                                      <p:cBhvr>
+                                        <p:cTn id="7" dur="1000"/>
+                                        <p:tgtEl>
+                                          <p:spTgt spid="2">
+                                            <p:txEl>
+                                              <p:pRg st="0" end="0"/>
+                                            </p:txEl>
+                                          </p:spTgt>
+                                        </p:tgtEl>
+                                      </p:cBhvr>
+                                    </p:animEffect>
+                                  </p:childTnLst>
+                                </p:cTn>
+                              </p:par>
+                            </p:childTnLst>
+                          </p:cTn>
+                        </p:par>
+                      </p:childTnLst>
+                    </p:cTn>
+                  </p:par>
+                  <p:par>
+                    <p:cTn id="8" fill="hold">
+                      <p:stCondLst>
+                        <p:cond delay="indefinite"/>
+                      </p:stCondLst>
+                      <p:childTnLst>
+                        <p:par>
+                          <p:cTn id="9" fill="hold">
+                            <p:stCondLst>
+                              <p:cond delay="0"/>
+                            </p:stCondLst>
+                            <p:childTnLst>
+                              <p:par>
+                                <p:cTn id="10" presetID="10" presetClass="entr" presetSubtype="0" fill="hold" grpId="0" nodeType="clickEffect">
+                                  <p:stCondLst>
+                                    <p:cond delay="0"/>
+                                  </p:stCondLst>
+                                  <p:childTnLst>
+                                    <p:set>
+                                      <p:cBhvr>
+                                        <p:cTn id="11" dur="1" fill="hold">
+                                          <p:stCondLst>
+                                            <p:cond delay="0"/>
+                                          </p:stCondLst>
+                                        </p:cTn>
+                                        <p:tgtEl>
+                                          <p:spTgt spid="2">
+                                            <p:txEl>
+                                              <p:pRg st="1" end="1"/>
+                                            </p:txEl>
+                                          </p:spTgt>
+                                        </p:tgtEl>
+                                        <p:attrNameLst>
+                                          <p:attrName>style.visibility</p:attrName>
+                                        </p:attrNameLst>
+                                      </p:cBhvr>
+                                      <p:to>
+                                        <p:strVal val="visible"/>
+                                      </p:to>
+                                    </p:set>
+                                    <p:animEffect transition="in" filter="fade">
+                                      <p:cBhvr>
+                                        <p:cTn id="12" dur="1000"/>
+                                        <p:tgtEl>
+                                          <p:spTgt spid="2">
+                                            <p:txEl>
+                                              <p:pRg st="1" end="1"/>
+                                            </p:txEl>
+                                          </p:spTgt>
+                                        </p:tgtEl>
+                                      </p:cBhvr>
+                                    </p:animEffect>
+                                  </p:childTnLst>
+                                </p:cTn>
+                              </p:par>
+                              <p:par>
+                                <p:cTn id="13" presetID="9" presetClass="emph" presetSubtype="0" grpId="1" nodeType="withEffect">
+                                  <p:stCondLst>
+                                    <p:cond delay="0"/>
+                                  </p:stCondLst>
+                                  <p:childTnLst>
+                                    <p:set>
+                                      <p:cBhvr>
+                                        <p:cTn id="14" dur="indefinite"/>
+                                        <p:tgtEl>
+                                          <p:spTgt spid="2">
+                                            <p:txEl>
+                                              <p:pRg st="0" end="0"/>
+                                            </p:txEl>
+                                          </p:spTgt>
+                                        </p:tgtEl>
+                                        <p:attrNameLst>
+                                          <p:attrName>style.opacity</p:attrName>
+                                        </p:attrNameLst>
+                                      </p:cBhvr>
+                                      <p:to>
+                                        <p:strVal val="0.25"/>
+                                      </p:to>
+                                    </p:set>
+                                    <p:animEffect filter="image" prLst="opacity: 0.25">
+                                      <p:cBhvr rctx="IE">
+                                        <p:cTn id="15" dur="indefinite"/>
+                                        <p:tgtEl>
+                                          <p:spTgt spid="2">
+                                            <p:txEl>
+                                              <p:pRg st="0" end="0"/>
+                                            </p:txEl>
+                                          </p:spTgt>
+                                        </p:tgtEl>
+                                      </p:cBhvr>
+                                    </p:animEffect>
+                                  </p:childTnLst>
+                                </p:cTn>
+                              </p:par>
+                            </p:childTnLst>
+                          </p:cTn>
+                        </p:par>
+                      </p:childTnLst>
+                    </p:cTn>
+                  </p:par>
+                  <p:par>
+                    <p:cTn id="16" fill="hold">
+                      <p:stCondLst>
+                        <p:cond delay="indefinite"/>
+                      </p:stCondLst>
+                      <p:childTnLst>
+                        <p:par>
+                          <p:cTn id="17" fill="hold">
+                            <p:stCondLst>
+                              <p:cond delay="0"/>
+                            </p:stCondLst>
+                            <p:childTnLst>
+                              <p:par>
+                                <p:cTn id="18" presetID="10" presetClass="entr" presetSubtype="0" fill="hold" grpId="0" nodeType="clickEffect">
+                                  <p:stCondLst>
+                                    <p:cond delay="0"/>
+                                  </p:stCondLst>
+                                  <p:childTnLst>
+                                    <p:set>
+                                      <p:cBhvr>
+                                        <p:cTn id="19" dur="1" fill="hold">
+                                          <p:stCondLst>
+                                            <p:cond delay="0"/>
+                                          </p:stCondLst>
+                                        </p:cTn>
+                                        <p:tgtEl>
+                                          <p:spTgt spid="2">
+                                            <p:txEl>
+                                              <p:pRg st="2" end="2"/>
+                                            </p:txEl>
+                                          </p:spTgt>
+                                        </p:tgtEl>
+                                        <p:attrNameLst>
+                                          <p:attrName>style.visibility</p:attrName>
+                                        </p:attrNameLst>
+                                      </p:cBhvr>
+                                      <p:to>
+                                        <p:strVal val="visible"/>
+                                      </p:to>
+                                    </p:set>
+                                    <p:animEffect transition="in" filter="fade">
+                                      <p:cBhvr>
+                                        <p:cTn id="20" dur="1000"/>
+                                        <p:tgtEl>
+                                          <p:spTgt spid="2">
+                                            <p:txEl>
+                                              <p:pRg st="2" end="2"/>
+                                            </p:txEl>
+                                          </p:spTgt>
+                                        </p:tgtEl>
+                                      </p:cBhvr>
+                                    </p:animEffect>
+                                  </p:childTnLst>
+                                </p:cTn>
+                              </p:par>
+                              <p:par>
+                                <p:cTn id="21" presetID="10" presetClass="entr" presetSubtype="0" fill="hold" grpId="0" nodeType="withEffect">
+                                  <p:stCondLst>
+                                    <p:cond delay="0"/>
+                                  </p:stCondLst>
+                                  <p:childTnLst>
+                                    <p:set>
+                                      <p:cBhvr>
+                                        <p:cTn id="22" dur="1" fill="hold">
+                                          <p:stCondLst>
+                                            <p:cond delay="0"/>
+                                          </p:stCondLst>
+                                        </p:cTn>
+                                        <p:tgtEl>
+                                          <p:spTgt spid="2">
+                                            <p:txEl>
+                                              <p:pRg st="6" end="6"/>
+                                            </p:txEl>
+                                          </p:spTgt>
+                                        </p:tgtEl>
+                                        <p:attrNameLst>
+                                          <p:attrName>style.visibility</p:attrName>
+                                        </p:attrNameLst>
+                                      </p:cBhvr>
+                                      <p:to>
+                                        <p:strVal val="visible"/>
+                                      </p:to>
+                                    </p:set>
+                                    <p:animEffect transition="in" filter="fade">
+                                      <p:cBhvr>
+                                        <p:cTn id="23" dur="1000"/>
+                                        <p:tgtEl>
+                                          <p:spTgt spid="2">
+                                            <p:txEl>
+                                              <p:pRg st="6" end="6"/>
+                                            </p:txEl>
+                                          </p:spTgt>
+                                        </p:tgtEl>
+                                      </p:cBhvr>
+                                    </p:animEffect>
+                                  </p:childTnLst>
+                                </p:cTn>
+                              </p:par>
+                              <p:par>
+                                <p:cTn id="24" presetID="9" presetClass="emph" presetSubtype="0" grpId="1" nodeType="withEffect">
+                                  <p:stCondLst>
+                                    <p:cond delay="0"/>
+                                  </p:stCondLst>
+                                  <p:childTnLst>
+                                    <p:set>
+                                      <p:cBhvr>
+                                        <p:cTn id="25" dur="indefinite"/>
+                                        <p:tgtEl>
+                                          <p:spTgt spid="2">
+                                            <p:txEl>
+                                              <p:pRg st="1" end="1"/>
+                                            </p:txEl>
+                                          </p:spTgt>
+                                        </p:tgtEl>
+                                        <p:attrNameLst>
+                                          <p:attrName>style.opacity</p:attrName>
+                                        </p:attrNameLst>
+                                      </p:cBhvr>
+                                      <p:to>
+                                        <p:strVal val="0.25"/>
+                                      </p:to>
+                                    </p:set>
+                                    <p:animEffect filter="image" prLst="opacity: 0.25">
+                                      <p:cBhvr rctx="IE">
+                                        <p:cTn id="26" dur="indefinite"/>
+                                        <p:tgtEl>
+                                          <p:spTgt spid="2">
+                                            <p:txEl>
+                                              <p:pRg st="1" end="1"/>
+                                            </p:txEl>
+                                          </p:spTgt>
+                                        </p:tgtEl>
+                                      </p:cBhvr>
+                                    </p:animEffect>
+                                  </p:childTnLst>
+                                </p:cTn>
+                              </p:par>
+                            </p:childTnLst>
+                          </p:cTn>
+                        </p:par>
+                      </p:childTnLst>
+                    </p:cTn>
+                  </p:par>
+                  <p:par>
+                    <p:cTn id="27" fill="hold">
+                      <p:stCondLst>
+                        <p:cond delay="indefinite"/>
+                      </p:stCondLst>
+                      <p:childTnLst>
+                        <p:par>
+                          <p:cTn id="28" fill="hold">
+                            <p:stCondLst>
+                              <p:cond delay="0"/>
+                            </p:stCondLst>
+                            <p:childTnLst>
+                              <p:par>
+                                <p:cTn id="29" presetID="10" presetClass="entr" presetSubtype="0" fill="hold" grpId="0" nodeType="clickEffect">
+                                  <p:stCondLst>
+                                    <p:cond delay="0"/>
+                                  </p:stCondLst>
+                                  <p:childTnLst>
+                                    <p:set>
+                                      <p:cBhvr>
+                                        <p:cTn id="30" dur="1" fill="hold">
+                                          <p:stCondLst>
+                                            <p:cond delay="0"/>
+                                          </p:stCondLst>
+                                        </p:cTn>
+                                        <p:tgtEl>
+                                          <p:spTgt spid="2">
+                                            <p:txEl>
+                                              <p:pRg st="3" end="3"/>
+                                            </p:txEl>
+                                          </p:spTgt>
+                                        </p:tgtEl>
+                                        <p:attrNameLst>
+                                          <p:attrName>style.visibility</p:attrName>
+                                        </p:attrNameLst>
+                                      </p:cBhvr>
+                                      <p:to>
+                                        <p:strVal val="visible"/>
+                                      </p:to>
+                                    </p:set>
+                                    <p:animEffect transition="in" filter="fade">
+                                      <p:cBhvr>
+                                        <p:cTn id="31" dur="1000"/>
+                                        <p:tgtEl>
+                                          <p:spTgt spid="2">
+                                            <p:txEl>
+                                              <p:pRg st="3" end="3"/>
+                                            </p:txEl>
+                                          </p:spTgt>
+                                        </p:tgtEl>
+                                      </p:cBhvr>
+                                    </p:animEffect>
+                                  </p:childTnLst>
+                                </p:cTn>
+                              </p:par>
+                            </p:childTnLst>
+                          </p:cTn>
+                        </p:par>
+                      </p:childTnLst>
+                    </p:cTn>
+                  </p:par>
+                  <p:par>
+                    <p:cTn id="32" fill="hold">
+                      <p:stCondLst>
+                        <p:cond delay="indefinite"/>
+                      </p:stCondLst>
+                      <p:childTnLst>
+                        <p:par>
+                          <p:cTn id="33" fill="hold">
+                            <p:stCondLst>
+                              <p:cond delay="0"/>
+                            </p:stCondLst>
+                            <p:childTnLst>
+                              <p:par>
+                                <p:cTn id="34" presetID="10" presetClass="entr" presetSubtype="0" fill="hold" grpId="0" nodeType="clickEffect">
+                                  <p:stCondLst>
+                                    <p:cond delay="0"/>
+                                  </p:stCondLst>
+                                  <p:childTnLst>
+                                    <p:set>
+                                      <p:cBhvr>
+                                        <p:cTn id="35" dur="1" fill="hold">
+                                          <p:stCondLst>
+                                            <p:cond delay="0"/>
+                                          </p:stCondLst>
+                                        </p:cTn>
+                                        <p:tgtEl>
+                                          <p:spTgt spid="2">
+                                            <p:txEl>
+                                              <p:pRg st="4" end="4"/>
+                                            </p:txEl>
+                                          </p:spTgt>
+                                        </p:tgtEl>
+                                        <p:attrNameLst>
+                                          <p:attrName>style.visibility</p:attrName>
+                                        </p:attrNameLst>
+                                      </p:cBhvr>
+                                      <p:to>
+                                        <p:strVal val="visible"/>
+                                      </p:to>
+                                    </p:set>
+                                    <p:animEffect transition="in" filter="fade">
+                                      <p:cBhvr>
+                                        <p:cTn id="36" dur="1000"/>
+                                        <p:tgtEl>
+                                          <p:spTgt spid="2">
+                                            <p:txEl>
+                                              <p:pRg st="4" end="4"/>
+                                            </p:txEl>
+                                          </p:spTgt>
+                                        </p:tgtEl>
+                                      </p:cBhvr>
+                                    </p:animEffect>
+                                  </p:childTnLst>
+                                </p:cTn>
+                              </p:par>
+                            </p:childTnLst>
+                          </p:cTn>
+                        </p:par>
+                      </p:childTnLst>
+                    </p:cTn>
+                  </p:par>
+                  <p:par>
+                    <p:cTn id="37" fill="hold">
+                      <p:stCondLst>
+                        <p:cond delay="indefinite"/>
+                      </p:stCondLst>
+                      <p:childTnLst>
+                        <p:par>
+                          <p:cTn id="38" fill="hold">
+                            <p:stCondLst>
+                              <p:cond delay="0"/>
+                            </p:stCondLst>
+                            <p:childTnLst>
+                              <p:par>
+                                <p:cTn id="39" presetID="10" presetClass="entr" presetSubtype="0" fill="hold" grpId="0" nodeType="clickEffect">
+                                  <p:stCondLst>
+                                    <p:cond delay="0"/>
+                                  </p:stCondLst>
+                                  <p:childTnLst>
+                                    <p:set>
+                                      <p:cBhvr>
+                                        <p:cTn id="40" dur="1" fill="hold">
+                                          <p:stCondLst>
+                                            <p:cond delay="0"/>
+                                          </p:stCondLst>
+                                        </p:cTn>
+                                        <p:tgtEl>
+                                          <p:spTgt spid="2">
+                                            <p:txEl>
+                                              <p:pRg st="5" end="5"/>
+                                            </p:txEl>
+                                          </p:spTgt>
+                                        </p:tgtEl>
+                                        <p:attrNameLst>
+                                          <p:attrName>style.visibility</p:attrName>
+                                        </p:attrNameLst>
+                                      </p:cBhvr>
+                                      <p:to>
+                                        <p:strVal val="visible"/>
+                                      </p:to>
+                                    </p:set>
+                                    <p:animEffect transition="in" filter="fade">
+                                      <p:cBhvr>
+                                        <p:cTn id="41" dur="1000"/>
+                                        <p:tgtEl>
+                                          <p:spTgt spid="2">
+                                            <p:txEl>
+                                              <p:pRg st="5" end="5"/>
+                                            </p:txEl>
+                                          </p:spTgt>
+                                        </p:tgtEl>
+                                      </p:cBhvr>
+                                    </p:animEffect>
+                                  </p:childTnLst>
+                                </p:cTn>
+                              </p:par>
+                            </p:childTnLst>
+                          </p:cTn>
+                        </p:par>
+                      </p:childTnLst>
+                    </p:cTn>
+                  </p:par>
+                  <p:par>
+                    <p:cTn id="42" fill="hold">
+                      <p:stCondLst>
+                        <p:cond delay="indefinite"/>
+                      </p:stCondLst>
+                      <p:childTnLst>
+                        <p:par>
+                          <p:cTn id="43" fill="hold">
+                            <p:stCondLst>
+                              <p:cond delay="0"/>
+                            </p:stCondLst>
+                            <p:childTnLst>
+                              <p:par>
+                                <p:cTn id="44" presetID="10" presetClass="entr" presetSubtype="0" fill="hold" grpId="0" nodeType="clickEffect">
+                                  <p:stCondLst>
+                                    <p:cond delay="0"/>
+                                  </p:stCondLst>
+                                  <p:childTnLst>
+                                    <p:set>
+                                      <p:cBhvr>
+                                        <p:cTn id="45" dur="1" fill="hold">
+                                          <p:stCondLst>
+                                            <p:cond delay="0"/>
+                                          </p:stCondLst>
+                                        </p:cTn>
+                                        <p:tgtEl>
+                                          <p:spTgt spid="2">
+                                            <p:txEl>
+                                              <p:pRg st="7" end="7"/>
+                                            </p:txEl>
+                                          </p:spTgt>
+                                        </p:tgtEl>
+                                        <p:attrNameLst>
+                                          <p:attrName>style.visibility</p:attrName>
+                                        </p:attrNameLst>
+                                      </p:cBhvr>
+                                      <p:to>
+                                        <p:strVal val="visible"/>
+                                      </p:to>
+                                    </p:set>
+                                    <p:animEffect transition="in" filter="fade">
+                                      <p:cBhvr>
+                                        <p:cTn id="46" dur="1000"/>
+                                        <p:tgtEl>
+                                          <p:spTgt spid="2">
+                                            <p:txEl>
+                                              <p:pRg st="7" end="7"/>
+                                            </p:txEl>
+                                          </p:spTgt>
+                                        </p:tgtEl>
+                                      </p:cBhvr>
+                                    </p:animEffect>
+                                  </p:childTnLst>
+                                </p:cTn>
+                              </p:par>
+                              <p:par>
+                                <p:cTn id="47" presetID="9" presetClass="emph" presetSubtype="0" grpId="1" nodeType="withEffect">
+                                  <p:stCondLst>
+                                    <p:cond delay="0"/>
+                                  </p:stCondLst>
+                                  <p:childTnLst>
+                                    <p:set>
+                                      <p:cBhvr>
+                                        <p:cTn id="48" dur="indefinite"/>
+                                        <p:tgtEl>
+                                          <p:spTgt spid="2">
+                                            <p:txEl>
+                                              <p:pRg st="2" end="2"/>
+                                            </p:txEl>
+                                          </p:spTgt>
+                                        </p:tgtEl>
+                                        <p:attrNameLst>
+                                          <p:attrName>style.opacity</p:attrName>
+                                        </p:attrNameLst>
+                                      </p:cBhvr>
+                                      <p:to>
+                                        <p:strVal val="0.25"/>
+                                      </p:to>
+                                    </p:set>
+                                    <p:animEffect filter="image" prLst="opacity: 0.25">
+                                      <p:cBhvr rctx="IE">
+                                        <p:cTn id="49" dur="indefinite"/>
+                                        <p:tgtEl>
+                                          <p:spTgt spid="2">
+                                            <p:txEl>
+                                              <p:pRg st="2" end="2"/>
+                                            </p:txEl>
+                                          </p:spTgt>
+                                        </p:tgtEl>
+                                      </p:cBhvr>
+                                    </p:animEffect>
+                                  </p:childTnLst>
+                                </p:cTn>
+                              </p:par>
+                              <p:par>
+                                <p:cTn id="50" presetID="9" presetClass="emph" presetSubtype="0" grpId="1" nodeType="withEffect">
+                                  <p:stCondLst>
+                                    <p:cond delay="0"/>
+                                  </p:stCondLst>
+                                  <p:childTnLst>
+                                    <p:set>
+                                      <p:cBhvr>
+                                        <p:cTn id="51" dur="indefinite"/>
+                                        <p:tgtEl>
+                                          <p:spTgt spid="2">
+                                            <p:txEl>
+                                              <p:pRg st="3" end="3"/>
+                                            </p:txEl>
+                                          </p:spTgt>
+                                        </p:tgtEl>
+                                        <p:attrNameLst>
+                                          <p:attrName>style.opacity</p:attrName>
+                                        </p:attrNameLst>
+                                      </p:cBhvr>
+                                      <p:to>
+                                        <p:strVal val="0.25"/>
+                                      </p:to>
+                                    </p:set>
+                                    <p:animEffect filter="image" prLst="opacity: 0.25">
+                                      <p:cBhvr rctx="IE">
+                                        <p:cTn id="52" dur="indefinite"/>
+                                        <p:tgtEl>
+                                          <p:spTgt spid="2">
+                                            <p:txEl>
+                                              <p:pRg st="3" end="3"/>
+                                            </p:txEl>
+                                          </p:spTgt>
+                                        </p:tgtEl>
+                                      </p:cBhvr>
+                                    </p:animEffect>
+                                  </p:childTnLst>
+                                </p:cTn>
+                              </p:par>
+                              <p:par>
+                                <p:cTn id="53" presetID="9" presetClass="emph" presetSubtype="0" grpId="1" nodeType="withEffect">
+                                  <p:stCondLst>
+                                    <p:cond delay="0"/>
+                                  </p:stCondLst>
+                                  <p:childTnLst>
+                                    <p:set>
+                                      <p:cBhvr>
+                                        <p:cTn id="54" dur="indefinite"/>
+                                        <p:tgtEl>
+                                          <p:spTgt spid="2">
+                                            <p:txEl>
+                                              <p:pRg st="4" end="4"/>
+                                            </p:txEl>
+                                          </p:spTgt>
+                                        </p:tgtEl>
+                                        <p:attrNameLst>
+                                          <p:attrName>style.opacity</p:attrName>
+                                        </p:attrNameLst>
+                                      </p:cBhvr>
+                                      <p:to>
+                                        <p:strVal val="0.25"/>
+                                      </p:to>
+                                    </p:set>
+                                    <p:animEffect filter="image" prLst="opacity: 0.25">
+                                      <p:cBhvr rctx="IE">
+                                        <p:cTn id="55" dur="indefinite"/>
+                                        <p:tgtEl>
+                                          <p:spTgt spid="2">
+                                            <p:txEl>
+                                              <p:pRg st="4" end="4"/>
+                                            </p:txEl>
+                                          </p:spTgt>
+                                        </p:tgtEl>
+                                      </p:cBhvr>
+                                    </p:animEffect>
+                                  </p:childTnLst>
+                                </p:cTn>
+                              </p:par>
+                              <p:par>
+                                <p:cTn id="56" presetID="9" presetClass="emph" presetSubtype="0" grpId="1" nodeType="withEffect">
+                                  <p:stCondLst>
+                                    <p:cond delay="0"/>
+                                  </p:stCondLst>
+                                  <p:childTnLst>
+                                    <p:set>
+                                      <p:cBhvr>
+                                        <p:cTn id="57" dur="indefinite"/>
+                                        <p:tgtEl>
+                                          <p:spTgt spid="2">
+                                            <p:txEl>
+                                              <p:pRg st="5" end="5"/>
+                                            </p:txEl>
+                                          </p:spTgt>
+                                        </p:tgtEl>
+                                        <p:attrNameLst>
+                                          <p:attrName>style.opacity</p:attrName>
+                                        </p:attrNameLst>
+                                      </p:cBhvr>
+                                      <p:to>
+                                        <p:strVal val="0.25"/>
+                                      </p:to>
+                                    </p:set>
+                                    <p:animEffect filter="image" prLst="opacity: 0.25">
+                                      <p:cBhvr rctx="IE">
+                                        <p:cTn id="58" dur="indefinite"/>
+                                        <p:tgtEl>
+                                          <p:spTgt spid="2">
+                                            <p:txEl>
+                                              <p:pRg st="5" end="5"/>
+                                            </p:txEl>
+                                          </p:spTgt>
+                                        </p:tgtEl>
+                                      </p:cBhvr>
+                                    </p:animEffect>
+                                  </p:childTnLst>
+                                </p:cTn>
+                              </p:par>
+                            </p:childTnLst>
+                          </p:cTn>
+                        </p:par>
+                      </p:childTnLst>
+                    </p:cTn>
+                  </p:par>
+                  <p:par>
+                    <p:cTn id="59" fill="hold">
+                      <p:stCondLst>
+                        <p:cond delay="indefinite"/>
+                      </p:stCondLst>
+                      <p:childTnLst>
+                        <p:par>
+                          <p:cTn id="60" fill="hold">
+                            <p:stCondLst>
+                              <p:cond delay="0"/>
+                            </p:stCondLst>
+                            <p:childTnLst>
+                              <p:par>
+                                <p:cTn id="61" presetID="10" presetClass="entr" presetSubtype="0" fill="hold" grpId="0" nodeType="clickEffect">
+                                  <p:stCondLst>
+                                    <p:cond delay="0"/>
+                                  </p:stCondLst>
+                                  <p:childTnLst>
+                                    <p:set>
+                                      <p:cBhvr>
+                                        <p:cTn id="62" dur="1" fill="hold">
+                                          <p:stCondLst>
+                                            <p:cond delay="0"/>
+                                          </p:stCondLst>
+                                        </p:cTn>
+                                        <p:tgtEl>
+                                          <p:spTgt spid="2">
+                                            <p:txEl>
+                                              <p:pRg st="8" end="8"/>
+                                            </p:txEl>
+                                          </p:spTgt>
+                                        </p:tgtEl>
+                                        <p:attrNameLst>
+                                          <p:attrName>style.visibility</p:attrName>
+                                        </p:attrNameLst>
+                                      </p:cBhvr>
+                                      <p:to>
+                                        <p:strVal val="visible"/>
+                                      </p:to>
+                                    </p:set>
+                                    <p:animEffect transition="in" filter="fade">
+                                      <p:cBhvr>
+                                        <p:cTn id="63" dur="1000"/>
+                                        <p:tgtEl>
+                                          <p:spTgt spid="2">
+                                            <p:txEl>
+                                              <p:pRg st="8" end="8"/>
+                                            </p:txEl>
+                                          </p:spTgt>
+                                        </p:tgtEl>
+                                      </p:cBhvr>
+                                    </p:animEffect>
+                                  </p:childTnLst>
+                                </p:cTn>
+                              </p:par>
+                            </p:childTnLst>
+                          </p:cTn>
+                        </p:par>
+                      </p:childTnLst>
+                    </p:cTn>
+                  </p:par>
+                  <p:par>
+                    <p:cTn id="64" fill="hold">
+                      <p:stCondLst>
+                        <p:cond delay="indefinite"/>
+                      </p:stCondLst>
+                      <p:childTnLst>
+                        <p:par>
+                          <p:cTn id="65" fill="hold">
+                            <p:stCondLst>
+                              <p:cond delay="0"/>
+                            </p:stCondLst>
+                            <p:childTnLst>
+                              <p:par>
+                                <p:cTn id="66" presetID="10" presetClass="entr" presetSubtype="0" fill="hold" grpId="0" nodeType="clickEffect">
+                                  <p:stCondLst>
+                                    <p:cond delay="0"/>
+                                  </p:stCondLst>
+                                  <p:childTnLst>
+                                    <p:set>
+                                      <p:cBhvr>
+                                        <p:cTn id="67" dur="1" fill="hold">
+                                          <p:stCondLst>
+                                            <p:cond delay="0"/>
+                                          </p:stCondLst>
+                                        </p:cTn>
+                                        <p:tgtEl>
+                                          <p:spTgt spid="2">
+                                            <p:txEl>
+                                              <p:pRg st="9" end="9"/>
+                                            </p:txEl>
+                                          </p:spTgt>
+                                        </p:tgtEl>
+                                        <p:attrNameLst>
+                                          <p:attrName>style.visibility</p:attrName>
+                                        </p:attrNameLst>
+                                      </p:cBhvr>
+                                      <p:to>
+                                        <p:strVal val="visible"/>
+                                      </p:to>
+                                    </p:set>
+                                    <p:animEffect transition="in" filter="fade">
+                                      <p:cBhvr>
+                                        <p:cTn id="68" dur="1000"/>
+                                        <p:tgtEl>
+                                          <p:spTgt spid="2">
+                                            <p:txEl>
+                                              <p:pRg st="9" end="9"/>
+                                            </p:txEl>
+                                          </p:spTgt>
+                                        </p:tgtEl>
+                                      </p:cBhvr>
+                                    </p:animEffect>
+                                  </p:childTnLst>
+                                </p:cTn>
+                              </p:par>
+                            </p:childTnLst>
+                          </p:cTn>
+                        </p:par>
+                      </p:childTnLst>
+                    </p:cTn>
+                  </p:par>
+                  <p:par>
+                    <p:cTn id="69" fill="hold">
+                      <p:stCondLst>
+                        <p:cond delay="indefinite"/>
+                      </p:stCondLst>
+                      <p:childTnLst>
+                        <p:par>
+                          <p:cTn id="70" fill="hold">
+                            <p:stCondLst>
+                              <p:cond delay="0"/>
+                            </p:stCondLst>
+                            <p:childTnLst>
+                              <p:par>
+                                <p:cTn id="71" presetID="10" presetClass="entr" presetSubtype="0" fill="hold" grpId="0" nodeType="clickEffect">
+                                  <p:stCondLst>
+                                    <p:cond delay="0"/>
+                                  </p:stCondLst>
+                                  <p:childTnLst>
+                                    <p:set>
+                                      <p:cBhvr>
+                                        <p:cTn id="72" dur="1" fill="hold">
+                                          <p:stCondLst>
+                                            <p:cond delay="0"/>
+                                          </p:stCondLst>
+                                        </p:cTn>
+                                        <p:tgtEl>
+                                          <p:spTgt spid="2">
+                                            <p:txEl>
+                                              <p:pRg st="10" end="10"/>
+                                            </p:txEl>
+                                          </p:spTgt>
+                                        </p:tgtEl>
+                                        <p:attrNameLst>
+                                          <p:attrName>style.visibility</p:attrName>
+                                        </p:attrNameLst>
+                                      </p:cBhvr>
+                                      <p:to>
+                                        <p:strVal val="visible"/>
+                                      </p:to>
+                                    </p:set>
+                                    <p:animEffect transition="in" filter="fade">
+                                      <p:cBhvr>
+                                        <p:cTn id="73" dur="1000"/>
+                                        <p:tgtEl>
+                                          <p:spTgt spid="2">
+                                            <p:txEl>
+                                              <p:pRg st="10" end="10"/>
+                                            </p:txEl>
+                                          </p:spTgt>
+                                        </p:tgtEl>
+                                      </p:cBhvr>
+                                    </p:animEffect>
+                                  </p:childTnLst>
+                                </p:cTn>
+                              </p:par>
+                              <p:par>
+                                <p:cTn id="74" presetID="10" presetClass="entr" presetSubtype="0" fill="hold" grpId="0" nodeType="withEffect">
+                                  <p:stCondLst>
+                                    <p:cond delay="0"/>
+                                  </p:stCondLst>
+                                  <p:childTnLst>
+                                    <p:set>
+                                      <p:cBhvr>
+                                        <p:cTn id="75" dur="1" fill="hold">
+                                          <p:stCondLst>
+                                            <p:cond delay="0"/>
+                                          </p:stCondLst>
+                                        </p:cTn>
+                                        <p:tgtEl>
+                                          <p:spTgt spid="2">
+                                            <p:txEl>
+                                              <p:pRg st="11" end="11"/>
+                                            </p:txEl>
+                                          </p:spTgt>
+                                        </p:tgtEl>
+                                        <p:attrNameLst>
+                                          <p:attrName>style.visibility</p:attrName>
+                                        </p:attrNameLst>
+                                      </p:cBhvr>
+                                      <p:to>
+                                        <p:strVal val="visible"/>
+                                      </p:to>
+                                    </p:set>
+                                    <p:animEffect transition="in" filter="fade">
+                                      <p:cBhvr>
+                                        <p:cTn id="76" dur="1000"/>
+                                        <p:tgtEl>
+                                          <p:spTgt spid="2">
+                                            <p:txEl>
+                                              <p:pRg st="11" end="11"/>
+                                            </p:txEl>
+                                          </p:spTgt>
+                                        </p:tgtEl>
+                                      </p:cBhvr>
+                                    </p:animEffect>
+                                  </p:childTnLst>
+                                </p:cTn>
+                              </p:par>
+                              <p:par>
+                                <p:cTn id="77" presetID="9" presetClass="emph" presetSubtype="0" grpId="1" nodeType="withEffect">
+                                  <p:stCondLst>
+                                    <p:cond delay="0"/>
+                                  </p:stCondLst>
+                                  <p:childTnLst>
+                                    <p:set>
+                                      <p:cBhvr>
+                                        <p:cTn id="78" dur="indefinite"/>
+                                        <p:tgtEl>
+                                          <p:spTgt spid="2">
+                                            <p:txEl>
+                                              <p:pRg st="6" end="6"/>
+                                            </p:txEl>
+                                          </p:spTgt>
+                                        </p:tgtEl>
+                                        <p:attrNameLst>
+                                          <p:attrName>style.opacity</p:attrName>
+                                        </p:attrNameLst>
+                                      </p:cBhvr>
+                                      <p:to>
+                                        <p:strVal val="0.25"/>
+                                      </p:to>
+                                    </p:set>
+                                    <p:animEffect filter="image" prLst="opacity: 0.25">
+                                      <p:cBhvr rctx="IE">
+                                        <p:cTn id="79" dur="indefinite"/>
+                                        <p:tgtEl>
+                                          <p:spTgt spid="2">
+                                            <p:txEl>
+                                              <p:pRg st="6" end="6"/>
+                                            </p:txEl>
+                                          </p:spTgt>
+                                        </p:tgtEl>
+                                      </p:cBhvr>
+                                    </p:animEffect>
+                                  </p:childTnLst>
+                                </p:cTn>
+                              </p:par>
+                              <p:par>
+                                <p:cTn id="80" presetID="9" presetClass="emph" presetSubtype="0" grpId="1" nodeType="withEffect">
+                                  <p:stCondLst>
+                                    <p:cond delay="0"/>
+                                  </p:stCondLst>
+                                  <p:childTnLst>
+                                    <p:set>
+                                      <p:cBhvr>
+                                        <p:cTn id="81" dur="indefinite"/>
+                                        <p:tgtEl>
+                                          <p:spTgt spid="2">
+                                            <p:txEl>
+                                              <p:pRg st="7" end="7"/>
+                                            </p:txEl>
+                                          </p:spTgt>
+                                        </p:tgtEl>
+                                        <p:attrNameLst>
+                                          <p:attrName>style.opacity</p:attrName>
+                                        </p:attrNameLst>
+                                      </p:cBhvr>
+                                      <p:to>
+                                        <p:strVal val="0.25"/>
+                                      </p:to>
+                                    </p:set>
+                                    <p:animEffect filter="image" prLst="opacity: 0.25">
+                                      <p:cBhvr rctx="IE">
+                                        <p:cTn id="82" dur="indefinite"/>
+                                        <p:tgtEl>
+                                          <p:spTgt spid="2">
+                                            <p:txEl>
+                                              <p:pRg st="7" end="7"/>
+                                            </p:txEl>
+                                          </p:spTgt>
+                                        </p:tgtEl>
+                                      </p:cBhvr>
+                                    </p:animEffect>
+                                  </p:childTnLst>
+                                </p:cTn>
+                              </p:par>
+                              <p:par>
+                                <p:cTn id="83" presetID="9" presetClass="emph" presetSubtype="0" grpId="1" nodeType="withEffect">
+                                  <p:stCondLst>
+                                    <p:cond delay="0"/>
+                                  </p:stCondLst>
+                                  <p:childTnLst>
+                                    <p:set>
+                                      <p:cBhvr>
+                                        <p:cTn id="84" dur="indefinite"/>
+                                        <p:tgtEl>
+                                          <p:spTgt spid="2">
+                                            <p:txEl>
+                                              <p:pRg st="8" end="8"/>
+                                            </p:txEl>
+                                          </p:spTgt>
+                                        </p:tgtEl>
+                                        <p:attrNameLst>
+                                          <p:attrName>style.opacity</p:attrName>
+                                        </p:attrNameLst>
+                                      </p:cBhvr>
+                                      <p:to>
+                                        <p:strVal val="0.25"/>
+                                      </p:to>
+                                    </p:set>
+                                    <p:animEffect filter="image" prLst="opacity: 0.25">
+                                      <p:cBhvr rctx="IE">
+                                        <p:cTn id="85" dur="indefinite"/>
+                                        <p:tgtEl>
+                                          <p:spTgt spid="2">
+                                            <p:txEl>
+                                              <p:pRg st="8" end="8"/>
+                                            </p:txEl>
+                                          </p:spTgt>
+                                        </p:tgtEl>
+                                      </p:cBhvr>
+                                    </p:animEffect>
+                                  </p:childTnLst>
+                                </p:cTn>
+                              </p:par>
+                              <p:par>
+                                <p:cTn id="86" presetID="9" presetClass="emph" presetSubtype="0" grpId="1" nodeType="withEffect">
+                                  <p:stCondLst>
+                                    <p:cond delay="0"/>
+                                  </p:stCondLst>
+                                  <p:childTnLst>
+                                    <p:set>
+                                      <p:cBhvr>
+                                        <p:cTn id="87" dur="indefinite"/>
+                                        <p:tgtEl>
+                                          <p:spTgt spid="2">
+                                            <p:txEl>
+                                              <p:pRg st="9" end="9"/>
+                                            </p:txEl>
+                                          </p:spTgt>
+                                        </p:tgtEl>
+                                        <p:attrNameLst>
+                                          <p:attrName>style.opacity</p:attrName>
+                                        </p:attrNameLst>
+                                      </p:cBhvr>
+                                      <p:to>
+                                        <p:strVal val="0.25"/>
+                                      </p:to>
+                                    </p:set>
+                                    <p:animEffect filter="image" prLst="opacity: 0.25">
+                                      <p:cBhvr rctx="IE">
+                                        <p:cTn id="88" dur="indefinite"/>
+                                        <p:tgtEl>
+                                          <p:spTgt spid="2">
+                                            <p:txEl>
+                                              <p:pRg st="9" end="9"/>
+                                            </p:txEl>
+                                          </p:spTgt>
+                                        </p:tgtEl>
+                                      </p:cBhvr>
+                                    </p:animEffect>
+                                  </p:childTnLst>
+                                </p:cTn>
+                              </p:par>
+                            </p:childTnLst>
+                          </p:cTn>
+                        </p:par>
+                      </p:childTnLst>
+                    </p:cTn>
+                  </p:par>
+                </p:childTnLst>
+              </p:cTn>
+              <p:prevCondLst>
+                <p:cond evt="onPrev" delay="0">
+                  <p:tgtEl>
+                    <p:sldTgt/>
+                  </p:tgtEl>
+                </p:cond>
+              </p:prevCondLst>
+              <p:nextCondLst>
+                <p:cond evt="onNext" delay="0">
+                  <p:tgtEl>
+                    <p:sldTgt/>
+                  </p:tgtEl>
+                </p:cond>
+              </p:nextCondLst>
+            </p:seq>
+          </p:childTnLst>
+        </p:cTn>
+      </p:par>
+    </p:tnLst>
+    <p:bldLst>
+      <p:bldP spid="2" grpId="0" uiExpand="1" build="p"/>
+      <p:bldP spid="2" grpId="1" uiExpand="1" build="allAtOnce"/>
     </p:bldLst>
   </p:timing>
 </p:sld>

--- a/output/presentation_mathes.pptx
+++ b/output/presentation_mathes.pptx
@@ -5,13 +5,17 @@
     <p:sldMasterId id="2147483648" r:id="rId1"/>
   </p:sldMasterIdLst>
   <p:notesMasterIdLst>
-    <p:notesMasterId r:id="rId6"/>
+    <p:notesMasterId r:id="rId10"/>
   </p:notesMasterIdLst>
   <p:sldIdLst>
     <p:sldId id="256" r:id="rId2"/>
     <p:sldId id="258" r:id="rId3"/>
     <p:sldId id="257" r:id="rId4"/>
     <p:sldId id="259" r:id="rId5"/>
+    <p:sldId id="260" r:id="rId6"/>
+    <p:sldId id="261" r:id="rId7"/>
+    <p:sldId id="262" r:id="rId8"/>
+    <p:sldId id="263" r:id="rId9"/>
   </p:sldIdLst>
   <p:sldSz cx="12192000" cy="6858000"/>
   <p:notesSz cx="6858000" cy="9144000"/>
@@ -200,7 +204,7 @@
           <a:p>
             <a:fld id="{C2C3FC0A-974C-4E0B-8217-77E1D13223B9}" type="datetimeFigureOut">
               <a:rPr lang="en-US" smtClean="0"/>
-              <a:t>1/25/2023</a:t>
+              <a:t>1/26/2023</a:t>
             </a:fld>
             <a:endParaRPr lang="en-US"/>
           </a:p>
@@ -4080,7 +4084,7 @@
           <a:lstStyle/>
           <a:p>
             <a:r>
-              <a:rPr lang="en-US" dirty="0"/>
+              <a:rPr lang="en-US" noProof="0" dirty="0"/>
               <a:t>Click to edit Master title style</a:t>
             </a:r>
           </a:p>
@@ -4119,35 +4123,35 @@
           <a:p>
             <a:pPr lvl="0"/>
             <a:r>
-              <a:rPr lang="en-US" dirty="0"/>
+              <a:rPr lang="en-US" noProof="0" dirty="0"/>
               <a:t>Edit Master text styles</a:t>
             </a:r>
           </a:p>
           <a:p>
             <a:pPr lvl="1"/>
             <a:r>
-              <a:rPr lang="en-US" dirty="0"/>
+              <a:rPr lang="en-US" noProof="0" dirty="0"/>
               <a:t>Second level</a:t>
             </a:r>
           </a:p>
           <a:p>
             <a:pPr lvl="2"/>
             <a:r>
-              <a:rPr lang="en-US" dirty="0"/>
+              <a:rPr lang="en-US" noProof="0" dirty="0"/>
               <a:t>Third level</a:t>
             </a:r>
           </a:p>
           <a:p>
             <a:pPr lvl="3"/>
             <a:r>
-              <a:rPr lang="en-US" dirty="0"/>
+              <a:rPr lang="en-US" noProof="0" dirty="0"/>
               <a:t>Fourth level</a:t>
             </a:r>
           </a:p>
           <a:p>
             <a:pPr lvl="4"/>
             <a:r>
-              <a:rPr lang="en-US" dirty="0"/>
+              <a:rPr lang="en-US" noProof="0" dirty="0"/>
               <a:t>Fifth level</a:t>
             </a:r>
           </a:p>
@@ -4722,16 +4726,8 @@
               </a:spcBef>
             </a:pPr>
             <a:r>
-              <a:rPr lang="de-DE" sz="1800" dirty="0"/>
-              <a:t>University </a:t>
-            </a:r>
-            <a:r>
-              <a:rPr lang="de-DE" sz="1800" dirty="0" err="1"/>
-              <a:t>of</a:t>
-            </a:r>
-            <a:r>
-              <a:rPr lang="de-DE" sz="1800" dirty="0"/>
-              <a:t> Bayreuth</a:t>
+              <a:rPr lang="en-US" sz="1800" dirty="0"/>
+              <a:t>University of Bayreuth</a:t>
             </a:r>
           </a:p>
           <a:p>
@@ -4744,7 +4740,7 @@
               </a:spcBef>
             </a:pPr>
             <a:r>
-              <a:rPr lang="de-DE" sz="1800" dirty="0"/>
+              <a:rPr lang="en-US" sz="1800" dirty="0"/>
               <a:t>Gregor Mathes</a:t>
             </a:r>
           </a:p>
@@ -4758,7 +4754,7 @@
               </a:spcBef>
             </a:pPr>
             <a:r>
-              <a:rPr lang="de-DE" sz="1800" dirty="0"/>
+              <a:rPr lang="en-US" sz="1800" dirty="0"/>
               <a:t>PhD Defense</a:t>
             </a:r>
           </a:p>
@@ -4772,10 +4768,9 @@
               </a:spcBef>
             </a:pPr>
             <a:r>
-              <a:rPr lang="de-DE" sz="1800" dirty="0"/>
+              <a:rPr lang="en-US" sz="1800" dirty="0"/>
               <a:t>02.02.2023</a:t>
             </a:r>
-            <a:endParaRPr lang="en-US" sz="1800" dirty="0"/>
           </a:p>
         </p:txBody>
       </p:sp>
@@ -5942,7 +5937,7 @@
           <a:lstStyle/>
           <a:p>
             <a:pPr algn="ctr"/>
-            <a:endParaRPr lang="en-US"/>
+            <a:endParaRPr lang="en-US" dirty="0"/>
           </a:p>
         </p:txBody>
       </p:sp>
@@ -7026,12 +7021,431 @@
           <a:lstStyle/>
           <a:p>
             <a:r>
-              <a:rPr lang="en-US"/>
+              <a:rPr lang="en-US" dirty="0"/>
               <a:t>Temporal context matters</a:t>
             </a:r>
           </a:p>
         </p:txBody>
       </p:sp>
+      <p:pic>
+        <p:nvPicPr>
+          <p:cNvPr id="1030" name="Picture 6" descr="https://pixabay.com/get/g3631f6b8dfd96fb3dc82619588b2df3980e36a7beb4ee971cd8057b6f5d17df85b1719ddf79ca37bb112f6f4a0432731_640.png">
+            <a:extLst>
+              <a:ext uri="{FF2B5EF4-FFF2-40B4-BE49-F238E27FC236}">
+                <a16:creationId xmlns:a16="http://schemas.microsoft.com/office/drawing/2014/main" id="{30DA709A-BC60-4D09-8AA0-1714C7B91217}"/>
+              </a:ext>
+            </a:extLst>
+          </p:cNvPr>
+          <p:cNvPicPr>
+            <a:picLocks noChangeAspect="1" noChangeArrowheads="1"/>
+          </p:cNvPicPr>
+          <p:nvPr/>
+        </p:nvPicPr>
+        <p:blipFill>
+          <a:blip r:embed="rId2">
+            <a:extLst>
+              <a:ext uri="{28A0092B-C50C-407E-A947-70E740481C1C}">
+                <a14:useLocalDpi xmlns:a14="http://schemas.microsoft.com/office/drawing/2010/main" val="0"/>
+              </a:ext>
+            </a:extLst>
+          </a:blip>
+          <a:srcRect/>
+          <a:stretch>
+            <a:fillRect/>
+          </a:stretch>
+        </p:blipFill>
+        <p:spPr bwMode="auto">
+          <a:xfrm>
+            <a:off x="4891088" y="2741613"/>
+            <a:ext cx="363413" cy="365125"/>
+          </a:xfrm>
+          <a:prstGeom prst="rect">
+            <a:avLst/>
+          </a:prstGeom>
+          <a:noFill/>
+          <a:extLst>
+            <a:ext uri="{909E8E84-426E-40DD-AFC4-6F175D3DCCD1}">
+              <a14:hiddenFill xmlns:a14="http://schemas.microsoft.com/office/drawing/2010/main">
+                <a:solidFill>
+                  <a:srgbClr val="FFFFFF"/>
+                </a:solidFill>
+              </a14:hiddenFill>
+            </a:ext>
+          </a:extLst>
+        </p:spPr>
+      </p:pic>
+      <p:pic>
+        <p:nvPicPr>
+          <p:cNvPr id="8" name="Graphic 7" descr="Dinosaur footprints">
+            <a:extLst>
+              <a:ext uri="{FF2B5EF4-FFF2-40B4-BE49-F238E27FC236}">
+                <a16:creationId xmlns:a16="http://schemas.microsoft.com/office/drawing/2014/main" id="{2A5E0A32-1E0E-44CD-888E-BCF9AE2571F9}"/>
+              </a:ext>
+            </a:extLst>
+          </p:cNvPr>
+          <p:cNvPicPr>
+            <a:picLocks noChangeAspect="1"/>
+          </p:cNvPicPr>
+          <p:nvPr/>
+        </p:nvPicPr>
+        <p:blipFill>
+          <a:blip r:embed="rId3">
+            <a:extLst>
+              <a:ext uri="{28A0092B-C50C-407E-A947-70E740481C1C}">
+                <a14:useLocalDpi xmlns:a14="http://schemas.microsoft.com/office/drawing/2010/main" val="0"/>
+              </a:ext>
+              <a:ext uri="{96DAC541-7B7A-43D3-8B79-37D633B846F1}">
+                <asvg:svgBlip xmlns:asvg="http://schemas.microsoft.com/office/drawing/2016/SVG/main" r:embed="rId4"/>
+              </a:ext>
+            </a:extLst>
+          </a:blip>
+          <a:stretch>
+            <a:fillRect/>
+          </a:stretch>
+        </p:blipFill>
+        <p:spPr>
+          <a:xfrm>
+            <a:off x="5650741" y="2917066"/>
+            <a:ext cx="511934" cy="511934"/>
+          </a:xfrm>
+          <a:prstGeom prst="rect">
+            <a:avLst/>
+          </a:prstGeom>
+        </p:spPr>
+      </p:pic>
+      <p:pic>
+        <p:nvPicPr>
+          <p:cNvPr id="12" name="Graphic 11" descr="Research">
+            <a:extLst>
+              <a:ext uri="{FF2B5EF4-FFF2-40B4-BE49-F238E27FC236}">
+                <a16:creationId xmlns:a16="http://schemas.microsoft.com/office/drawing/2014/main" id="{614D4794-08F2-4E13-B66E-A4F11EBCF471}"/>
+              </a:ext>
+            </a:extLst>
+          </p:cNvPr>
+          <p:cNvPicPr>
+            <a:picLocks noChangeAspect="1"/>
+          </p:cNvPicPr>
+          <p:nvPr/>
+        </p:nvPicPr>
+        <p:blipFill>
+          <a:blip r:embed="rId5">
+            <a:extLst>
+              <a:ext uri="{28A0092B-C50C-407E-A947-70E740481C1C}">
+                <a14:useLocalDpi xmlns:a14="http://schemas.microsoft.com/office/drawing/2010/main" val="0"/>
+              </a:ext>
+              <a:ext uri="{96DAC541-7B7A-43D3-8B79-37D633B846F1}">
+                <asvg:svgBlip xmlns:asvg="http://schemas.microsoft.com/office/drawing/2016/SVG/main" r:embed="rId6"/>
+              </a:ext>
+            </a:extLst>
+          </a:blip>
+          <a:stretch>
+            <a:fillRect/>
+          </a:stretch>
+        </p:blipFill>
+        <p:spPr>
+          <a:xfrm>
+            <a:off x="7108066" y="3357112"/>
+            <a:ext cx="435734" cy="435734"/>
+          </a:xfrm>
+          <a:prstGeom prst="rect">
+            <a:avLst/>
+          </a:prstGeom>
+        </p:spPr>
+      </p:pic>
+      <p:pic>
+        <p:nvPicPr>
+          <p:cNvPr id="14" name="Graphic 13" descr="Plant">
+            <a:extLst>
+              <a:ext uri="{FF2B5EF4-FFF2-40B4-BE49-F238E27FC236}">
+                <a16:creationId xmlns:a16="http://schemas.microsoft.com/office/drawing/2014/main" id="{E880EA2A-203B-46E1-8843-935E5E79B4A5}"/>
+              </a:ext>
+            </a:extLst>
+          </p:cNvPr>
+          <p:cNvPicPr>
+            <a:picLocks noChangeAspect="1"/>
+          </p:cNvPicPr>
+          <p:nvPr/>
+        </p:nvPicPr>
+        <p:blipFill>
+          <a:blip r:embed="rId7">
+            <a:extLst>
+              <a:ext uri="{28A0092B-C50C-407E-A947-70E740481C1C}">
+                <a14:useLocalDpi xmlns:a14="http://schemas.microsoft.com/office/drawing/2010/main" val="0"/>
+              </a:ext>
+              <a:ext uri="{96DAC541-7B7A-43D3-8B79-37D633B846F1}">
+                <asvg:svgBlip xmlns:asvg="http://schemas.microsoft.com/office/drawing/2016/SVG/main" r:embed="rId8"/>
+              </a:ext>
+            </a:extLst>
+          </a:blip>
+          <a:stretch>
+            <a:fillRect/>
+          </a:stretch>
+        </p:blipFill>
+        <p:spPr>
+          <a:xfrm>
+            <a:off x="6096000" y="4024952"/>
+            <a:ext cx="478146" cy="478146"/>
+          </a:xfrm>
+          <a:prstGeom prst="rect">
+            <a:avLst/>
+          </a:prstGeom>
+        </p:spPr>
+      </p:pic>
+      <p:grpSp>
+        <p:nvGrpSpPr>
+          <p:cNvPr id="17" name="Group 16">
+            <a:extLst>
+              <a:ext uri="{FF2B5EF4-FFF2-40B4-BE49-F238E27FC236}">
+                <a16:creationId xmlns:a16="http://schemas.microsoft.com/office/drawing/2014/main" id="{31FD32B1-CE90-4132-9648-7574E5D0B239}"/>
+              </a:ext>
+            </a:extLst>
+          </p:cNvPr>
+          <p:cNvGrpSpPr/>
+          <p:nvPr/>
+        </p:nvGrpSpPr>
+        <p:grpSpPr>
+          <a:xfrm>
+            <a:off x="7702216" y="4381500"/>
+            <a:ext cx="367948" cy="503176"/>
+            <a:chOff x="7702216" y="4381500"/>
+            <a:chExt cx="367948" cy="503176"/>
+          </a:xfrm>
+        </p:grpSpPr>
+        <p:pic>
+          <p:nvPicPr>
+            <p:cNvPr id="1032" name="Picture 8" descr="https://pixabay.com/get/g20d4d6b2afb14ba914af747850fe566365c4b320f1bf4a49a28dbed3d1060e6183aac3dc89a4c267d516fbcfe99ba402_640.png">
+              <a:extLst>
+                <a:ext uri="{FF2B5EF4-FFF2-40B4-BE49-F238E27FC236}">
+                  <a16:creationId xmlns:a16="http://schemas.microsoft.com/office/drawing/2014/main" id="{D97C615A-D77F-416F-BF34-4BB35A7B344F}"/>
+                </a:ext>
+              </a:extLst>
+            </p:cNvPr>
+            <p:cNvPicPr>
+              <a:picLocks noChangeAspect="1" noChangeArrowheads="1"/>
+            </p:cNvPicPr>
+            <p:nvPr/>
+          </p:nvPicPr>
+          <p:blipFill>
+            <a:blip r:embed="rId9">
+              <a:duotone>
+                <a:prstClr val="black"/>
+                <a:schemeClr val="accent6">
+                  <a:tint val="45000"/>
+                  <a:satMod val="400000"/>
+                </a:schemeClr>
+              </a:duotone>
+              <a:extLst>
+                <a:ext uri="{28A0092B-C50C-407E-A947-70E740481C1C}">
+                  <a14:useLocalDpi xmlns:a14="http://schemas.microsoft.com/office/drawing/2010/main" val="0"/>
+                </a:ext>
+              </a:extLst>
+            </a:blip>
+            <a:srcRect/>
+            <a:stretch>
+              <a:fillRect/>
+            </a:stretch>
+          </p:blipFill>
+          <p:spPr bwMode="auto">
+            <a:xfrm>
+              <a:off x="7702217" y="4454812"/>
+              <a:ext cx="279029" cy="381579"/>
+            </a:xfrm>
+            <a:prstGeom prst="rect">
+              <a:avLst/>
+            </a:prstGeom>
+            <a:noFill/>
+            <a:extLst>
+              <a:ext uri="{909E8E84-426E-40DD-AFC4-6F175D3DCCD1}">
+                <a14:hiddenFill xmlns:a14="http://schemas.microsoft.com/office/drawing/2010/main">
+                  <a:solidFill>
+                    <a:srgbClr val="FFFFFF"/>
+                  </a:solidFill>
+                </a14:hiddenFill>
+              </a:ext>
+            </a:extLst>
+          </p:spPr>
+        </p:pic>
+        <p:sp>
+          <p:nvSpPr>
+            <p:cNvPr id="15" name="Rectangle 14">
+              <a:extLst>
+                <a:ext uri="{FF2B5EF4-FFF2-40B4-BE49-F238E27FC236}">
+                  <a16:creationId xmlns:a16="http://schemas.microsoft.com/office/drawing/2014/main" id="{91F93077-3B06-4879-9276-27D99D53AC04}"/>
+                </a:ext>
+              </a:extLst>
+            </p:cNvPr>
+            <p:cNvSpPr>
+              <a:spLocks noChangeAspect="1"/>
+            </p:cNvSpPr>
+            <p:nvPr/>
+          </p:nvSpPr>
+          <p:spPr>
+            <a:xfrm>
+              <a:off x="7702216" y="4381500"/>
+              <a:ext cx="367948" cy="503176"/>
+            </a:xfrm>
+            <a:prstGeom prst="rect">
+              <a:avLst/>
+            </a:prstGeom>
+            <a:solidFill>
+              <a:schemeClr val="bg1">
+                <a:alpha val="25000"/>
+              </a:schemeClr>
+            </a:solidFill>
+            <a:ln>
+              <a:noFill/>
+            </a:ln>
+          </p:spPr>
+          <p:style>
+            <a:lnRef idx="2">
+              <a:schemeClr val="accent1">
+                <a:shade val="50000"/>
+              </a:schemeClr>
+            </a:lnRef>
+            <a:fillRef idx="1">
+              <a:schemeClr val="accent1"/>
+            </a:fillRef>
+            <a:effectRef idx="0">
+              <a:schemeClr val="accent1"/>
+            </a:effectRef>
+            <a:fontRef idx="minor">
+              <a:schemeClr val="lt1"/>
+            </a:fontRef>
+          </p:style>
+          <p:txBody>
+            <a:bodyPr rtlCol="0" anchor="ctr"/>
+            <a:lstStyle/>
+            <a:p>
+              <a:pPr algn="ctr"/>
+              <a:endParaRPr lang="en-US"/>
+            </a:p>
+          </p:txBody>
+        </p:sp>
+      </p:grpSp>
+      <p:grpSp>
+        <p:nvGrpSpPr>
+          <p:cNvPr id="18" name="Group 17">
+            <a:extLst>
+              <a:ext uri="{FF2B5EF4-FFF2-40B4-BE49-F238E27FC236}">
+                <a16:creationId xmlns:a16="http://schemas.microsoft.com/office/drawing/2014/main" id="{7DC16F69-A5AA-4E12-844C-74A510D9BF97}"/>
+              </a:ext>
+            </a:extLst>
+          </p:cNvPr>
+          <p:cNvGrpSpPr/>
+          <p:nvPr/>
+        </p:nvGrpSpPr>
+        <p:grpSpPr>
+          <a:xfrm>
+            <a:off x="6662034" y="4804401"/>
+            <a:ext cx="453000" cy="549047"/>
+            <a:chOff x="6662034" y="4804401"/>
+            <a:chExt cx="453000" cy="549047"/>
+          </a:xfrm>
+        </p:grpSpPr>
+        <p:pic>
+          <p:nvPicPr>
+            <p:cNvPr id="1034" name="Picture 10" descr="https://pixabay.com/get/ga0dd38fee78ed6c19eabd489482f2454df5de5e2dcf99dfba61286b05eca6cfd0c357f390710d2be3ef8d5510707bdbd_640.png">
+              <a:extLst>
+                <a:ext uri="{FF2B5EF4-FFF2-40B4-BE49-F238E27FC236}">
+                  <a16:creationId xmlns:a16="http://schemas.microsoft.com/office/drawing/2014/main" id="{15162700-588D-446E-B0E6-A76CBFDB0004}"/>
+                </a:ext>
+              </a:extLst>
+            </p:cNvPr>
+            <p:cNvPicPr>
+              <a:picLocks noChangeAspect="1" noChangeArrowheads="1"/>
+            </p:cNvPicPr>
+            <p:nvPr/>
+          </p:nvPicPr>
+          <p:blipFill>
+            <a:blip r:embed="rId10">
+              <a:extLst>
+                <a:ext uri="{28A0092B-C50C-407E-A947-70E740481C1C}">
+                  <a14:useLocalDpi xmlns:a14="http://schemas.microsoft.com/office/drawing/2010/main" val="0"/>
+                </a:ext>
+              </a:extLst>
+            </a:blip>
+            <a:srcRect/>
+            <a:stretch>
+              <a:fillRect/>
+            </a:stretch>
+          </p:blipFill>
+          <p:spPr bwMode="auto">
+            <a:xfrm>
+              <a:off x="6702447" y="4804401"/>
+              <a:ext cx="412587" cy="435735"/>
+            </a:xfrm>
+            <a:prstGeom prst="rect">
+              <a:avLst/>
+            </a:prstGeom>
+            <a:noFill/>
+            <a:extLst>
+              <a:ext uri="{909E8E84-426E-40DD-AFC4-6F175D3DCCD1}">
+                <a14:hiddenFill xmlns:a14="http://schemas.microsoft.com/office/drawing/2010/main">
+                  <a:solidFill>
+                    <a:srgbClr val="FFFFFF"/>
+                  </a:solidFill>
+                </a14:hiddenFill>
+              </a:ext>
+            </a:extLst>
+          </p:spPr>
+        </p:pic>
+        <p:sp>
+          <p:nvSpPr>
+            <p:cNvPr id="25" name="Rectangle 24">
+              <a:extLst>
+                <a:ext uri="{FF2B5EF4-FFF2-40B4-BE49-F238E27FC236}">
+                  <a16:creationId xmlns:a16="http://schemas.microsoft.com/office/drawing/2014/main" id="{454C953A-BC3D-4C09-8CB1-FAA3A4E13407}"/>
+                </a:ext>
+              </a:extLst>
+            </p:cNvPr>
+            <p:cNvSpPr>
+              <a:spLocks noChangeAspect="1"/>
+            </p:cNvSpPr>
+            <p:nvPr/>
+          </p:nvSpPr>
+          <p:spPr>
+            <a:xfrm>
+              <a:off x="6662034" y="4804401"/>
+              <a:ext cx="401491" cy="549047"/>
+            </a:xfrm>
+            <a:prstGeom prst="rect">
+              <a:avLst/>
+            </a:prstGeom>
+            <a:solidFill>
+              <a:schemeClr val="bg1">
+                <a:alpha val="35000"/>
+              </a:schemeClr>
+            </a:solidFill>
+            <a:ln>
+              <a:noFill/>
+            </a:ln>
+          </p:spPr>
+          <p:style>
+            <a:lnRef idx="2">
+              <a:schemeClr val="accent1">
+                <a:shade val="50000"/>
+              </a:schemeClr>
+            </a:lnRef>
+            <a:fillRef idx="1">
+              <a:schemeClr val="accent1"/>
+            </a:fillRef>
+            <a:effectRef idx="0">
+              <a:schemeClr val="accent1"/>
+            </a:effectRef>
+            <a:fontRef idx="minor">
+              <a:schemeClr val="lt1"/>
+            </a:fontRef>
+          </p:style>
+          <p:txBody>
+            <a:bodyPr rtlCol="0" anchor="ctr"/>
+            <a:lstStyle/>
+            <a:p>
+              <a:pPr algn="ctr"/>
+              <a:endParaRPr lang="en-US"/>
+            </a:p>
+          </p:txBody>
+        </p:sp>
+      </p:grpSp>
     </p:spTree>
     <p:extLst>
       <p:ext uri="{BB962C8B-B14F-4D97-AF65-F5344CB8AC3E}">
@@ -7412,43 +7826,21 @@
                                   </p:childTnLst>
                                 </p:cTn>
                               </p:par>
-                            </p:childTnLst>
-                          </p:cTn>
-                        </p:par>
-                      </p:childTnLst>
-                    </p:cTn>
-                  </p:par>
-                  <p:par>
-                    <p:cTn id="32" fill="hold">
-                      <p:stCondLst>
-                        <p:cond delay="indefinite"/>
-                      </p:stCondLst>
-                      <p:childTnLst>
-                        <p:par>
-                          <p:cTn id="33" fill="hold">
-                            <p:stCondLst>
-                              <p:cond delay="0"/>
-                            </p:stCondLst>
-                            <p:childTnLst>
                               <p:par>
-                                <p:cTn id="34" presetID="10" presetClass="entr" presetSubtype="0" fill="hold" grpId="0" nodeType="clickEffect">
+                                <p:cTn id="32" presetID="10" presetClass="entr" presetSubtype="0" fill="hold" nodeType="withEffect">
                                   <p:stCondLst>
                                     <p:cond delay="0"/>
                                   </p:stCondLst>
                                   <p:childTnLst>
                                     <p:set>
                                       <p:cBhvr>
-                                        <p:cTn id="35" dur="1" fill="hold">
+                                        <p:cTn id="33" dur="1" fill="hold">
                                           <p:stCondLst>
                                             <p:cond delay="0"/>
                                           </p:stCondLst>
                                         </p:cTn>
                                         <p:tgtEl>
-                                          <p:spTgt spid="2">
-                                            <p:txEl>
-                                              <p:pRg st="4" end="4"/>
-                                            </p:txEl>
-                                          </p:spTgt>
+                                          <p:spTgt spid="1030"/>
                                         </p:tgtEl>
                                         <p:attrNameLst>
                                           <p:attrName>style.visibility</p:attrName>
@@ -7460,13 +7852,9 @@
                                     </p:set>
                                     <p:animEffect transition="in" filter="fade">
                                       <p:cBhvr>
-                                        <p:cTn id="36" dur="1000"/>
-                                        <p:tgtEl>
-                                          <p:spTgt spid="2">
-                                            <p:txEl>
-                                              <p:pRg st="4" end="4"/>
-                                            </p:txEl>
-                                          </p:spTgt>
+                                        <p:cTn id="34" dur="1000"/>
+                                        <p:tgtEl>
+                                          <p:spTgt spid="1030"/>
                                         </p:tgtEl>
                                       </p:cBhvr>
                                     </p:animEffect>
@@ -7480,26 +7868,157 @@
                     </p:cTn>
                   </p:par>
                   <p:par>
-                    <p:cTn id="37" fill="hold">
+                    <p:cTn id="35" fill="hold">
                       <p:stCondLst>
                         <p:cond delay="indefinite"/>
                       </p:stCondLst>
                       <p:childTnLst>
                         <p:par>
-                          <p:cTn id="38" fill="hold">
+                          <p:cTn id="36" fill="hold">
                             <p:stCondLst>
                               <p:cond delay="0"/>
                             </p:stCondLst>
                             <p:childTnLst>
                               <p:par>
-                                <p:cTn id="39" presetID="10" presetClass="entr" presetSubtype="0" fill="hold" grpId="0" nodeType="clickEffect">
+                                <p:cTn id="37" presetID="10" presetClass="entr" presetSubtype="0" fill="hold" grpId="0" nodeType="clickEffect">
                                   <p:stCondLst>
                                     <p:cond delay="0"/>
                                   </p:stCondLst>
                                   <p:childTnLst>
                                     <p:set>
                                       <p:cBhvr>
-                                        <p:cTn id="40" dur="1" fill="hold">
+                                        <p:cTn id="38" dur="1" fill="hold">
+                                          <p:stCondLst>
+                                            <p:cond delay="0"/>
+                                          </p:stCondLst>
+                                        </p:cTn>
+                                        <p:tgtEl>
+                                          <p:spTgt spid="2">
+                                            <p:txEl>
+                                              <p:pRg st="4" end="4"/>
+                                            </p:txEl>
+                                          </p:spTgt>
+                                        </p:tgtEl>
+                                        <p:attrNameLst>
+                                          <p:attrName>style.visibility</p:attrName>
+                                        </p:attrNameLst>
+                                      </p:cBhvr>
+                                      <p:to>
+                                        <p:strVal val="visible"/>
+                                      </p:to>
+                                    </p:set>
+                                    <p:animEffect transition="in" filter="fade">
+                                      <p:cBhvr>
+                                        <p:cTn id="39" dur="1000"/>
+                                        <p:tgtEl>
+                                          <p:spTgt spid="2">
+                                            <p:txEl>
+                                              <p:pRg st="4" end="4"/>
+                                            </p:txEl>
+                                          </p:spTgt>
+                                        </p:tgtEl>
+                                      </p:cBhvr>
+                                    </p:animEffect>
+                                  </p:childTnLst>
+                                </p:cTn>
+                              </p:par>
+                              <p:par>
+                                <p:cTn id="40" presetID="10" presetClass="entr" presetSubtype="0" fill="hold" nodeType="withEffect">
+                                  <p:stCondLst>
+                                    <p:cond delay="0"/>
+                                  </p:stCondLst>
+                                  <p:childTnLst>
+                                    <p:set>
+                                      <p:cBhvr>
+                                        <p:cTn id="41" dur="1" fill="hold">
+                                          <p:stCondLst>
+                                            <p:cond delay="0"/>
+                                          </p:stCondLst>
+                                        </p:cTn>
+                                        <p:tgtEl>
+                                          <p:spTgt spid="8"/>
+                                        </p:tgtEl>
+                                        <p:attrNameLst>
+                                          <p:attrName>style.visibility</p:attrName>
+                                        </p:attrNameLst>
+                                      </p:cBhvr>
+                                      <p:to>
+                                        <p:strVal val="visible"/>
+                                      </p:to>
+                                    </p:set>
+                                    <p:animEffect transition="in" filter="fade">
+                                      <p:cBhvr>
+                                        <p:cTn id="42" dur="1000"/>
+                                        <p:tgtEl>
+                                          <p:spTgt spid="8"/>
+                                        </p:tgtEl>
+                                      </p:cBhvr>
+                                    </p:animEffect>
+                                  </p:childTnLst>
+                                </p:cTn>
+                              </p:par>
+                              <p:par>
+                                <p:cTn id="43" presetID="10" presetClass="exit" presetSubtype="0" fill="hold" nodeType="withEffect">
+                                  <p:stCondLst>
+                                    <p:cond delay="0"/>
+                                  </p:stCondLst>
+                                  <p:childTnLst>
+                                    <p:animEffect transition="out" filter="fade">
+                                      <p:cBhvr>
+                                        <p:cTn id="44" dur="1000"/>
+                                        <p:tgtEl>
+                                          <p:spTgt spid="1030"/>
+                                        </p:tgtEl>
+                                      </p:cBhvr>
+                                    </p:animEffect>
+                                    <p:set>
+                                      <p:cBhvr>
+                                        <p:cTn id="45" dur="1" fill="hold">
+                                          <p:stCondLst>
+                                            <p:cond delay="999"/>
+                                          </p:stCondLst>
+                                        </p:cTn>
+                                        <p:tgtEl>
+                                          <p:spTgt spid="1030"/>
+                                        </p:tgtEl>
+                                        <p:attrNameLst>
+                                          <p:attrName>style.visibility</p:attrName>
+                                        </p:attrNameLst>
+                                      </p:cBhvr>
+                                      <p:to>
+                                        <p:strVal val="hidden"/>
+                                      </p:to>
+                                    </p:set>
+                                  </p:childTnLst>
+                                </p:cTn>
+                              </p:par>
+                            </p:childTnLst>
+                          </p:cTn>
+                        </p:par>
+                      </p:childTnLst>
+                    </p:cTn>
+                  </p:par>
+                  <p:par>
+                    <p:cTn id="46" fill="hold">
+                      <p:stCondLst>
+                        <p:cond delay="indefinite"/>
+                      </p:stCondLst>
+                      <p:childTnLst>
+                        <p:par>
+                          <p:cTn id="47" fill="hold">
+                            <p:stCondLst>
+                              <p:cond delay="0"/>
+                            </p:stCondLst>
+                            <p:childTnLst>
+                              <p:par>
+                                <p:cTn id="48" presetID="10" presetClass="entr" presetSubtype="0" fill="hold" grpId="0" nodeType="clickEffect">
+                                  <p:stCondLst>
+                                    <p:cond delay="0"/>
+                                  </p:stCondLst>
+                                  <p:childTnLst>
+                                    <p:set>
+                                      <p:cBhvr>
+                                        <p:cTn id="49" dur="1" fill="hold">
                                           <p:stCondLst>
                                             <p:cond delay="0"/>
                                           </p:stCondLst>
@@ -7521,11 +8040,925 @@
                                     </p:set>
                                     <p:animEffect transition="in" filter="fade">
                                       <p:cBhvr>
-                                        <p:cTn id="41" dur="1000"/>
+                                        <p:cTn id="50" dur="1000"/>
                                         <p:tgtEl>
                                           <p:spTgt spid="2">
                                             <p:txEl>
                                               <p:pRg st="5" end="5"/>
+                                            </p:txEl>
+                                          </p:spTgt>
+                                        </p:tgtEl>
+                                      </p:cBhvr>
+                                    </p:animEffect>
+                                  </p:childTnLst>
+                                </p:cTn>
+                              </p:par>
+                              <p:par>
+                                <p:cTn id="51" presetID="10" presetClass="entr" presetSubtype="0" fill="hold" nodeType="withEffect">
+                                  <p:stCondLst>
+                                    <p:cond delay="0"/>
+                                  </p:stCondLst>
+                                  <p:childTnLst>
+                                    <p:set>
+                                      <p:cBhvr>
+                                        <p:cTn id="52" dur="1" fill="hold">
+                                          <p:stCondLst>
+                                            <p:cond delay="0"/>
+                                          </p:stCondLst>
+                                        </p:cTn>
+                                        <p:tgtEl>
+                                          <p:spTgt spid="12"/>
+                                        </p:tgtEl>
+                                        <p:attrNameLst>
+                                          <p:attrName>style.visibility</p:attrName>
+                                        </p:attrNameLst>
+                                      </p:cBhvr>
+                                      <p:to>
+                                        <p:strVal val="visible"/>
+                                      </p:to>
+                                    </p:set>
+                                    <p:animEffect transition="in" filter="fade">
+                                      <p:cBhvr>
+                                        <p:cTn id="53" dur="1000"/>
+                                        <p:tgtEl>
+                                          <p:spTgt spid="12"/>
+                                        </p:tgtEl>
+                                      </p:cBhvr>
+                                    </p:animEffect>
+                                  </p:childTnLst>
+                                </p:cTn>
+                              </p:par>
+                              <p:par>
+                                <p:cTn id="54" presetID="10" presetClass="exit" presetSubtype="0" fill="hold" nodeType="withEffect">
+                                  <p:stCondLst>
+                                    <p:cond delay="0"/>
+                                  </p:stCondLst>
+                                  <p:childTnLst>
+                                    <p:animEffect transition="out" filter="fade">
+                                      <p:cBhvr>
+                                        <p:cTn id="55" dur="1000"/>
+                                        <p:tgtEl>
+                                          <p:spTgt spid="8"/>
+                                        </p:tgtEl>
+                                      </p:cBhvr>
+                                    </p:animEffect>
+                                    <p:set>
+                                      <p:cBhvr>
+                                        <p:cTn id="56" dur="1" fill="hold">
+                                          <p:stCondLst>
+                                            <p:cond delay="999"/>
+                                          </p:stCondLst>
+                                        </p:cTn>
+                                        <p:tgtEl>
+                                          <p:spTgt spid="8"/>
+                                        </p:tgtEl>
+                                        <p:attrNameLst>
+                                          <p:attrName>style.visibility</p:attrName>
+                                        </p:attrNameLst>
+                                      </p:cBhvr>
+                                      <p:to>
+                                        <p:strVal val="hidden"/>
+                                      </p:to>
+                                    </p:set>
+                                  </p:childTnLst>
+                                </p:cTn>
+                              </p:par>
+                            </p:childTnLst>
+                          </p:cTn>
+                        </p:par>
+                      </p:childTnLst>
+                    </p:cTn>
+                  </p:par>
+                  <p:par>
+                    <p:cTn id="57" fill="hold">
+                      <p:stCondLst>
+                        <p:cond delay="indefinite"/>
+                      </p:stCondLst>
+                      <p:childTnLst>
+                        <p:par>
+                          <p:cTn id="58" fill="hold">
+                            <p:stCondLst>
+                              <p:cond delay="0"/>
+                            </p:stCondLst>
+                            <p:childTnLst>
+                              <p:par>
+                                <p:cTn id="59" presetID="10" presetClass="entr" presetSubtype="0" fill="hold" grpId="0" nodeType="clickEffect">
+                                  <p:stCondLst>
+                                    <p:cond delay="0"/>
+                                  </p:stCondLst>
+                                  <p:childTnLst>
+                                    <p:set>
+                                      <p:cBhvr>
+                                        <p:cTn id="60" dur="1" fill="hold">
+                                          <p:stCondLst>
+                                            <p:cond delay="0"/>
+                                          </p:stCondLst>
+                                        </p:cTn>
+                                        <p:tgtEl>
+                                          <p:spTgt spid="2">
+                                            <p:txEl>
+                                              <p:pRg st="7" end="7"/>
+                                            </p:txEl>
+                                          </p:spTgt>
+                                        </p:tgtEl>
+                                        <p:attrNameLst>
+                                          <p:attrName>style.visibility</p:attrName>
+                                        </p:attrNameLst>
+                                      </p:cBhvr>
+                                      <p:to>
+                                        <p:strVal val="visible"/>
+                                      </p:to>
+                                    </p:set>
+                                    <p:animEffect transition="in" filter="fade">
+                                      <p:cBhvr>
+                                        <p:cTn id="61" dur="1000"/>
+                                        <p:tgtEl>
+                                          <p:spTgt spid="2">
+                                            <p:txEl>
+                                              <p:pRg st="7" end="7"/>
+                                            </p:txEl>
+                                          </p:spTgt>
+                                        </p:tgtEl>
+                                      </p:cBhvr>
+                                    </p:animEffect>
+                                  </p:childTnLst>
+                                </p:cTn>
+                              </p:par>
+                              <p:par>
+                                <p:cTn id="62" presetID="10" presetClass="entr" presetSubtype="0" fill="hold" nodeType="withEffect">
+                                  <p:stCondLst>
+                                    <p:cond delay="0"/>
+                                  </p:stCondLst>
+                                  <p:childTnLst>
+                                    <p:set>
+                                      <p:cBhvr>
+                                        <p:cTn id="63" dur="1" fill="hold">
+                                          <p:stCondLst>
+                                            <p:cond delay="0"/>
+                                          </p:stCondLst>
+                                        </p:cTn>
+                                        <p:tgtEl>
+                                          <p:spTgt spid="14"/>
+                                        </p:tgtEl>
+                                        <p:attrNameLst>
+                                          <p:attrName>style.visibility</p:attrName>
+                                        </p:attrNameLst>
+                                      </p:cBhvr>
+                                      <p:to>
+                                        <p:strVal val="visible"/>
+                                      </p:to>
+                                    </p:set>
+                                    <p:animEffect transition="in" filter="fade">
+                                      <p:cBhvr>
+                                        <p:cTn id="64" dur="1000"/>
+                                        <p:tgtEl>
+                                          <p:spTgt spid="14"/>
+                                        </p:tgtEl>
+                                      </p:cBhvr>
+                                    </p:animEffect>
+                                  </p:childTnLst>
+                                </p:cTn>
+                              </p:par>
+                              <p:par>
+                                <p:cTn id="65" presetID="9" presetClass="emph" presetSubtype="0" grpId="1" nodeType="withEffect">
+                                  <p:stCondLst>
+                                    <p:cond delay="0"/>
+                                  </p:stCondLst>
+                                  <p:childTnLst>
+                                    <p:set>
+                                      <p:cBhvr>
+                                        <p:cTn id="66" dur="indefinite"/>
+                                        <p:tgtEl>
+                                          <p:spTgt spid="2">
+                                            <p:txEl>
+                                              <p:pRg st="2" end="2"/>
+                                            </p:txEl>
+                                          </p:spTgt>
+                                        </p:tgtEl>
+                                        <p:attrNameLst>
+                                          <p:attrName>style.opacity</p:attrName>
+                                        </p:attrNameLst>
+                                      </p:cBhvr>
+                                      <p:to>
+                                        <p:strVal val="0.25"/>
+                                      </p:to>
+                                    </p:set>
+                                    <p:animEffect filter="image" prLst="opacity: 0.25">
+                                      <p:cBhvr rctx="IE">
+                                        <p:cTn id="67" dur="indefinite"/>
+                                        <p:tgtEl>
+                                          <p:spTgt spid="2">
+                                            <p:txEl>
+                                              <p:pRg st="2" end="2"/>
+                                            </p:txEl>
+                                          </p:spTgt>
+                                        </p:tgtEl>
+                                      </p:cBhvr>
+                                    </p:animEffect>
+                                  </p:childTnLst>
+                                </p:cTn>
+                              </p:par>
+                              <p:par>
+                                <p:cTn id="68" presetID="9" presetClass="emph" presetSubtype="0" grpId="1" nodeType="withEffect">
+                                  <p:stCondLst>
+                                    <p:cond delay="0"/>
+                                  </p:stCondLst>
+                                  <p:childTnLst>
+                                    <p:set>
+                                      <p:cBhvr>
+                                        <p:cTn id="69" dur="indefinite"/>
+                                        <p:tgtEl>
+                                          <p:spTgt spid="2">
+                                            <p:txEl>
+                                              <p:pRg st="3" end="3"/>
+                                            </p:txEl>
+                                          </p:spTgt>
+                                        </p:tgtEl>
+                                        <p:attrNameLst>
+                                          <p:attrName>style.opacity</p:attrName>
+                                        </p:attrNameLst>
+                                      </p:cBhvr>
+                                      <p:to>
+                                        <p:strVal val="0.25"/>
+                                      </p:to>
+                                    </p:set>
+                                    <p:animEffect filter="image" prLst="opacity: 0.25">
+                                      <p:cBhvr rctx="IE">
+                                        <p:cTn id="70" dur="indefinite"/>
+                                        <p:tgtEl>
+                                          <p:spTgt spid="2">
+                                            <p:txEl>
+                                              <p:pRg st="3" end="3"/>
+                                            </p:txEl>
+                                          </p:spTgt>
+                                        </p:tgtEl>
+                                      </p:cBhvr>
+                                    </p:animEffect>
+                                  </p:childTnLst>
+                                </p:cTn>
+                              </p:par>
+                              <p:par>
+                                <p:cTn id="71" presetID="9" presetClass="emph" presetSubtype="0" grpId="1" nodeType="withEffect">
+                                  <p:stCondLst>
+                                    <p:cond delay="0"/>
+                                  </p:stCondLst>
+                                  <p:childTnLst>
+                                    <p:set>
+                                      <p:cBhvr>
+                                        <p:cTn id="72" dur="indefinite"/>
+                                        <p:tgtEl>
+                                          <p:spTgt spid="2">
+                                            <p:txEl>
+                                              <p:pRg st="4" end="4"/>
+                                            </p:txEl>
+                                          </p:spTgt>
+                                        </p:tgtEl>
+                                        <p:attrNameLst>
+                                          <p:attrName>style.opacity</p:attrName>
+                                        </p:attrNameLst>
+                                      </p:cBhvr>
+                                      <p:to>
+                                        <p:strVal val="0.25"/>
+                                      </p:to>
+                                    </p:set>
+                                    <p:animEffect filter="image" prLst="opacity: 0.25">
+                                      <p:cBhvr rctx="IE">
+                                        <p:cTn id="73" dur="indefinite"/>
+                                        <p:tgtEl>
+                                          <p:spTgt spid="2">
+                                            <p:txEl>
+                                              <p:pRg st="4" end="4"/>
+                                            </p:txEl>
+                                          </p:spTgt>
+                                        </p:tgtEl>
+                                      </p:cBhvr>
+                                    </p:animEffect>
+                                  </p:childTnLst>
+                                </p:cTn>
+                              </p:par>
+                              <p:par>
+                                <p:cTn id="74" presetID="9" presetClass="emph" presetSubtype="0" grpId="1" nodeType="withEffect">
+                                  <p:stCondLst>
+                                    <p:cond delay="0"/>
+                                  </p:stCondLst>
+                                  <p:childTnLst>
+                                    <p:set>
+                                      <p:cBhvr>
+                                        <p:cTn id="75" dur="indefinite"/>
+                                        <p:tgtEl>
+                                          <p:spTgt spid="2">
+                                            <p:txEl>
+                                              <p:pRg st="5" end="5"/>
+                                            </p:txEl>
+                                          </p:spTgt>
+                                        </p:tgtEl>
+                                        <p:attrNameLst>
+                                          <p:attrName>style.opacity</p:attrName>
+                                        </p:attrNameLst>
+                                      </p:cBhvr>
+                                      <p:to>
+                                        <p:strVal val="0.25"/>
+                                      </p:to>
+                                    </p:set>
+                                    <p:animEffect filter="image" prLst="opacity: 0.25">
+                                      <p:cBhvr rctx="IE">
+                                        <p:cTn id="76" dur="indefinite"/>
+                                        <p:tgtEl>
+                                          <p:spTgt spid="2">
+                                            <p:txEl>
+                                              <p:pRg st="5" end="5"/>
+                                            </p:txEl>
+                                          </p:spTgt>
+                                        </p:tgtEl>
+                                      </p:cBhvr>
+                                    </p:animEffect>
+                                  </p:childTnLst>
+                                </p:cTn>
+                              </p:par>
+                              <p:par>
+                                <p:cTn id="77" presetID="10" presetClass="exit" presetSubtype="0" fill="hold" nodeType="withEffect">
+                                  <p:stCondLst>
+                                    <p:cond delay="0"/>
+                                  </p:stCondLst>
+                                  <p:childTnLst>
+                                    <p:animEffect transition="out" filter="fade">
+                                      <p:cBhvr>
+                                        <p:cTn id="78" dur="1000"/>
+                                        <p:tgtEl>
+                                          <p:spTgt spid="12"/>
+                                        </p:tgtEl>
+                                      </p:cBhvr>
+                                    </p:animEffect>
+                                    <p:set>
+                                      <p:cBhvr>
+                                        <p:cTn id="79" dur="1" fill="hold">
+                                          <p:stCondLst>
+                                            <p:cond delay="999"/>
+                                          </p:stCondLst>
+                                        </p:cTn>
+                                        <p:tgtEl>
+                                          <p:spTgt spid="12"/>
+                                        </p:tgtEl>
+                                        <p:attrNameLst>
+                                          <p:attrName>style.visibility</p:attrName>
+                                        </p:attrNameLst>
+                                      </p:cBhvr>
+                                      <p:to>
+                                        <p:strVal val="hidden"/>
+                                      </p:to>
+                                    </p:set>
+                                  </p:childTnLst>
+                                </p:cTn>
+                              </p:par>
+                            </p:childTnLst>
+                          </p:cTn>
+                        </p:par>
+                      </p:childTnLst>
+                    </p:cTn>
+                  </p:par>
+                  <p:par>
+                    <p:cTn id="80" fill="hold">
+                      <p:stCondLst>
+                        <p:cond delay="indefinite"/>
+                      </p:stCondLst>
+                      <p:childTnLst>
+                        <p:par>
+                          <p:cTn id="81" fill="hold">
+                            <p:stCondLst>
+                              <p:cond delay="0"/>
+                            </p:stCondLst>
+                            <p:childTnLst>
+                              <p:par>
+                                <p:cTn id="82" presetID="10" presetClass="entr" presetSubtype="0" fill="hold" grpId="0" nodeType="clickEffect">
+                                  <p:stCondLst>
+                                    <p:cond delay="0"/>
+                                  </p:stCondLst>
+                                  <p:childTnLst>
+                                    <p:set>
+                                      <p:cBhvr>
+                                        <p:cTn id="83" dur="1" fill="hold">
+                                          <p:stCondLst>
+                                            <p:cond delay="0"/>
+                                          </p:stCondLst>
+                                        </p:cTn>
+                                        <p:tgtEl>
+                                          <p:spTgt spid="2">
+                                            <p:txEl>
+                                              <p:pRg st="8" end="8"/>
+                                            </p:txEl>
+                                          </p:spTgt>
+                                        </p:tgtEl>
+                                        <p:attrNameLst>
+                                          <p:attrName>style.visibility</p:attrName>
+                                        </p:attrNameLst>
+                                      </p:cBhvr>
+                                      <p:to>
+                                        <p:strVal val="visible"/>
+                                      </p:to>
+                                    </p:set>
+                                    <p:animEffect transition="in" filter="fade">
+                                      <p:cBhvr>
+                                        <p:cTn id="84" dur="1000"/>
+                                        <p:tgtEl>
+                                          <p:spTgt spid="2">
+                                            <p:txEl>
+                                              <p:pRg st="8" end="8"/>
+                                            </p:txEl>
+                                          </p:spTgt>
+                                        </p:tgtEl>
+                                      </p:cBhvr>
+                                    </p:animEffect>
+                                  </p:childTnLst>
+                                </p:cTn>
+                              </p:par>
+                              <p:par>
+                                <p:cTn id="85" presetID="10" presetClass="entr" presetSubtype="0" fill="hold" nodeType="withEffect">
+                                  <p:stCondLst>
+                                    <p:cond delay="0"/>
+                                  </p:stCondLst>
+                                  <p:childTnLst>
+                                    <p:set>
+                                      <p:cBhvr>
+                                        <p:cTn id="86" dur="1" fill="hold">
+                                          <p:stCondLst>
+                                            <p:cond delay="0"/>
+                                          </p:stCondLst>
+                                        </p:cTn>
+                                        <p:tgtEl>
+                                          <p:spTgt spid="17"/>
+                                        </p:tgtEl>
+                                        <p:attrNameLst>
+                                          <p:attrName>style.visibility</p:attrName>
+                                        </p:attrNameLst>
+                                      </p:cBhvr>
+                                      <p:to>
+                                        <p:strVal val="visible"/>
+                                      </p:to>
+                                    </p:set>
+                                    <p:animEffect transition="in" filter="fade">
+                                      <p:cBhvr>
+                                        <p:cTn id="87" dur="1000"/>
+                                        <p:tgtEl>
+                                          <p:spTgt spid="17"/>
+                                        </p:tgtEl>
+                                      </p:cBhvr>
+                                    </p:animEffect>
+                                  </p:childTnLst>
+                                </p:cTn>
+                              </p:par>
+                              <p:par>
+                                <p:cTn id="88" presetID="10" presetClass="exit" presetSubtype="0" fill="hold" nodeType="withEffect">
+                                  <p:stCondLst>
+                                    <p:cond delay="0"/>
+                                  </p:stCondLst>
+                                  <p:childTnLst>
+                                    <p:animEffect transition="out" filter="fade">
+                                      <p:cBhvr>
+                                        <p:cTn id="89" dur="1000"/>
+                                        <p:tgtEl>
+                                          <p:spTgt spid="14"/>
+                                        </p:tgtEl>
+                                      </p:cBhvr>
+                                    </p:animEffect>
+                                    <p:set>
+                                      <p:cBhvr>
+                                        <p:cTn id="90" dur="1" fill="hold">
+                                          <p:stCondLst>
+                                            <p:cond delay="999"/>
+                                          </p:stCondLst>
+                                        </p:cTn>
+                                        <p:tgtEl>
+                                          <p:spTgt spid="14"/>
+                                        </p:tgtEl>
+                                        <p:attrNameLst>
+                                          <p:attrName>style.visibility</p:attrName>
+                                        </p:attrNameLst>
+                                      </p:cBhvr>
+                                      <p:to>
+                                        <p:strVal val="hidden"/>
+                                      </p:to>
+                                    </p:set>
+                                  </p:childTnLst>
+                                </p:cTn>
+                              </p:par>
+                            </p:childTnLst>
+                          </p:cTn>
+                        </p:par>
+                      </p:childTnLst>
+                    </p:cTn>
+                  </p:par>
+                  <p:par>
+                    <p:cTn id="91" fill="hold">
+                      <p:stCondLst>
+                        <p:cond delay="indefinite"/>
+                      </p:stCondLst>
+                      <p:childTnLst>
+                        <p:par>
+                          <p:cTn id="92" fill="hold">
+                            <p:stCondLst>
+                              <p:cond delay="0"/>
+                            </p:stCondLst>
+                            <p:childTnLst>
+                              <p:par>
+                                <p:cTn id="93" presetID="10" presetClass="entr" presetSubtype="0" fill="hold" grpId="0" nodeType="clickEffect">
+                                  <p:stCondLst>
+                                    <p:cond delay="0"/>
+                                  </p:stCondLst>
+                                  <p:childTnLst>
+                                    <p:set>
+                                      <p:cBhvr>
+                                        <p:cTn id="94" dur="1" fill="hold">
+                                          <p:stCondLst>
+                                            <p:cond delay="0"/>
+                                          </p:stCondLst>
+                                        </p:cTn>
+                                        <p:tgtEl>
+                                          <p:spTgt spid="2">
+                                            <p:txEl>
+                                              <p:pRg st="9" end="9"/>
+                                            </p:txEl>
+                                          </p:spTgt>
+                                        </p:tgtEl>
+                                        <p:attrNameLst>
+                                          <p:attrName>style.visibility</p:attrName>
+                                        </p:attrNameLst>
+                                      </p:cBhvr>
+                                      <p:to>
+                                        <p:strVal val="visible"/>
+                                      </p:to>
+                                    </p:set>
+                                    <p:animEffect transition="in" filter="fade">
+                                      <p:cBhvr>
+                                        <p:cTn id="95" dur="1000"/>
+                                        <p:tgtEl>
+                                          <p:spTgt spid="2">
+                                            <p:txEl>
+                                              <p:pRg st="9" end="9"/>
+                                            </p:txEl>
+                                          </p:spTgt>
+                                        </p:tgtEl>
+                                      </p:cBhvr>
+                                    </p:animEffect>
+                                  </p:childTnLst>
+                                </p:cTn>
+                              </p:par>
+                              <p:par>
+                                <p:cTn id="96" presetID="10" presetClass="entr" presetSubtype="0" fill="hold" nodeType="withEffect">
+                                  <p:stCondLst>
+                                    <p:cond delay="0"/>
+                                  </p:stCondLst>
+                                  <p:childTnLst>
+                                    <p:set>
+                                      <p:cBhvr>
+                                        <p:cTn id="97" dur="1" fill="hold">
+                                          <p:stCondLst>
+                                            <p:cond delay="0"/>
+                                          </p:stCondLst>
+                                        </p:cTn>
+                                        <p:tgtEl>
+                                          <p:spTgt spid="18"/>
+                                        </p:tgtEl>
+                                        <p:attrNameLst>
+                                          <p:attrName>style.visibility</p:attrName>
+                                        </p:attrNameLst>
+                                      </p:cBhvr>
+                                      <p:to>
+                                        <p:strVal val="visible"/>
+                                      </p:to>
+                                    </p:set>
+                                    <p:animEffect transition="in" filter="fade">
+                                      <p:cBhvr>
+                                        <p:cTn id="98" dur="1000"/>
+                                        <p:tgtEl>
+                                          <p:spTgt spid="18"/>
+                                        </p:tgtEl>
+                                      </p:cBhvr>
+                                    </p:animEffect>
+                                  </p:childTnLst>
+                                </p:cTn>
+                              </p:par>
+                              <p:par>
+                                <p:cTn id="99" presetID="10" presetClass="exit" presetSubtype="0" fill="hold" nodeType="withEffect">
+                                  <p:stCondLst>
+                                    <p:cond delay="0"/>
+                                  </p:stCondLst>
+                                  <p:childTnLst>
+                                    <p:animEffect transition="out" filter="fade">
+                                      <p:cBhvr>
+                                        <p:cTn id="100" dur="1000"/>
+                                        <p:tgtEl>
+                                          <p:spTgt spid="17"/>
+                                        </p:tgtEl>
+                                      </p:cBhvr>
+                                    </p:animEffect>
+                                    <p:set>
+                                      <p:cBhvr>
+                                        <p:cTn id="101" dur="1" fill="hold">
+                                          <p:stCondLst>
+                                            <p:cond delay="999"/>
+                                          </p:stCondLst>
+                                        </p:cTn>
+                                        <p:tgtEl>
+                                          <p:spTgt spid="17"/>
+                                        </p:tgtEl>
+                                        <p:attrNameLst>
+                                          <p:attrName>style.visibility</p:attrName>
+                                        </p:attrNameLst>
+                                      </p:cBhvr>
+                                      <p:to>
+                                        <p:strVal val="hidden"/>
+                                      </p:to>
+                                    </p:set>
+                                  </p:childTnLst>
+                                </p:cTn>
+                              </p:par>
+                            </p:childTnLst>
+                          </p:cTn>
+                        </p:par>
+                      </p:childTnLst>
+                    </p:cTn>
+                  </p:par>
+                  <p:par>
+                    <p:cTn id="102" fill="hold">
+                      <p:stCondLst>
+                        <p:cond delay="indefinite"/>
+                      </p:stCondLst>
+                      <p:childTnLst>
+                        <p:par>
+                          <p:cTn id="103" fill="hold">
+                            <p:stCondLst>
+                              <p:cond delay="0"/>
+                            </p:stCondLst>
+                            <p:childTnLst>
+                              <p:par>
+                                <p:cTn id="104" presetID="10" presetClass="entr" presetSubtype="0" fill="hold" grpId="0" nodeType="clickEffect">
+                                  <p:stCondLst>
+                                    <p:cond delay="0"/>
+                                  </p:stCondLst>
+                                  <p:childTnLst>
+                                    <p:set>
+                                      <p:cBhvr>
+                                        <p:cTn id="105" dur="1" fill="hold">
+                                          <p:stCondLst>
+                                            <p:cond delay="0"/>
+                                          </p:stCondLst>
+                                        </p:cTn>
+                                        <p:tgtEl>
+                                          <p:spTgt spid="2">
+                                            <p:txEl>
+                                              <p:pRg st="10" end="10"/>
+                                            </p:txEl>
+                                          </p:spTgt>
+                                        </p:tgtEl>
+                                        <p:attrNameLst>
+                                          <p:attrName>style.visibility</p:attrName>
+                                        </p:attrNameLst>
+                                      </p:cBhvr>
+                                      <p:to>
+                                        <p:strVal val="visible"/>
+                                      </p:to>
+                                    </p:set>
+                                    <p:animEffect transition="in" filter="fade">
+                                      <p:cBhvr>
+                                        <p:cTn id="106" dur="1000"/>
+                                        <p:tgtEl>
+                                          <p:spTgt spid="2">
+                                            <p:txEl>
+                                              <p:pRg st="10" end="10"/>
+                                            </p:txEl>
+                                          </p:spTgt>
+                                        </p:tgtEl>
+                                      </p:cBhvr>
+                                    </p:animEffect>
+                                  </p:childTnLst>
+                                </p:cTn>
+                              </p:par>
+                              <p:par>
+                                <p:cTn id="107" presetID="10" presetClass="entr" presetSubtype="0" fill="hold" grpId="0" nodeType="withEffect">
+                                  <p:stCondLst>
+                                    <p:cond delay="0"/>
+                                  </p:stCondLst>
+                                  <p:childTnLst>
+                                    <p:set>
+                                      <p:cBhvr>
+                                        <p:cTn id="108" dur="1" fill="hold">
+                                          <p:stCondLst>
+                                            <p:cond delay="0"/>
+                                          </p:stCondLst>
+                                        </p:cTn>
+                                        <p:tgtEl>
+                                          <p:spTgt spid="2">
+                                            <p:txEl>
+                                              <p:pRg st="11" end="11"/>
+                                            </p:txEl>
+                                          </p:spTgt>
+                                        </p:tgtEl>
+                                        <p:attrNameLst>
+                                          <p:attrName>style.visibility</p:attrName>
+                                        </p:attrNameLst>
+                                      </p:cBhvr>
+                                      <p:to>
+                                        <p:strVal val="visible"/>
+                                      </p:to>
+                                    </p:set>
+                                    <p:animEffect transition="in" filter="fade">
+                                      <p:cBhvr>
+                                        <p:cTn id="109" dur="1000"/>
+                                        <p:tgtEl>
+                                          <p:spTgt spid="2">
+                                            <p:txEl>
+                                              <p:pRg st="11" end="11"/>
+                                            </p:txEl>
+                                          </p:spTgt>
+                                        </p:tgtEl>
+                                      </p:cBhvr>
+                                    </p:animEffect>
+                                  </p:childTnLst>
+                                </p:cTn>
+                              </p:par>
+                              <p:par>
+                                <p:cTn id="110" presetID="10" presetClass="exit" presetSubtype="0" fill="hold" nodeType="withEffect">
+                                  <p:stCondLst>
+                                    <p:cond delay="0"/>
+                                  </p:stCondLst>
+                                  <p:childTnLst>
+                                    <p:animEffect transition="out" filter="fade">
+                                      <p:cBhvr>
+                                        <p:cTn id="111" dur="1000"/>
+                                        <p:tgtEl>
+                                          <p:spTgt spid="18"/>
+                                        </p:tgtEl>
+                                      </p:cBhvr>
+                                    </p:animEffect>
+                                    <p:set>
+                                      <p:cBhvr>
+                                        <p:cTn id="112" dur="1" fill="hold">
+                                          <p:stCondLst>
+                                            <p:cond delay="999"/>
+                                          </p:stCondLst>
+                                        </p:cTn>
+                                        <p:tgtEl>
+                                          <p:spTgt spid="18"/>
+                                        </p:tgtEl>
+                                        <p:attrNameLst>
+                                          <p:attrName>style.visibility</p:attrName>
+                                        </p:attrNameLst>
+                                      </p:cBhvr>
+                                      <p:to>
+                                        <p:strVal val="hidden"/>
+                                      </p:to>
+                                    </p:set>
+                                  </p:childTnLst>
+                                </p:cTn>
+                              </p:par>
+                              <p:par>
+                                <p:cTn id="113" presetID="9" presetClass="emph" presetSubtype="0" grpId="1" nodeType="withEffect">
+                                  <p:stCondLst>
+                                    <p:cond delay="0"/>
+                                  </p:stCondLst>
+                                  <p:childTnLst>
+                                    <p:set>
+                                      <p:cBhvr>
+                                        <p:cTn id="114" dur="indefinite"/>
+                                        <p:tgtEl>
+                                          <p:spTgt spid="2">
+                                            <p:txEl>
+                                              <p:pRg st="6" end="6"/>
+                                            </p:txEl>
+                                          </p:spTgt>
+                                        </p:tgtEl>
+                                        <p:attrNameLst>
+                                          <p:attrName>style.opacity</p:attrName>
+                                        </p:attrNameLst>
+                                      </p:cBhvr>
+                                      <p:to>
+                                        <p:strVal val="0.25"/>
+                                      </p:to>
+                                    </p:set>
+                                    <p:animEffect filter="image" prLst="opacity: 0.25">
+                                      <p:cBhvr rctx="IE">
+                                        <p:cTn id="115" dur="indefinite"/>
+                                        <p:tgtEl>
+                                          <p:spTgt spid="2">
+                                            <p:txEl>
+                                              <p:pRg st="6" end="6"/>
+                                            </p:txEl>
+                                          </p:spTgt>
+                                        </p:tgtEl>
+                                      </p:cBhvr>
+                                    </p:animEffect>
+                                  </p:childTnLst>
+                                </p:cTn>
+                              </p:par>
+                              <p:par>
+                                <p:cTn id="116" presetID="9" presetClass="emph" presetSubtype="0" grpId="1" nodeType="withEffect">
+                                  <p:stCondLst>
+                                    <p:cond delay="0"/>
+                                  </p:stCondLst>
+                                  <p:childTnLst>
+                                    <p:set>
+                                      <p:cBhvr>
+                                        <p:cTn id="117" dur="indefinite"/>
+                                        <p:tgtEl>
+                                          <p:spTgt spid="2">
+                                            <p:txEl>
+                                              <p:pRg st="7" end="7"/>
+                                            </p:txEl>
+                                          </p:spTgt>
+                                        </p:tgtEl>
+                                        <p:attrNameLst>
+                                          <p:attrName>style.opacity</p:attrName>
+                                        </p:attrNameLst>
+                                      </p:cBhvr>
+                                      <p:to>
+                                        <p:strVal val="0.25"/>
+                                      </p:to>
+                                    </p:set>
+                                    <p:animEffect filter="image" prLst="opacity: 0.25">
+                                      <p:cBhvr rctx="IE">
+                                        <p:cTn id="118" dur="indefinite"/>
+                                        <p:tgtEl>
+                                          <p:spTgt spid="2">
+                                            <p:txEl>
+                                              <p:pRg st="7" end="7"/>
+                                            </p:txEl>
+                                          </p:spTgt>
+                                        </p:tgtEl>
+                                      </p:cBhvr>
+                                    </p:animEffect>
+                                  </p:childTnLst>
+                                </p:cTn>
+                              </p:par>
+                              <p:par>
+                                <p:cTn id="119" presetID="9" presetClass="emph" presetSubtype="0" grpId="1" nodeType="withEffect">
+                                  <p:stCondLst>
+                                    <p:cond delay="0"/>
+                                  </p:stCondLst>
+                                  <p:childTnLst>
+                                    <p:set>
+                                      <p:cBhvr>
+                                        <p:cTn id="120" dur="indefinite"/>
+                                        <p:tgtEl>
+                                          <p:spTgt spid="2">
+                                            <p:txEl>
+                                              <p:pRg st="8" end="8"/>
+                                            </p:txEl>
+                                          </p:spTgt>
+                                        </p:tgtEl>
+                                        <p:attrNameLst>
+                                          <p:attrName>style.opacity</p:attrName>
+                                        </p:attrNameLst>
+                                      </p:cBhvr>
+                                      <p:to>
+                                        <p:strVal val="0.25"/>
+                                      </p:to>
+                                    </p:set>
+                                    <p:animEffect filter="image" prLst="opacity: 0.25">
+                                      <p:cBhvr rctx="IE">
+                                        <p:cTn id="121" dur="indefinite"/>
+                                        <p:tgtEl>
+                                          <p:spTgt spid="2">
+                                            <p:txEl>
+                                              <p:pRg st="8" end="8"/>
+                                            </p:txEl>
+                                          </p:spTgt>
+                                        </p:tgtEl>
+                                      </p:cBhvr>
+                                    </p:animEffect>
+                                  </p:childTnLst>
+                                </p:cTn>
+                              </p:par>
+                              <p:par>
+                                <p:cTn id="122" presetID="9" presetClass="emph" presetSubtype="0" grpId="1" nodeType="withEffect">
+                                  <p:stCondLst>
+                                    <p:cond delay="0"/>
+                                  </p:stCondLst>
+                                  <p:childTnLst>
+                                    <p:set>
+                                      <p:cBhvr>
+                                        <p:cTn id="123" dur="indefinite"/>
+                                        <p:tgtEl>
+                                          <p:spTgt spid="2">
+                                            <p:txEl>
+                                              <p:pRg st="9" end="9"/>
+                                            </p:txEl>
+                                          </p:spTgt>
+                                        </p:tgtEl>
+                                        <p:attrNameLst>
+                                          <p:attrName>style.opacity</p:attrName>
+                                        </p:attrNameLst>
+                                      </p:cBhvr>
+                                      <p:to>
+                                        <p:strVal val="0.25"/>
+                                      </p:to>
+                                    </p:set>
+                                    <p:animEffect filter="image" prLst="opacity: 0.25">
+                                      <p:cBhvr rctx="IE">
+                                        <p:cTn id="124" dur="indefinite"/>
+                                        <p:tgtEl>
+                                          <p:spTgt spid="2">
+                                            <p:txEl>
+                                              <p:pRg st="9" end="9"/>
                                             </p:txEl>
                                           </p:spTgt>
                                         </p:tgtEl>
@@ -7541,73 +8974,30 @@
                     </p:cTn>
                   </p:par>
                   <p:par>
-                    <p:cTn id="42" fill="hold">
+                    <p:cTn id="125" fill="hold">
                       <p:stCondLst>
                         <p:cond delay="indefinite"/>
                       </p:stCondLst>
                       <p:childTnLst>
                         <p:par>
-                          <p:cTn id="43" fill="hold">
+                          <p:cTn id="126" fill="hold">
                             <p:stCondLst>
                               <p:cond delay="0"/>
                             </p:stCondLst>
                             <p:childTnLst>
                               <p:par>
-                                <p:cTn id="44" presetID="10" presetClass="entr" presetSubtype="0" fill="hold" grpId="0" nodeType="clickEffect">
+                                <p:cTn id="127" presetID="9" presetClass="emph" presetSubtype="0" nodeType="clickEffect">
                                   <p:stCondLst>
                                     <p:cond delay="0"/>
                                   </p:stCondLst>
                                   <p:childTnLst>
                                     <p:set>
                                       <p:cBhvr>
-                                        <p:cTn id="45" dur="1" fill="hold">
-                                          <p:stCondLst>
-                                            <p:cond delay="0"/>
-                                          </p:stCondLst>
-                                        </p:cTn>
+                                        <p:cTn id="128" dur="indefinite"/>
                                         <p:tgtEl>
                                           <p:spTgt spid="2">
                                             <p:txEl>
-                                              <p:pRg st="7" end="7"/>
-                                            </p:txEl>
-                                          </p:spTgt>
-                                        </p:tgtEl>
-                                        <p:attrNameLst>
-                                          <p:attrName>style.visibility</p:attrName>
-                                        </p:attrNameLst>
-                                      </p:cBhvr>
-                                      <p:to>
-                                        <p:strVal val="visible"/>
-                                      </p:to>
-                                    </p:set>
-                                    <p:animEffect transition="in" filter="fade">
-                                      <p:cBhvr>
-                                        <p:cTn id="46" dur="1000"/>
-                                        <p:tgtEl>
-                                          <p:spTgt spid="2">
-                                            <p:txEl>
-                                              <p:pRg st="7" end="7"/>
-                                            </p:txEl>
-                                          </p:spTgt>
-                                        </p:tgtEl>
-                                      </p:cBhvr>
-                                    </p:animEffect>
-                                  </p:childTnLst>
-                                </p:cTn>
-                              </p:par>
-                              <p:par>
-                                <p:cTn id="47" presetID="9" presetClass="emph" presetSubtype="0" grpId="1" nodeType="withEffect">
-                                  <p:stCondLst>
-                                    <p:cond delay="0"/>
-                                  </p:stCondLst>
-                                  <p:childTnLst>
-                                    <p:set>
-                                      <p:cBhvr>
-                                        <p:cTn id="48" dur="indefinite"/>
-                                        <p:tgtEl>
-                                          <p:spTgt spid="2">
-                                            <p:txEl>
-                                              <p:pRg st="2" end="2"/>
+                                              <p:pRg st="10" end="10"/>
                                             </p:txEl>
                                           </p:spTgt>
                                         </p:tgtEl>
@@ -7621,11 +9011,11 @@
                                     </p:set>
                                     <p:animEffect filter="image" prLst="opacity: 0.25">
                                       <p:cBhvr rctx="IE">
-                                        <p:cTn id="49" dur="indefinite"/>
+                                        <p:cTn id="129" dur="indefinite"/>
                                         <p:tgtEl>
                                           <p:spTgt spid="2">
                                             <p:txEl>
-                                              <p:pRg st="2" end="2"/>
+                                              <p:pRg st="10" end="10"/>
                                             </p:txEl>
                                           </p:spTgt>
                                         </p:tgtEl>
@@ -7635,18 +9025,18 @@
                                 </p:cTn>
                               </p:par>
                               <p:par>
-                                <p:cTn id="50" presetID="9" presetClass="emph" presetSubtype="0" grpId="1" nodeType="withEffect">
+                                <p:cTn id="130" presetID="9" presetClass="emph" presetSubtype="0" nodeType="withEffect">
                                   <p:stCondLst>
                                     <p:cond delay="0"/>
                                   </p:stCondLst>
                                   <p:childTnLst>
                                     <p:set>
                                       <p:cBhvr>
-                                        <p:cTn id="51" dur="indefinite"/>
+                                        <p:cTn id="131" dur="indefinite"/>
                                         <p:tgtEl>
                                           <p:spTgt spid="2">
                                             <p:txEl>
-                                              <p:pRg st="3" end="3"/>
+                                              <p:pRg st="11" end="11"/>
                                             </p:txEl>
                                           </p:spTgt>
                                         </p:tgtEl>
@@ -7660,7 +9050,28 @@
                                     </p:set>
                                     <p:animEffect filter="image" prLst="opacity: 0.25">
                                       <p:cBhvr rctx="IE">
-                                        <p:cTn id="52" dur="indefinite"/>
+                                        <p:cTn id="132" dur="indefinite"/>
+                                        <p:tgtEl>
+                                          <p:spTgt spid="2">
+                                            <p:txEl>
+                                              <p:pRg st="11" end="11"/>
+                                            </p:txEl>
+                                          </p:spTgt>
+                                        </p:tgtEl>
+                                      </p:cBhvr>
+                                    </p:animEffect>
+                                  </p:childTnLst>
+                                </p:cTn>
+                              </p:par>
+                              <p:par>
+                                <p:cTn id="133" presetID="9" presetClass="emph" presetSubtype="0" nodeType="withEffect">
+                                  <p:stCondLst>
+                                    <p:cond delay="0"/>
+                                  </p:stCondLst>
+                                  <p:childTnLst>
+                                    <p:set>
+                                      <p:cBhvr>
+                                        <p:cTn id="134" dur="indefinite"/>
                                         <p:tgtEl>
                                           <p:spTgt spid="2">
                                             <p:txEl>
@@ -7668,20 +9079,38 @@
                                             </p:txEl>
                                           </p:spTgt>
                                         </p:tgtEl>
+                                        <p:attrNameLst>
+                                          <p:attrName>style.opacity</p:attrName>
+                                        </p:attrNameLst>
+                                      </p:cBhvr>
+                                      <p:to>
+                                        <p:strVal val="1"/>
+                                      </p:to>
+                                    </p:set>
+                                    <p:animEffect filter="image" prLst="opacity: 1">
+                                      <p:cBhvr rctx="IE">
+                                        <p:cTn id="135" dur="indefinite"/>
+                                        <p:tgtEl>
+                                          <p:spTgt spid="2">
+                                            <p:txEl>
+                                              <p:pRg st="3" end="3"/>
+                                            </p:txEl>
+                                          </p:spTgt>
+                                        </p:tgtEl>
                                       </p:cBhvr>
                                     </p:animEffect>
                                   </p:childTnLst>
                                 </p:cTn>
                               </p:par>
                               <p:par>
-                                <p:cTn id="53" presetID="9" presetClass="emph" presetSubtype="0" grpId="1" nodeType="withEffect">
+                                <p:cTn id="136" presetID="9" presetClass="emph" presetSubtype="0" nodeType="withEffect">
                                   <p:stCondLst>
                                     <p:cond delay="0"/>
                                   </p:stCondLst>
                                   <p:childTnLst>
                                     <p:set>
                                       <p:cBhvr>
-                                        <p:cTn id="54" dur="indefinite"/>
+                                        <p:cTn id="137" dur="indefinite"/>
                                         <p:tgtEl>
                                           <p:spTgt spid="2">
                                             <p:txEl>
@@ -7694,12 +9123,12 @@
                                         </p:attrNameLst>
                                       </p:cBhvr>
                                       <p:to>
-                                        <p:strVal val="0.25"/>
+                                        <p:strVal val="1"/>
                                       </p:to>
                                     </p:set>
-                                    <p:animEffect filter="image" prLst="opacity: 0.25">
+                                    <p:animEffect filter="image" prLst="opacity: 1">
                                       <p:cBhvr rctx="IE">
-                                        <p:cTn id="55" dur="indefinite"/>
+                                        <p:cTn id="138" dur="indefinite"/>
                                         <p:tgtEl>
                                           <p:spTgt spid="2">
                                             <p:txEl>
@@ -7713,18 +9142,18 @@
                                 </p:cTn>
                               </p:par>
                               <p:par>
-                                <p:cTn id="56" presetID="9" presetClass="emph" presetSubtype="0" grpId="1" nodeType="withEffect">
+                                <p:cTn id="139" presetID="9" presetClass="emph" presetSubtype="0" nodeType="withEffect">
                                   <p:stCondLst>
                                     <p:cond delay="0"/>
                                   </p:stCondLst>
                                   <p:childTnLst>
                                     <p:set>
                                       <p:cBhvr>
-                                        <p:cTn id="57" dur="indefinite"/>
+                                        <p:cTn id="140" dur="indefinite"/>
                                         <p:tgtEl>
                                           <p:spTgt spid="2">
                                             <p:txEl>
-                                              <p:pRg st="5" end="5"/>
+                                              <p:pRg st="7" end="7"/>
                                             </p:txEl>
                                           </p:spTgt>
                                         </p:tgtEl>
@@ -7733,16 +9162,16 @@
                                         </p:attrNameLst>
                                       </p:cBhvr>
                                       <p:to>
-                                        <p:strVal val="0.25"/>
+                                        <p:strVal val="1"/>
                                       </p:to>
                                     </p:set>
-                                    <p:animEffect filter="image" prLst="opacity: 0.25">
+                                    <p:animEffect filter="image" prLst="opacity: 1">
                                       <p:cBhvr rctx="IE">
-                                        <p:cTn id="58" dur="indefinite"/>
+                                        <p:cTn id="141" dur="indefinite"/>
                                         <p:tgtEl>
                                           <p:spTgt spid="2">
                                             <p:txEl>
-                                              <p:pRg st="5" end="5"/>
+                                              <p:pRg st="7" end="7"/>
                                             </p:txEl>
                                           </p:spTgt>
                                         </p:tgtEl>
@@ -7751,37 +9180,15 @@
                                   </p:childTnLst>
                                 </p:cTn>
                               </p:par>
-                            </p:childTnLst>
-                          </p:cTn>
-                        </p:par>
-                      </p:childTnLst>
-                    </p:cTn>
-                  </p:par>
-                  <p:par>
-                    <p:cTn id="59" fill="hold">
-                      <p:stCondLst>
-                        <p:cond delay="indefinite"/>
-                      </p:stCondLst>
-                      <p:childTnLst>
-                        <p:par>
-                          <p:cTn id="60" fill="hold">
-                            <p:stCondLst>
-                              <p:cond delay="0"/>
-                            </p:stCondLst>
-                            <p:childTnLst>
                               <p:par>
-                                <p:cTn id="61" presetID="10" presetClass="entr" presetSubtype="0" fill="hold" grpId="0" nodeType="clickEffect">
+                                <p:cTn id="142" presetID="9" presetClass="emph" presetSubtype="0" nodeType="withEffect">
                                   <p:stCondLst>
                                     <p:cond delay="0"/>
                                   </p:stCondLst>
                                   <p:childTnLst>
                                     <p:set>
                                       <p:cBhvr>
-                                        <p:cTn id="62" dur="1" fill="hold">
-                                          <p:stCondLst>
-                                            <p:cond delay="0"/>
-                                          </p:stCondLst>
-                                        </p:cTn>
+                                        <p:cTn id="143" dur="indefinite"/>
                                         <p:tgtEl>
                                           <p:spTgt spid="2">
                                             <p:txEl>
@@ -7790,341 +9197,20 @@
                                           </p:spTgt>
                                         </p:tgtEl>
                                         <p:attrNameLst>
-                                          <p:attrName>style.visibility</p:attrName>
+                                          <p:attrName>style.opacity</p:attrName>
                                         </p:attrNameLst>
                                       </p:cBhvr>
                                       <p:to>
-                                        <p:strVal val="visible"/>
+                                        <p:strVal val="1"/>
                                       </p:to>
                                     </p:set>
-                                    <p:animEffect transition="in" filter="fade">
-                                      <p:cBhvr>
-                                        <p:cTn id="63" dur="1000"/>
+                                    <p:animEffect filter="image" prLst="opacity: 1">
+                                      <p:cBhvr rctx="IE">
+                                        <p:cTn id="144" dur="indefinite"/>
                                         <p:tgtEl>
                                           <p:spTgt spid="2">
                                             <p:txEl>
                                               <p:pRg st="8" end="8"/>
-                                            </p:txEl>
-                                          </p:spTgt>
-                                        </p:tgtEl>
-                                      </p:cBhvr>
-                                    </p:animEffect>
-                                  </p:childTnLst>
-                                </p:cTn>
-                              </p:par>
-                            </p:childTnLst>
-                          </p:cTn>
-                        </p:par>
-                      </p:childTnLst>
-                    </p:cTn>
-                  </p:par>
-                  <p:par>
-                    <p:cTn id="64" fill="hold">
-                      <p:stCondLst>
-                        <p:cond delay="indefinite"/>
-                      </p:stCondLst>
-                      <p:childTnLst>
-                        <p:par>
-                          <p:cTn id="65" fill="hold">
-                            <p:stCondLst>
-                              <p:cond delay="0"/>
-                            </p:stCondLst>
-                            <p:childTnLst>
-                              <p:par>
-                                <p:cTn id="66" presetID="10" presetClass="entr" presetSubtype="0" fill="hold" grpId="0" nodeType="clickEffect">
-                                  <p:stCondLst>
-                                    <p:cond delay="0"/>
-                                  </p:stCondLst>
-                                  <p:childTnLst>
-                                    <p:set>
-                                      <p:cBhvr>
-                                        <p:cTn id="67" dur="1" fill="hold">
-                                          <p:stCondLst>
-                                            <p:cond delay="0"/>
-                                          </p:stCondLst>
-                                        </p:cTn>
-                                        <p:tgtEl>
-                                          <p:spTgt spid="2">
-                                            <p:txEl>
-                                              <p:pRg st="9" end="9"/>
-                                            </p:txEl>
-                                          </p:spTgt>
-                                        </p:tgtEl>
-                                        <p:attrNameLst>
-                                          <p:attrName>style.visibility</p:attrName>
-                                        </p:attrNameLst>
-                                      </p:cBhvr>
-                                      <p:to>
-                                        <p:strVal val="visible"/>
-                                      </p:to>
-                                    </p:set>
-                                    <p:animEffect transition="in" filter="fade">
-                                      <p:cBhvr>
-                                        <p:cTn id="68" dur="1000"/>
-                                        <p:tgtEl>
-                                          <p:spTgt spid="2">
-                                            <p:txEl>
-                                              <p:pRg st="9" end="9"/>
-                                            </p:txEl>
-                                          </p:spTgt>
-                                        </p:tgtEl>
-                                      </p:cBhvr>
-                                    </p:animEffect>
-                                  </p:childTnLst>
-                                </p:cTn>
-                              </p:par>
-                            </p:childTnLst>
-                          </p:cTn>
-                        </p:par>
-                      </p:childTnLst>
-                    </p:cTn>
-                  </p:par>
-                  <p:par>
-                    <p:cTn id="69" fill="hold">
-                      <p:stCondLst>
-                        <p:cond delay="indefinite"/>
-                      </p:stCondLst>
-                      <p:childTnLst>
-                        <p:par>
-                          <p:cTn id="70" fill="hold">
-                            <p:stCondLst>
-                              <p:cond delay="0"/>
-                            </p:stCondLst>
-                            <p:childTnLst>
-                              <p:par>
-                                <p:cTn id="71" presetID="10" presetClass="entr" presetSubtype="0" fill="hold" grpId="0" nodeType="clickEffect">
-                                  <p:stCondLst>
-                                    <p:cond delay="0"/>
-                                  </p:stCondLst>
-                                  <p:childTnLst>
-                                    <p:set>
-                                      <p:cBhvr>
-                                        <p:cTn id="72" dur="1" fill="hold">
-                                          <p:stCondLst>
-                                            <p:cond delay="0"/>
-                                          </p:stCondLst>
-                                        </p:cTn>
-                                        <p:tgtEl>
-                                          <p:spTgt spid="2">
-                                            <p:txEl>
-                                              <p:pRg st="10" end="10"/>
-                                            </p:txEl>
-                                          </p:spTgt>
-                                        </p:tgtEl>
-                                        <p:attrNameLst>
-                                          <p:attrName>style.visibility</p:attrName>
-                                        </p:attrNameLst>
-                                      </p:cBhvr>
-                                      <p:to>
-                                        <p:strVal val="visible"/>
-                                      </p:to>
-                                    </p:set>
-                                    <p:animEffect transition="in" filter="fade">
-                                      <p:cBhvr>
-                                        <p:cTn id="73" dur="1000"/>
-                                        <p:tgtEl>
-                                          <p:spTgt spid="2">
-                                            <p:txEl>
-                                              <p:pRg st="10" end="10"/>
-                                            </p:txEl>
-                                          </p:spTgt>
-                                        </p:tgtEl>
-                                      </p:cBhvr>
-                                    </p:animEffect>
-                                  </p:childTnLst>
-                                </p:cTn>
-                              </p:par>
-                              <p:par>
-                                <p:cTn id="74" presetID="10" presetClass="entr" presetSubtype="0" fill="hold" grpId="0" nodeType="withEffect">
-                                  <p:stCondLst>
-                                    <p:cond delay="0"/>
-                                  </p:stCondLst>
-                                  <p:childTnLst>
-                                    <p:set>
-                                      <p:cBhvr>
-                                        <p:cTn id="75" dur="1" fill="hold">
-                                          <p:stCondLst>
-                                            <p:cond delay="0"/>
-                                          </p:stCondLst>
-                                        </p:cTn>
-                                        <p:tgtEl>
-                                          <p:spTgt spid="2">
-                                            <p:txEl>
-                                              <p:pRg st="11" end="11"/>
-                                            </p:txEl>
-                                          </p:spTgt>
-                                        </p:tgtEl>
-                                        <p:attrNameLst>
-                                          <p:attrName>style.visibility</p:attrName>
-                                        </p:attrNameLst>
-                                      </p:cBhvr>
-                                      <p:to>
-                                        <p:strVal val="visible"/>
-                                      </p:to>
-                                    </p:set>
-                                    <p:animEffect transition="in" filter="fade">
-                                      <p:cBhvr>
-                                        <p:cTn id="76" dur="1000"/>
-                                        <p:tgtEl>
-                                          <p:spTgt spid="2">
-                                            <p:txEl>
-                                              <p:pRg st="11" end="11"/>
-                                            </p:txEl>
-                                          </p:spTgt>
-                                        </p:tgtEl>
-                                      </p:cBhvr>
-                                    </p:animEffect>
-                                  </p:childTnLst>
-                                </p:cTn>
-                              </p:par>
-                              <p:par>
-                                <p:cTn id="77" presetID="9" presetClass="emph" presetSubtype="0" grpId="1" nodeType="withEffect">
-                                  <p:stCondLst>
-                                    <p:cond delay="0"/>
-                                  </p:stCondLst>
-                                  <p:childTnLst>
-                                    <p:set>
-                                      <p:cBhvr>
-                                        <p:cTn id="78" dur="indefinite"/>
-                                        <p:tgtEl>
-                                          <p:spTgt spid="2">
-                                            <p:txEl>
-                                              <p:pRg st="6" end="6"/>
-                                            </p:txEl>
-                                          </p:spTgt>
-                                        </p:tgtEl>
-                                        <p:attrNameLst>
-                                          <p:attrName>style.opacity</p:attrName>
-                                        </p:attrNameLst>
-                                      </p:cBhvr>
-                                      <p:to>
-                                        <p:strVal val="0.25"/>
-                                      </p:to>
-                                    </p:set>
-                                    <p:animEffect filter="image" prLst="opacity: 0.25">
-                                      <p:cBhvr rctx="IE">
-                                        <p:cTn id="79" dur="indefinite"/>
-                                        <p:tgtEl>
-                                          <p:spTgt spid="2">
-                                            <p:txEl>
-                                              <p:pRg st="6" end="6"/>
-                                            </p:txEl>
-                                          </p:spTgt>
-                                        </p:tgtEl>
-                                      </p:cBhvr>
-                                    </p:animEffect>
-                                  </p:childTnLst>
-                                </p:cTn>
-                              </p:par>
-                              <p:par>
-                                <p:cTn id="80" presetID="9" presetClass="emph" presetSubtype="0" grpId="1" nodeType="withEffect">
-                                  <p:stCondLst>
-                                    <p:cond delay="0"/>
-                                  </p:stCondLst>
-                                  <p:childTnLst>
-                                    <p:set>
-                                      <p:cBhvr>
-                                        <p:cTn id="81" dur="indefinite"/>
-                                        <p:tgtEl>
-                                          <p:spTgt spid="2">
-                                            <p:txEl>
-                                              <p:pRg st="7" end="7"/>
-                                            </p:txEl>
-                                          </p:spTgt>
-                                        </p:tgtEl>
-                                        <p:attrNameLst>
-                                          <p:attrName>style.opacity</p:attrName>
-                                        </p:attrNameLst>
-                                      </p:cBhvr>
-                                      <p:to>
-                                        <p:strVal val="0.25"/>
-                                      </p:to>
-                                    </p:set>
-                                    <p:animEffect filter="image" prLst="opacity: 0.25">
-                                      <p:cBhvr rctx="IE">
-                                        <p:cTn id="82" dur="indefinite"/>
-                                        <p:tgtEl>
-                                          <p:spTgt spid="2">
-                                            <p:txEl>
-                                              <p:pRg st="7" end="7"/>
-                                            </p:txEl>
-                                          </p:spTgt>
-                                        </p:tgtEl>
-                                      </p:cBhvr>
-                                    </p:animEffect>
-                                  </p:childTnLst>
-                                </p:cTn>
-                              </p:par>
-                              <p:par>
-                                <p:cTn id="83" presetID="9" presetClass="emph" presetSubtype="0" grpId="1" nodeType="withEffect">
-                                  <p:stCondLst>
-                                    <p:cond delay="0"/>
-                                  </p:stCondLst>
-                                  <p:childTnLst>
-                                    <p:set>
-                                      <p:cBhvr>
-                                        <p:cTn id="84" dur="indefinite"/>
-                                        <p:tgtEl>
-                                          <p:spTgt spid="2">
-                                            <p:txEl>
-                                              <p:pRg st="8" end="8"/>
-                                            </p:txEl>
-                                          </p:spTgt>
-                                        </p:tgtEl>
-                                        <p:attrNameLst>
-                                          <p:attrName>style.opacity</p:attrName>
-                                        </p:attrNameLst>
-                                      </p:cBhvr>
-                                      <p:to>
-                                        <p:strVal val="0.25"/>
-                                      </p:to>
-                                    </p:set>
-                                    <p:animEffect filter="image" prLst="opacity: 0.25">
-                                      <p:cBhvr rctx="IE">
-                                        <p:cTn id="85" dur="indefinite"/>
-                                        <p:tgtEl>
-                                          <p:spTgt spid="2">
-                                            <p:txEl>
-                                              <p:pRg st="8" end="8"/>
-                                            </p:txEl>
-                                          </p:spTgt>
-                                        </p:tgtEl>
-                                      </p:cBhvr>
-                                    </p:animEffect>
-                                  </p:childTnLst>
-                                </p:cTn>
-                              </p:par>
-                              <p:par>
-                                <p:cTn id="86" presetID="9" presetClass="emph" presetSubtype="0" grpId="1" nodeType="withEffect">
-                                  <p:stCondLst>
-                                    <p:cond delay="0"/>
-                                  </p:stCondLst>
-                                  <p:childTnLst>
-                                    <p:set>
-                                      <p:cBhvr>
-                                        <p:cTn id="87" dur="indefinite"/>
-                                        <p:tgtEl>
-                                          <p:spTgt spid="2">
-                                            <p:txEl>
-                                              <p:pRg st="9" end="9"/>
-                                            </p:txEl>
-                                          </p:spTgt>
-                                        </p:tgtEl>
-                                        <p:attrNameLst>
-                                          <p:attrName>style.opacity</p:attrName>
-                                        </p:attrNameLst>
-                                      </p:cBhvr>
-                                      <p:to>
-                                        <p:strVal val="0.25"/>
-                                      </p:to>
-                                    </p:set>
-                                    <p:animEffect filter="image" prLst="opacity: 0.25">
-                                      <p:cBhvr rctx="IE">
-                                        <p:cTn id="88" dur="indefinite"/>
-                                        <p:tgtEl>
-                                          <p:spTgt spid="2">
-                                            <p:txEl>
-                                              <p:pRg st="9" end="9"/>
                                             </p:txEl>
                                           </p:spTgt>
                                         </p:tgtEl>
@@ -8163,6 +9249,7097 @@
     <p:bldLst>
       <p:bldP spid="2" grpId="0" uiExpand="1" build="p"/>
       <p:bldP spid="2" grpId="1" uiExpand="1" build="allAtOnce"/>
+    </p:bldLst>
+  </p:timing>
+</p:sld>
+</file>
+
+<file path=ppt/slides/slide5.xml><?xml version="1.0" encoding="utf-8"?>
+<p:sld xmlns:a="http://schemas.openxmlformats.org/drawingml/2006/main" xmlns:r="http://schemas.openxmlformats.org/officeDocument/2006/relationships" xmlns:p="http://schemas.openxmlformats.org/presentationml/2006/main">
+  <p:cSld>
+    <p:spTree>
+      <p:nvGrpSpPr>
+        <p:cNvPr id="1" name=""/>
+        <p:cNvGrpSpPr/>
+        <p:nvPr/>
+      </p:nvGrpSpPr>
+      <p:grpSpPr>
+        <a:xfrm>
+          <a:off x="0" y="0"/>
+          <a:ext cx="0" cy="0"/>
+          <a:chOff x="0" y="0"/>
+          <a:chExt cx="0" cy="0"/>
+        </a:xfrm>
+      </p:grpSpPr>
+      <p:sp>
+        <p:nvSpPr>
+          <p:cNvPr id="3" name="Date Placeholder 2">
+            <a:extLst>
+              <a:ext uri="{FF2B5EF4-FFF2-40B4-BE49-F238E27FC236}">
+                <a16:creationId xmlns:a16="http://schemas.microsoft.com/office/drawing/2014/main" id="{EA608704-7D3A-44E9-99E9-CC3C709D4AF2}"/>
+              </a:ext>
+            </a:extLst>
+          </p:cNvPr>
+          <p:cNvSpPr>
+            <a:spLocks noGrp="1"/>
+          </p:cNvSpPr>
+          <p:nvPr>
+            <p:ph type="dt" sz="half" idx="10"/>
+          </p:nvPr>
+        </p:nvSpPr>
+        <p:spPr/>
+        <p:txBody>
+          <a:bodyPr/>
+          <a:lstStyle/>
+          <a:p>
+            <a:r>
+              <a:rPr lang="en-US"/>
+              <a:t>02.02.2023</a:t>
+            </a:r>
+            <a:endParaRPr lang="en-US" dirty="0"/>
+          </a:p>
+        </p:txBody>
+      </p:sp>
+      <p:sp>
+        <p:nvSpPr>
+          <p:cNvPr id="4" name="Footer Placeholder 3">
+            <a:extLst>
+              <a:ext uri="{FF2B5EF4-FFF2-40B4-BE49-F238E27FC236}">
+                <a16:creationId xmlns:a16="http://schemas.microsoft.com/office/drawing/2014/main" id="{891EB7AC-28CE-4106-B4C5-6F12E81D8124}"/>
+              </a:ext>
+            </a:extLst>
+          </p:cNvPr>
+          <p:cNvSpPr>
+            <a:spLocks noGrp="1"/>
+          </p:cNvSpPr>
+          <p:nvPr>
+            <p:ph type="ftr" sz="quarter" idx="11"/>
+          </p:nvPr>
+        </p:nvSpPr>
+        <p:spPr/>
+        <p:txBody>
+          <a:bodyPr/>
+          <a:lstStyle/>
+          <a:p>
+            <a:r>
+              <a:rPr lang="en-US"/>
+              <a:t>University of Bayreuth</a:t>
+            </a:r>
+            <a:endParaRPr lang="en-US" dirty="0"/>
+          </a:p>
+        </p:txBody>
+      </p:sp>
+      <p:sp>
+        <p:nvSpPr>
+          <p:cNvPr id="5" name="Slide Number Placeholder 4">
+            <a:extLst>
+              <a:ext uri="{FF2B5EF4-FFF2-40B4-BE49-F238E27FC236}">
+                <a16:creationId xmlns:a16="http://schemas.microsoft.com/office/drawing/2014/main" id="{B60B9ABA-D33E-45F7-A605-90B2BB68F085}"/>
+              </a:ext>
+            </a:extLst>
+          </p:cNvPr>
+          <p:cNvSpPr>
+            <a:spLocks noGrp="1"/>
+          </p:cNvSpPr>
+          <p:nvPr>
+            <p:ph type="sldNum" sz="quarter" idx="12"/>
+          </p:nvPr>
+        </p:nvSpPr>
+        <p:spPr/>
+        <p:txBody>
+          <a:bodyPr/>
+          <a:lstStyle/>
+          <a:p>
+            <a:fld id="{0371E4C2-5E83-42DF-8C94-9AF9981AB05F}" type="slidenum">
+              <a:rPr lang="en-US" smtClean="0"/>
+              <a:t>5</a:t>
+            </a:fld>
+            <a:endParaRPr lang="en-US"/>
+          </a:p>
+        </p:txBody>
+      </p:sp>
+      <p:pic>
+        <p:nvPicPr>
+          <p:cNvPr id="23" name="Picture 22">
+            <a:extLst>
+              <a:ext uri="{FF2B5EF4-FFF2-40B4-BE49-F238E27FC236}">
+                <a16:creationId xmlns:a16="http://schemas.microsoft.com/office/drawing/2014/main" id="{2CAAF2DE-EB52-411C-AE2B-D3F2C7FCE822}"/>
+              </a:ext>
+            </a:extLst>
+          </p:cNvPr>
+          <p:cNvPicPr>
+            <a:picLocks noChangeAspect="1"/>
+          </p:cNvPicPr>
+          <p:nvPr/>
+        </p:nvPicPr>
+        <p:blipFill>
+          <a:blip r:embed="rId2">
+            <a:extLst>
+              <a:ext uri="{28A0092B-C50C-407E-A947-70E740481C1C}">
+                <a14:useLocalDpi xmlns:a14="http://schemas.microsoft.com/office/drawing/2010/main" val="0"/>
+              </a:ext>
+            </a:extLst>
+          </a:blip>
+          <a:stretch>
+            <a:fillRect/>
+          </a:stretch>
+        </p:blipFill>
+        <p:spPr>
+          <a:xfrm>
+            <a:off x="948832" y="621786"/>
+            <a:ext cx="10294336" cy="5614427"/>
+          </a:xfrm>
+          <a:prstGeom prst="rect">
+            <a:avLst/>
+          </a:prstGeom>
+        </p:spPr>
+      </p:pic>
+      <p:pic>
+        <p:nvPicPr>
+          <p:cNvPr id="27" name="Picture 26">
+            <a:extLst>
+              <a:ext uri="{FF2B5EF4-FFF2-40B4-BE49-F238E27FC236}">
+                <a16:creationId xmlns:a16="http://schemas.microsoft.com/office/drawing/2014/main" id="{4C6116BC-16E2-4161-B49C-BEBDA76EE982}"/>
+              </a:ext>
+            </a:extLst>
+          </p:cNvPr>
+          <p:cNvPicPr>
+            <a:picLocks noChangeAspect="1"/>
+          </p:cNvPicPr>
+          <p:nvPr/>
+        </p:nvPicPr>
+        <p:blipFill>
+          <a:blip r:embed="rId3">
+            <a:extLst>
+              <a:ext uri="{28A0092B-C50C-407E-A947-70E740481C1C}">
+                <a14:useLocalDpi xmlns:a14="http://schemas.microsoft.com/office/drawing/2010/main" val="0"/>
+              </a:ext>
+            </a:extLst>
+          </a:blip>
+          <a:stretch>
+            <a:fillRect/>
+          </a:stretch>
+        </p:blipFill>
+        <p:spPr>
+          <a:xfrm>
+            <a:off x="948832" y="621786"/>
+            <a:ext cx="10294336" cy="5614427"/>
+          </a:xfrm>
+          <a:prstGeom prst="rect">
+            <a:avLst/>
+          </a:prstGeom>
+        </p:spPr>
+      </p:pic>
+      <p:sp>
+        <p:nvSpPr>
+          <p:cNvPr id="2" name="Title 1">
+            <a:extLst>
+              <a:ext uri="{FF2B5EF4-FFF2-40B4-BE49-F238E27FC236}">
+                <a16:creationId xmlns:a16="http://schemas.microsoft.com/office/drawing/2014/main" id="{24BF20F4-0296-4042-A121-64AD47AAAD6C}"/>
+              </a:ext>
+            </a:extLst>
+          </p:cNvPr>
+          <p:cNvSpPr>
+            <a:spLocks noGrp="1"/>
+          </p:cNvSpPr>
+          <p:nvPr>
+            <p:ph type="title"/>
+          </p:nvPr>
+        </p:nvSpPr>
+        <p:spPr/>
+        <p:txBody>
+          <a:bodyPr/>
+          <a:lstStyle/>
+          <a:p>
+            <a:r>
+              <a:rPr lang="en-US" dirty="0"/>
+              <a:t>Temporal context</a:t>
+            </a:r>
+          </a:p>
+        </p:txBody>
+      </p:sp>
+    </p:spTree>
+    <p:extLst>
+      <p:ext uri="{BB962C8B-B14F-4D97-AF65-F5344CB8AC3E}">
+        <p14:creationId xmlns:p14="http://schemas.microsoft.com/office/powerpoint/2010/main" val="3461952694"/>
+      </p:ext>
+    </p:extLst>
+  </p:cSld>
+  <p:clrMapOvr>
+    <a:masterClrMapping/>
+  </p:clrMapOvr>
+  <p:transition>
+    <p:fade/>
+  </p:transition>
+  <p:timing>
+    <p:tnLst>
+      <p:par>
+        <p:cTn id="1" dur="indefinite" restart="never" nodeType="tmRoot">
+          <p:childTnLst>
+            <p:seq concurrent="1" nextAc="seek">
+              <p:cTn id="2" dur="indefinite" nodeType="mainSeq">
+                <p:childTnLst>
+                  <p:par>
+                    <p:cTn id="3" fill="hold">
+                      <p:stCondLst>
+                        <p:cond delay="indefinite"/>
+                      </p:stCondLst>
+                      <p:childTnLst>
+                        <p:par>
+                          <p:cTn id="4" fill="hold">
+                            <p:stCondLst>
+                              <p:cond delay="0"/>
+                            </p:stCondLst>
+                            <p:childTnLst>
+                              <p:par>
+                                <p:cTn id="5" presetID="10" presetClass="entr" presetSubtype="0" fill="hold" nodeType="clickEffect">
+                                  <p:stCondLst>
+                                    <p:cond delay="0"/>
+                                  </p:stCondLst>
+                                  <p:childTnLst>
+                                    <p:set>
+                                      <p:cBhvr>
+                                        <p:cTn id="6" dur="1" fill="hold">
+                                          <p:stCondLst>
+                                            <p:cond delay="0"/>
+                                          </p:stCondLst>
+                                        </p:cTn>
+                                        <p:tgtEl>
+                                          <p:spTgt spid="23"/>
+                                        </p:tgtEl>
+                                        <p:attrNameLst>
+                                          <p:attrName>style.visibility</p:attrName>
+                                        </p:attrNameLst>
+                                      </p:cBhvr>
+                                      <p:to>
+                                        <p:strVal val="visible"/>
+                                      </p:to>
+                                    </p:set>
+                                    <p:animEffect transition="in" filter="fade">
+                                      <p:cBhvr>
+                                        <p:cTn id="7" dur="1000"/>
+                                        <p:tgtEl>
+                                          <p:spTgt spid="23"/>
+                                        </p:tgtEl>
+                                      </p:cBhvr>
+                                    </p:animEffect>
+                                  </p:childTnLst>
+                                </p:cTn>
+                              </p:par>
+                            </p:childTnLst>
+                          </p:cTn>
+                        </p:par>
+                      </p:childTnLst>
+                    </p:cTn>
+                  </p:par>
+                  <p:par>
+                    <p:cTn id="8" fill="hold">
+                      <p:stCondLst>
+                        <p:cond delay="indefinite"/>
+                      </p:stCondLst>
+                      <p:childTnLst>
+                        <p:par>
+                          <p:cTn id="9" fill="hold">
+                            <p:stCondLst>
+                              <p:cond delay="0"/>
+                            </p:stCondLst>
+                            <p:childTnLst>
+                              <p:par>
+                                <p:cTn id="10" presetID="10" presetClass="entr" presetSubtype="0" fill="hold" nodeType="clickEffect">
+                                  <p:stCondLst>
+                                    <p:cond delay="0"/>
+                                  </p:stCondLst>
+                                  <p:childTnLst>
+                                    <p:set>
+                                      <p:cBhvr>
+                                        <p:cTn id="11" dur="1" fill="hold">
+                                          <p:stCondLst>
+                                            <p:cond delay="0"/>
+                                          </p:stCondLst>
+                                        </p:cTn>
+                                        <p:tgtEl>
+                                          <p:spTgt spid="27"/>
+                                        </p:tgtEl>
+                                        <p:attrNameLst>
+                                          <p:attrName>style.visibility</p:attrName>
+                                        </p:attrNameLst>
+                                      </p:cBhvr>
+                                      <p:to>
+                                        <p:strVal val="visible"/>
+                                      </p:to>
+                                    </p:set>
+                                    <p:animEffect transition="in" filter="fade">
+                                      <p:cBhvr>
+                                        <p:cTn id="12" dur="2000"/>
+                                        <p:tgtEl>
+                                          <p:spTgt spid="27"/>
+                                        </p:tgtEl>
+                                      </p:cBhvr>
+                                    </p:animEffect>
+                                  </p:childTnLst>
+                                </p:cTn>
+                              </p:par>
+                            </p:childTnLst>
+                          </p:cTn>
+                        </p:par>
+                      </p:childTnLst>
+                    </p:cTn>
+                  </p:par>
+                </p:childTnLst>
+              </p:cTn>
+              <p:prevCondLst>
+                <p:cond evt="onPrev" delay="0">
+                  <p:tgtEl>
+                    <p:sldTgt/>
+                  </p:tgtEl>
+                </p:cond>
+              </p:prevCondLst>
+              <p:nextCondLst>
+                <p:cond evt="onNext" delay="0">
+                  <p:tgtEl>
+                    <p:sldTgt/>
+                  </p:tgtEl>
+                </p:cond>
+              </p:nextCondLst>
+            </p:seq>
+          </p:childTnLst>
+        </p:cTn>
+      </p:par>
+    </p:tnLst>
+  </p:timing>
+</p:sld>
+</file>
+
+<file path=ppt/slides/slide6.xml><?xml version="1.0" encoding="utf-8"?>
+<p:sld xmlns:a="http://schemas.openxmlformats.org/drawingml/2006/main" xmlns:r="http://schemas.openxmlformats.org/officeDocument/2006/relationships" xmlns:p="http://schemas.openxmlformats.org/presentationml/2006/main">
+  <p:cSld>
+    <p:spTree>
+      <p:nvGrpSpPr>
+        <p:cNvPr id="1" name=""/>
+        <p:cNvGrpSpPr/>
+        <p:nvPr/>
+      </p:nvGrpSpPr>
+      <p:grpSpPr>
+        <a:xfrm>
+          <a:off x="0" y="0"/>
+          <a:ext cx="0" cy="0"/>
+          <a:chOff x="0" y="0"/>
+          <a:chExt cx="0" cy="0"/>
+        </a:xfrm>
+      </p:grpSpPr>
+      <p:cxnSp>
+        <p:nvCxnSpPr>
+          <p:cNvPr id="60" name="Straight Connector 59">
+            <a:extLst>
+              <a:ext uri="{FF2B5EF4-FFF2-40B4-BE49-F238E27FC236}">
+                <a16:creationId xmlns:a16="http://schemas.microsoft.com/office/drawing/2014/main" id="{8CAA6E87-EEA7-4349-847A-D1F80C768619}"/>
+              </a:ext>
+            </a:extLst>
+          </p:cNvPr>
+          <p:cNvCxnSpPr>
+            <a:cxnSpLocks/>
+          </p:cNvCxnSpPr>
+          <p:nvPr/>
+        </p:nvCxnSpPr>
+        <p:spPr>
+          <a:xfrm>
+            <a:off x="8883689" y="1845390"/>
+            <a:ext cx="288886" cy="240012"/>
+          </a:xfrm>
+          <a:prstGeom prst="line">
+            <a:avLst/>
+          </a:prstGeom>
+          <a:ln w="19050">
+            <a:solidFill>
+              <a:srgbClr val="1E6DA7"/>
+            </a:solidFill>
+          </a:ln>
+        </p:spPr>
+        <p:style>
+          <a:lnRef idx="1">
+            <a:schemeClr val="accent1"/>
+          </a:lnRef>
+          <a:fillRef idx="0">
+            <a:schemeClr val="accent1"/>
+          </a:fillRef>
+          <a:effectRef idx="0">
+            <a:schemeClr val="accent1"/>
+          </a:effectRef>
+          <a:fontRef idx="minor">
+            <a:schemeClr val="tx1"/>
+          </a:fontRef>
+        </p:style>
+      </p:cxnSp>
+      <p:sp>
+        <p:nvSpPr>
+          <p:cNvPr id="2" name="Title 1">
+            <a:extLst>
+              <a:ext uri="{FF2B5EF4-FFF2-40B4-BE49-F238E27FC236}">
+                <a16:creationId xmlns:a16="http://schemas.microsoft.com/office/drawing/2014/main" id="{48D3EACF-53D7-4443-A558-3FA3AA8D491F}"/>
+              </a:ext>
+            </a:extLst>
+          </p:cNvPr>
+          <p:cNvSpPr>
+            <a:spLocks noGrp="1"/>
+          </p:cNvSpPr>
+          <p:nvPr>
+            <p:ph type="title"/>
+          </p:nvPr>
+        </p:nvSpPr>
+        <p:spPr>
+          <a:xfrm>
+            <a:off x="441960" y="182438"/>
+            <a:ext cx="10515600" cy="1325563"/>
+          </a:xfrm>
+        </p:spPr>
+        <p:txBody>
+          <a:bodyPr/>
+          <a:lstStyle/>
+          <a:p>
+            <a:r>
+              <a:rPr lang="en-US" dirty="0"/>
+              <a:t>Niche stability</a:t>
+            </a:r>
+          </a:p>
+        </p:txBody>
+      </p:sp>
+      <p:sp>
+        <p:nvSpPr>
+          <p:cNvPr id="3" name="Date Placeholder 2">
+            <a:extLst>
+              <a:ext uri="{FF2B5EF4-FFF2-40B4-BE49-F238E27FC236}">
+                <a16:creationId xmlns:a16="http://schemas.microsoft.com/office/drawing/2014/main" id="{ACB9DC66-9E83-4DAC-9816-A9469159AA73}"/>
+              </a:ext>
+            </a:extLst>
+          </p:cNvPr>
+          <p:cNvSpPr>
+            <a:spLocks noGrp="1"/>
+          </p:cNvSpPr>
+          <p:nvPr>
+            <p:ph type="dt" sz="half" idx="10"/>
+          </p:nvPr>
+        </p:nvSpPr>
+        <p:spPr/>
+        <p:txBody>
+          <a:bodyPr/>
+          <a:lstStyle/>
+          <a:p>
+            <a:r>
+              <a:rPr lang="en-US"/>
+              <a:t>02.02.2023</a:t>
+            </a:r>
+            <a:endParaRPr lang="en-US" dirty="0"/>
+          </a:p>
+        </p:txBody>
+      </p:sp>
+      <p:sp>
+        <p:nvSpPr>
+          <p:cNvPr id="4" name="Footer Placeholder 3">
+            <a:extLst>
+              <a:ext uri="{FF2B5EF4-FFF2-40B4-BE49-F238E27FC236}">
+                <a16:creationId xmlns:a16="http://schemas.microsoft.com/office/drawing/2014/main" id="{772894A4-6E37-4F43-A23E-B994D65AD170}"/>
+              </a:ext>
+            </a:extLst>
+          </p:cNvPr>
+          <p:cNvSpPr>
+            <a:spLocks noGrp="1"/>
+          </p:cNvSpPr>
+          <p:nvPr>
+            <p:ph type="ftr" sz="quarter" idx="11"/>
+          </p:nvPr>
+        </p:nvSpPr>
+        <p:spPr/>
+        <p:txBody>
+          <a:bodyPr/>
+          <a:lstStyle/>
+          <a:p>
+            <a:r>
+              <a:rPr lang="en-US"/>
+              <a:t>University of Bayreuth</a:t>
+            </a:r>
+            <a:endParaRPr lang="en-US" dirty="0"/>
+          </a:p>
+        </p:txBody>
+      </p:sp>
+      <p:sp>
+        <p:nvSpPr>
+          <p:cNvPr id="5" name="Slide Number Placeholder 4">
+            <a:extLst>
+              <a:ext uri="{FF2B5EF4-FFF2-40B4-BE49-F238E27FC236}">
+                <a16:creationId xmlns:a16="http://schemas.microsoft.com/office/drawing/2014/main" id="{8B0850BA-A942-413C-81CC-63C039DE6C9B}"/>
+              </a:ext>
+            </a:extLst>
+          </p:cNvPr>
+          <p:cNvSpPr>
+            <a:spLocks noGrp="1"/>
+          </p:cNvSpPr>
+          <p:nvPr>
+            <p:ph type="sldNum" sz="quarter" idx="12"/>
+          </p:nvPr>
+        </p:nvSpPr>
+        <p:spPr/>
+        <p:txBody>
+          <a:bodyPr/>
+          <a:lstStyle/>
+          <a:p>
+            <a:fld id="{0371E4C2-5E83-42DF-8C94-9AF9981AB05F}" type="slidenum">
+              <a:rPr lang="en-US" smtClean="0"/>
+              <a:t>6</a:t>
+            </a:fld>
+            <a:endParaRPr lang="en-US"/>
+          </a:p>
+        </p:txBody>
+      </p:sp>
+      <p:sp>
+        <p:nvSpPr>
+          <p:cNvPr id="12" name="Oval 11">
+            <a:extLst>
+              <a:ext uri="{FF2B5EF4-FFF2-40B4-BE49-F238E27FC236}">
+                <a16:creationId xmlns:a16="http://schemas.microsoft.com/office/drawing/2014/main" id="{075249D1-5F66-42F7-991D-ECF799FD8A46}"/>
+              </a:ext>
+            </a:extLst>
+          </p:cNvPr>
+          <p:cNvSpPr/>
+          <p:nvPr/>
+        </p:nvSpPr>
+        <p:spPr>
+          <a:xfrm>
+            <a:off x="2287477" y="2865822"/>
+            <a:ext cx="4445825" cy="2553531"/>
+          </a:xfrm>
+          <a:custGeom>
+            <a:avLst/>
+            <a:gdLst>
+              <a:gd name="connsiteX0" fmla="*/ 0 w 4248146"/>
+              <a:gd name="connsiteY0" fmla="*/ 3893300 h 7786600"/>
+              <a:gd name="connsiteX1" fmla="*/ 2124073 w 4248146"/>
+              <a:gd name="connsiteY1" fmla="*/ 0 h 7786600"/>
+              <a:gd name="connsiteX2" fmla="*/ 4248146 w 4248146"/>
+              <a:gd name="connsiteY2" fmla="*/ 3893300 h 7786600"/>
+              <a:gd name="connsiteX3" fmla="*/ 2124073 w 4248146"/>
+              <a:gd name="connsiteY3" fmla="*/ 7786600 h 7786600"/>
+              <a:gd name="connsiteX4" fmla="*/ 0 w 4248146"/>
+              <a:gd name="connsiteY4" fmla="*/ 3893300 h 7786600"/>
+              <a:gd name="connsiteX0" fmla="*/ 95 w 4248241"/>
+              <a:gd name="connsiteY0" fmla="*/ 3893300 h 4669319"/>
+              <a:gd name="connsiteX1" fmla="*/ 2124168 w 4248241"/>
+              <a:gd name="connsiteY1" fmla="*/ 0 h 4669319"/>
+              <a:gd name="connsiteX2" fmla="*/ 4248241 w 4248241"/>
+              <a:gd name="connsiteY2" fmla="*/ 3893300 h 4669319"/>
+              <a:gd name="connsiteX3" fmla="*/ 2190843 w 4248241"/>
+              <a:gd name="connsiteY3" fmla="*/ 3043150 h 4669319"/>
+              <a:gd name="connsiteX4" fmla="*/ 95 w 4248241"/>
+              <a:gd name="connsiteY4" fmla="*/ 3893300 h 4669319"/>
+              <a:gd name="connsiteX0" fmla="*/ 677 w 4248823"/>
+              <a:gd name="connsiteY0" fmla="*/ 3893300 h 4725511"/>
+              <a:gd name="connsiteX1" fmla="*/ 2124750 w 4248823"/>
+              <a:gd name="connsiteY1" fmla="*/ 0 h 4725511"/>
+              <a:gd name="connsiteX2" fmla="*/ 4248823 w 4248823"/>
+              <a:gd name="connsiteY2" fmla="*/ 3893300 h 4725511"/>
+              <a:gd name="connsiteX3" fmla="*/ 2305725 w 4248823"/>
+              <a:gd name="connsiteY3" fmla="*/ 3347950 h 4725511"/>
+              <a:gd name="connsiteX4" fmla="*/ 677 w 4248823"/>
+              <a:gd name="connsiteY4" fmla="*/ 3893300 h 4725511"/>
+              <a:gd name="connsiteX0" fmla="*/ 463 w 4210509"/>
+              <a:gd name="connsiteY0" fmla="*/ 3897764 h 4290088"/>
+              <a:gd name="connsiteX1" fmla="*/ 2124536 w 4210509"/>
+              <a:gd name="connsiteY1" fmla="*/ 4464 h 4290088"/>
+              <a:gd name="connsiteX2" fmla="*/ 4210509 w 4210509"/>
+              <a:gd name="connsiteY2" fmla="*/ 3354839 h 4290088"/>
+              <a:gd name="connsiteX3" fmla="*/ 2305511 w 4210509"/>
+              <a:gd name="connsiteY3" fmla="*/ 3352414 h 4290088"/>
+              <a:gd name="connsiteX4" fmla="*/ 463 w 4210509"/>
+              <a:gd name="connsiteY4" fmla="*/ 3897764 h 4290088"/>
+              <a:gd name="connsiteX0" fmla="*/ 519 w 4020065"/>
+              <a:gd name="connsiteY0" fmla="*/ 3293250 h 4307538"/>
+              <a:gd name="connsiteX1" fmla="*/ 1934092 w 4020065"/>
+              <a:gd name="connsiteY1" fmla="*/ 25 h 4307538"/>
+              <a:gd name="connsiteX2" fmla="*/ 4020065 w 4020065"/>
+              <a:gd name="connsiteY2" fmla="*/ 3350400 h 4307538"/>
+              <a:gd name="connsiteX3" fmla="*/ 2115067 w 4020065"/>
+              <a:gd name="connsiteY3" fmla="*/ 3347975 h 4307538"/>
+              <a:gd name="connsiteX4" fmla="*/ 519 w 4020065"/>
+              <a:gd name="connsiteY4" fmla="*/ 3293250 h 4307538"/>
+              <a:gd name="connsiteX0" fmla="*/ 135488 w 4155034"/>
+              <a:gd name="connsiteY0" fmla="*/ 3293247 h 4307535"/>
+              <a:gd name="connsiteX1" fmla="*/ 2069061 w 4155034"/>
+              <a:gd name="connsiteY1" fmla="*/ 22 h 4307535"/>
+              <a:gd name="connsiteX2" fmla="*/ 4155034 w 4155034"/>
+              <a:gd name="connsiteY2" fmla="*/ 3350397 h 4307535"/>
+              <a:gd name="connsiteX3" fmla="*/ 2250036 w 4155034"/>
+              <a:gd name="connsiteY3" fmla="*/ 3347972 h 4307535"/>
+              <a:gd name="connsiteX4" fmla="*/ 135488 w 4155034"/>
+              <a:gd name="connsiteY4" fmla="*/ 3293247 h 4307535"/>
+              <a:gd name="connsiteX0" fmla="*/ 135488 w 4155034"/>
+              <a:gd name="connsiteY0" fmla="*/ 3293247 h 3374096"/>
+              <a:gd name="connsiteX1" fmla="*/ 2069061 w 4155034"/>
+              <a:gd name="connsiteY1" fmla="*/ 22 h 3374096"/>
+              <a:gd name="connsiteX2" fmla="*/ 4155034 w 4155034"/>
+              <a:gd name="connsiteY2" fmla="*/ 3350397 h 3374096"/>
+              <a:gd name="connsiteX3" fmla="*/ 2250036 w 4155034"/>
+              <a:gd name="connsiteY3" fmla="*/ 3347972 h 3374096"/>
+              <a:gd name="connsiteX4" fmla="*/ 135488 w 4155034"/>
+              <a:gd name="connsiteY4" fmla="*/ 3293247 h 3374096"/>
+              <a:gd name="connsiteX0" fmla="*/ 517792 w 4537338"/>
+              <a:gd name="connsiteY0" fmla="*/ 3293246 h 3350396"/>
+              <a:gd name="connsiteX1" fmla="*/ 2451365 w 4537338"/>
+              <a:gd name="connsiteY1" fmla="*/ 21 h 3350396"/>
+              <a:gd name="connsiteX2" fmla="*/ 4537338 w 4537338"/>
+              <a:gd name="connsiteY2" fmla="*/ 3350396 h 3350396"/>
+              <a:gd name="connsiteX3" fmla="*/ 2632340 w 4537338"/>
+              <a:gd name="connsiteY3" fmla="*/ 3347971 h 3350396"/>
+              <a:gd name="connsiteX4" fmla="*/ 517792 w 4537338"/>
+              <a:gd name="connsiteY4" fmla="*/ 3293246 h 3350396"/>
+              <a:gd name="connsiteX0" fmla="*/ 112051 w 4131597"/>
+              <a:gd name="connsiteY0" fmla="*/ 3293246 h 3350396"/>
+              <a:gd name="connsiteX1" fmla="*/ 2045624 w 4131597"/>
+              <a:gd name="connsiteY1" fmla="*/ 21 h 3350396"/>
+              <a:gd name="connsiteX2" fmla="*/ 4131597 w 4131597"/>
+              <a:gd name="connsiteY2" fmla="*/ 3350396 h 3350396"/>
+              <a:gd name="connsiteX3" fmla="*/ 2226599 w 4131597"/>
+              <a:gd name="connsiteY3" fmla="*/ 3347971 h 3350396"/>
+              <a:gd name="connsiteX4" fmla="*/ 112051 w 4131597"/>
+              <a:gd name="connsiteY4" fmla="*/ 3293246 h 3350396"/>
+              <a:gd name="connsiteX0" fmla="*/ 119938 w 3958509"/>
+              <a:gd name="connsiteY0" fmla="*/ 3302765 h 3350390"/>
+              <a:gd name="connsiteX1" fmla="*/ 1872536 w 3958509"/>
+              <a:gd name="connsiteY1" fmla="*/ 15 h 3350390"/>
+              <a:gd name="connsiteX2" fmla="*/ 3958509 w 3958509"/>
+              <a:gd name="connsiteY2" fmla="*/ 3350390 h 3350390"/>
+              <a:gd name="connsiteX3" fmla="*/ 2053511 w 3958509"/>
+              <a:gd name="connsiteY3" fmla="*/ 3347965 h 3350390"/>
+              <a:gd name="connsiteX4" fmla="*/ 119938 w 3958509"/>
+              <a:gd name="connsiteY4" fmla="*/ 3302765 h 3350390"/>
+              <a:gd name="connsiteX0" fmla="*/ 119938 w 3958509"/>
+              <a:gd name="connsiteY0" fmla="*/ 3340851 h 3370289"/>
+              <a:gd name="connsiteX1" fmla="*/ 1872536 w 3958509"/>
+              <a:gd name="connsiteY1" fmla="*/ 1 h 3370289"/>
+              <a:gd name="connsiteX2" fmla="*/ 3958509 w 3958509"/>
+              <a:gd name="connsiteY2" fmla="*/ 3350376 h 3370289"/>
+              <a:gd name="connsiteX3" fmla="*/ 2053511 w 3958509"/>
+              <a:gd name="connsiteY3" fmla="*/ 3347951 h 3370289"/>
+              <a:gd name="connsiteX4" fmla="*/ 119938 w 3958509"/>
+              <a:gd name="connsiteY4" fmla="*/ 3340851 h 3370289"/>
+              <a:gd name="connsiteX0" fmla="*/ 11459 w 3850030"/>
+              <a:gd name="connsiteY0" fmla="*/ 3340851 h 3797773"/>
+              <a:gd name="connsiteX1" fmla="*/ 1764057 w 3850030"/>
+              <a:gd name="connsiteY1" fmla="*/ 1 h 3797773"/>
+              <a:gd name="connsiteX2" fmla="*/ 3850030 w 3850030"/>
+              <a:gd name="connsiteY2" fmla="*/ 3350376 h 3797773"/>
+              <a:gd name="connsiteX3" fmla="*/ 1945032 w 3850030"/>
+              <a:gd name="connsiteY3" fmla="*/ 3347951 h 3797773"/>
+              <a:gd name="connsiteX4" fmla="*/ 11459 w 3850030"/>
+              <a:gd name="connsiteY4" fmla="*/ 3340851 h 3797773"/>
+              <a:gd name="connsiteX0" fmla="*/ 122944 w 3961515"/>
+              <a:gd name="connsiteY0" fmla="*/ 3340851 h 3350376"/>
+              <a:gd name="connsiteX1" fmla="*/ 1875542 w 3961515"/>
+              <a:gd name="connsiteY1" fmla="*/ 1 h 3350376"/>
+              <a:gd name="connsiteX2" fmla="*/ 3961515 w 3961515"/>
+              <a:gd name="connsiteY2" fmla="*/ 3350376 h 3350376"/>
+              <a:gd name="connsiteX3" fmla="*/ 2056517 w 3961515"/>
+              <a:gd name="connsiteY3" fmla="*/ 3347951 h 3350376"/>
+              <a:gd name="connsiteX4" fmla="*/ 122944 w 3961515"/>
+              <a:gd name="connsiteY4" fmla="*/ 3340851 h 3350376"/>
+              <a:gd name="connsiteX0" fmla="*/ 2 w 3838573"/>
+              <a:gd name="connsiteY0" fmla="*/ 3340851 h 3988098"/>
+              <a:gd name="connsiteX1" fmla="*/ 1752600 w 3838573"/>
+              <a:gd name="connsiteY1" fmla="*/ 1 h 3988098"/>
+              <a:gd name="connsiteX2" fmla="*/ 3838573 w 3838573"/>
+              <a:gd name="connsiteY2" fmla="*/ 3350376 h 3988098"/>
+              <a:gd name="connsiteX3" fmla="*/ 1933575 w 3838573"/>
+              <a:gd name="connsiteY3" fmla="*/ 3347951 h 3988098"/>
+              <a:gd name="connsiteX4" fmla="*/ 2 w 3838573"/>
+              <a:gd name="connsiteY4" fmla="*/ 3340851 h 3988098"/>
+              <a:gd name="connsiteX0" fmla="*/ 2 w 3838573"/>
+              <a:gd name="connsiteY0" fmla="*/ 3340851 h 3350376"/>
+              <a:gd name="connsiteX1" fmla="*/ 1752600 w 3838573"/>
+              <a:gd name="connsiteY1" fmla="*/ 1 h 3350376"/>
+              <a:gd name="connsiteX2" fmla="*/ 3838573 w 3838573"/>
+              <a:gd name="connsiteY2" fmla="*/ 3350376 h 3350376"/>
+              <a:gd name="connsiteX3" fmla="*/ 1933575 w 3838573"/>
+              <a:gd name="connsiteY3" fmla="*/ 3347951 h 3350376"/>
+              <a:gd name="connsiteX4" fmla="*/ 2 w 3838573"/>
+              <a:gd name="connsiteY4" fmla="*/ 3340851 h 3350376"/>
+              <a:gd name="connsiteX0" fmla="*/ 2 w 3838573"/>
+              <a:gd name="connsiteY0" fmla="*/ 3340851 h 3350376"/>
+              <a:gd name="connsiteX1" fmla="*/ 1752600 w 3838573"/>
+              <a:gd name="connsiteY1" fmla="*/ 1 h 3350376"/>
+              <a:gd name="connsiteX2" fmla="*/ 3838573 w 3838573"/>
+              <a:gd name="connsiteY2" fmla="*/ 3350376 h 3350376"/>
+              <a:gd name="connsiteX3" fmla="*/ 1933575 w 3838573"/>
+              <a:gd name="connsiteY3" fmla="*/ 3347951 h 3350376"/>
+              <a:gd name="connsiteX4" fmla="*/ 2 w 3838573"/>
+              <a:gd name="connsiteY4" fmla="*/ 3340851 h 3350376"/>
+              <a:gd name="connsiteX0" fmla="*/ 2 w 3838573"/>
+              <a:gd name="connsiteY0" fmla="*/ 3359900 h 3369425"/>
+              <a:gd name="connsiteX1" fmla="*/ 1905000 w 3838573"/>
+              <a:gd name="connsiteY1" fmla="*/ 0 h 3369425"/>
+              <a:gd name="connsiteX2" fmla="*/ 3838573 w 3838573"/>
+              <a:gd name="connsiteY2" fmla="*/ 3369425 h 3369425"/>
+              <a:gd name="connsiteX3" fmla="*/ 1933575 w 3838573"/>
+              <a:gd name="connsiteY3" fmla="*/ 3367000 h 3369425"/>
+              <a:gd name="connsiteX4" fmla="*/ 2 w 3838573"/>
+              <a:gd name="connsiteY4" fmla="*/ 3359900 h 3369425"/>
+              <a:gd name="connsiteX0" fmla="*/ 2 w 3838573"/>
+              <a:gd name="connsiteY0" fmla="*/ 3359900 h 3369425"/>
+              <a:gd name="connsiteX1" fmla="*/ 1905000 w 3838573"/>
+              <a:gd name="connsiteY1" fmla="*/ 0 h 3369425"/>
+              <a:gd name="connsiteX2" fmla="*/ 3838573 w 3838573"/>
+              <a:gd name="connsiteY2" fmla="*/ 3369425 h 3369425"/>
+              <a:gd name="connsiteX3" fmla="*/ 1933575 w 3838573"/>
+              <a:gd name="connsiteY3" fmla="*/ 3367000 h 3369425"/>
+              <a:gd name="connsiteX4" fmla="*/ 2 w 3838573"/>
+              <a:gd name="connsiteY4" fmla="*/ 3359900 h 3369425"/>
+              <a:gd name="connsiteX0" fmla="*/ 0 w 3838571"/>
+              <a:gd name="connsiteY0" fmla="*/ 3359901 h 3369426"/>
+              <a:gd name="connsiteX1" fmla="*/ 1904998 w 3838571"/>
+              <a:gd name="connsiteY1" fmla="*/ 1 h 3369426"/>
+              <a:gd name="connsiteX2" fmla="*/ 3838571 w 3838571"/>
+              <a:gd name="connsiteY2" fmla="*/ 3369426 h 3369426"/>
+              <a:gd name="connsiteX3" fmla="*/ 1933573 w 3838571"/>
+              <a:gd name="connsiteY3" fmla="*/ 3367001 h 3369426"/>
+              <a:gd name="connsiteX4" fmla="*/ 0 w 3838571"/>
+              <a:gd name="connsiteY4" fmla="*/ 3359901 h 3369426"/>
+              <a:gd name="connsiteX0" fmla="*/ 0 w 3838571"/>
+              <a:gd name="connsiteY0" fmla="*/ 3359901 h 3369426"/>
+              <a:gd name="connsiteX1" fmla="*/ 1904998 w 3838571"/>
+              <a:gd name="connsiteY1" fmla="*/ 1 h 3369426"/>
+              <a:gd name="connsiteX2" fmla="*/ 3838571 w 3838571"/>
+              <a:gd name="connsiteY2" fmla="*/ 3369426 h 3369426"/>
+              <a:gd name="connsiteX3" fmla="*/ 1933573 w 3838571"/>
+              <a:gd name="connsiteY3" fmla="*/ 3367001 h 3369426"/>
+              <a:gd name="connsiteX4" fmla="*/ 0 w 3838571"/>
+              <a:gd name="connsiteY4" fmla="*/ 3359901 h 3369426"/>
+              <a:gd name="connsiteX0" fmla="*/ 0 w 3838571"/>
+              <a:gd name="connsiteY0" fmla="*/ 3359901 h 3369426"/>
+              <a:gd name="connsiteX1" fmla="*/ 1904998 w 3838571"/>
+              <a:gd name="connsiteY1" fmla="*/ 1 h 3369426"/>
+              <a:gd name="connsiteX2" fmla="*/ 3838571 w 3838571"/>
+              <a:gd name="connsiteY2" fmla="*/ 3369426 h 3369426"/>
+              <a:gd name="connsiteX3" fmla="*/ 1933573 w 3838571"/>
+              <a:gd name="connsiteY3" fmla="*/ 3367001 h 3369426"/>
+              <a:gd name="connsiteX4" fmla="*/ 0 w 3838571"/>
+              <a:gd name="connsiteY4" fmla="*/ 3359901 h 3369426"/>
+              <a:gd name="connsiteX0" fmla="*/ 0 w 3838571"/>
+              <a:gd name="connsiteY0" fmla="*/ 3359901 h 3369426"/>
+              <a:gd name="connsiteX1" fmla="*/ 1904998 w 3838571"/>
+              <a:gd name="connsiteY1" fmla="*/ 1 h 3369426"/>
+              <a:gd name="connsiteX2" fmla="*/ 3838571 w 3838571"/>
+              <a:gd name="connsiteY2" fmla="*/ 3369426 h 3369426"/>
+              <a:gd name="connsiteX3" fmla="*/ 1933573 w 3838571"/>
+              <a:gd name="connsiteY3" fmla="*/ 3367001 h 3369426"/>
+              <a:gd name="connsiteX4" fmla="*/ 0 w 3838571"/>
+              <a:gd name="connsiteY4" fmla="*/ 3359901 h 3369426"/>
+              <a:gd name="connsiteX0" fmla="*/ 0 w 3838571"/>
+              <a:gd name="connsiteY0" fmla="*/ 3359901 h 3369426"/>
+              <a:gd name="connsiteX1" fmla="*/ 1904998 w 3838571"/>
+              <a:gd name="connsiteY1" fmla="*/ 1 h 3369426"/>
+              <a:gd name="connsiteX2" fmla="*/ 3838571 w 3838571"/>
+              <a:gd name="connsiteY2" fmla="*/ 3369426 h 3369426"/>
+              <a:gd name="connsiteX3" fmla="*/ 1933573 w 3838571"/>
+              <a:gd name="connsiteY3" fmla="*/ 3367001 h 3369426"/>
+              <a:gd name="connsiteX4" fmla="*/ 0 w 3838571"/>
+              <a:gd name="connsiteY4" fmla="*/ 3359901 h 3369426"/>
+              <a:gd name="connsiteX0" fmla="*/ 0 w 3838571"/>
+              <a:gd name="connsiteY0" fmla="*/ 3372481 h 3372481"/>
+              <a:gd name="connsiteX1" fmla="*/ 1904998 w 3838571"/>
+              <a:gd name="connsiteY1" fmla="*/ 1 h 3372481"/>
+              <a:gd name="connsiteX2" fmla="*/ 3838571 w 3838571"/>
+              <a:gd name="connsiteY2" fmla="*/ 3369426 h 3372481"/>
+              <a:gd name="connsiteX3" fmla="*/ 1933573 w 3838571"/>
+              <a:gd name="connsiteY3" fmla="*/ 3367001 h 3372481"/>
+              <a:gd name="connsiteX4" fmla="*/ 0 w 3838571"/>
+              <a:gd name="connsiteY4" fmla="*/ 3372481 h 3372481"/>
+            </a:gdLst>
+            <a:ahLst/>
+            <a:cxnLst>
+              <a:cxn ang="0">
+                <a:pos x="connsiteX0" y="connsiteY0"/>
+              </a:cxn>
+              <a:cxn ang="0">
+                <a:pos x="connsiteX1" y="connsiteY1"/>
+              </a:cxn>
+              <a:cxn ang="0">
+                <a:pos x="connsiteX2" y="connsiteY2"/>
+              </a:cxn>
+              <a:cxn ang="0">
+                <a:pos x="connsiteX3" y="connsiteY3"/>
+              </a:cxn>
+              <a:cxn ang="0">
+                <a:pos x="connsiteX4" y="connsiteY4"/>
+              </a:cxn>
+            </a:cxnLst>
+            <a:rect l="l" t="t" r="r" b="b"/>
+            <a:pathLst>
+              <a:path w="3838571" h="3372481">
+                <a:moveTo>
+                  <a:pt x="0" y="3372481"/>
+                </a:moveTo>
+                <a:cubicBezTo>
+                  <a:pt x="17463" y="1233339"/>
+                  <a:pt x="1265236" y="510"/>
+                  <a:pt x="1904998" y="1"/>
+                </a:cubicBezTo>
+                <a:cubicBezTo>
+                  <a:pt x="2544760" y="-508"/>
+                  <a:pt x="3819521" y="1171591"/>
+                  <a:pt x="3838571" y="3369426"/>
+                </a:cubicBezTo>
+                <a:lnTo>
+                  <a:pt x="1933573" y="3367001"/>
+                </a:lnTo>
+                <a:cubicBezTo>
+                  <a:pt x="1293811" y="3367510"/>
+                  <a:pt x="1930399" y="3365323"/>
+                  <a:pt x="0" y="3372481"/>
+                </a:cubicBezTo>
+                <a:close/>
+              </a:path>
+            </a:pathLst>
+          </a:custGeom>
+          <a:gradFill flip="none" rotWithShape="1">
+            <a:gsLst>
+              <a:gs pos="0">
+                <a:srgbClr val="CD717C">
+                  <a:alpha val="60000"/>
+                </a:srgbClr>
+              </a:gs>
+              <a:gs pos="49000">
+                <a:srgbClr val="1E6DA7">
+                  <a:alpha val="50000"/>
+                </a:srgbClr>
+              </a:gs>
+              <a:gs pos="100000">
+                <a:srgbClr val="CD717C">
+                  <a:alpha val="60000"/>
+                </a:srgbClr>
+              </a:gs>
+            </a:gsLst>
+            <a:lin ang="0" scaled="1"/>
+            <a:tileRect/>
+          </a:gradFill>
+          <a:ln>
+            <a:noFill/>
+          </a:ln>
+        </p:spPr>
+        <p:style>
+          <a:lnRef idx="2">
+            <a:schemeClr val="accent1">
+              <a:shade val="50000"/>
+            </a:schemeClr>
+          </a:lnRef>
+          <a:fillRef idx="1">
+            <a:schemeClr val="accent1"/>
+          </a:fillRef>
+          <a:effectRef idx="0">
+            <a:schemeClr val="accent1"/>
+          </a:effectRef>
+          <a:fontRef idx="minor">
+            <a:schemeClr val="lt1"/>
+          </a:fontRef>
+        </p:style>
+        <p:txBody>
+          <a:bodyPr rtlCol="0" anchor="ctr"/>
+          <a:lstStyle/>
+          <a:p>
+            <a:pPr algn="ctr"/>
+            <a:endParaRPr lang="en-US"/>
+          </a:p>
+        </p:txBody>
+      </p:sp>
+      <p:cxnSp>
+        <p:nvCxnSpPr>
+          <p:cNvPr id="7" name="Straight Connector 6">
+            <a:extLst>
+              <a:ext uri="{FF2B5EF4-FFF2-40B4-BE49-F238E27FC236}">
+                <a16:creationId xmlns:a16="http://schemas.microsoft.com/office/drawing/2014/main" id="{D9631D79-0633-4552-8BE3-6E16ECE0B5DF}"/>
+              </a:ext>
+            </a:extLst>
+          </p:cNvPr>
+          <p:cNvCxnSpPr>
+            <a:cxnSpLocks/>
+          </p:cNvCxnSpPr>
+          <p:nvPr/>
+        </p:nvCxnSpPr>
+        <p:spPr>
+          <a:xfrm>
+            <a:off x="1704975" y="2620731"/>
+            <a:ext cx="0" cy="2805474"/>
+          </a:xfrm>
+          <a:prstGeom prst="line">
+            <a:avLst/>
+          </a:prstGeom>
+          <a:ln w="28575">
+            <a:solidFill>
+              <a:schemeClr val="bg2">
+                <a:lumMod val="50000"/>
+              </a:schemeClr>
+            </a:solidFill>
+          </a:ln>
+        </p:spPr>
+        <p:style>
+          <a:lnRef idx="1">
+            <a:schemeClr val="accent1"/>
+          </a:lnRef>
+          <a:fillRef idx="0">
+            <a:schemeClr val="accent1"/>
+          </a:fillRef>
+          <a:effectRef idx="0">
+            <a:schemeClr val="accent1"/>
+          </a:effectRef>
+          <a:fontRef idx="minor">
+            <a:schemeClr val="tx1"/>
+          </a:fontRef>
+        </p:style>
+      </p:cxnSp>
+      <p:cxnSp>
+        <p:nvCxnSpPr>
+          <p:cNvPr id="9" name="Straight Connector 8">
+            <a:extLst>
+              <a:ext uri="{FF2B5EF4-FFF2-40B4-BE49-F238E27FC236}">
+                <a16:creationId xmlns:a16="http://schemas.microsoft.com/office/drawing/2014/main" id="{AD8FE95C-1184-4F80-AF45-F2A5523C3F49}"/>
+              </a:ext>
+            </a:extLst>
+          </p:cNvPr>
+          <p:cNvCxnSpPr>
+            <a:cxnSpLocks/>
+          </p:cNvCxnSpPr>
+          <p:nvPr/>
+        </p:nvCxnSpPr>
+        <p:spPr>
+          <a:xfrm flipH="1">
+            <a:off x="1690687" y="5426205"/>
+            <a:ext cx="5615277" cy="0"/>
+          </a:xfrm>
+          <a:prstGeom prst="line">
+            <a:avLst/>
+          </a:prstGeom>
+          <a:ln w="28575">
+            <a:solidFill>
+              <a:schemeClr val="bg2">
+                <a:lumMod val="50000"/>
+              </a:schemeClr>
+            </a:solidFill>
+          </a:ln>
+        </p:spPr>
+        <p:style>
+          <a:lnRef idx="1">
+            <a:schemeClr val="accent1"/>
+          </a:lnRef>
+          <a:fillRef idx="0">
+            <a:schemeClr val="accent1"/>
+          </a:fillRef>
+          <a:effectRef idx="0">
+            <a:schemeClr val="accent1"/>
+          </a:effectRef>
+          <a:fontRef idx="minor">
+            <a:schemeClr val="tx1"/>
+          </a:fontRef>
+        </p:style>
+      </p:cxnSp>
+      <p:sp>
+        <p:nvSpPr>
+          <p:cNvPr id="17" name="TextBox 16">
+            <a:extLst>
+              <a:ext uri="{FF2B5EF4-FFF2-40B4-BE49-F238E27FC236}">
+                <a16:creationId xmlns:a16="http://schemas.microsoft.com/office/drawing/2014/main" id="{4A0EAD0A-7647-4F9B-8F6B-AB2285BE4533}"/>
+              </a:ext>
+            </a:extLst>
+          </p:cNvPr>
+          <p:cNvSpPr txBox="1"/>
+          <p:nvPr/>
+        </p:nvSpPr>
+        <p:spPr>
+          <a:xfrm rot="16200000">
+            <a:off x="702801" y="3746037"/>
+            <a:ext cx="1391728" cy="338554"/>
+          </a:xfrm>
+          <a:prstGeom prst="rect">
+            <a:avLst/>
+          </a:prstGeom>
+          <a:noFill/>
+        </p:spPr>
+        <p:txBody>
+          <a:bodyPr wrap="none" rtlCol="0">
+            <a:spAutoFit/>
+          </a:bodyPr>
+          <a:lstStyle/>
+          <a:p>
+            <a:pPr algn="l"/>
+            <a:r>
+              <a:rPr lang="de-DE" sz="1600" dirty="0">
+                <a:solidFill>
+                  <a:schemeClr val="tx1">
+                    <a:lumMod val="50000"/>
+                    <a:lumOff val="50000"/>
+                  </a:schemeClr>
+                </a:solidFill>
+              </a:rPr>
+              <a:t>Performance</a:t>
+            </a:r>
+            <a:endParaRPr lang="en-US" sz="1600" dirty="0">
+              <a:solidFill>
+                <a:schemeClr val="tx1">
+                  <a:lumMod val="50000"/>
+                  <a:lumOff val="50000"/>
+                </a:schemeClr>
+              </a:solidFill>
+            </a:endParaRPr>
+          </a:p>
+        </p:txBody>
+      </p:sp>
+      <p:sp>
+        <p:nvSpPr>
+          <p:cNvPr id="19" name="TextBox 18">
+            <a:extLst>
+              <a:ext uri="{FF2B5EF4-FFF2-40B4-BE49-F238E27FC236}">
+                <a16:creationId xmlns:a16="http://schemas.microsoft.com/office/drawing/2014/main" id="{48F4D39F-2DBF-42EF-BE28-05AFE2CEC88D}"/>
+              </a:ext>
+            </a:extLst>
+          </p:cNvPr>
+          <p:cNvSpPr txBox="1"/>
+          <p:nvPr/>
+        </p:nvSpPr>
+        <p:spPr>
+          <a:xfrm>
+            <a:off x="3745290" y="5580987"/>
+            <a:ext cx="1543051" cy="338554"/>
+          </a:xfrm>
+          <a:prstGeom prst="rect">
+            <a:avLst/>
+          </a:prstGeom>
+          <a:noFill/>
+        </p:spPr>
+        <p:txBody>
+          <a:bodyPr wrap="square" rtlCol="0">
+            <a:spAutoFit/>
+          </a:bodyPr>
+          <a:lstStyle/>
+          <a:p>
+            <a:pPr algn="l"/>
+            <a:r>
+              <a:rPr lang="en-US" sz="1600" dirty="0">
+                <a:solidFill>
+                  <a:schemeClr val="tx1">
+                    <a:lumMod val="50000"/>
+                    <a:lumOff val="50000"/>
+                  </a:schemeClr>
+                </a:solidFill>
+              </a:rPr>
+              <a:t>Temperature</a:t>
+            </a:r>
+          </a:p>
+        </p:txBody>
+      </p:sp>
+      <p:sp>
+        <p:nvSpPr>
+          <p:cNvPr id="20" name="TextBox 19">
+            <a:extLst>
+              <a:ext uri="{FF2B5EF4-FFF2-40B4-BE49-F238E27FC236}">
+                <a16:creationId xmlns:a16="http://schemas.microsoft.com/office/drawing/2014/main" id="{4CF86FBE-9A2F-4564-AB2B-34CB11375FB7}"/>
+              </a:ext>
+            </a:extLst>
+          </p:cNvPr>
+          <p:cNvSpPr txBox="1"/>
+          <p:nvPr/>
+        </p:nvSpPr>
+        <p:spPr>
+          <a:xfrm>
+            <a:off x="2024186" y="5411710"/>
+            <a:ext cx="544308" cy="338554"/>
+          </a:xfrm>
+          <a:prstGeom prst="rect">
+            <a:avLst/>
+          </a:prstGeom>
+          <a:noFill/>
+        </p:spPr>
+        <p:txBody>
+          <a:bodyPr wrap="square" rtlCol="0">
+            <a:spAutoFit/>
+          </a:bodyPr>
+          <a:lstStyle/>
+          <a:p>
+            <a:pPr algn="l"/>
+            <a:r>
+              <a:rPr lang="en-US" sz="1600" dirty="0" err="1">
+                <a:solidFill>
+                  <a:schemeClr val="tx1">
+                    <a:lumMod val="50000"/>
+                    <a:lumOff val="50000"/>
+                  </a:schemeClr>
+                </a:solidFill>
+              </a:rPr>
+              <a:t>T</a:t>
+            </a:r>
+            <a:r>
+              <a:rPr lang="en-US" sz="1100" dirty="0" err="1">
+                <a:solidFill>
+                  <a:schemeClr val="tx1">
+                    <a:lumMod val="50000"/>
+                    <a:lumOff val="50000"/>
+                  </a:schemeClr>
+                </a:solidFill>
+              </a:rPr>
+              <a:t>min</a:t>
+            </a:r>
+            <a:endParaRPr lang="en-US" sz="1600" dirty="0">
+              <a:solidFill>
+                <a:schemeClr val="tx1">
+                  <a:lumMod val="50000"/>
+                  <a:lumOff val="50000"/>
+                </a:schemeClr>
+              </a:solidFill>
+            </a:endParaRPr>
+          </a:p>
+        </p:txBody>
+      </p:sp>
+      <p:sp>
+        <p:nvSpPr>
+          <p:cNvPr id="21" name="TextBox 20">
+            <a:extLst>
+              <a:ext uri="{FF2B5EF4-FFF2-40B4-BE49-F238E27FC236}">
+                <a16:creationId xmlns:a16="http://schemas.microsoft.com/office/drawing/2014/main" id="{0ED2041F-FF8B-4581-8FFF-BF3228EC464D}"/>
+              </a:ext>
+            </a:extLst>
+          </p:cNvPr>
+          <p:cNvSpPr txBox="1"/>
+          <p:nvPr/>
+        </p:nvSpPr>
+        <p:spPr>
+          <a:xfrm>
+            <a:off x="6400875" y="5411710"/>
+            <a:ext cx="664854" cy="338554"/>
+          </a:xfrm>
+          <a:prstGeom prst="rect">
+            <a:avLst/>
+          </a:prstGeom>
+          <a:noFill/>
+        </p:spPr>
+        <p:txBody>
+          <a:bodyPr wrap="square" rtlCol="0">
+            <a:spAutoFit/>
+          </a:bodyPr>
+          <a:lstStyle/>
+          <a:p>
+            <a:pPr algn="l"/>
+            <a:r>
+              <a:rPr lang="en-US" sz="1600" dirty="0" err="1">
+                <a:solidFill>
+                  <a:schemeClr val="tx1">
+                    <a:lumMod val="50000"/>
+                    <a:lumOff val="50000"/>
+                  </a:schemeClr>
+                </a:solidFill>
+              </a:rPr>
+              <a:t>T</a:t>
+            </a:r>
+            <a:r>
+              <a:rPr lang="en-US" sz="1100" dirty="0" err="1">
+                <a:solidFill>
+                  <a:schemeClr val="tx1">
+                    <a:lumMod val="50000"/>
+                    <a:lumOff val="50000"/>
+                  </a:schemeClr>
+                </a:solidFill>
+              </a:rPr>
+              <a:t>max</a:t>
+            </a:r>
+            <a:endParaRPr lang="en-US" sz="1600" dirty="0">
+              <a:solidFill>
+                <a:schemeClr val="tx1">
+                  <a:lumMod val="50000"/>
+                  <a:lumOff val="50000"/>
+                </a:schemeClr>
+              </a:solidFill>
+            </a:endParaRPr>
+          </a:p>
+        </p:txBody>
+      </p:sp>
+      <p:sp>
+        <p:nvSpPr>
+          <p:cNvPr id="28" name="Oval 27">
+            <a:extLst>
+              <a:ext uri="{FF2B5EF4-FFF2-40B4-BE49-F238E27FC236}">
+                <a16:creationId xmlns:a16="http://schemas.microsoft.com/office/drawing/2014/main" id="{81D0E275-8F08-4798-801F-B0C1F508C991}"/>
+              </a:ext>
+            </a:extLst>
+          </p:cNvPr>
+          <p:cNvSpPr/>
+          <p:nvPr/>
+        </p:nvSpPr>
+        <p:spPr>
+          <a:xfrm>
+            <a:off x="4390815" y="2739822"/>
+            <a:ext cx="252000" cy="252000"/>
+          </a:xfrm>
+          <a:prstGeom prst="ellipse">
+            <a:avLst/>
+          </a:prstGeom>
+          <a:solidFill>
+            <a:schemeClr val="tx1">
+              <a:lumMod val="65000"/>
+              <a:lumOff val="35000"/>
+            </a:schemeClr>
+          </a:solidFill>
+          <a:ln>
+            <a:solidFill>
+              <a:schemeClr val="tx1">
+                <a:lumMod val="85000"/>
+                <a:lumOff val="15000"/>
+              </a:schemeClr>
+            </a:solidFill>
+          </a:ln>
+        </p:spPr>
+        <p:style>
+          <a:lnRef idx="2">
+            <a:schemeClr val="accent1">
+              <a:shade val="50000"/>
+            </a:schemeClr>
+          </a:lnRef>
+          <a:fillRef idx="1">
+            <a:schemeClr val="accent1"/>
+          </a:fillRef>
+          <a:effectRef idx="0">
+            <a:schemeClr val="accent1"/>
+          </a:effectRef>
+          <a:fontRef idx="minor">
+            <a:schemeClr val="lt1"/>
+          </a:fontRef>
+        </p:style>
+        <p:txBody>
+          <a:bodyPr rtlCol="0" anchor="ctr"/>
+          <a:lstStyle/>
+          <a:p>
+            <a:pPr algn="ctr"/>
+            <a:endParaRPr lang="en-US"/>
+          </a:p>
+        </p:txBody>
+      </p:sp>
+      <p:cxnSp>
+        <p:nvCxnSpPr>
+          <p:cNvPr id="29" name="Straight Connector 28">
+            <a:extLst>
+              <a:ext uri="{FF2B5EF4-FFF2-40B4-BE49-F238E27FC236}">
+                <a16:creationId xmlns:a16="http://schemas.microsoft.com/office/drawing/2014/main" id="{E049C08F-E843-4FB5-87B6-11B04B206771}"/>
+              </a:ext>
+            </a:extLst>
+          </p:cNvPr>
+          <p:cNvCxnSpPr>
+            <a:cxnSpLocks/>
+          </p:cNvCxnSpPr>
+          <p:nvPr/>
+        </p:nvCxnSpPr>
+        <p:spPr>
+          <a:xfrm>
+            <a:off x="7080016" y="277091"/>
+            <a:ext cx="0" cy="1951687"/>
+          </a:xfrm>
+          <a:prstGeom prst="line">
+            <a:avLst/>
+          </a:prstGeom>
+          <a:ln w="28575">
+            <a:solidFill>
+              <a:schemeClr val="bg2">
+                <a:lumMod val="50000"/>
+              </a:schemeClr>
+            </a:solidFill>
+          </a:ln>
+        </p:spPr>
+        <p:style>
+          <a:lnRef idx="1">
+            <a:schemeClr val="accent1"/>
+          </a:lnRef>
+          <a:fillRef idx="0">
+            <a:schemeClr val="accent1"/>
+          </a:fillRef>
+          <a:effectRef idx="0">
+            <a:schemeClr val="accent1"/>
+          </a:effectRef>
+          <a:fontRef idx="minor">
+            <a:schemeClr val="tx1"/>
+          </a:fontRef>
+        </p:style>
+      </p:cxnSp>
+      <p:cxnSp>
+        <p:nvCxnSpPr>
+          <p:cNvPr id="30" name="Straight Connector 29">
+            <a:extLst>
+              <a:ext uri="{FF2B5EF4-FFF2-40B4-BE49-F238E27FC236}">
+                <a16:creationId xmlns:a16="http://schemas.microsoft.com/office/drawing/2014/main" id="{961C076A-7AAD-4D5D-802D-91E0E6588528}"/>
+              </a:ext>
+            </a:extLst>
+          </p:cNvPr>
+          <p:cNvCxnSpPr>
+            <a:cxnSpLocks/>
+          </p:cNvCxnSpPr>
+          <p:nvPr/>
+        </p:nvCxnSpPr>
+        <p:spPr>
+          <a:xfrm flipH="1">
+            <a:off x="7065729" y="2228778"/>
+            <a:ext cx="2872598" cy="0"/>
+          </a:xfrm>
+          <a:prstGeom prst="line">
+            <a:avLst/>
+          </a:prstGeom>
+          <a:ln w="28575">
+            <a:solidFill>
+              <a:schemeClr val="bg2">
+                <a:lumMod val="50000"/>
+              </a:schemeClr>
+            </a:solidFill>
+          </a:ln>
+        </p:spPr>
+        <p:style>
+          <a:lnRef idx="1">
+            <a:schemeClr val="accent1"/>
+          </a:lnRef>
+          <a:fillRef idx="0">
+            <a:schemeClr val="accent1"/>
+          </a:fillRef>
+          <a:effectRef idx="0">
+            <a:schemeClr val="accent1"/>
+          </a:effectRef>
+          <a:fontRef idx="minor">
+            <a:schemeClr val="tx1"/>
+          </a:fontRef>
+        </p:style>
+      </p:cxnSp>
+      <p:sp>
+        <p:nvSpPr>
+          <p:cNvPr id="41" name="TextBox 40">
+            <a:extLst>
+              <a:ext uri="{FF2B5EF4-FFF2-40B4-BE49-F238E27FC236}">
+                <a16:creationId xmlns:a16="http://schemas.microsoft.com/office/drawing/2014/main" id="{93C20E19-D389-49E2-AD74-0F9A01D384DA}"/>
+              </a:ext>
+            </a:extLst>
+          </p:cNvPr>
+          <p:cNvSpPr txBox="1"/>
+          <p:nvPr/>
+        </p:nvSpPr>
+        <p:spPr>
+          <a:xfrm rot="16200000">
+            <a:off x="5889962" y="1095606"/>
+            <a:ext cx="1686680" cy="338554"/>
+          </a:xfrm>
+          <a:prstGeom prst="rect">
+            <a:avLst/>
+          </a:prstGeom>
+          <a:noFill/>
+        </p:spPr>
+        <p:txBody>
+          <a:bodyPr wrap="none" rtlCol="0">
+            <a:spAutoFit/>
+          </a:bodyPr>
+          <a:lstStyle/>
+          <a:p>
+            <a:pPr algn="l"/>
+            <a:r>
+              <a:rPr lang="en-US" sz="1600" dirty="0">
+                <a:solidFill>
+                  <a:schemeClr val="tx1">
+                    <a:lumMod val="50000"/>
+                    <a:lumOff val="50000"/>
+                  </a:schemeClr>
+                </a:solidFill>
+              </a:rPr>
+              <a:t>- Temperature +</a:t>
+            </a:r>
+          </a:p>
+        </p:txBody>
+      </p:sp>
+      <p:sp>
+        <p:nvSpPr>
+          <p:cNvPr id="42" name="TextBox 41">
+            <a:extLst>
+              <a:ext uri="{FF2B5EF4-FFF2-40B4-BE49-F238E27FC236}">
+                <a16:creationId xmlns:a16="http://schemas.microsoft.com/office/drawing/2014/main" id="{497DFEEB-F815-4D4E-A43C-AD362EF1E624}"/>
+              </a:ext>
+            </a:extLst>
+          </p:cNvPr>
+          <p:cNvSpPr txBox="1"/>
+          <p:nvPr/>
+        </p:nvSpPr>
+        <p:spPr>
+          <a:xfrm>
+            <a:off x="8391229" y="2282177"/>
+            <a:ext cx="664854" cy="338554"/>
+          </a:xfrm>
+          <a:prstGeom prst="rect">
+            <a:avLst/>
+          </a:prstGeom>
+          <a:noFill/>
+        </p:spPr>
+        <p:txBody>
+          <a:bodyPr wrap="square" rtlCol="0">
+            <a:spAutoFit/>
+          </a:bodyPr>
+          <a:lstStyle/>
+          <a:p>
+            <a:pPr algn="l"/>
+            <a:r>
+              <a:rPr lang="en-US" sz="1600" dirty="0">
+                <a:solidFill>
+                  <a:schemeClr val="tx1">
+                    <a:lumMod val="50000"/>
+                    <a:lumOff val="50000"/>
+                  </a:schemeClr>
+                </a:solidFill>
+              </a:rPr>
+              <a:t>Time</a:t>
+            </a:r>
+          </a:p>
+        </p:txBody>
+      </p:sp>
+      <p:sp>
+        <p:nvSpPr>
+          <p:cNvPr id="43" name="TextBox 42">
+            <a:extLst>
+              <a:ext uri="{FF2B5EF4-FFF2-40B4-BE49-F238E27FC236}">
+                <a16:creationId xmlns:a16="http://schemas.microsoft.com/office/drawing/2014/main" id="{D6894BBB-A2C8-4599-A365-08021F46AC0F}"/>
+              </a:ext>
+            </a:extLst>
+          </p:cNvPr>
+          <p:cNvSpPr txBox="1"/>
+          <p:nvPr/>
+        </p:nvSpPr>
+        <p:spPr>
+          <a:xfrm>
+            <a:off x="8806150" y="5915549"/>
+            <a:ext cx="2665413" cy="646331"/>
+          </a:xfrm>
+          <a:prstGeom prst="rect">
+            <a:avLst/>
+          </a:prstGeom>
+          <a:noFill/>
+        </p:spPr>
+        <p:txBody>
+          <a:bodyPr wrap="square" rtlCol="0">
+            <a:spAutoFit/>
+          </a:bodyPr>
+          <a:lstStyle/>
+          <a:p>
+            <a:r>
+              <a:rPr lang="de-CH" sz="1200" dirty="0">
+                <a:solidFill>
+                  <a:schemeClr val="tx1">
+                    <a:lumMod val="50000"/>
+                    <a:lumOff val="50000"/>
+                  </a:schemeClr>
+                </a:solidFill>
+              </a:rPr>
+              <a:t>Wiens and Graham 2005</a:t>
+            </a:r>
+          </a:p>
+          <a:p>
+            <a:r>
+              <a:rPr lang="de-CH" sz="1200" dirty="0">
+                <a:solidFill>
+                  <a:schemeClr val="tx1">
+                    <a:lumMod val="50000"/>
+                    <a:lumOff val="50000"/>
+                  </a:schemeClr>
+                </a:solidFill>
+              </a:rPr>
+              <a:t>Lieberman and </a:t>
+            </a:r>
+            <a:r>
+              <a:rPr lang="de-CH" sz="1200" dirty="0" err="1">
+                <a:solidFill>
+                  <a:schemeClr val="tx1">
+                    <a:lumMod val="50000"/>
+                    <a:lumOff val="50000"/>
+                  </a:schemeClr>
+                </a:solidFill>
+              </a:rPr>
+              <a:t>Saupe</a:t>
+            </a:r>
+            <a:r>
+              <a:rPr lang="de-CH" sz="1200" dirty="0">
+                <a:solidFill>
+                  <a:schemeClr val="tx1">
+                    <a:lumMod val="50000"/>
+                    <a:lumOff val="50000"/>
+                  </a:schemeClr>
+                </a:solidFill>
+              </a:rPr>
+              <a:t> 2016</a:t>
+            </a:r>
+          </a:p>
+          <a:p>
+            <a:r>
+              <a:rPr lang="de-CH" sz="1200" dirty="0">
+                <a:solidFill>
+                  <a:schemeClr val="tx1">
+                    <a:lumMod val="50000"/>
+                    <a:lumOff val="50000"/>
+                  </a:schemeClr>
+                </a:solidFill>
+              </a:rPr>
+              <a:t>Steinbauer et al. 2016 </a:t>
+            </a:r>
+          </a:p>
+        </p:txBody>
+      </p:sp>
+      <p:cxnSp>
+        <p:nvCxnSpPr>
+          <p:cNvPr id="45" name="Straight Connector 44">
+            <a:extLst>
+              <a:ext uri="{FF2B5EF4-FFF2-40B4-BE49-F238E27FC236}">
+                <a16:creationId xmlns:a16="http://schemas.microsoft.com/office/drawing/2014/main" id="{DF37992D-3A85-42E6-B053-62C82E7DA516}"/>
+              </a:ext>
+            </a:extLst>
+          </p:cNvPr>
+          <p:cNvCxnSpPr>
+            <a:cxnSpLocks/>
+            <a:endCxn id="42" idx="1"/>
+          </p:cNvCxnSpPr>
+          <p:nvPr/>
+        </p:nvCxnSpPr>
+        <p:spPr>
+          <a:xfrm>
+            <a:off x="8054109" y="2451454"/>
+            <a:ext cx="337120" cy="0"/>
+          </a:xfrm>
+          <a:prstGeom prst="line">
+            <a:avLst/>
+          </a:prstGeom>
+          <a:ln>
+            <a:solidFill>
+              <a:schemeClr val="bg2">
+                <a:lumMod val="50000"/>
+              </a:schemeClr>
+            </a:solidFill>
+          </a:ln>
+        </p:spPr>
+        <p:style>
+          <a:lnRef idx="1">
+            <a:schemeClr val="accent1"/>
+          </a:lnRef>
+          <a:fillRef idx="0">
+            <a:schemeClr val="accent1"/>
+          </a:fillRef>
+          <a:effectRef idx="0">
+            <a:schemeClr val="accent1"/>
+          </a:effectRef>
+          <a:fontRef idx="minor">
+            <a:schemeClr val="tx1"/>
+          </a:fontRef>
+        </p:style>
+      </p:cxnSp>
+      <p:cxnSp>
+        <p:nvCxnSpPr>
+          <p:cNvPr id="46" name="Straight Connector 45">
+            <a:extLst>
+              <a:ext uri="{FF2B5EF4-FFF2-40B4-BE49-F238E27FC236}">
+                <a16:creationId xmlns:a16="http://schemas.microsoft.com/office/drawing/2014/main" id="{B42AE03C-D3CC-451C-858A-D7E196EC6D0B}"/>
+              </a:ext>
+            </a:extLst>
+          </p:cNvPr>
+          <p:cNvCxnSpPr>
+            <a:cxnSpLocks/>
+          </p:cNvCxnSpPr>
+          <p:nvPr/>
+        </p:nvCxnSpPr>
+        <p:spPr>
+          <a:xfrm>
+            <a:off x="8963891" y="2451454"/>
+            <a:ext cx="263236" cy="0"/>
+          </a:xfrm>
+          <a:prstGeom prst="line">
+            <a:avLst/>
+          </a:prstGeom>
+          <a:ln>
+            <a:solidFill>
+              <a:schemeClr val="bg2">
+                <a:lumMod val="50000"/>
+              </a:schemeClr>
+            </a:solidFill>
+            <a:headEnd type="none" w="med" len="med"/>
+            <a:tailEnd type="triangle" w="med" len="med"/>
+          </a:ln>
+        </p:spPr>
+        <p:style>
+          <a:lnRef idx="1">
+            <a:schemeClr val="accent1"/>
+          </a:lnRef>
+          <a:fillRef idx="0">
+            <a:schemeClr val="accent1"/>
+          </a:fillRef>
+          <a:effectRef idx="0">
+            <a:schemeClr val="accent1"/>
+          </a:effectRef>
+          <a:fontRef idx="minor">
+            <a:schemeClr val="tx1"/>
+          </a:fontRef>
+        </p:style>
+      </p:cxnSp>
+      <p:cxnSp>
+        <p:nvCxnSpPr>
+          <p:cNvPr id="52" name="Straight Connector 51">
+            <a:extLst>
+              <a:ext uri="{FF2B5EF4-FFF2-40B4-BE49-F238E27FC236}">
+                <a16:creationId xmlns:a16="http://schemas.microsoft.com/office/drawing/2014/main" id="{2D67C8E5-37E7-4591-980E-8BEFDCCF2DD7}"/>
+              </a:ext>
+            </a:extLst>
+          </p:cNvPr>
+          <p:cNvCxnSpPr>
+            <a:cxnSpLocks/>
+          </p:cNvCxnSpPr>
+          <p:nvPr/>
+        </p:nvCxnSpPr>
+        <p:spPr>
+          <a:xfrm>
+            <a:off x="7305964" y="1239667"/>
+            <a:ext cx="1577725" cy="605723"/>
+          </a:xfrm>
+          <a:prstGeom prst="line">
+            <a:avLst/>
+          </a:prstGeom>
+          <a:ln w="19050">
+            <a:solidFill>
+              <a:srgbClr val="1E6DA7"/>
+            </a:solidFill>
+          </a:ln>
+        </p:spPr>
+        <p:style>
+          <a:lnRef idx="1">
+            <a:schemeClr val="accent1"/>
+          </a:lnRef>
+          <a:fillRef idx="0">
+            <a:schemeClr val="accent1"/>
+          </a:fillRef>
+          <a:effectRef idx="0">
+            <a:schemeClr val="accent1"/>
+          </a:effectRef>
+          <a:fontRef idx="minor">
+            <a:schemeClr val="tx1"/>
+          </a:fontRef>
+        </p:style>
+      </p:cxnSp>
+      <p:sp>
+        <p:nvSpPr>
+          <p:cNvPr id="51" name="Oval 50">
+            <a:extLst>
+              <a:ext uri="{FF2B5EF4-FFF2-40B4-BE49-F238E27FC236}">
+                <a16:creationId xmlns:a16="http://schemas.microsoft.com/office/drawing/2014/main" id="{6B402F56-1B1E-4F05-8739-98AAFB534FD6}"/>
+              </a:ext>
+            </a:extLst>
+          </p:cNvPr>
+          <p:cNvSpPr/>
+          <p:nvPr/>
+        </p:nvSpPr>
+        <p:spPr>
+          <a:xfrm>
+            <a:off x="7179964" y="1113667"/>
+            <a:ext cx="252000" cy="252000"/>
+          </a:xfrm>
+          <a:prstGeom prst="ellipse">
+            <a:avLst/>
+          </a:prstGeom>
+          <a:solidFill>
+            <a:schemeClr val="tx1">
+              <a:lumMod val="65000"/>
+              <a:lumOff val="35000"/>
+            </a:schemeClr>
+          </a:solidFill>
+          <a:ln>
+            <a:solidFill>
+              <a:schemeClr val="tx1">
+                <a:lumMod val="85000"/>
+                <a:lumOff val="15000"/>
+              </a:schemeClr>
+            </a:solidFill>
+          </a:ln>
+        </p:spPr>
+        <p:style>
+          <a:lnRef idx="2">
+            <a:schemeClr val="accent1">
+              <a:shade val="50000"/>
+            </a:schemeClr>
+          </a:lnRef>
+          <a:fillRef idx="1">
+            <a:schemeClr val="accent1"/>
+          </a:fillRef>
+          <a:effectRef idx="0">
+            <a:schemeClr val="accent1"/>
+          </a:effectRef>
+          <a:fontRef idx="minor">
+            <a:schemeClr val="lt1"/>
+          </a:fontRef>
+        </p:style>
+        <p:txBody>
+          <a:bodyPr rtlCol="0" anchor="ctr"/>
+          <a:lstStyle/>
+          <a:p>
+            <a:pPr algn="ctr"/>
+            <a:endParaRPr lang="en-US"/>
+          </a:p>
+        </p:txBody>
+      </p:sp>
+      <p:pic>
+        <p:nvPicPr>
+          <p:cNvPr id="64" name="Picture 6" descr="https://pixabay.com/get/g3631f6b8dfd96fb3dc82619588b2df3980e36a7beb4ee971cd8057b6f5d17df85b1719ddf79ca37bb112f6f4a0432731_640.png">
+            <a:extLst>
+              <a:ext uri="{FF2B5EF4-FFF2-40B4-BE49-F238E27FC236}">
+                <a16:creationId xmlns:a16="http://schemas.microsoft.com/office/drawing/2014/main" id="{E931559B-5F67-4758-ADC8-2FCC78593586}"/>
+              </a:ext>
+            </a:extLst>
+          </p:cNvPr>
+          <p:cNvPicPr>
+            <a:picLocks noChangeAspect="1" noChangeArrowheads="1"/>
+          </p:cNvPicPr>
+          <p:nvPr/>
+        </p:nvPicPr>
+        <p:blipFill>
+          <a:blip r:embed="rId2">
+            <a:extLst>
+              <a:ext uri="{28A0092B-C50C-407E-A947-70E740481C1C}">
+                <a14:useLocalDpi xmlns:a14="http://schemas.microsoft.com/office/drawing/2010/main" val="0"/>
+              </a:ext>
+            </a:extLst>
+          </a:blip>
+          <a:srcRect/>
+          <a:stretch>
+            <a:fillRect/>
+          </a:stretch>
+        </p:blipFill>
+        <p:spPr bwMode="auto">
+          <a:xfrm>
+            <a:off x="2332893" y="4235614"/>
+            <a:ext cx="363413" cy="365125"/>
+          </a:xfrm>
+          <a:prstGeom prst="rect">
+            <a:avLst/>
+          </a:prstGeom>
+          <a:noFill/>
+          <a:extLst>
+            <a:ext uri="{909E8E84-426E-40DD-AFC4-6F175D3DCCD1}">
+              <a14:hiddenFill xmlns:a14="http://schemas.microsoft.com/office/drawing/2010/main">
+                <a:solidFill>
+                  <a:srgbClr val="FFFFFF"/>
+                </a:solidFill>
+              </a14:hiddenFill>
+            </a:ext>
+          </a:extLst>
+        </p:spPr>
+      </p:pic>
+      <p:sp>
+        <p:nvSpPr>
+          <p:cNvPr id="66" name="TextBox 65">
+            <a:extLst>
+              <a:ext uri="{FF2B5EF4-FFF2-40B4-BE49-F238E27FC236}">
+                <a16:creationId xmlns:a16="http://schemas.microsoft.com/office/drawing/2014/main" id="{A167A590-08A1-482F-B69F-0790744DE670}"/>
+              </a:ext>
+            </a:extLst>
+          </p:cNvPr>
+          <p:cNvSpPr txBox="1"/>
+          <p:nvPr/>
+        </p:nvSpPr>
+        <p:spPr>
+          <a:xfrm>
+            <a:off x="4259054" y="2401268"/>
+            <a:ext cx="664854" cy="338554"/>
+          </a:xfrm>
+          <a:prstGeom prst="rect">
+            <a:avLst/>
+          </a:prstGeom>
+          <a:noFill/>
+        </p:spPr>
+        <p:txBody>
+          <a:bodyPr wrap="square" rtlCol="0">
+            <a:spAutoFit/>
+          </a:bodyPr>
+          <a:lstStyle/>
+          <a:p>
+            <a:pPr algn="l"/>
+            <a:r>
+              <a:rPr lang="en-US" sz="1600" dirty="0" err="1">
+                <a:solidFill>
+                  <a:schemeClr val="tx1">
+                    <a:lumMod val="50000"/>
+                    <a:lumOff val="50000"/>
+                  </a:schemeClr>
+                </a:solidFill>
+              </a:rPr>
+              <a:t>T</a:t>
+            </a:r>
+            <a:r>
+              <a:rPr lang="en-US" sz="1100" dirty="0" err="1">
+                <a:solidFill>
+                  <a:schemeClr val="tx1">
+                    <a:lumMod val="50000"/>
+                    <a:lumOff val="50000"/>
+                  </a:schemeClr>
+                </a:solidFill>
+              </a:rPr>
+              <a:t>opt</a:t>
+            </a:r>
+            <a:endParaRPr lang="en-US" sz="1600" dirty="0">
+              <a:solidFill>
+                <a:schemeClr val="tx1">
+                  <a:lumMod val="50000"/>
+                  <a:lumOff val="50000"/>
+                </a:schemeClr>
+              </a:solidFill>
+            </a:endParaRPr>
+          </a:p>
+        </p:txBody>
+      </p:sp>
+    </p:spTree>
+    <p:extLst>
+      <p:ext uri="{BB962C8B-B14F-4D97-AF65-F5344CB8AC3E}">
+        <p14:creationId xmlns:p14="http://schemas.microsoft.com/office/powerpoint/2010/main" val="2217926040"/>
+      </p:ext>
+    </p:extLst>
+  </p:cSld>
+  <p:clrMapOvr>
+    <a:masterClrMapping/>
+  </p:clrMapOvr>
+  <p:transition>
+    <p:fade/>
+  </p:transition>
+  <p:timing>
+    <p:tnLst>
+      <p:par>
+        <p:cTn id="1" dur="indefinite" restart="never" nodeType="tmRoot">
+          <p:childTnLst>
+            <p:seq concurrent="1" nextAc="seek">
+              <p:cTn id="2" dur="indefinite" nodeType="mainSeq">
+                <p:childTnLst>
+                  <p:par>
+                    <p:cTn id="3" fill="hold">
+                      <p:stCondLst>
+                        <p:cond delay="indefinite"/>
+                      </p:stCondLst>
+                      <p:childTnLst>
+                        <p:par>
+                          <p:cTn id="4" fill="hold">
+                            <p:stCondLst>
+                              <p:cond delay="0"/>
+                            </p:stCondLst>
+                            <p:childTnLst>
+                              <p:par>
+                                <p:cTn id="5" presetID="10" presetClass="entr" presetSubtype="0" fill="hold" grpId="0" nodeType="clickEffect">
+                                  <p:stCondLst>
+                                    <p:cond delay="0"/>
+                                  </p:stCondLst>
+                                  <p:childTnLst>
+                                    <p:set>
+                                      <p:cBhvr>
+                                        <p:cTn id="6" dur="1" fill="hold">
+                                          <p:stCondLst>
+                                            <p:cond delay="0"/>
+                                          </p:stCondLst>
+                                        </p:cTn>
+                                        <p:tgtEl>
+                                          <p:spTgt spid="66"/>
+                                        </p:tgtEl>
+                                        <p:attrNameLst>
+                                          <p:attrName>style.visibility</p:attrName>
+                                        </p:attrNameLst>
+                                      </p:cBhvr>
+                                      <p:to>
+                                        <p:strVal val="visible"/>
+                                      </p:to>
+                                    </p:set>
+                                    <p:animEffect transition="in" filter="fade">
+                                      <p:cBhvr>
+                                        <p:cTn id="7" dur="500"/>
+                                        <p:tgtEl>
+                                          <p:spTgt spid="66"/>
+                                        </p:tgtEl>
+                                      </p:cBhvr>
+                                    </p:animEffect>
+                                  </p:childTnLst>
+                                </p:cTn>
+                              </p:par>
+                              <p:par>
+                                <p:cTn id="8" presetID="10" presetClass="entr" presetSubtype="0" fill="hold" grpId="0" nodeType="withEffect">
+                                  <p:stCondLst>
+                                    <p:cond delay="0"/>
+                                  </p:stCondLst>
+                                  <p:childTnLst>
+                                    <p:set>
+                                      <p:cBhvr>
+                                        <p:cTn id="9" dur="1" fill="hold">
+                                          <p:stCondLst>
+                                            <p:cond delay="0"/>
+                                          </p:stCondLst>
+                                        </p:cTn>
+                                        <p:tgtEl>
+                                          <p:spTgt spid="20"/>
+                                        </p:tgtEl>
+                                        <p:attrNameLst>
+                                          <p:attrName>style.visibility</p:attrName>
+                                        </p:attrNameLst>
+                                      </p:cBhvr>
+                                      <p:to>
+                                        <p:strVal val="visible"/>
+                                      </p:to>
+                                    </p:set>
+                                    <p:animEffect transition="in" filter="fade">
+                                      <p:cBhvr>
+                                        <p:cTn id="10" dur="500"/>
+                                        <p:tgtEl>
+                                          <p:spTgt spid="20"/>
+                                        </p:tgtEl>
+                                      </p:cBhvr>
+                                    </p:animEffect>
+                                  </p:childTnLst>
+                                </p:cTn>
+                              </p:par>
+                              <p:par>
+                                <p:cTn id="11" presetID="10" presetClass="entr" presetSubtype="0" fill="hold" grpId="0" nodeType="withEffect">
+                                  <p:stCondLst>
+                                    <p:cond delay="0"/>
+                                  </p:stCondLst>
+                                  <p:childTnLst>
+                                    <p:set>
+                                      <p:cBhvr>
+                                        <p:cTn id="12" dur="1" fill="hold">
+                                          <p:stCondLst>
+                                            <p:cond delay="0"/>
+                                          </p:stCondLst>
+                                        </p:cTn>
+                                        <p:tgtEl>
+                                          <p:spTgt spid="21"/>
+                                        </p:tgtEl>
+                                        <p:attrNameLst>
+                                          <p:attrName>style.visibility</p:attrName>
+                                        </p:attrNameLst>
+                                      </p:cBhvr>
+                                      <p:to>
+                                        <p:strVal val="visible"/>
+                                      </p:to>
+                                    </p:set>
+                                    <p:animEffect transition="in" filter="fade">
+                                      <p:cBhvr>
+                                        <p:cTn id="13" dur="500"/>
+                                        <p:tgtEl>
+                                          <p:spTgt spid="21"/>
+                                        </p:tgtEl>
+                                      </p:cBhvr>
+                                    </p:animEffect>
+                                  </p:childTnLst>
+                                </p:cTn>
+                              </p:par>
+                            </p:childTnLst>
+                          </p:cTn>
+                        </p:par>
+                      </p:childTnLst>
+                    </p:cTn>
+                  </p:par>
+                  <p:par>
+                    <p:cTn id="14" fill="hold">
+                      <p:stCondLst>
+                        <p:cond delay="indefinite"/>
+                      </p:stCondLst>
+                      <p:childTnLst>
+                        <p:par>
+                          <p:cTn id="15" fill="hold">
+                            <p:stCondLst>
+                              <p:cond delay="0"/>
+                            </p:stCondLst>
+                            <p:childTnLst>
+                              <p:par>
+                                <p:cTn id="16" presetID="10" presetClass="entr" presetSubtype="0" fill="hold" grpId="2" nodeType="clickEffect">
+                                  <p:stCondLst>
+                                    <p:cond delay="0"/>
+                                  </p:stCondLst>
+                                  <p:childTnLst>
+                                    <p:set>
+                                      <p:cBhvr>
+                                        <p:cTn id="17" dur="1" fill="hold">
+                                          <p:stCondLst>
+                                            <p:cond delay="0"/>
+                                          </p:stCondLst>
+                                        </p:cTn>
+                                        <p:tgtEl>
+                                          <p:spTgt spid="28"/>
+                                        </p:tgtEl>
+                                        <p:attrNameLst>
+                                          <p:attrName>style.visibility</p:attrName>
+                                        </p:attrNameLst>
+                                      </p:cBhvr>
+                                      <p:to>
+                                        <p:strVal val="visible"/>
+                                      </p:to>
+                                    </p:set>
+                                    <p:animEffect transition="in" filter="fade">
+                                      <p:cBhvr>
+                                        <p:cTn id="18" dur="500"/>
+                                        <p:tgtEl>
+                                          <p:spTgt spid="28"/>
+                                        </p:tgtEl>
+                                      </p:cBhvr>
+                                    </p:animEffect>
+                                  </p:childTnLst>
+                                </p:cTn>
+                              </p:par>
+                            </p:childTnLst>
+                          </p:cTn>
+                        </p:par>
+                      </p:childTnLst>
+                    </p:cTn>
+                  </p:par>
+                  <p:par>
+                    <p:cTn id="19" fill="hold">
+                      <p:stCondLst>
+                        <p:cond delay="indefinite"/>
+                      </p:stCondLst>
+                      <p:childTnLst>
+                        <p:par>
+                          <p:cTn id="20" fill="hold">
+                            <p:stCondLst>
+                              <p:cond delay="0"/>
+                            </p:stCondLst>
+                            <p:childTnLst>
+                              <p:par>
+                                <p:cTn id="21" presetID="10" presetClass="entr" presetSubtype="0" fill="hold" grpId="2" nodeType="clickEffect">
+                                  <p:stCondLst>
+                                    <p:cond delay="0"/>
+                                  </p:stCondLst>
+                                  <p:childTnLst>
+                                    <p:set>
+                                      <p:cBhvr>
+                                        <p:cTn id="22" dur="1" fill="hold">
+                                          <p:stCondLst>
+                                            <p:cond delay="0"/>
+                                          </p:stCondLst>
+                                        </p:cTn>
+                                        <p:tgtEl>
+                                          <p:spTgt spid="51"/>
+                                        </p:tgtEl>
+                                        <p:attrNameLst>
+                                          <p:attrName>style.visibility</p:attrName>
+                                        </p:attrNameLst>
+                                      </p:cBhvr>
+                                      <p:to>
+                                        <p:strVal val="visible"/>
+                                      </p:to>
+                                    </p:set>
+                                    <p:animEffect transition="in" filter="fade">
+                                      <p:cBhvr>
+                                        <p:cTn id="23" dur="500"/>
+                                        <p:tgtEl>
+                                          <p:spTgt spid="51"/>
+                                        </p:tgtEl>
+                                      </p:cBhvr>
+                                    </p:animEffect>
+                                  </p:childTnLst>
+                                </p:cTn>
+                              </p:par>
+                              <p:par>
+                                <p:cTn id="24" presetID="10" presetClass="entr" presetSubtype="0" fill="hold" nodeType="withEffect">
+                                  <p:stCondLst>
+                                    <p:cond delay="0"/>
+                                  </p:stCondLst>
+                                  <p:childTnLst>
+                                    <p:set>
+                                      <p:cBhvr>
+                                        <p:cTn id="25" dur="1" fill="hold">
+                                          <p:stCondLst>
+                                            <p:cond delay="0"/>
+                                          </p:stCondLst>
+                                        </p:cTn>
+                                        <p:tgtEl>
+                                          <p:spTgt spid="29"/>
+                                        </p:tgtEl>
+                                        <p:attrNameLst>
+                                          <p:attrName>style.visibility</p:attrName>
+                                        </p:attrNameLst>
+                                      </p:cBhvr>
+                                      <p:to>
+                                        <p:strVal val="visible"/>
+                                      </p:to>
+                                    </p:set>
+                                    <p:animEffect transition="in" filter="fade">
+                                      <p:cBhvr>
+                                        <p:cTn id="26" dur="500"/>
+                                        <p:tgtEl>
+                                          <p:spTgt spid="29"/>
+                                        </p:tgtEl>
+                                      </p:cBhvr>
+                                    </p:animEffect>
+                                  </p:childTnLst>
+                                </p:cTn>
+                              </p:par>
+                              <p:par>
+                                <p:cTn id="27" presetID="10" presetClass="entr" presetSubtype="0" fill="hold" grpId="0" nodeType="withEffect">
+                                  <p:stCondLst>
+                                    <p:cond delay="0"/>
+                                  </p:stCondLst>
+                                  <p:childTnLst>
+                                    <p:set>
+                                      <p:cBhvr>
+                                        <p:cTn id="28" dur="1" fill="hold">
+                                          <p:stCondLst>
+                                            <p:cond delay="0"/>
+                                          </p:stCondLst>
+                                        </p:cTn>
+                                        <p:tgtEl>
+                                          <p:spTgt spid="41"/>
+                                        </p:tgtEl>
+                                        <p:attrNameLst>
+                                          <p:attrName>style.visibility</p:attrName>
+                                        </p:attrNameLst>
+                                      </p:cBhvr>
+                                      <p:to>
+                                        <p:strVal val="visible"/>
+                                      </p:to>
+                                    </p:set>
+                                    <p:animEffect transition="in" filter="fade">
+                                      <p:cBhvr>
+                                        <p:cTn id="29" dur="500"/>
+                                        <p:tgtEl>
+                                          <p:spTgt spid="41"/>
+                                        </p:tgtEl>
+                                      </p:cBhvr>
+                                    </p:animEffect>
+                                  </p:childTnLst>
+                                </p:cTn>
+                              </p:par>
+                              <p:par>
+                                <p:cTn id="30" presetID="10" presetClass="entr" presetSubtype="0" fill="hold" grpId="0" nodeType="withEffect">
+                                  <p:stCondLst>
+                                    <p:cond delay="0"/>
+                                  </p:stCondLst>
+                                  <p:childTnLst>
+                                    <p:set>
+                                      <p:cBhvr>
+                                        <p:cTn id="31" dur="1" fill="hold">
+                                          <p:stCondLst>
+                                            <p:cond delay="0"/>
+                                          </p:stCondLst>
+                                        </p:cTn>
+                                        <p:tgtEl>
+                                          <p:spTgt spid="42"/>
+                                        </p:tgtEl>
+                                        <p:attrNameLst>
+                                          <p:attrName>style.visibility</p:attrName>
+                                        </p:attrNameLst>
+                                      </p:cBhvr>
+                                      <p:to>
+                                        <p:strVal val="visible"/>
+                                      </p:to>
+                                    </p:set>
+                                    <p:animEffect transition="in" filter="fade">
+                                      <p:cBhvr>
+                                        <p:cTn id="32" dur="500"/>
+                                        <p:tgtEl>
+                                          <p:spTgt spid="42"/>
+                                        </p:tgtEl>
+                                      </p:cBhvr>
+                                    </p:animEffect>
+                                  </p:childTnLst>
+                                </p:cTn>
+                              </p:par>
+                              <p:par>
+                                <p:cTn id="33" presetID="10" presetClass="entr" presetSubtype="0" fill="hold" nodeType="withEffect">
+                                  <p:stCondLst>
+                                    <p:cond delay="0"/>
+                                  </p:stCondLst>
+                                  <p:childTnLst>
+                                    <p:set>
+                                      <p:cBhvr>
+                                        <p:cTn id="34" dur="1" fill="hold">
+                                          <p:stCondLst>
+                                            <p:cond delay="0"/>
+                                          </p:stCondLst>
+                                        </p:cTn>
+                                        <p:tgtEl>
+                                          <p:spTgt spid="45"/>
+                                        </p:tgtEl>
+                                        <p:attrNameLst>
+                                          <p:attrName>style.visibility</p:attrName>
+                                        </p:attrNameLst>
+                                      </p:cBhvr>
+                                      <p:to>
+                                        <p:strVal val="visible"/>
+                                      </p:to>
+                                    </p:set>
+                                    <p:animEffect transition="in" filter="fade">
+                                      <p:cBhvr>
+                                        <p:cTn id="35" dur="500"/>
+                                        <p:tgtEl>
+                                          <p:spTgt spid="45"/>
+                                        </p:tgtEl>
+                                      </p:cBhvr>
+                                    </p:animEffect>
+                                  </p:childTnLst>
+                                </p:cTn>
+                              </p:par>
+                              <p:par>
+                                <p:cTn id="36" presetID="10" presetClass="entr" presetSubtype="0" fill="hold" nodeType="withEffect">
+                                  <p:stCondLst>
+                                    <p:cond delay="0"/>
+                                  </p:stCondLst>
+                                  <p:childTnLst>
+                                    <p:set>
+                                      <p:cBhvr>
+                                        <p:cTn id="37" dur="1" fill="hold">
+                                          <p:stCondLst>
+                                            <p:cond delay="0"/>
+                                          </p:stCondLst>
+                                        </p:cTn>
+                                        <p:tgtEl>
+                                          <p:spTgt spid="46"/>
+                                        </p:tgtEl>
+                                        <p:attrNameLst>
+                                          <p:attrName>style.visibility</p:attrName>
+                                        </p:attrNameLst>
+                                      </p:cBhvr>
+                                      <p:to>
+                                        <p:strVal val="visible"/>
+                                      </p:to>
+                                    </p:set>
+                                    <p:animEffect transition="in" filter="fade">
+                                      <p:cBhvr>
+                                        <p:cTn id="38" dur="500"/>
+                                        <p:tgtEl>
+                                          <p:spTgt spid="46"/>
+                                        </p:tgtEl>
+                                      </p:cBhvr>
+                                    </p:animEffect>
+                                  </p:childTnLst>
+                                </p:cTn>
+                              </p:par>
+                              <p:par>
+                                <p:cTn id="39" presetID="10" presetClass="entr" presetSubtype="0" fill="hold" nodeType="withEffect">
+                                  <p:stCondLst>
+                                    <p:cond delay="0"/>
+                                  </p:stCondLst>
+                                  <p:childTnLst>
+                                    <p:set>
+                                      <p:cBhvr>
+                                        <p:cTn id="40" dur="1" fill="hold">
+                                          <p:stCondLst>
+                                            <p:cond delay="0"/>
+                                          </p:stCondLst>
+                                        </p:cTn>
+                                        <p:tgtEl>
+                                          <p:spTgt spid="30"/>
+                                        </p:tgtEl>
+                                        <p:attrNameLst>
+                                          <p:attrName>style.visibility</p:attrName>
+                                        </p:attrNameLst>
+                                      </p:cBhvr>
+                                      <p:to>
+                                        <p:strVal val="visible"/>
+                                      </p:to>
+                                    </p:set>
+                                    <p:animEffect transition="in" filter="fade">
+                                      <p:cBhvr>
+                                        <p:cTn id="41" dur="500"/>
+                                        <p:tgtEl>
+                                          <p:spTgt spid="30"/>
+                                        </p:tgtEl>
+                                      </p:cBhvr>
+                                    </p:animEffect>
+                                  </p:childTnLst>
+                                </p:cTn>
+                              </p:par>
+                            </p:childTnLst>
+                          </p:cTn>
+                        </p:par>
+                      </p:childTnLst>
+                    </p:cTn>
+                  </p:par>
+                  <p:par>
+                    <p:cTn id="42" fill="hold">
+                      <p:stCondLst>
+                        <p:cond delay="indefinite"/>
+                      </p:stCondLst>
+                      <p:childTnLst>
+                        <p:par>
+                          <p:cTn id="43" fill="hold">
+                            <p:stCondLst>
+                              <p:cond delay="0"/>
+                            </p:stCondLst>
+                            <p:childTnLst>
+                              <p:par>
+                                <p:cTn id="44" presetID="44" presetClass="path" presetSubtype="0" accel="50000" decel="50000" fill="hold" grpId="0" nodeType="clickEffect">
+                                  <p:stCondLst>
+                                    <p:cond delay="0"/>
+                                  </p:stCondLst>
+                                  <p:childTnLst>
+                                    <p:animMotion origin="layout" path="M -2.70833E-6 -0.00092 C -0.02239 0.00417 -0.01406 -0.00046 -0.03541 0.01158 C -0.05703 0.02176 -0.06419 0.03172 -0.07695 0.0463 C -0.09557 0.07199 -0.10612 0.08287 -0.12057 0.10834 " pathEditMode="relative" rAng="0" ptsTypes="AAAA">
+                                      <p:cBhvr>
+                                        <p:cTn id="45" dur="2000" fill="hold"/>
+                                        <p:tgtEl>
+                                          <p:spTgt spid="28"/>
+                                        </p:tgtEl>
+                                        <p:attrNameLst>
+                                          <p:attrName>ppt_x</p:attrName>
+                                          <p:attrName>ppt_y</p:attrName>
+                                        </p:attrNameLst>
+                                      </p:cBhvr>
+                                      <p:rCtr x="-6029" y="5463"/>
+                                    </p:animMotion>
+                                  </p:childTnLst>
+                                </p:cTn>
+                              </p:par>
+                              <p:par>
+                                <p:cTn id="46" presetID="42" presetClass="path" presetSubtype="0" accel="50000" decel="50000" fill="hold" grpId="0" nodeType="withEffect">
+                                  <p:stCondLst>
+                                    <p:cond delay="0"/>
+                                  </p:stCondLst>
+                                  <p:childTnLst>
+                                    <p:animMotion origin="layout" path="M 1.25E-6 2.96296E-6 L 0.12943 0.08819 " pathEditMode="relative" rAng="0" ptsTypes="AA">
+                                      <p:cBhvr>
+                                        <p:cTn id="47" dur="2000" fill="hold"/>
+                                        <p:tgtEl>
+                                          <p:spTgt spid="51"/>
+                                        </p:tgtEl>
+                                        <p:attrNameLst>
+                                          <p:attrName>ppt_x</p:attrName>
+                                          <p:attrName>ppt_y</p:attrName>
+                                        </p:attrNameLst>
+                                      </p:cBhvr>
+                                      <p:rCtr x="6471" y="4398"/>
+                                    </p:animMotion>
+                                  </p:childTnLst>
+                                </p:cTn>
+                              </p:par>
+                              <p:par>
+                                <p:cTn id="48" presetID="22" presetClass="entr" presetSubtype="8" fill="hold" nodeType="withEffect">
+                                  <p:stCondLst>
+                                    <p:cond delay="300"/>
+                                  </p:stCondLst>
+                                  <p:childTnLst>
+                                    <p:set>
+                                      <p:cBhvr>
+                                        <p:cTn id="49" dur="1" fill="hold">
+                                          <p:stCondLst>
+                                            <p:cond delay="0"/>
+                                          </p:stCondLst>
+                                        </p:cTn>
+                                        <p:tgtEl>
+                                          <p:spTgt spid="52"/>
+                                        </p:tgtEl>
+                                        <p:attrNameLst>
+                                          <p:attrName>style.visibility</p:attrName>
+                                        </p:attrNameLst>
+                                      </p:cBhvr>
+                                      <p:to>
+                                        <p:strVal val="visible"/>
+                                      </p:to>
+                                    </p:set>
+                                    <p:animEffect transition="in" filter="wipe(left)">
+                                      <p:cBhvr>
+                                        <p:cTn id="50" dur="1500"/>
+                                        <p:tgtEl>
+                                          <p:spTgt spid="52"/>
+                                        </p:tgtEl>
+                                      </p:cBhvr>
+                                    </p:animEffect>
+                                  </p:childTnLst>
+                                </p:cTn>
+                              </p:par>
+                            </p:childTnLst>
+                          </p:cTn>
+                        </p:par>
+                      </p:childTnLst>
+                    </p:cTn>
+                  </p:par>
+                  <p:par>
+                    <p:cTn id="51" fill="hold">
+                      <p:stCondLst>
+                        <p:cond delay="indefinite"/>
+                      </p:stCondLst>
+                      <p:childTnLst>
+                        <p:par>
+                          <p:cTn id="52" fill="hold">
+                            <p:stCondLst>
+                              <p:cond delay="0"/>
+                            </p:stCondLst>
+                            <p:childTnLst>
+                              <p:par>
+                                <p:cTn id="53" presetID="37" presetClass="path" presetSubtype="0" accel="50000" decel="50000" fill="hold" grpId="1" nodeType="clickEffect">
+                                  <p:stCondLst>
+                                    <p:cond delay="0"/>
+                                  </p:stCondLst>
+                                  <p:childTnLst>
+                                    <p:animMotion origin="layout" path="M -0.12057 0.10834 C -0.13971 0.15232 -0.1388 0.14537 -0.14596 0.16644 C -0.15104 0.18357 -0.15325 0.17153 -0.16341 0.22871 " pathEditMode="relative" rAng="0" ptsTypes="AAA">
+                                      <p:cBhvr>
+                                        <p:cTn id="54" dur="2000" fill="hold"/>
+                                        <p:tgtEl>
+                                          <p:spTgt spid="28"/>
+                                        </p:tgtEl>
+                                        <p:attrNameLst>
+                                          <p:attrName>ppt_x</p:attrName>
+                                          <p:attrName>ppt_y</p:attrName>
+                                        </p:attrNameLst>
+                                      </p:cBhvr>
+                                      <p:rCtr x="-2148" y="6019"/>
+                                    </p:animMotion>
+                                  </p:childTnLst>
+                                </p:cTn>
+                              </p:par>
+                              <p:par>
+                                <p:cTn id="55" presetID="42" presetClass="path" presetSubtype="0" accel="50000" decel="50000" fill="hold" grpId="1" nodeType="withEffect">
+                                  <p:stCondLst>
+                                    <p:cond delay="0"/>
+                                  </p:stCondLst>
+                                  <p:childTnLst>
+                                    <p:animMotion origin="layout" path="M 0.12943 0.08819 L 0.15247 0.12222 " pathEditMode="relative" rAng="0" ptsTypes="AA">
+                                      <p:cBhvr>
+                                        <p:cTn id="56" dur="2000" fill="hold"/>
+                                        <p:tgtEl>
+                                          <p:spTgt spid="51"/>
+                                        </p:tgtEl>
+                                        <p:attrNameLst>
+                                          <p:attrName>ppt_x</p:attrName>
+                                          <p:attrName>ppt_y</p:attrName>
+                                        </p:attrNameLst>
+                                      </p:cBhvr>
+                                      <p:rCtr x="1146" y="1690"/>
+                                    </p:animMotion>
+                                  </p:childTnLst>
+                                </p:cTn>
+                              </p:par>
+                              <p:par>
+                                <p:cTn id="57" presetID="22" presetClass="entr" presetSubtype="8" fill="hold" nodeType="withEffect">
+                                  <p:stCondLst>
+                                    <p:cond delay="0"/>
+                                  </p:stCondLst>
+                                  <p:childTnLst>
+                                    <p:set>
+                                      <p:cBhvr>
+                                        <p:cTn id="58" dur="1" fill="hold">
+                                          <p:stCondLst>
+                                            <p:cond delay="0"/>
+                                          </p:stCondLst>
+                                        </p:cTn>
+                                        <p:tgtEl>
+                                          <p:spTgt spid="60"/>
+                                        </p:tgtEl>
+                                        <p:attrNameLst>
+                                          <p:attrName>style.visibility</p:attrName>
+                                        </p:attrNameLst>
+                                      </p:cBhvr>
+                                      <p:to>
+                                        <p:strVal val="visible"/>
+                                      </p:to>
+                                    </p:set>
+                                    <p:animEffect transition="in" filter="wipe(left)">
+                                      <p:cBhvr>
+                                        <p:cTn id="59" dur="2000"/>
+                                        <p:tgtEl>
+                                          <p:spTgt spid="60"/>
+                                        </p:tgtEl>
+                                      </p:cBhvr>
+                                    </p:animEffect>
+                                  </p:childTnLst>
+                                </p:cTn>
+                              </p:par>
+                            </p:childTnLst>
+                          </p:cTn>
+                        </p:par>
+                        <p:par>
+                          <p:cTn id="60" fill="hold">
+                            <p:stCondLst>
+                              <p:cond delay="2000"/>
+                            </p:stCondLst>
+                            <p:childTnLst>
+                              <p:par>
+                                <p:cTn id="61" presetID="10" presetClass="entr" presetSubtype="0" fill="hold" nodeType="afterEffect">
+                                  <p:stCondLst>
+                                    <p:cond delay="0"/>
+                                  </p:stCondLst>
+                                  <p:childTnLst>
+                                    <p:set>
+                                      <p:cBhvr>
+                                        <p:cTn id="62" dur="1" fill="hold">
+                                          <p:stCondLst>
+                                            <p:cond delay="0"/>
+                                          </p:stCondLst>
+                                        </p:cTn>
+                                        <p:tgtEl>
+                                          <p:spTgt spid="64"/>
+                                        </p:tgtEl>
+                                        <p:attrNameLst>
+                                          <p:attrName>style.visibility</p:attrName>
+                                        </p:attrNameLst>
+                                      </p:cBhvr>
+                                      <p:to>
+                                        <p:strVal val="visible"/>
+                                      </p:to>
+                                    </p:set>
+                                    <p:animEffect transition="in" filter="fade">
+                                      <p:cBhvr>
+                                        <p:cTn id="63" dur="500"/>
+                                        <p:tgtEl>
+                                          <p:spTgt spid="64"/>
+                                        </p:tgtEl>
+                                      </p:cBhvr>
+                                    </p:animEffect>
+                                  </p:childTnLst>
+                                </p:cTn>
+                              </p:par>
+                            </p:childTnLst>
+                          </p:cTn>
+                        </p:par>
+                      </p:childTnLst>
+                    </p:cTn>
+                  </p:par>
+                </p:childTnLst>
+              </p:cTn>
+              <p:prevCondLst>
+                <p:cond evt="onPrev" delay="0">
+                  <p:tgtEl>
+                    <p:sldTgt/>
+                  </p:tgtEl>
+                </p:cond>
+              </p:prevCondLst>
+              <p:nextCondLst>
+                <p:cond evt="onNext" delay="0">
+                  <p:tgtEl>
+                    <p:sldTgt/>
+                  </p:tgtEl>
+                </p:cond>
+              </p:nextCondLst>
+            </p:seq>
+          </p:childTnLst>
+        </p:cTn>
+      </p:par>
+    </p:tnLst>
+    <p:bldLst>
+      <p:bldP spid="20" grpId="0"/>
+      <p:bldP spid="21" grpId="0"/>
+      <p:bldP spid="28" grpId="0" animBg="1"/>
+      <p:bldP spid="28" grpId="1" animBg="1"/>
+      <p:bldP spid="28" grpId="2" animBg="1"/>
+      <p:bldP spid="41" grpId="0"/>
+      <p:bldP spid="42" grpId="0"/>
+      <p:bldP spid="51" grpId="0" animBg="1"/>
+      <p:bldP spid="51" grpId="1" animBg="1"/>
+      <p:bldP spid="51" grpId="2" animBg="1"/>
+      <p:bldP spid="66" grpId="0"/>
+    </p:bldLst>
+  </p:timing>
+</p:sld>
+</file>
+
+<file path=ppt/slides/slide7.xml><?xml version="1.0" encoding="utf-8"?>
+<p:sld xmlns:a="http://schemas.openxmlformats.org/drawingml/2006/main" xmlns:r="http://schemas.openxmlformats.org/officeDocument/2006/relationships" xmlns:p="http://schemas.openxmlformats.org/presentationml/2006/main">
+  <p:cSld>
+    <p:spTree>
+      <p:nvGrpSpPr>
+        <p:cNvPr id="1" name=""/>
+        <p:cNvGrpSpPr/>
+        <p:nvPr/>
+      </p:nvGrpSpPr>
+      <p:grpSpPr>
+        <a:xfrm>
+          <a:off x="0" y="0"/>
+          <a:ext cx="0" cy="0"/>
+          <a:chOff x="0" y="0"/>
+          <a:chExt cx="0" cy="0"/>
+        </a:xfrm>
+      </p:grpSpPr>
+      <p:cxnSp>
+        <p:nvCxnSpPr>
+          <p:cNvPr id="60" name="Straight Connector 59">
+            <a:extLst>
+              <a:ext uri="{FF2B5EF4-FFF2-40B4-BE49-F238E27FC236}">
+                <a16:creationId xmlns:a16="http://schemas.microsoft.com/office/drawing/2014/main" id="{8CAA6E87-EEA7-4349-847A-D1F80C768619}"/>
+              </a:ext>
+            </a:extLst>
+          </p:cNvPr>
+          <p:cNvCxnSpPr>
+            <a:cxnSpLocks/>
+          </p:cNvCxnSpPr>
+          <p:nvPr/>
+        </p:nvCxnSpPr>
+        <p:spPr>
+          <a:xfrm>
+            <a:off x="8883688" y="731520"/>
+            <a:ext cx="288886" cy="240012"/>
+          </a:xfrm>
+          <a:prstGeom prst="line">
+            <a:avLst/>
+          </a:prstGeom>
+          <a:ln w="19050">
+            <a:solidFill>
+              <a:srgbClr val="1E6DA7"/>
+            </a:solidFill>
+          </a:ln>
+        </p:spPr>
+        <p:style>
+          <a:lnRef idx="1">
+            <a:schemeClr val="accent1"/>
+          </a:lnRef>
+          <a:fillRef idx="0">
+            <a:schemeClr val="accent1"/>
+          </a:fillRef>
+          <a:effectRef idx="0">
+            <a:schemeClr val="accent1"/>
+          </a:effectRef>
+          <a:fontRef idx="minor">
+            <a:schemeClr val="tx1"/>
+          </a:fontRef>
+        </p:style>
+      </p:cxnSp>
+      <p:sp>
+        <p:nvSpPr>
+          <p:cNvPr id="2" name="Title 1">
+            <a:extLst>
+              <a:ext uri="{FF2B5EF4-FFF2-40B4-BE49-F238E27FC236}">
+                <a16:creationId xmlns:a16="http://schemas.microsoft.com/office/drawing/2014/main" id="{48D3EACF-53D7-4443-A558-3FA3AA8D491F}"/>
+              </a:ext>
+            </a:extLst>
+          </p:cNvPr>
+          <p:cNvSpPr>
+            <a:spLocks noGrp="1"/>
+          </p:cNvSpPr>
+          <p:nvPr>
+            <p:ph type="title"/>
+          </p:nvPr>
+        </p:nvSpPr>
+        <p:spPr>
+          <a:xfrm>
+            <a:off x="441960" y="182438"/>
+            <a:ext cx="10515600" cy="1325563"/>
+          </a:xfrm>
+        </p:spPr>
+        <p:txBody>
+          <a:bodyPr/>
+          <a:lstStyle/>
+          <a:p>
+            <a:r>
+              <a:rPr lang="en-US" dirty="0"/>
+              <a:t>Niche stability</a:t>
+            </a:r>
+          </a:p>
+        </p:txBody>
+      </p:sp>
+      <p:sp>
+        <p:nvSpPr>
+          <p:cNvPr id="3" name="Date Placeholder 2">
+            <a:extLst>
+              <a:ext uri="{FF2B5EF4-FFF2-40B4-BE49-F238E27FC236}">
+                <a16:creationId xmlns:a16="http://schemas.microsoft.com/office/drawing/2014/main" id="{ACB9DC66-9E83-4DAC-9816-A9469159AA73}"/>
+              </a:ext>
+            </a:extLst>
+          </p:cNvPr>
+          <p:cNvSpPr>
+            <a:spLocks noGrp="1"/>
+          </p:cNvSpPr>
+          <p:nvPr>
+            <p:ph type="dt" sz="half" idx="10"/>
+          </p:nvPr>
+        </p:nvSpPr>
+        <p:spPr/>
+        <p:txBody>
+          <a:bodyPr/>
+          <a:lstStyle/>
+          <a:p>
+            <a:r>
+              <a:rPr lang="en-US"/>
+              <a:t>02.02.2023</a:t>
+            </a:r>
+            <a:endParaRPr lang="en-US" dirty="0"/>
+          </a:p>
+        </p:txBody>
+      </p:sp>
+      <p:sp>
+        <p:nvSpPr>
+          <p:cNvPr id="4" name="Footer Placeholder 3">
+            <a:extLst>
+              <a:ext uri="{FF2B5EF4-FFF2-40B4-BE49-F238E27FC236}">
+                <a16:creationId xmlns:a16="http://schemas.microsoft.com/office/drawing/2014/main" id="{772894A4-6E37-4F43-A23E-B994D65AD170}"/>
+              </a:ext>
+            </a:extLst>
+          </p:cNvPr>
+          <p:cNvSpPr>
+            <a:spLocks noGrp="1"/>
+          </p:cNvSpPr>
+          <p:nvPr>
+            <p:ph type="ftr" sz="quarter" idx="11"/>
+          </p:nvPr>
+        </p:nvSpPr>
+        <p:spPr/>
+        <p:txBody>
+          <a:bodyPr/>
+          <a:lstStyle/>
+          <a:p>
+            <a:r>
+              <a:rPr lang="en-US"/>
+              <a:t>University of Bayreuth</a:t>
+            </a:r>
+            <a:endParaRPr lang="en-US" dirty="0"/>
+          </a:p>
+        </p:txBody>
+      </p:sp>
+      <p:sp>
+        <p:nvSpPr>
+          <p:cNvPr id="5" name="Slide Number Placeholder 4">
+            <a:extLst>
+              <a:ext uri="{FF2B5EF4-FFF2-40B4-BE49-F238E27FC236}">
+                <a16:creationId xmlns:a16="http://schemas.microsoft.com/office/drawing/2014/main" id="{8B0850BA-A942-413C-81CC-63C039DE6C9B}"/>
+              </a:ext>
+            </a:extLst>
+          </p:cNvPr>
+          <p:cNvSpPr>
+            <a:spLocks noGrp="1"/>
+          </p:cNvSpPr>
+          <p:nvPr>
+            <p:ph type="sldNum" sz="quarter" idx="12"/>
+          </p:nvPr>
+        </p:nvSpPr>
+        <p:spPr/>
+        <p:txBody>
+          <a:bodyPr/>
+          <a:lstStyle/>
+          <a:p>
+            <a:fld id="{0371E4C2-5E83-42DF-8C94-9AF9981AB05F}" type="slidenum">
+              <a:rPr lang="en-US" smtClean="0"/>
+              <a:t>7</a:t>
+            </a:fld>
+            <a:endParaRPr lang="en-US"/>
+          </a:p>
+        </p:txBody>
+      </p:sp>
+      <p:sp>
+        <p:nvSpPr>
+          <p:cNvPr id="12" name="Oval 11">
+            <a:extLst>
+              <a:ext uri="{FF2B5EF4-FFF2-40B4-BE49-F238E27FC236}">
+                <a16:creationId xmlns:a16="http://schemas.microsoft.com/office/drawing/2014/main" id="{075249D1-5F66-42F7-991D-ECF799FD8A46}"/>
+              </a:ext>
+            </a:extLst>
+          </p:cNvPr>
+          <p:cNvSpPr/>
+          <p:nvPr/>
+        </p:nvSpPr>
+        <p:spPr>
+          <a:xfrm>
+            <a:off x="2287477" y="2865822"/>
+            <a:ext cx="4445825" cy="2553531"/>
+          </a:xfrm>
+          <a:custGeom>
+            <a:avLst/>
+            <a:gdLst>
+              <a:gd name="connsiteX0" fmla="*/ 0 w 4248146"/>
+              <a:gd name="connsiteY0" fmla="*/ 3893300 h 7786600"/>
+              <a:gd name="connsiteX1" fmla="*/ 2124073 w 4248146"/>
+              <a:gd name="connsiteY1" fmla="*/ 0 h 7786600"/>
+              <a:gd name="connsiteX2" fmla="*/ 4248146 w 4248146"/>
+              <a:gd name="connsiteY2" fmla="*/ 3893300 h 7786600"/>
+              <a:gd name="connsiteX3" fmla="*/ 2124073 w 4248146"/>
+              <a:gd name="connsiteY3" fmla="*/ 7786600 h 7786600"/>
+              <a:gd name="connsiteX4" fmla="*/ 0 w 4248146"/>
+              <a:gd name="connsiteY4" fmla="*/ 3893300 h 7786600"/>
+              <a:gd name="connsiteX0" fmla="*/ 95 w 4248241"/>
+              <a:gd name="connsiteY0" fmla="*/ 3893300 h 4669319"/>
+              <a:gd name="connsiteX1" fmla="*/ 2124168 w 4248241"/>
+              <a:gd name="connsiteY1" fmla="*/ 0 h 4669319"/>
+              <a:gd name="connsiteX2" fmla="*/ 4248241 w 4248241"/>
+              <a:gd name="connsiteY2" fmla="*/ 3893300 h 4669319"/>
+              <a:gd name="connsiteX3" fmla="*/ 2190843 w 4248241"/>
+              <a:gd name="connsiteY3" fmla="*/ 3043150 h 4669319"/>
+              <a:gd name="connsiteX4" fmla="*/ 95 w 4248241"/>
+              <a:gd name="connsiteY4" fmla="*/ 3893300 h 4669319"/>
+              <a:gd name="connsiteX0" fmla="*/ 677 w 4248823"/>
+              <a:gd name="connsiteY0" fmla="*/ 3893300 h 4725511"/>
+              <a:gd name="connsiteX1" fmla="*/ 2124750 w 4248823"/>
+              <a:gd name="connsiteY1" fmla="*/ 0 h 4725511"/>
+              <a:gd name="connsiteX2" fmla="*/ 4248823 w 4248823"/>
+              <a:gd name="connsiteY2" fmla="*/ 3893300 h 4725511"/>
+              <a:gd name="connsiteX3" fmla="*/ 2305725 w 4248823"/>
+              <a:gd name="connsiteY3" fmla="*/ 3347950 h 4725511"/>
+              <a:gd name="connsiteX4" fmla="*/ 677 w 4248823"/>
+              <a:gd name="connsiteY4" fmla="*/ 3893300 h 4725511"/>
+              <a:gd name="connsiteX0" fmla="*/ 463 w 4210509"/>
+              <a:gd name="connsiteY0" fmla="*/ 3897764 h 4290088"/>
+              <a:gd name="connsiteX1" fmla="*/ 2124536 w 4210509"/>
+              <a:gd name="connsiteY1" fmla="*/ 4464 h 4290088"/>
+              <a:gd name="connsiteX2" fmla="*/ 4210509 w 4210509"/>
+              <a:gd name="connsiteY2" fmla="*/ 3354839 h 4290088"/>
+              <a:gd name="connsiteX3" fmla="*/ 2305511 w 4210509"/>
+              <a:gd name="connsiteY3" fmla="*/ 3352414 h 4290088"/>
+              <a:gd name="connsiteX4" fmla="*/ 463 w 4210509"/>
+              <a:gd name="connsiteY4" fmla="*/ 3897764 h 4290088"/>
+              <a:gd name="connsiteX0" fmla="*/ 519 w 4020065"/>
+              <a:gd name="connsiteY0" fmla="*/ 3293250 h 4307538"/>
+              <a:gd name="connsiteX1" fmla="*/ 1934092 w 4020065"/>
+              <a:gd name="connsiteY1" fmla="*/ 25 h 4307538"/>
+              <a:gd name="connsiteX2" fmla="*/ 4020065 w 4020065"/>
+              <a:gd name="connsiteY2" fmla="*/ 3350400 h 4307538"/>
+              <a:gd name="connsiteX3" fmla="*/ 2115067 w 4020065"/>
+              <a:gd name="connsiteY3" fmla="*/ 3347975 h 4307538"/>
+              <a:gd name="connsiteX4" fmla="*/ 519 w 4020065"/>
+              <a:gd name="connsiteY4" fmla="*/ 3293250 h 4307538"/>
+              <a:gd name="connsiteX0" fmla="*/ 135488 w 4155034"/>
+              <a:gd name="connsiteY0" fmla="*/ 3293247 h 4307535"/>
+              <a:gd name="connsiteX1" fmla="*/ 2069061 w 4155034"/>
+              <a:gd name="connsiteY1" fmla="*/ 22 h 4307535"/>
+              <a:gd name="connsiteX2" fmla="*/ 4155034 w 4155034"/>
+              <a:gd name="connsiteY2" fmla="*/ 3350397 h 4307535"/>
+              <a:gd name="connsiteX3" fmla="*/ 2250036 w 4155034"/>
+              <a:gd name="connsiteY3" fmla="*/ 3347972 h 4307535"/>
+              <a:gd name="connsiteX4" fmla="*/ 135488 w 4155034"/>
+              <a:gd name="connsiteY4" fmla="*/ 3293247 h 4307535"/>
+              <a:gd name="connsiteX0" fmla="*/ 135488 w 4155034"/>
+              <a:gd name="connsiteY0" fmla="*/ 3293247 h 3374096"/>
+              <a:gd name="connsiteX1" fmla="*/ 2069061 w 4155034"/>
+              <a:gd name="connsiteY1" fmla="*/ 22 h 3374096"/>
+              <a:gd name="connsiteX2" fmla="*/ 4155034 w 4155034"/>
+              <a:gd name="connsiteY2" fmla="*/ 3350397 h 3374096"/>
+              <a:gd name="connsiteX3" fmla="*/ 2250036 w 4155034"/>
+              <a:gd name="connsiteY3" fmla="*/ 3347972 h 3374096"/>
+              <a:gd name="connsiteX4" fmla="*/ 135488 w 4155034"/>
+              <a:gd name="connsiteY4" fmla="*/ 3293247 h 3374096"/>
+              <a:gd name="connsiteX0" fmla="*/ 517792 w 4537338"/>
+              <a:gd name="connsiteY0" fmla="*/ 3293246 h 3350396"/>
+              <a:gd name="connsiteX1" fmla="*/ 2451365 w 4537338"/>
+              <a:gd name="connsiteY1" fmla="*/ 21 h 3350396"/>
+              <a:gd name="connsiteX2" fmla="*/ 4537338 w 4537338"/>
+              <a:gd name="connsiteY2" fmla="*/ 3350396 h 3350396"/>
+              <a:gd name="connsiteX3" fmla="*/ 2632340 w 4537338"/>
+              <a:gd name="connsiteY3" fmla="*/ 3347971 h 3350396"/>
+              <a:gd name="connsiteX4" fmla="*/ 517792 w 4537338"/>
+              <a:gd name="connsiteY4" fmla="*/ 3293246 h 3350396"/>
+              <a:gd name="connsiteX0" fmla="*/ 112051 w 4131597"/>
+              <a:gd name="connsiteY0" fmla="*/ 3293246 h 3350396"/>
+              <a:gd name="connsiteX1" fmla="*/ 2045624 w 4131597"/>
+              <a:gd name="connsiteY1" fmla="*/ 21 h 3350396"/>
+              <a:gd name="connsiteX2" fmla="*/ 4131597 w 4131597"/>
+              <a:gd name="connsiteY2" fmla="*/ 3350396 h 3350396"/>
+              <a:gd name="connsiteX3" fmla="*/ 2226599 w 4131597"/>
+              <a:gd name="connsiteY3" fmla="*/ 3347971 h 3350396"/>
+              <a:gd name="connsiteX4" fmla="*/ 112051 w 4131597"/>
+              <a:gd name="connsiteY4" fmla="*/ 3293246 h 3350396"/>
+              <a:gd name="connsiteX0" fmla="*/ 119938 w 3958509"/>
+              <a:gd name="connsiteY0" fmla="*/ 3302765 h 3350390"/>
+              <a:gd name="connsiteX1" fmla="*/ 1872536 w 3958509"/>
+              <a:gd name="connsiteY1" fmla="*/ 15 h 3350390"/>
+              <a:gd name="connsiteX2" fmla="*/ 3958509 w 3958509"/>
+              <a:gd name="connsiteY2" fmla="*/ 3350390 h 3350390"/>
+              <a:gd name="connsiteX3" fmla="*/ 2053511 w 3958509"/>
+              <a:gd name="connsiteY3" fmla="*/ 3347965 h 3350390"/>
+              <a:gd name="connsiteX4" fmla="*/ 119938 w 3958509"/>
+              <a:gd name="connsiteY4" fmla="*/ 3302765 h 3350390"/>
+              <a:gd name="connsiteX0" fmla="*/ 119938 w 3958509"/>
+              <a:gd name="connsiteY0" fmla="*/ 3340851 h 3370289"/>
+              <a:gd name="connsiteX1" fmla="*/ 1872536 w 3958509"/>
+              <a:gd name="connsiteY1" fmla="*/ 1 h 3370289"/>
+              <a:gd name="connsiteX2" fmla="*/ 3958509 w 3958509"/>
+              <a:gd name="connsiteY2" fmla="*/ 3350376 h 3370289"/>
+              <a:gd name="connsiteX3" fmla="*/ 2053511 w 3958509"/>
+              <a:gd name="connsiteY3" fmla="*/ 3347951 h 3370289"/>
+              <a:gd name="connsiteX4" fmla="*/ 119938 w 3958509"/>
+              <a:gd name="connsiteY4" fmla="*/ 3340851 h 3370289"/>
+              <a:gd name="connsiteX0" fmla="*/ 11459 w 3850030"/>
+              <a:gd name="connsiteY0" fmla="*/ 3340851 h 3797773"/>
+              <a:gd name="connsiteX1" fmla="*/ 1764057 w 3850030"/>
+              <a:gd name="connsiteY1" fmla="*/ 1 h 3797773"/>
+              <a:gd name="connsiteX2" fmla="*/ 3850030 w 3850030"/>
+              <a:gd name="connsiteY2" fmla="*/ 3350376 h 3797773"/>
+              <a:gd name="connsiteX3" fmla="*/ 1945032 w 3850030"/>
+              <a:gd name="connsiteY3" fmla="*/ 3347951 h 3797773"/>
+              <a:gd name="connsiteX4" fmla="*/ 11459 w 3850030"/>
+              <a:gd name="connsiteY4" fmla="*/ 3340851 h 3797773"/>
+              <a:gd name="connsiteX0" fmla="*/ 122944 w 3961515"/>
+              <a:gd name="connsiteY0" fmla="*/ 3340851 h 3350376"/>
+              <a:gd name="connsiteX1" fmla="*/ 1875542 w 3961515"/>
+              <a:gd name="connsiteY1" fmla="*/ 1 h 3350376"/>
+              <a:gd name="connsiteX2" fmla="*/ 3961515 w 3961515"/>
+              <a:gd name="connsiteY2" fmla="*/ 3350376 h 3350376"/>
+              <a:gd name="connsiteX3" fmla="*/ 2056517 w 3961515"/>
+              <a:gd name="connsiteY3" fmla="*/ 3347951 h 3350376"/>
+              <a:gd name="connsiteX4" fmla="*/ 122944 w 3961515"/>
+              <a:gd name="connsiteY4" fmla="*/ 3340851 h 3350376"/>
+              <a:gd name="connsiteX0" fmla="*/ 2 w 3838573"/>
+              <a:gd name="connsiteY0" fmla="*/ 3340851 h 3988098"/>
+              <a:gd name="connsiteX1" fmla="*/ 1752600 w 3838573"/>
+              <a:gd name="connsiteY1" fmla="*/ 1 h 3988098"/>
+              <a:gd name="connsiteX2" fmla="*/ 3838573 w 3838573"/>
+              <a:gd name="connsiteY2" fmla="*/ 3350376 h 3988098"/>
+              <a:gd name="connsiteX3" fmla="*/ 1933575 w 3838573"/>
+              <a:gd name="connsiteY3" fmla="*/ 3347951 h 3988098"/>
+              <a:gd name="connsiteX4" fmla="*/ 2 w 3838573"/>
+              <a:gd name="connsiteY4" fmla="*/ 3340851 h 3988098"/>
+              <a:gd name="connsiteX0" fmla="*/ 2 w 3838573"/>
+              <a:gd name="connsiteY0" fmla="*/ 3340851 h 3350376"/>
+              <a:gd name="connsiteX1" fmla="*/ 1752600 w 3838573"/>
+              <a:gd name="connsiteY1" fmla="*/ 1 h 3350376"/>
+              <a:gd name="connsiteX2" fmla="*/ 3838573 w 3838573"/>
+              <a:gd name="connsiteY2" fmla="*/ 3350376 h 3350376"/>
+              <a:gd name="connsiteX3" fmla="*/ 1933575 w 3838573"/>
+              <a:gd name="connsiteY3" fmla="*/ 3347951 h 3350376"/>
+              <a:gd name="connsiteX4" fmla="*/ 2 w 3838573"/>
+              <a:gd name="connsiteY4" fmla="*/ 3340851 h 3350376"/>
+              <a:gd name="connsiteX0" fmla="*/ 2 w 3838573"/>
+              <a:gd name="connsiteY0" fmla="*/ 3340851 h 3350376"/>
+              <a:gd name="connsiteX1" fmla="*/ 1752600 w 3838573"/>
+              <a:gd name="connsiteY1" fmla="*/ 1 h 3350376"/>
+              <a:gd name="connsiteX2" fmla="*/ 3838573 w 3838573"/>
+              <a:gd name="connsiteY2" fmla="*/ 3350376 h 3350376"/>
+              <a:gd name="connsiteX3" fmla="*/ 1933575 w 3838573"/>
+              <a:gd name="connsiteY3" fmla="*/ 3347951 h 3350376"/>
+              <a:gd name="connsiteX4" fmla="*/ 2 w 3838573"/>
+              <a:gd name="connsiteY4" fmla="*/ 3340851 h 3350376"/>
+              <a:gd name="connsiteX0" fmla="*/ 2 w 3838573"/>
+              <a:gd name="connsiteY0" fmla="*/ 3359900 h 3369425"/>
+              <a:gd name="connsiteX1" fmla="*/ 1905000 w 3838573"/>
+              <a:gd name="connsiteY1" fmla="*/ 0 h 3369425"/>
+              <a:gd name="connsiteX2" fmla="*/ 3838573 w 3838573"/>
+              <a:gd name="connsiteY2" fmla="*/ 3369425 h 3369425"/>
+              <a:gd name="connsiteX3" fmla="*/ 1933575 w 3838573"/>
+              <a:gd name="connsiteY3" fmla="*/ 3367000 h 3369425"/>
+              <a:gd name="connsiteX4" fmla="*/ 2 w 3838573"/>
+              <a:gd name="connsiteY4" fmla="*/ 3359900 h 3369425"/>
+              <a:gd name="connsiteX0" fmla="*/ 2 w 3838573"/>
+              <a:gd name="connsiteY0" fmla="*/ 3359900 h 3369425"/>
+              <a:gd name="connsiteX1" fmla="*/ 1905000 w 3838573"/>
+              <a:gd name="connsiteY1" fmla="*/ 0 h 3369425"/>
+              <a:gd name="connsiteX2" fmla="*/ 3838573 w 3838573"/>
+              <a:gd name="connsiteY2" fmla="*/ 3369425 h 3369425"/>
+              <a:gd name="connsiteX3" fmla="*/ 1933575 w 3838573"/>
+              <a:gd name="connsiteY3" fmla="*/ 3367000 h 3369425"/>
+              <a:gd name="connsiteX4" fmla="*/ 2 w 3838573"/>
+              <a:gd name="connsiteY4" fmla="*/ 3359900 h 3369425"/>
+              <a:gd name="connsiteX0" fmla="*/ 0 w 3838571"/>
+              <a:gd name="connsiteY0" fmla="*/ 3359901 h 3369426"/>
+              <a:gd name="connsiteX1" fmla="*/ 1904998 w 3838571"/>
+              <a:gd name="connsiteY1" fmla="*/ 1 h 3369426"/>
+              <a:gd name="connsiteX2" fmla="*/ 3838571 w 3838571"/>
+              <a:gd name="connsiteY2" fmla="*/ 3369426 h 3369426"/>
+              <a:gd name="connsiteX3" fmla="*/ 1933573 w 3838571"/>
+              <a:gd name="connsiteY3" fmla="*/ 3367001 h 3369426"/>
+              <a:gd name="connsiteX4" fmla="*/ 0 w 3838571"/>
+              <a:gd name="connsiteY4" fmla="*/ 3359901 h 3369426"/>
+              <a:gd name="connsiteX0" fmla="*/ 0 w 3838571"/>
+              <a:gd name="connsiteY0" fmla="*/ 3359901 h 3369426"/>
+              <a:gd name="connsiteX1" fmla="*/ 1904998 w 3838571"/>
+              <a:gd name="connsiteY1" fmla="*/ 1 h 3369426"/>
+              <a:gd name="connsiteX2" fmla="*/ 3838571 w 3838571"/>
+              <a:gd name="connsiteY2" fmla="*/ 3369426 h 3369426"/>
+              <a:gd name="connsiteX3" fmla="*/ 1933573 w 3838571"/>
+              <a:gd name="connsiteY3" fmla="*/ 3367001 h 3369426"/>
+              <a:gd name="connsiteX4" fmla="*/ 0 w 3838571"/>
+              <a:gd name="connsiteY4" fmla="*/ 3359901 h 3369426"/>
+              <a:gd name="connsiteX0" fmla="*/ 0 w 3838571"/>
+              <a:gd name="connsiteY0" fmla="*/ 3359901 h 3369426"/>
+              <a:gd name="connsiteX1" fmla="*/ 1904998 w 3838571"/>
+              <a:gd name="connsiteY1" fmla="*/ 1 h 3369426"/>
+              <a:gd name="connsiteX2" fmla="*/ 3838571 w 3838571"/>
+              <a:gd name="connsiteY2" fmla="*/ 3369426 h 3369426"/>
+              <a:gd name="connsiteX3" fmla="*/ 1933573 w 3838571"/>
+              <a:gd name="connsiteY3" fmla="*/ 3367001 h 3369426"/>
+              <a:gd name="connsiteX4" fmla="*/ 0 w 3838571"/>
+              <a:gd name="connsiteY4" fmla="*/ 3359901 h 3369426"/>
+              <a:gd name="connsiteX0" fmla="*/ 0 w 3838571"/>
+              <a:gd name="connsiteY0" fmla="*/ 3359901 h 3369426"/>
+              <a:gd name="connsiteX1" fmla="*/ 1904998 w 3838571"/>
+              <a:gd name="connsiteY1" fmla="*/ 1 h 3369426"/>
+              <a:gd name="connsiteX2" fmla="*/ 3838571 w 3838571"/>
+              <a:gd name="connsiteY2" fmla="*/ 3369426 h 3369426"/>
+              <a:gd name="connsiteX3" fmla="*/ 1933573 w 3838571"/>
+              <a:gd name="connsiteY3" fmla="*/ 3367001 h 3369426"/>
+              <a:gd name="connsiteX4" fmla="*/ 0 w 3838571"/>
+              <a:gd name="connsiteY4" fmla="*/ 3359901 h 3369426"/>
+              <a:gd name="connsiteX0" fmla="*/ 0 w 3838571"/>
+              <a:gd name="connsiteY0" fmla="*/ 3359901 h 3369426"/>
+              <a:gd name="connsiteX1" fmla="*/ 1904998 w 3838571"/>
+              <a:gd name="connsiteY1" fmla="*/ 1 h 3369426"/>
+              <a:gd name="connsiteX2" fmla="*/ 3838571 w 3838571"/>
+              <a:gd name="connsiteY2" fmla="*/ 3369426 h 3369426"/>
+              <a:gd name="connsiteX3" fmla="*/ 1933573 w 3838571"/>
+              <a:gd name="connsiteY3" fmla="*/ 3367001 h 3369426"/>
+              <a:gd name="connsiteX4" fmla="*/ 0 w 3838571"/>
+              <a:gd name="connsiteY4" fmla="*/ 3359901 h 3369426"/>
+              <a:gd name="connsiteX0" fmla="*/ 0 w 3838571"/>
+              <a:gd name="connsiteY0" fmla="*/ 3372481 h 3372481"/>
+              <a:gd name="connsiteX1" fmla="*/ 1904998 w 3838571"/>
+              <a:gd name="connsiteY1" fmla="*/ 1 h 3372481"/>
+              <a:gd name="connsiteX2" fmla="*/ 3838571 w 3838571"/>
+              <a:gd name="connsiteY2" fmla="*/ 3369426 h 3372481"/>
+              <a:gd name="connsiteX3" fmla="*/ 1933573 w 3838571"/>
+              <a:gd name="connsiteY3" fmla="*/ 3367001 h 3372481"/>
+              <a:gd name="connsiteX4" fmla="*/ 0 w 3838571"/>
+              <a:gd name="connsiteY4" fmla="*/ 3372481 h 3372481"/>
+            </a:gdLst>
+            <a:ahLst/>
+            <a:cxnLst>
+              <a:cxn ang="0">
+                <a:pos x="connsiteX0" y="connsiteY0"/>
+              </a:cxn>
+              <a:cxn ang="0">
+                <a:pos x="connsiteX1" y="connsiteY1"/>
+              </a:cxn>
+              <a:cxn ang="0">
+                <a:pos x="connsiteX2" y="connsiteY2"/>
+              </a:cxn>
+              <a:cxn ang="0">
+                <a:pos x="connsiteX3" y="connsiteY3"/>
+              </a:cxn>
+              <a:cxn ang="0">
+                <a:pos x="connsiteX4" y="connsiteY4"/>
+              </a:cxn>
+            </a:cxnLst>
+            <a:rect l="l" t="t" r="r" b="b"/>
+            <a:pathLst>
+              <a:path w="3838571" h="3372481">
+                <a:moveTo>
+                  <a:pt x="0" y="3372481"/>
+                </a:moveTo>
+                <a:cubicBezTo>
+                  <a:pt x="17463" y="1233339"/>
+                  <a:pt x="1265236" y="510"/>
+                  <a:pt x="1904998" y="1"/>
+                </a:cubicBezTo>
+                <a:cubicBezTo>
+                  <a:pt x="2544760" y="-508"/>
+                  <a:pt x="3819521" y="1171591"/>
+                  <a:pt x="3838571" y="3369426"/>
+                </a:cubicBezTo>
+                <a:lnTo>
+                  <a:pt x="1933573" y="3367001"/>
+                </a:lnTo>
+                <a:cubicBezTo>
+                  <a:pt x="1293811" y="3367510"/>
+                  <a:pt x="1930399" y="3365323"/>
+                  <a:pt x="0" y="3372481"/>
+                </a:cubicBezTo>
+                <a:close/>
+              </a:path>
+            </a:pathLst>
+          </a:custGeom>
+          <a:gradFill flip="none" rotWithShape="1">
+            <a:gsLst>
+              <a:gs pos="0">
+                <a:srgbClr val="CD717C">
+                  <a:alpha val="60000"/>
+                </a:srgbClr>
+              </a:gs>
+              <a:gs pos="49000">
+                <a:srgbClr val="1E6DA7">
+                  <a:alpha val="50000"/>
+                </a:srgbClr>
+              </a:gs>
+              <a:gs pos="100000">
+                <a:srgbClr val="CD717C">
+                  <a:alpha val="60000"/>
+                </a:srgbClr>
+              </a:gs>
+            </a:gsLst>
+            <a:lin ang="0" scaled="1"/>
+            <a:tileRect/>
+          </a:gradFill>
+          <a:ln>
+            <a:noFill/>
+          </a:ln>
+        </p:spPr>
+        <p:style>
+          <a:lnRef idx="2">
+            <a:schemeClr val="accent1">
+              <a:shade val="50000"/>
+            </a:schemeClr>
+          </a:lnRef>
+          <a:fillRef idx="1">
+            <a:schemeClr val="accent1"/>
+          </a:fillRef>
+          <a:effectRef idx="0">
+            <a:schemeClr val="accent1"/>
+          </a:effectRef>
+          <a:fontRef idx="minor">
+            <a:schemeClr val="lt1"/>
+          </a:fontRef>
+        </p:style>
+        <p:txBody>
+          <a:bodyPr rtlCol="0" anchor="ctr"/>
+          <a:lstStyle/>
+          <a:p>
+            <a:pPr algn="ctr"/>
+            <a:endParaRPr lang="en-US"/>
+          </a:p>
+        </p:txBody>
+      </p:sp>
+      <p:cxnSp>
+        <p:nvCxnSpPr>
+          <p:cNvPr id="7" name="Straight Connector 6">
+            <a:extLst>
+              <a:ext uri="{FF2B5EF4-FFF2-40B4-BE49-F238E27FC236}">
+                <a16:creationId xmlns:a16="http://schemas.microsoft.com/office/drawing/2014/main" id="{D9631D79-0633-4552-8BE3-6E16ECE0B5DF}"/>
+              </a:ext>
+            </a:extLst>
+          </p:cNvPr>
+          <p:cNvCxnSpPr>
+            <a:cxnSpLocks/>
+          </p:cNvCxnSpPr>
+          <p:nvPr/>
+        </p:nvCxnSpPr>
+        <p:spPr>
+          <a:xfrm>
+            <a:off x="1704975" y="2620731"/>
+            <a:ext cx="0" cy="2805474"/>
+          </a:xfrm>
+          <a:prstGeom prst="line">
+            <a:avLst/>
+          </a:prstGeom>
+          <a:ln w="28575">
+            <a:solidFill>
+              <a:schemeClr val="bg2">
+                <a:lumMod val="50000"/>
+              </a:schemeClr>
+            </a:solidFill>
+          </a:ln>
+        </p:spPr>
+        <p:style>
+          <a:lnRef idx="1">
+            <a:schemeClr val="accent1"/>
+          </a:lnRef>
+          <a:fillRef idx="0">
+            <a:schemeClr val="accent1"/>
+          </a:fillRef>
+          <a:effectRef idx="0">
+            <a:schemeClr val="accent1"/>
+          </a:effectRef>
+          <a:fontRef idx="minor">
+            <a:schemeClr val="tx1"/>
+          </a:fontRef>
+        </p:style>
+      </p:cxnSp>
+      <p:cxnSp>
+        <p:nvCxnSpPr>
+          <p:cNvPr id="9" name="Straight Connector 8">
+            <a:extLst>
+              <a:ext uri="{FF2B5EF4-FFF2-40B4-BE49-F238E27FC236}">
+                <a16:creationId xmlns:a16="http://schemas.microsoft.com/office/drawing/2014/main" id="{AD8FE95C-1184-4F80-AF45-F2A5523C3F49}"/>
+              </a:ext>
+            </a:extLst>
+          </p:cNvPr>
+          <p:cNvCxnSpPr>
+            <a:cxnSpLocks/>
+          </p:cNvCxnSpPr>
+          <p:nvPr/>
+        </p:nvCxnSpPr>
+        <p:spPr>
+          <a:xfrm flipH="1">
+            <a:off x="1690687" y="5426205"/>
+            <a:ext cx="5615277" cy="0"/>
+          </a:xfrm>
+          <a:prstGeom prst="line">
+            <a:avLst/>
+          </a:prstGeom>
+          <a:ln w="28575">
+            <a:solidFill>
+              <a:schemeClr val="bg2">
+                <a:lumMod val="50000"/>
+              </a:schemeClr>
+            </a:solidFill>
+          </a:ln>
+        </p:spPr>
+        <p:style>
+          <a:lnRef idx="1">
+            <a:schemeClr val="accent1"/>
+          </a:lnRef>
+          <a:fillRef idx="0">
+            <a:schemeClr val="accent1"/>
+          </a:fillRef>
+          <a:effectRef idx="0">
+            <a:schemeClr val="accent1"/>
+          </a:effectRef>
+          <a:fontRef idx="minor">
+            <a:schemeClr val="tx1"/>
+          </a:fontRef>
+        </p:style>
+      </p:cxnSp>
+      <p:sp>
+        <p:nvSpPr>
+          <p:cNvPr id="17" name="TextBox 16">
+            <a:extLst>
+              <a:ext uri="{FF2B5EF4-FFF2-40B4-BE49-F238E27FC236}">
+                <a16:creationId xmlns:a16="http://schemas.microsoft.com/office/drawing/2014/main" id="{4A0EAD0A-7647-4F9B-8F6B-AB2285BE4533}"/>
+              </a:ext>
+            </a:extLst>
+          </p:cNvPr>
+          <p:cNvSpPr txBox="1"/>
+          <p:nvPr/>
+        </p:nvSpPr>
+        <p:spPr>
+          <a:xfrm rot="16200000">
+            <a:off x="702801" y="3746037"/>
+            <a:ext cx="1391728" cy="338554"/>
+          </a:xfrm>
+          <a:prstGeom prst="rect">
+            <a:avLst/>
+          </a:prstGeom>
+          <a:noFill/>
+        </p:spPr>
+        <p:txBody>
+          <a:bodyPr wrap="none" rtlCol="0">
+            <a:spAutoFit/>
+          </a:bodyPr>
+          <a:lstStyle/>
+          <a:p>
+            <a:pPr algn="l"/>
+            <a:r>
+              <a:rPr lang="de-DE" sz="1600" dirty="0">
+                <a:solidFill>
+                  <a:schemeClr val="tx1">
+                    <a:lumMod val="50000"/>
+                    <a:lumOff val="50000"/>
+                  </a:schemeClr>
+                </a:solidFill>
+              </a:rPr>
+              <a:t>Performance</a:t>
+            </a:r>
+            <a:endParaRPr lang="en-US" sz="1600" dirty="0">
+              <a:solidFill>
+                <a:schemeClr val="tx1">
+                  <a:lumMod val="50000"/>
+                  <a:lumOff val="50000"/>
+                </a:schemeClr>
+              </a:solidFill>
+            </a:endParaRPr>
+          </a:p>
+        </p:txBody>
+      </p:sp>
+      <p:sp>
+        <p:nvSpPr>
+          <p:cNvPr id="19" name="TextBox 18">
+            <a:extLst>
+              <a:ext uri="{FF2B5EF4-FFF2-40B4-BE49-F238E27FC236}">
+                <a16:creationId xmlns:a16="http://schemas.microsoft.com/office/drawing/2014/main" id="{48F4D39F-2DBF-42EF-BE28-05AFE2CEC88D}"/>
+              </a:ext>
+            </a:extLst>
+          </p:cNvPr>
+          <p:cNvSpPr txBox="1"/>
+          <p:nvPr/>
+        </p:nvSpPr>
+        <p:spPr>
+          <a:xfrm>
+            <a:off x="3745290" y="5580987"/>
+            <a:ext cx="1543051" cy="338554"/>
+          </a:xfrm>
+          <a:prstGeom prst="rect">
+            <a:avLst/>
+          </a:prstGeom>
+          <a:noFill/>
+        </p:spPr>
+        <p:txBody>
+          <a:bodyPr wrap="square" rtlCol="0">
+            <a:spAutoFit/>
+          </a:bodyPr>
+          <a:lstStyle/>
+          <a:p>
+            <a:pPr algn="l"/>
+            <a:r>
+              <a:rPr lang="en-US" sz="1600" dirty="0">
+                <a:solidFill>
+                  <a:schemeClr val="tx1">
+                    <a:lumMod val="50000"/>
+                    <a:lumOff val="50000"/>
+                  </a:schemeClr>
+                </a:solidFill>
+              </a:rPr>
+              <a:t>Temperature</a:t>
+            </a:r>
+          </a:p>
+        </p:txBody>
+      </p:sp>
+      <p:sp>
+        <p:nvSpPr>
+          <p:cNvPr id="20" name="TextBox 19">
+            <a:extLst>
+              <a:ext uri="{FF2B5EF4-FFF2-40B4-BE49-F238E27FC236}">
+                <a16:creationId xmlns:a16="http://schemas.microsoft.com/office/drawing/2014/main" id="{4CF86FBE-9A2F-4564-AB2B-34CB11375FB7}"/>
+              </a:ext>
+            </a:extLst>
+          </p:cNvPr>
+          <p:cNvSpPr txBox="1"/>
+          <p:nvPr/>
+        </p:nvSpPr>
+        <p:spPr>
+          <a:xfrm>
+            <a:off x="2024186" y="5411710"/>
+            <a:ext cx="544308" cy="338554"/>
+          </a:xfrm>
+          <a:prstGeom prst="rect">
+            <a:avLst/>
+          </a:prstGeom>
+          <a:noFill/>
+        </p:spPr>
+        <p:txBody>
+          <a:bodyPr wrap="square" rtlCol="0">
+            <a:spAutoFit/>
+          </a:bodyPr>
+          <a:lstStyle/>
+          <a:p>
+            <a:pPr algn="l"/>
+            <a:r>
+              <a:rPr lang="en-US" sz="1600" dirty="0" err="1">
+                <a:solidFill>
+                  <a:schemeClr val="tx1">
+                    <a:lumMod val="50000"/>
+                    <a:lumOff val="50000"/>
+                  </a:schemeClr>
+                </a:solidFill>
+              </a:rPr>
+              <a:t>T</a:t>
+            </a:r>
+            <a:r>
+              <a:rPr lang="en-US" sz="1100" dirty="0" err="1">
+                <a:solidFill>
+                  <a:schemeClr val="tx1">
+                    <a:lumMod val="50000"/>
+                    <a:lumOff val="50000"/>
+                  </a:schemeClr>
+                </a:solidFill>
+              </a:rPr>
+              <a:t>min</a:t>
+            </a:r>
+            <a:endParaRPr lang="en-US" sz="1600" dirty="0">
+              <a:solidFill>
+                <a:schemeClr val="tx1">
+                  <a:lumMod val="50000"/>
+                  <a:lumOff val="50000"/>
+                </a:schemeClr>
+              </a:solidFill>
+            </a:endParaRPr>
+          </a:p>
+        </p:txBody>
+      </p:sp>
+      <p:sp>
+        <p:nvSpPr>
+          <p:cNvPr id="21" name="TextBox 20">
+            <a:extLst>
+              <a:ext uri="{FF2B5EF4-FFF2-40B4-BE49-F238E27FC236}">
+                <a16:creationId xmlns:a16="http://schemas.microsoft.com/office/drawing/2014/main" id="{0ED2041F-FF8B-4581-8FFF-BF3228EC464D}"/>
+              </a:ext>
+            </a:extLst>
+          </p:cNvPr>
+          <p:cNvSpPr txBox="1"/>
+          <p:nvPr/>
+        </p:nvSpPr>
+        <p:spPr>
+          <a:xfrm>
+            <a:off x="6400875" y="5411710"/>
+            <a:ext cx="664854" cy="338554"/>
+          </a:xfrm>
+          <a:prstGeom prst="rect">
+            <a:avLst/>
+          </a:prstGeom>
+          <a:noFill/>
+        </p:spPr>
+        <p:txBody>
+          <a:bodyPr wrap="square" rtlCol="0">
+            <a:spAutoFit/>
+          </a:bodyPr>
+          <a:lstStyle/>
+          <a:p>
+            <a:pPr algn="l"/>
+            <a:r>
+              <a:rPr lang="en-US" sz="1600" dirty="0" err="1">
+                <a:solidFill>
+                  <a:schemeClr val="tx1">
+                    <a:lumMod val="50000"/>
+                    <a:lumOff val="50000"/>
+                  </a:schemeClr>
+                </a:solidFill>
+              </a:rPr>
+              <a:t>T</a:t>
+            </a:r>
+            <a:r>
+              <a:rPr lang="en-US" sz="1100" dirty="0" err="1">
+                <a:solidFill>
+                  <a:schemeClr val="tx1">
+                    <a:lumMod val="50000"/>
+                    <a:lumOff val="50000"/>
+                  </a:schemeClr>
+                </a:solidFill>
+              </a:rPr>
+              <a:t>max</a:t>
+            </a:r>
+            <a:endParaRPr lang="en-US" sz="1600" dirty="0">
+              <a:solidFill>
+                <a:schemeClr val="tx1">
+                  <a:lumMod val="50000"/>
+                  <a:lumOff val="50000"/>
+                </a:schemeClr>
+              </a:solidFill>
+            </a:endParaRPr>
+          </a:p>
+        </p:txBody>
+      </p:sp>
+      <p:sp>
+        <p:nvSpPr>
+          <p:cNvPr id="22" name="TextBox 21">
+            <a:extLst>
+              <a:ext uri="{FF2B5EF4-FFF2-40B4-BE49-F238E27FC236}">
+                <a16:creationId xmlns:a16="http://schemas.microsoft.com/office/drawing/2014/main" id="{F53D31A7-C69C-48CA-BCC7-AC00F32C0779}"/>
+              </a:ext>
+            </a:extLst>
+          </p:cNvPr>
+          <p:cNvSpPr txBox="1"/>
+          <p:nvPr/>
+        </p:nvSpPr>
+        <p:spPr>
+          <a:xfrm>
+            <a:off x="4259054" y="2401268"/>
+            <a:ext cx="664854" cy="338554"/>
+          </a:xfrm>
+          <a:prstGeom prst="rect">
+            <a:avLst/>
+          </a:prstGeom>
+          <a:noFill/>
+        </p:spPr>
+        <p:txBody>
+          <a:bodyPr wrap="square" rtlCol="0">
+            <a:spAutoFit/>
+          </a:bodyPr>
+          <a:lstStyle/>
+          <a:p>
+            <a:pPr algn="l"/>
+            <a:r>
+              <a:rPr lang="en-US" sz="1600" dirty="0" err="1">
+                <a:solidFill>
+                  <a:schemeClr val="tx1">
+                    <a:lumMod val="50000"/>
+                    <a:lumOff val="50000"/>
+                  </a:schemeClr>
+                </a:solidFill>
+              </a:rPr>
+              <a:t>T</a:t>
+            </a:r>
+            <a:r>
+              <a:rPr lang="en-US" sz="1100" dirty="0" err="1">
+                <a:solidFill>
+                  <a:schemeClr val="tx1">
+                    <a:lumMod val="50000"/>
+                    <a:lumOff val="50000"/>
+                  </a:schemeClr>
+                </a:solidFill>
+              </a:rPr>
+              <a:t>opt</a:t>
+            </a:r>
+            <a:endParaRPr lang="en-US" sz="1600" dirty="0">
+              <a:solidFill>
+                <a:schemeClr val="tx1">
+                  <a:lumMod val="50000"/>
+                  <a:lumOff val="50000"/>
+                </a:schemeClr>
+              </a:solidFill>
+            </a:endParaRPr>
+          </a:p>
+        </p:txBody>
+      </p:sp>
+      <p:sp>
+        <p:nvSpPr>
+          <p:cNvPr id="28" name="Oval 27">
+            <a:extLst>
+              <a:ext uri="{FF2B5EF4-FFF2-40B4-BE49-F238E27FC236}">
+                <a16:creationId xmlns:a16="http://schemas.microsoft.com/office/drawing/2014/main" id="{81D0E275-8F08-4798-801F-B0C1F508C991}"/>
+              </a:ext>
+            </a:extLst>
+          </p:cNvPr>
+          <p:cNvSpPr/>
+          <p:nvPr/>
+        </p:nvSpPr>
+        <p:spPr>
+          <a:xfrm>
+            <a:off x="4390815" y="2739822"/>
+            <a:ext cx="252000" cy="252000"/>
+          </a:xfrm>
+          <a:prstGeom prst="ellipse">
+            <a:avLst/>
+          </a:prstGeom>
+          <a:solidFill>
+            <a:schemeClr val="tx1">
+              <a:lumMod val="65000"/>
+              <a:lumOff val="35000"/>
+            </a:schemeClr>
+          </a:solidFill>
+          <a:ln>
+            <a:solidFill>
+              <a:schemeClr val="tx1">
+                <a:lumMod val="85000"/>
+                <a:lumOff val="15000"/>
+              </a:schemeClr>
+            </a:solidFill>
+          </a:ln>
+        </p:spPr>
+        <p:style>
+          <a:lnRef idx="2">
+            <a:schemeClr val="accent1">
+              <a:shade val="50000"/>
+            </a:schemeClr>
+          </a:lnRef>
+          <a:fillRef idx="1">
+            <a:schemeClr val="accent1"/>
+          </a:fillRef>
+          <a:effectRef idx="0">
+            <a:schemeClr val="accent1"/>
+          </a:effectRef>
+          <a:fontRef idx="minor">
+            <a:schemeClr val="lt1"/>
+          </a:fontRef>
+        </p:style>
+        <p:txBody>
+          <a:bodyPr rtlCol="0" anchor="ctr"/>
+          <a:lstStyle/>
+          <a:p>
+            <a:pPr algn="ctr"/>
+            <a:endParaRPr lang="en-US"/>
+          </a:p>
+        </p:txBody>
+      </p:sp>
+      <p:cxnSp>
+        <p:nvCxnSpPr>
+          <p:cNvPr id="29" name="Straight Connector 28">
+            <a:extLst>
+              <a:ext uri="{FF2B5EF4-FFF2-40B4-BE49-F238E27FC236}">
+                <a16:creationId xmlns:a16="http://schemas.microsoft.com/office/drawing/2014/main" id="{E049C08F-E843-4FB5-87B6-11B04B206771}"/>
+              </a:ext>
+            </a:extLst>
+          </p:cNvPr>
+          <p:cNvCxnSpPr>
+            <a:cxnSpLocks/>
+          </p:cNvCxnSpPr>
+          <p:nvPr/>
+        </p:nvCxnSpPr>
+        <p:spPr>
+          <a:xfrm>
+            <a:off x="7080016" y="277091"/>
+            <a:ext cx="0" cy="1951687"/>
+          </a:xfrm>
+          <a:prstGeom prst="line">
+            <a:avLst/>
+          </a:prstGeom>
+          <a:ln w="28575">
+            <a:solidFill>
+              <a:schemeClr val="bg2">
+                <a:lumMod val="50000"/>
+              </a:schemeClr>
+            </a:solidFill>
+          </a:ln>
+        </p:spPr>
+        <p:style>
+          <a:lnRef idx="1">
+            <a:schemeClr val="accent1"/>
+          </a:lnRef>
+          <a:fillRef idx="0">
+            <a:schemeClr val="accent1"/>
+          </a:fillRef>
+          <a:effectRef idx="0">
+            <a:schemeClr val="accent1"/>
+          </a:effectRef>
+          <a:fontRef idx="minor">
+            <a:schemeClr val="tx1"/>
+          </a:fontRef>
+        </p:style>
+      </p:cxnSp>
+      <p:sp>
+        <p:nvSpPr>
+          <p:cNvPr id="41" name="TextBox 40">
+            <a:extLst>
+              <a:ext uri="{FF2B5EF4-FFF2-40B4-BE49-F238E27FC236}">
+                <a16:creationId xmlns:a16="http://schemas.microsoft.com/office/drawing/2014/main" id="{93C20E19-D389-49E2-AD74-0F9A01D384DA}"/>
+              </a:ext>
+            </a:extLst>
+          </p:cNvPr>
+          <p:cNvSpPr txBox="1"/>
+          <p:nvPr/>
+        </p:nvSpPr>
+        <p:spPr>
+          <a:xfrm rot="16200000">
+            <a:off x="5889962" y="1095606"/>
+            <a:ext cx="1686680" cy="338554"/>
+          </a:xfrm>
+          <a:prstGeom prst="rect">
+            <a:avLst/>
+          </a:prstGeom>
+          <a:noFill/>
+        </p:spPr>
+        <p:txBody>
+          <a:bodyPr wrap="none" rtlCol="0">
+            <a:spAutoFit/>
+          </a:bodyPr>
+          <a:lstStyle/>
+          <a:p>
+            <a:pPr algn="l"/>
+            <a:r>
+              <a:rPr lang="en-US" sz="1600" dirty="0">
+                <a:solidFill>
+                  <a:schemeClr val="tx1">
+                    <a:lumMod val="50000"/>
+                    <a:lumOff val="50000"/>
+                  </a:schemeClr>
+                </a:solidFill>
+              </a:rPr>
+              <a:t>- Temperature +</a:t>
+            </a:r>
+          </a:p>
+        </p:txBody>
+      </p:sp>
+      <p:sp>
+        <p:nvSpPr>
+          <p:cNvPr id="42" name="TextBox 41">
+            <a:extLst>
+              <a:ext uri="{FF2B5EF4-FFF2-40B4-BE49-F238E27FC236}">
+                <a16:creationId xmlns:a16="http://schemas.microsoft.com/office/drawing/2014/main" id="{497DFEEB-F815-4D4E-A43C-AD362EF1E624}"/>
+              </a:ext>
+            </a:extLst>
+          </p:cNvPr>
+          <p:cNvSpPr txBox="1"/>
+          <p:nvPr/>
+        </p:nvSpPr>
+        <p:spPr>
+          <a:xfrm>
+            <a:off x="8391229" y="2282177"/>
+            <a:ext cx="664854" cy="338554"/>
+          </a:xfrm>
+          <a:prstGeom prst="rect">
+            <a:avLst/>
+          </a:prstGeom>
+          <a:noFill/>
+        </p:spPr>
+        <p:txBody>
+          <a:bodyPr wrap="square" rtlCol="0">
+            <a:spAutoFit/>
+          </a:bodyPr>
+          <a:lstStyle/>
+          <a:p>
+            <a:pPr algn="l"/>
+            <a:r>
+              <a:rPr lang="en-US" sz="1600" dirty="0">
+                <a:solidFill>
+                  <a:schemeClr val="tx1">
+                    <a:lumMod val="50000"/>
+                    <a:lumOff val="50000"/>
+                  </a:schemeClr>
+                </a:solidFill>
+              </a:rPr>
+              <a:t>Time</a:t>
+            </a:r>
+          </a:p>
+        </p:txBody>
+      </p:sp>
+      <p:sp>
+        <p:nvSpPr>
+          <p:cNvPr id="43" name="TextBox 42">
+            <a:extLst>
+              <a:ext uri="{FF2B5EF4-FFF2-40B4-BE49-F238E27FC236}">
+                <a16:creationId xmlns:a16="http://schemas.microsoft.com/office/drawing/2014/main" id="{D6894BBB-A2C8-4599-A365-08021F46AC0F}"/>
+              </a:ext>
+            </a:extLst>
+          </p:cNvPr>
+          <p:cNvSpPr txBox="1"/>
+          <p:nvPr/>
+        </p:nvSpPr>
+        <p:spPr>
+          <a:xfrm>
+            <a:off x="8806150" y="5915549"/>
+            <a:ext cx="2665413" cy="646331"/>
+          </a:xfrm>
+          <a:prstGeom prst="rect">
+            <a:avLst/>
+          </a:prstGeom>
+          <a:noFill/>
+        </p:spPr>
+        <p:txBody>
+          <a:bodyPr wrap="square" rtlCol="0">
+            <a:spAutoFit/>
+          </a:bodyPr>
+          <a:lstStyle/>
+          <a:p>
+            <a:r>
+              <a:rPr lang="de-CH" sz="1200" dirty="0">
+                <a:solidFill>
+                  <a:schemeClr val="tx1">
+                    <a:lumMod val="50000"/>
+                    <a:lumOff val="50000"/>
+                  </a:schemeClr>
+                </a:solidFill>
+              </a:rPr>
+              <a:t>Wiens and Graham 2005</a:t>
+            </a:r>
+          </a:p>
+          <a:p>
+            <a:r>
+              <a:rPr lang="de-CH" sz="1200" dirty="0">
+                <a:solidFill>
+                  <a:schemeClr val="tx1">
+                    <a:lumMod val="50000"/>
+                    <a:lumOff val="50000"/>
+                  </a:schemeClr>
+                </a:solidFill>
+              </a:rPr>
+              <a:t>Lieberman and </a:t>
+            </a:r>
+            <a:r>
+              <a:rPr lang="de-CH" sz="1200" dirty="0" err="1">
+                <a:solidFill>
+                  <a:schemeClr val="tx1">
+                    <a:lumMod val="50000"/>
+                    <a:lumOff val="50000"/>
+                  </a:schemeClr>
+                </a:solidFill>
+              </a:rPr>
+              <a:t>Saupe</a:t>
+            </a:r>
+            <a:r>
+              <a:rPr lang="de-CH" sz="1200" dirty="0">
+                <a:solidFill>
+                  <a:schemeClr val="tx1">
+                    <a:lumMod val="50000"/>
+                    <a:lumOff val="50000"/>
+                  </a:schemeClr>
+                </a:solidFill>
+              </a:rPr>
+              <a:t> 2016</a:t>
+            </a:r>
+          </a:p>
+          <a:p>
+            <a:r>
+              <a:rPr lang="de-CH" sz="1200" dirty="0">
+                <a:solidFill>
+                  <a:schemeClr val="tx1">
+                    <a:lumMod val="50000"/>
+                    <a:lumOff val="50000"/>
+                  </a:schemeClr>
+                </a:solidFill>
+              </a:rPr>
+              <a:t>Steinbauer et al. 2016 </a:t>
+            </a:r>
+          </a:p>
+        </p:txBody>
+      </p:sp>
+      <p:cxnSp>
+        <p:nvCxnSpPr>
+          <p:cNvPr id="45" name="Straight Connector 44">
+            <a:extLst>
+              <a:ext uri="{FF2B5EF4-FFF2-40B4-BE49-F238E27FC236}">
+                <a16:creationId xmlns:a16="http://schemas.microsoft.com/office/drawing/2014/main" id="{DF37992D-3A85-42E6-B053-62C82E7DA516}"/>
+              </a:ext>
+            </a:extLst>
+          </p:cNvPr>
+          <p:cNvCxnSpPr>
+            <a:cxnSpLocks/>
+            <a:endCxn id="42" idx="1"/>
+          </p:cNvCxnSpPr>
+          <p:nvPr/>
+        </p:nvCxnSpPr>
+        <p:spPr>
+          <a:xfrm>
+            <a:off x="8054109" y="2451454"/>
+            <a:ext cx="337120" cy="0"/>
+          </a:xfrm>
+          <a:prstGeom prst="line">
+            <a:avLst/>
+          </a:prstGeom>
+          <a:ln>
+            <a:solidFill>
+              <a:schemeClr val="bg2">
+                <a:lumMod val="50000"/>
+              </a:schemeClr>
+            </a:solidFill>
+          </a:ln>
+        </p:spPr>
+        <p:style>
+          <a:lnRef idx="1">
+            <a:schemeClr val="accent1"/>
+          </a:lnRef>
+          <a:fillRef idx="0">
+            <a:schemeClr val="accent1"/>
+          </a:fillRef>
+          <a:effectRef idx="0">
+            <a:schemeClr val="accent1"/>
+          </a:effectRef>
+          <a:fontRef idx="minor">
+            <a:schemeClr val="tx1"/>
+          </a:fontRef>
+        </p:style>
+      </p:cxnSp>
+      <p:cxnSp>
+        <p:nvCxnSpPr>
+          <p:cNvPr id="46" name="Straight Connector 45">
+            <a:extLst>
+              <a:ext uri="{FF2B5EF4-FFF2-40B4-BE49-F238E27FC236}">
+                <a16:creationId xmlns:a16="http://schemas.microsoft.com/office/drawing/2014/main" id="{B42AE03C-D3CC-451C-858A-D7E196EC6D0B}"/>
+              </a:ext>
+            </a:extLst>
+          </p:cNvPr>
+          <p:cNvCxnSpPr>
+            <a:cxnSpLocks/>
+          </p:cNvCxnSpPr>
+          <p:nvPr/>
+        </p:nvCxnSpPr>
+        <p:spPr>
+          <a:xfrm>
+            <a:off x="8963891" y="2451454"/>
+            <a:ext cx="263236" cy="0"/>
+          </a:xfrm>
+          <a:prstGeom prst="line">
+            <a:avLst/>
+          </a:prstGeom>
+          <a:ln>
+            <a:solidFill>
+              <a:schemeClr val="bg2">
+                <a:lumMod val="50000"/>
+              </a:schemeClr>
+            </a:solidFill>
+            <a:headEnd type="none" w="med" len="med"/>
+            <a:tailEnd type="triangle" w="med" len="med"/>
+          </a:ln>
+        </p:spPr>
+        <p:style>
+          <a:lnRef idx="1">
+            <a:schemeClr val="accent1"/>
+          </a:lnRef>
+          <a:fillRef idx="0">
+            <a:schemeClr val="accent1"/>
+          </a:fillRef>
+          <a:effectRef idx="0">
+            <a:schemeClr val="accent1"/>
+          </a:effectRef>
+          <a:fontRef idx="minor">
+            <a:schemeClr val="tx1"/>
+          </a:fontRef>
+        </p:style>
+      </p:cxnSp>
+      <p:cxnSp>
+        <p:nvCxnSpPr>
+          <p:cNvPr id="52" name="Straight Connector 51">
+            <a:extLst>
+              <a:ext uri="{FF2B5EF4-FFF2-40B4-BE49-F238E27FC236}">
+                <a16:creationId xmlns:a16="http://schemas.microsoft.com/office/drawing/2014/main" id="{2D67C8E5-37E7-4591-980E-8BEFDCCF2DD7}"/>
+              </a:ext>
+            </a:extLst>
+          </p:cNvPr>
+          <p:cNvCxnSpPr>
+            <a:cxnSpLocks/>
+          </p:cNvCxnSpPr>
+          <p:nvPr/>
+        </p:nvCxnSpPr>
+        <p:spPr>
+          <a:xfrm flipV="1">
+            <a:off x="7305964" y="731520"/>
+            <a:ext cx="1577724" cy="508147"/>
+          </a:xfrm>
+          <a:prstGeom prst="line">
+            <a:avLst/>
+          </a:prstGeom>
+          <a:ln w="19050">
+            <a:solidFill>
+              <a:srgbClr val="CD717C"/>
+            </a:solidFill>
+          </a:ln>
+        </p:spPr>
+        <p:style>
+          <a:lnRef idx="1">
+            <a:schemeClr val="accent1"/>
+          </a:lnRef>
+          <a:fillRef idx="0">
+            <a:schemeClr val="accent1"/>
+          </a:fillRef>
+          <a:effectRef idx="0">
+            <a:schemeClr val="accent1"/>
+          </a:effectRef>
+          <a:fontRef idx="minor">
+            <a:schemeClr val="tx1"/>
+          </a:fontRef>
+        </p:style>
+      </p:cxnSp>
+      <p:sp>
+        <p:nvSpPr>
+          <p:cNvPr id="51" name="Oval 50">
+            <a:extLst>
+              <a:ext uri="{FF2B5EF4-FFF2-40B4-BE49-F238E27FC236}">
+                <a16:creationId xmlns:a16="http://schemas.microsoft.com/office/drawing/2014/main" id="{6B402F56-1B1E-4F05-8739-98AAFB534FD6}"/>
+              </a:ext>
+            </a:extLst>
+          </p:cNvPr>
+          <p:cNvSpPr/>
+          <p:nvPr/>
+        </p:nvSpPr>
+        <p:spPr>
+          <a:xfrm>
+            <a:off x="7179964" y="1113667"/>
+            <a:ext cx="252000" cy="252000"/>
+          </a:xfrm>
+          <a:prstGeom prst="ellipse">
+            <a:avLst/>
+          </a:prstGeom>
+          <a:solidFill>
+            <a:schemeClr val="tx1">
+              <a:lumMod val="65000"/>
+              <a:lumOff val="35000"/>
+            </a:schemeClr>
+          </a:solidFill>
+          <a:ln>
+            <a:solidFill>
+              <a:schemeClr val="tx1">
+                <a:lumMod val="85000"/>
+                <a:lumOff val="15000"/>
+              </a:schemeClr>
+            </a:solidFill>
+          </a:ln>
+        </p:spPr>
+        <p:style>
+          <a:lnRef idx="2">
+            <a:schemeClr val="accent1">
+              <a:shade val="50000"/>
+            </a:schemeClr>
+          </a:lnRef>
+          <a:fillRef idx="1">
+            <a:schemeClr val="accent1"/>
+          </a:fillRef>
+          <a:effectRef idx="0">
+            <a:schemeClr val="accent1"/>
+          </a:effectRef>
+          <a:fontRef idx="minor">
+            <a:schemeClr val="lt1"/>
+          </a:fontRef>
+        </p:style>
+        <p:txBody>
+          <a:bodyPr rtlCol="0" anchor="ctr"/>
+          <a:lstStyle/>
+          <a:p>
+            <a:pPr algn="ctr"/>
+            <a:endParaRPr lang="en-US"/>
+          </a:p>
+        </p:txBody>
+      </p:sp>
+      <p:cxnSp>
+        <p:nvCxnSpPr>
+          <p:cNvPr id="27" name="Straight Connector 26">
+            <a:extLst>
+              <a:ext uri="{FF2B5EF4-FFF2-40B4-BE49-F238E27FC236}">
+                <a16:creationId xmlns:a16="http://schemas.microsoft.com/office/drawing/2014/main" id="{ED70AC53-9C8D-4530-A177-036362E896C8}"/>
+              </a:ext>
+            </a:extLst>
+          </p:cNvPr>
+          <p:cNvCxnSpPr>
+            <a:cxnSpLocks/>
+          </p:cNvCxnSpPr>
+          <p:nvPr/>
+        </p:nvCxnSpPr>
+        <p:spPr>
+          <a:xfrm flipH="1">
+            <a:off x="7065729" y="2228778"/>
+            <a:ext cx="2872598" cy="0"/>
+          </a:xfrm>
+          <a:prstGeom prst="line">
+            <a:avLst/>
+          </a:prstGeom>
+          <a:ln w="28575">
+            <a:solidFill>
+              <a:schemeClr val="bg2">
+                <a:lumMod val="50000"/>
+              </a:schemeClr>
+            </a:solidFill>
+          </a:ln>
+        </p:spPr>
+        <p:style>
+          <a:lnRef idx="1">
+            <a:schemeClr val="accent1"/>
+          </a:lnRef>
+          <a:fillRef idx="0">
+            <a:schemeClr val="accent1"/>
+          </a:fillRef>
+          <a:effectRef idx="0">
+            <a:schemeClr val="accent1"/>
+          </a:effectRef>
+          <a:fontRef idx="minor">
+            <a:schemeClr val="tx1"/>
+          </a:fontRef>
+        </p:style>
+      </p:cxnSp>
+    </p:spTree>
+    <p:extLst>
+      <p:ext uri="{BB962C8B-B14F-4D97-AF65-F5344CB8AC3E}">
+        <p14:creationId xmlns:p14="http://schemas.microsoft.com/office/powerpoint/2010/main" val="281457755"/>
+      </p:ext>
+    </p:extLst>
+  </p:cSld>
+  <p:clrMapOvr>
+    <a:masterClrMapping/>
+  </p:clrMapOvr>
+  <p:transition>
+    <p:fade/>
+  </p:transition>
+  <p:timing>
+    <p:tnLst>
+      <p:par>
+        <p:cTn id="1" dur="indefinite" restart="never" nodeType="tmRoot">
+          <p:childTnLst>
+            <p:seq concurrent="1" nextAc="seek">
+              <p:cTn id="2" dur="indefinite" nodeType="mainSeq">
+                <p:childTnLst>
+                  <p:par>
+                    <p:cTn id="3" fill="hold">
+                      <p:stCondLst>
+                        <p:cond delay="indefinite"/>
+                      </p:stCondLst>
+                      <p:childTnLst>
+                        <p:par>
+                          <p:cTn id="4" fill="hold">
+                            <p:stCondLst>
+                              <p:cond delay="0"/>
+                            </p:stCondLst>
+                            <p:childTnLst>
+                              <p:par>
+                                <p:cTn id="5" presetID="44" presetClass="path" presetSubtype="0" accel="50000" decel="50000" fill="hold" grpId="0" nodeType="clickEffect">
+                                  <p:stCondLst>
+                                    <p:cond delay="0"/>
+                                  </p:stCondLst>
+                                  <p:childTnLst>
+                                    <p:animMotion origin="layout" path="M -2.70833E-6 -0.00092 C 0.02214 0.00417 0.01394 -0.00046 0.03503 0.01181 C 0.05651 0.02223 0.06367 0.03264 0.0763 0.04769 C 0.09479 0.07408 0.10521 0.08519 0.11966 0.11158 " pathEditMode="relative" rAng="0" ptsTypes="AAAA">
+                                      <p:cBhvr>
+                                        <p:cTn id="6" dur="2000" fill="hold"/>
+                                        <p:tgtEl>
+                                          <p:spTgt spid="28"/>
+                                        </p:tgtEl>
+                                        <p:attrNameLst>
+                                          <p:attrName>ppt_x</p:attrName>
+                                          <p:attrName>ppt_y</p:attrName>
+                                        </p:attrNameLst>
+                                      </p:cBhvr>
+                                      <p:rCtr x="5977" y="5625"/>
+                                    </p:animMotion>
+                                  </p:childTnLst>
+                                </p:cTn>
+                              </p:par>
+                              <p:par>
+                                <p:cTn id="7" presetID="42" presetClass="path" presetSubtype="0" accel="50000" decel="50000" fill="hold" grpId="0" nodeType="withEffect">
+                                  <p:stCondLst>
+                                    <p:cond delay="0"/>
+                                  </p:stCondLst>
+                                  <p:childTnLst>
+                                    <p:animMotion origin="layout" path="M 1.25E-6 2.96296E-6 L 0.13607 -0.07431 " pathEditMode="relative" rAng="0" ptsTypes="AA">
+                                      <p:cBhvr>
+                                        <p:cTn id="8" dur="2000" fill="hold"/>
+                                        <p:tgtEl>
+                                          <p:spTgt spid="51"/>
+                                        </p:tgtEl>
+                                        <p:attrNameLst>
+                                          <p:attrName>ppt_x</p:attrName>
+                                          <p:attrName>ppt_y</p:attrName>
+                                        </p:attrNameLst>
+                                      </p:cBhvr>
+                                      <p:rCtr x="6797" y="-3727"/>
+                                    </p:animMotion>
+                                  </p:childTnLst>
+                                </p:cTn>
+                              </p:par>
+                              <p:par>
+                                <p:cTn id="9" presetID="22" presetClass="entr" presetSubtype="8" fill="hold" nodeType="withEffect">
+                                  <p:stCondLst>
+                                    <p:cond delay="300"/>
+                                  </p:stCondLst>
+                                  <p:childTnLst>
+                                    <p:set>
+                                      <p:cBhvr>
+                                        <p:cTn id="10" dur="1" fill="hold">
+                                          <p:stCondLst>
+                                            <p:cond delay="0"/>
+                                          </p:stCondLst>
+                                        </p:cTn>
+                                        <p:tgtEl>
+                                          <p:spTgt spid="52"/>
+                                        </p:tgtEl>
+                                        <p:attrNameLst>
+                                          <p:attrName>style.visibility</p:attrName>
+                                        </p:attrNameLst>
+                                      </p:cBhvr>
+                                      <p:to>
+                                        <p:strVal val="visible"/>
+                                      </p:to>
+                                    </p:set>
+                                    <p:animEffect transition="in" filter="wipe(left)">
+                                      <p:cBhvr>
+                                        <p:cTn id="11" dur="1500"/>
+                                        <p:tgtEl>
+                                          <p:spTgt spid="52"/>
+                                        </p:tgtEl>
+                                      </p:cBhvr>
+                                    </p:animEffect>
+                                  </p:childTnLst>
+                                </p:cTn>
+                              </p:par>
+                            </p:childTnLst>
+                          </p:cTn>
+                        </p:par>
+                      </p:childTnLst>
+                    </p:cTn>
+                  </p:par>
+                  <p:par>
+                    <p:cTn id="12" fill="hold">
+                      <p:stCondLst>
+                        <p:cond delay="indefinite"/>
+                      </p:stCondLst>
+                      <p:childTnLst>
+                        <p:par>
+                          <p:cTn id="13" fill="hold">
+                            <p:stCondLst>
+                              <p:cond delay="0"/>
+                            </p:stCondLst>
+                            <p:childTnLst>
+                              <p:par>
+                                <p:cTn id="14" presetID="37" presetClass="path" presetSubtype="0" accel="50000" decel="50000" fill="hold" grpId="1" nodeType="clickEffect">
+                                  <p:stCondLst>
+                                    <p:cond delay="0"/>
+                                  </p:stCondLst>
+                                  <p:childTnLst>
+                                    <p:animMotion origin="layout" path="M 0.11966 0.11158 C 0.10729 0.0875 0.10729 0.08866 0.10039 0.07848 C 0.09532 0.06968 0.09857 0.07315 0.07878 0.05162 " pathEditMode="relative" rAng="0" ptsTypes="AAA">
+                                      <p:cBhvr>
+                                        <p:cTn id="15" dur="2000" fill="hold"/>
+                                        <p:tgtEl>
+                                          <p:spTgt spid="28"/>
+                                        </p:tgtEl>
+                                        <p:attrNameLst>
+                                          <p:attrName>ppt_x</p:attrName>
+                                          <p:attrName>ppt_y</p:attrName>
+                                        </p:attrNameLst>
+                                      </p:cBhvr>
+                                      <p:rCtr x="-2044" y="-3009"/>
+                                    </p:animMotion>
+                                  </p:childTnLst>
+                                </p:cTn>
+                              </p:par>
+                              <p:par>
+                                <p:cTn id="16" presetID="42" presetClass="path" presetSubtype="0" accel="50000" decel="50000" fill="hold" grpId="1" nodeType="withEffect">
+                                  <p:stCondLst>
+                                    <p:cond delay="0"/>
+                                  </p:stCondLst>
+                                  <p:childTnLst>
+                                    <p:animMotion origin="layout" path="M 0.13008 -0.07338 L 0.15377 -0.0382 " pathEditMode="relative" rAng="0" ptsTypes="AA">
+                                      <p:cBhvr>
+                                        <p:cTn id="17" dur="2000" fill="hold"/>
+                                        <p:tgtEl>
+                                          <p:spTgt spid="51"/>
+                                        </p:tgtEl>
+                                        <p:attrNameLst>
+                                          <p:attrName>ppt_x</p:attrName>
+                                          <p:attrName>ppt_y</p:attrName>
+                                        </p:attrNameLst>
+                                      </p:cBhvr>
+                                      <p:rCtr x="1185" y="1759"/>
+                                    </p:animMotion>
+                                  </p:childTnLst>
+                                </p:cTn>
+                              </p:par>
+                              <p:par>
+                                <p:cTn id="18" presetID="22" presetClass="entr" presetSubtype="8" fill="hold" nodeType="withEffect">
+                                  <p:stCondLst>
+                                    <p:cond delay="0"/>
+                                  </p:stCondLst>
+                                  <p:childTnLst>
+                                    <p:set>
+                                      <p:cBhvr>
+                                        <p:cTn id="19" dur="1" fill="hold">
+                                          <p:stCondLst>
+                                            <p:cond delay="0"/>
+                                          </p:stCondLst>
+                                        </p:cTn>
+                                        <p:tgtEl>
+                                          <p:spTgt spid="60"/>
+                                        </p:tgtEl>
+                                        <p:attrNameLst>
+                                          <p:attrName>style.visibility</p:attrName>
+                                        </p:attrNameLst>
+                                      </p:cBhvr>
+                                      <p:to>
+                                        <p:strVal val="visible"/>
+                                      </p:to>
+                                    </p:set>
+                                    <p:animEffect transition="in" filter="wipe(left)">
+                                      <p:cBhvr>
+                                        <p:cTn id="20" dur="2000"/>
+                                        <p:tgtEl>
+                                          <p:spTgt spid="60"/>
+                                        </p:tgtEl>
+                                      </p:cBhvr>
+                                    </p:animEffect>
+                                  </p:childTnLst>
+                                </p:cTn>
+                              </p:par>
+                            </p:childTnLst>
+                          </p:cTn>
+                        </p:par>
+                      </p:childTnLst>
+                    </p:cTn>
+                  </p:par>
+                </p:childTnLst>
+              </p:cTn>
+              <p:prevCondLst>
+                <p:cond evt="onPrev" delay="0">
+                  <p:tgtEl>
+                    <p:sldTgt/>
+                  </p:tgtEl>
+                </p:cond>
+              </p:prevCondLst>
+              <p:nextCondLst>
+                <p:cond evt="onNext" delay="0">
+                  <p:tgtEl>
+                    <p:sldTgt/>
+                  </p:tgtEl>
+                </p:cond>
+              </p:nextCondLst>
+            </p:seq>
+          </p:childTnLst>
+        </p:cTn>
+      </p:par>
+    </p:tnLst>
+    <p:bldLst>
+      <p:bldP spid="28" grpId="0" animBg="1"/>
+      <p:bldP spid="28" grpId="1" animBg="1"/>
+      <p:bldP spid="51" grpId="0" animBg="1"/>
+      <p:bldP spid="51" grpId="1" animBg="1"/>
+    </p:bldLst>
+  </p:timing>
+</p:sld>
+</file>
+
+<file path=ppt/slides/slide8.xml><?xml version="1.0" encoding="utf-8"?>
+<p:sld xmlns:a="http://schemas.openxmlformats.org/drawingml/2006/main" xmlns:r="http://schemas.openxmlformats.org/officeDocument/2006/relationships" xmlns:p="http://schemas.openxmlformats.org/presentationml/2006/main">
+  <p:cSld>
+    <p:spTree>
+      <p:nvGrpSpPr>
+        <p:cNvPr id="1" name=""/>
+        <p:cNvGrpSpPr/>
+        <p:nvPr/>
+      </p:nvGrpSpPr>
+      <p:grpSpPr>
+        <a:xfrm>
+          <a:off x="0" y="0"/>
+          <a:ext cx="0" cy="0"/>
+          <a:chOff x="0" y="0"/>
+          <a:chExt cx="0" cy="0"/>
+        </a:xfrm>
+      </p:grpSpPr>
+      <p:sp>
+        <p:nvSpPr>
+          <p:cNvPr id="2" name="Date Placeholder 1">
+            <a:extLst>
+              <a:ext uri="{FF2B5EF4-FFF2-40B4-BE49-F238E27FC236}">
+                <a16:creationId xmlns:a16="http://schemas.microsoft.com/office/drawing/2014/main" id="{2B6F58FF-68A4-43F3-9972-78296D160BA3}"/>
+              </a:ext>
+            </a:extLst>
+          </p:cNvPr>
+          <p:cNvSpPr>
+            <a:spLocks noGrp="1"/>
+          </p:cNvSpPr>
+          <p:nvPr>
+            <p:ph type="dt" sz="half" idx="10"/>
+          </p:nvPr>
+        </p:nvSpPr>
+        <p:spPr/>
+        <p:txBody>
+          <a:bodyPr/>
+          <a:lstStyle/>
+          <a:p>
+            <a:r>
+              <a:rPr lang="en-US"/>
+              <a:t>02.02.2023</a:t>
+            </a:r>
+          </a:p>
+        </p:txBody>
+      </p:sp>
+      <p:sp>
+        <p:nvSpPr>
+          <p:cNvPr id="3" name="Footer Placeholder 2">
+            <a:extLst>
+              <a:ext uri="{FF2B5EF4-FFF2-40B4-BE49-F238E27FC236}">
+                <a16:creationId xmlns:a16="http://schemas.microsoft.com/office/drawing/2014/main" id="{63CD5605-967B-4B6B-A0D7-C681D25BF934}"/>
+              </a:ext>
+            </a:extLst>
+          </p:cNvPr>
+          <p:cNvSpPr>
+            <a:spLocks noGrp="1"/>
+          </p:cNvSpPr>
+          <p:nvPr>
+            <p:ph type="ftr" sz="quarter" idx="11"/>
+          </p:nvPr>
+        </p:nvSpPr>
+        <p:spPr/>
+        <p:txBody>
+          <a:bodyPr/>
+          <a:lstStyle/>
+          <a:p>
+            <a:r>
+              <a:rPr lang="en-US"/>
+              <a:t>University of Bayreuth</a:t>
+            </a:r>
+          </a:p>
+        </p:txBody>
+      </p:sp>
+      <p:sp>
+        <p:nvSpPr>
+          <p:cNvPr id="4" name="Slide Number Placeholder 3">
+            <a:extLst>
+              <a:ext uri="{FF2B5EF4-FFF2-40B4-BE49-F238E27FC236}">
+                <a16:creationId xmlns:a16="http://schemas.microsoft.com/office/drawing/2014/main" id="{0E8550E4-AB4B-4B8A-B5AD-C0A79901A645}"/>
+              </a:ext>
+            </a:extLst>
+          </p:cNvPr>
+          <p:cNvSpPr>
+            <a:spLocks noGrp="1"/>
+          </p:cNvSpPr>
+          <p:nvPr>
+            <p:ph type="sldNum" sz="quarter" idx="12"/>
+          </p:nvPr>
+        </p:nvSpPr>
+        <p:spPr/>
+        <p:txBody>
+          <a:bodyPr/>
+          <a:lstStyle/>
+          <a:p>
+            <a:fld id="{0371E4C2-5E83-42DF-8C94-9AF9981AB05F}" type="slidenum">
+              <a:rPr lang="en-US" smtClean="0"/>
+              <a:t>8</a:t>
+            </a:fld>
+            <a:endParaRPr lang="en-US"/>
+          </a:p>
+        </p:txBody>
+      </p:sp>
+      <p:cxnSp>
+        <p:nvCxnSpPr>
+          <p:cNvPr id="5" name="Straight Connector 4">
+            <a:extLst>
+              <a:ext uri="{FF2B5EF4-FFF2-40B4-BE49-F238E27FC236}">
+                <a16:creationId xmlns:a16="http://schemas.microsoft.com/office/drawing/2014/main" id="{7A5D9CC1-34C3-4A88-9531-1EA6CE213721}"/>
+              </a:ext>
+            </a:extLst>
+          </p:cNvPr>
+          <p:cNvCxnSpPr>
+            <a:cxnSpLocks/>
+          </p:cNvCxnSpPr>
+          <p:nvPr/>
+        </p:nvCxnSpPr>
+        <p:spPr>
+          <a:xfrm>
+            <a:off x="3243852" y="953192"/>
+            <a:ext cx="552293" cy="321426"/>
+          </a:xfrm>
+          <a:prstGeom prst="line">
+            <a:avLst/>
+          </a:prstGeom>
+          <a:ln w="19050">
+            <a:solidFill>
+              <a:srgbClr val="1E6DA7"/>
+            </a:solidFill>
+          </a:ln>
+        </p:spPr>
+        <p:style>
+          <a:lnRef idx="1">
+            <a:schemeClr val="accent1"/>
+          </a:lnRef>
+          <a:fillRef idx="0">
+            <a:schemeClr val="accent1"/>
+          </a:fillRef>
+          <a:effectRef idx="0">
+            <a:schemeClr val="accent1"/>
+          </a:effectRef>
+          <a:fontRef idx="minor">
+            <a:schemeClr val="tx1"/>
+          </a:fontRef>
+        </p:style>
+      </p:cxnSp>
+      <p:cxnSp>
+        <p:nvCxnSpPr>
+          <p:cNvPr id="6" name="Straight Connector 5">
+            <a:extLst>
+              <a:ext uri="{FF2B5EF4-FFF2-40B4-BE49-F238E27FC236}">
+                <a16:creationId xmlns:a16="http://schemas.microsoft.com/office/drawing/2014/main" id="{39DE6334-2F7F-42D8-9A39-4DFA38CAC1AC}"/>
+              </a:ext>
+            </a:extLst>
+          </p:cNvPr>
+          <p:cNvCxnSpPr>
+            <a:cxnSpLocks/>
+          </p:cNvCxnSpPr>
+          <p:nvPr/>
+        </p:nvCxnSpPr>
+        <p:spPr>
+          <a:xfrm>
+            <a:off x="1440180" y="498763"/>
+            <a:ext cx="0" cy="1951687"/>
+          </a:xfrm>
+          <a:prstGeom prst="line">
+            <a:avLst/>
+          </a:prstGeom>
+          <a:ln w="28575">
+            <a:solidFill>
+              <a:schemeClr val="bg2">
+                <a:lumMod val="50000"/>
+              </a:schemeClr>
+            </a:solidFill>
+          </a:ln>
+        </p:spPr>
+        <p:style>
+          <a:lnRef idx="1">
+            <a:schemeClr val="accent1"/>
+          </a:lnRef>
+          <a:fillRef idx="0">
+            <a:schemeClr val="accent1"/>
+          </a:fillRef>
+          <a:effectRef idx="0">
+            <a:schemeClr val="accent1"/>
+          </a:effectRef>
+          <a:fontRef idx="minor">
+            <a:schemeClr val="tx1"/>
+          </a:fontRef>
+        </p:style>
+      </p:cxnSp>
+      <p:sp>
+        <p:nvSpPr>
+          <p:cNvPr id="7" name="TextBox 6">
+            <a:extLst>
+              <a:ext uri="{FF2B5EF4-FFF2-40B4-BE49-F238E27FC236}">
+                <a16:creationId xmlns:a16="http://schemas.microsoft.com/office/drawing/2014/main" id="{DE31C683-2187-4586-9F12-FC39517F24CF}"/>
+              </a:ext>
+            </a:extLst>
+          </p:cNvPr>
+          <p:cNvSpPr txBox="1"/>
+          <p:nvPr/>
+        </p:nvSpPr>
+        <p:spPr>
+          <a:xfrm rot="16200000">
+            <a:off x="250126" y="1317278"/>
+            <a:ext cx="1686680" cy="338554"/>
+          </a:xfrm>
+          <a:prstGeom prst="rect">
+            <a:avLst/>
+          </a:prstGeom>
+          <a:noFill/>
+        </p:spPr>
+        <p:txBody>
+          <a:bodyPr wrap="square" rtlCol="0">
+            <a:spAutoFit/>
+          </a:bodyPr>
+          <a:lstStyle/>
+          <a:p>
+            <a:pPr algn="l"/>
+            <a:r>
+              <a:rPr lang="en-US" sz="1600" dirty="0">
+                <a:solidFill>
+                  <a:schemeClr val="tx1">
+                    <a:lumMod val="50000"/>
+                    <a:lumOff val="50000"/>
+                  </a:schemeClr>
+                </a:solidFill>
+              </a:rPr>
+              <a:t>- Temperature +</a:t>
+            </a:r>
+          </a:p>
+        </p:txBody>
+      </p:sp>
+      <p:sp>
+        <p:nvSpPr>
+          <p:cNvPr id="8" name="TextBox 7">
+            <a:extLst>
+              <a:ext uri="{FF2B5EF4-FFF2-40B4-BE49-F238E27FC236}">
+                <a16:creationId xmlns:a16="http://schemas.microsoft.com/office/drawing/2014/main" id="{D2E44F0E-7F65-4185-B76F-1681C157128A}"/>
+              </a:ext>
+            </a:extLst>
+          </p:cNvPr>
+          <p:cNvSpPr txBox="1"/>
+          <p:nvPr/>
+        </p:nvSpPr>
+        <p:spPr>
+          <a:xfrm>
+            <a:off x="2751393" y="2503849"/>
+            <a:ext cx="664854" cy="338554"/>
+          </a:xfrm>
+          <a:prstGeom prst="rect">
+            <a:avLst/>
+          </a:prstGeom>
+          <a:noFill/>
+        </p:spPr>
+        <p:txBody>
+          <a:bodyPr wrap="square" rtlCol="0">
+            <a:spAutoFit/>
+          </a:bodyPr>
+          <a:lstStyle/>
+          <a:p>
+            <a:pPr algn="l"/>
+            <a:r>
+              <a:rPr lang="en-US" sz="1600" dirty="0">
+                <a:solidFill>
+                  <a:schemeClr val="tx1">
+                    <a:lumMod val="50000"/>
+                    <a:lumOff val="50000"/>
+                  </a:schemeClr>
+                </a:solidFill>
+              </a:rPr>
+              <a:t>Time</a:t>
+            </a:r>
+          </a:p>
+        </p:txBody>
+      </p:sp>
+      <p:cxnSp>
+        <p:nvCxnSpPr>
+          <p:cNvPr id="9" name="Straight Connector 8">
+            <a:extLst>
+              <a:ext uri="{FF2B5EF4-FFF2-40B4-BE49-F238E27FC236}">
+                <a16:creationId xmlns:a16="http://schemas.microsoft.com/office/drawing/2014/main" id="{41F1DB67-9F85-44C1-9894-23CF9B8074B7}"/>
+              </a:ext>
+            </a:extLst>
+          </p:cNvPr>
+          <p:cNvCxnSpPr>
+            <a:cxnSpLocks/>
+            <a:endCxn id="8" idx="1"/>
+          </p:cNvCxnSpPr>
+          <p:nvPr/>
+        </p:nvCxnSpPr>
+        <p:spPr>
+          <a:xfrm>
+            <a:off x="2414273" y="2673126"/>
+            <a:ext cx="337120" cy="0"/>
+          </a:xfrm>
+          <a:prstGeom prst="line">
+            <a:avLst/>
+          </a:prstGeom>
+          <a:ln>
+            <a:solidFill>
+              <a:schemeClr val="bg2">
+                <a:lumMod val="50000"/>
+              </a:schemeClr>
+            </a:solidFill>
+          </a:ln>
+        </p:spPr>
+        <p:style>
+          <a:lnRef idx="1">
+            <a:schemeClr val="accent1"/>
+          </a:lnRef>
+          <a:fillRef idx="0">
+            <a:schemeClr val="accent1"/>
+          </a:fillRef>
+          <a:effectRef idx="0">
+            <a:schemeClr val="accent1"/>
+          </a:effectRef>
+          <a:fontRef idx="minor">
+            <a:schemeClr val="tx1"/>
+          </a:fontRef>
+        </p:style>
+      </p:cxnSp>
+      <p:cxnSp>
+        <p:nvCxnSpPr>
+          <p:cNvPr id="10" name="Straight Connector 9">
+            <a:extLst>
+              <a:ext uri="{FF2B5EF4-FFF2-40B4-BE49-F238E27FC236}">
+                <a16:creationId xmlns:a16="http://schemas.microsoft.com/office/drawing/2014/main" id="{B322DEDA-4B00-4E00-BC5C-AB55F12484B6}"/>
+              </a:ext>
+            </a:extLst>
+          </p:cNvPr>
+          <p:cNvCxnSpPr>
+            <a:cxnSpLocks/>
+          </p:cNvCxnSpPr>
+          <p:nvPr/>
+        </p:nvCxnSpPr>
+        <p:spPr>
+          <a:xfrm>
+            <a:off x="3324055" y="2673126"/>
+            <a:ext cx="263236" cy="0"/>
+          </a:xfrm>
+          <a:prstGeom prst="line">
+            <a:avLst/>
+          </a:prstGeom>
+          <a:ln>
+            <a:solidFill>
+              <a:schemeClr val="bg2">
+                <a:lumMod val="50000"/>
+              </a:schemeClr>
+            </a:solidFill>
+            <a:headEnd type="none" w="med" len="med"/>
+            <a:tailEnd type="triangle" w="med" len="med"/>
+          </a:ln>
+        </p:spPr>
+        <p:style>
+          <a:lnRef idx="1">
+            <a:schemeClr val="accent1"/>
+          </a:lnRef>
+          <a:fillRef idx="0">
+            <a:schemeClr val="accent1"/>
+          </a:fillRef>
+          <a:effectRef idx="0">
+            <a:schemeClr val="accent1"/>
+          </a:effectRef>
+          <a:fontRef idx="minor">
+            <a:schemeClr val="tx1"/>
+          </a:fontRef>
+        </p:style>
+      </p:cxnSp>
+      <p:cxnSp>
+        <p:nvCxnSpPr>
+          <p:cNvPr id="11" name="Straight Connector 10">
+            <a:extLst>
+              <a:ext uri="{FF2B5EF4-FFF2-40B4-BE49-F238E27FC236}">
+                <a16:creationId xmlns:a16="http://schemas.microsoft.com/office/drawing/2014/main" id="{657DE7C2-C438-4C57-9CD5-F1C58DBC51EE}"/>
+              </a:ext>
+            </a:extLst>
+          </p:cNvPr>
+          <p:cNvCxnSpPr>
+            <a:cxnSpLocks/>
+          </p:cNvCxnSpPr>
+          <p:nvPr/>
+        </p:nvCxnSpPr>
+        <p:spPr>
+          <a:xfrm flipV="1">
+            <a:off x="1717964" y="953193"/>
+            <a:ext cx="1525888" cy="1069572"/>
+          </a:xfrm>
+          <a:prstGeom prst="line">
+            <a:avLst/>
+          </a:prstGeom>
+          <a:ln w="19050">
+            <a:solidFill>
+              <a:srgbClr val="CD717C"/>
+            </a:solidFill>
+          </a:ln>
+        </p:spPr>
+        <p:style>
+          <a:lnRef idx="1">
+            <a:schemeClr val="accent1"/>
+          </a:lnRef>
+          <a:fillRef idx="0">
+            <a:schemeClr val="accent1"/>
+          </a:fillRef>
+          <a:effectRef idx="0">
+            <a:schemeClr val="accent1"/>
+          </a:effectRef>
+          <a:fontRef idx="minor">
+            <a:schemeClr val="tx1"/>
+          </a:fontRef>
+        </p:style>
+      </p:cxnSp>
+      <p:cxnSp>
+        <p:nvCxnSpPr>
+          <p:cNvPr id="13" name="Straight Connector 12">
+            <a:extLst>
+              <a:ext uri="{FF2B5EF4-FFF2-40B4-BE49-F238E27FC236}">
+                <a16:creationId xmlns:a16="http://schemas.microsoft.com/office/drawing/2014/main" id="{3297033D-E853-45B9-A329-0BC8412D5D6A}"/>
+              </a:ext>
+            </a:extLst>
+          </p:cNvPr>
+          <p:cNvCxnSpPr>
+            <a:cxnSpLocks/>
+          </p:cNvCxnSpPr>
+          <p:nvPr/>
+        </p:nvCxnSpPr>
+        <p:spPr>
+          <a:xfrm flipH="1">
+            <a:off x="1425893" y="2450450"/>
+            <a:ext cx="2872598" cy="0"/>
+          </a:xfrm>
+          <a:prstGeom prst="line">
+            <a:avLst/>
+          </a:prstGeom>
+          <a:ln w="28575">
+            <a:solidFill>
+              <a:schemeClr val="bg2">
+                <a:lumMod val="50000"/>
+              </a:schemeClr>
+            </a:solidFill>
+          </a:ln>
+        </p:spPr>
+        <p:style>
+          <a:lnRef idx="1">
+            <a:schemeClr val="accent1"/>
+          </a:lnRef>
+          <a:fillRef idx="0">
+            <a:schemeClr val="accent1"/>
+          </a:fillRef>
+          <a:effectRef idx="0">
+            <a:schemeClr val="accent1"/>
+          </a:effectRef>
+          <a:fontRef idx="minor">
+            <a:schemeClr val="tx1"/>
+          </a:fontRef>
+        </p:style>
+      </p:cxnSp>
+      <p:cxnSp>
+        <p:nvCxnSpPr>
+          <p:cNvPr id="24" name="Straight Connector 23">
+            <a:extLst>
+              <a:ext uri="{FF2B5EF4-FFF2-40B4-BE49-F238E27FC236}">
+                <a16:creationId xmlns:a16="http://schemas.microsoft.com/office/drawing/2014/main" id="{48E4E983-4279-4F88-8722-90EDDD1DABA6}"/>
+              </a:ext>
+            </a:extLst>
+          </p:cNvPr>
+          <p:cNvCxnSpPr>
+            <a:cxnSpLocks/>
+          </p:cNvCxnSpPr>
+          <p:nvPr/>
+        </p:nvCxnSpPr>
+        <p:spPr>
+          <a:xfrm>
+            <a:off x="3243531" y="4451464"/>
+            <a:ext cx="552293" cy="321426"/>
+          </a:xfrm>
+          <a:prstGeom prst="line">
+            <a:avLst/>
+          </a:prstGeom>
+          <a:ln w="19050">
+            <a:solidFill>
+              <a:srgbClr val="1E6DA7"/>
+            </a:solidFill>
+          </a:ln>
+        </p:spPr>
+        <p:style>
+          <a:lnRef idx="1">
+            <a:schemeClr val="accent1"/>
+          </a:lnRef>
+          <a:fillRef idx="0">
+            <a:schemeClr val="accent1"/>
+          </a:fillRef>
+          <a:effectRef idx="0">
+            <a:schemeClr val="accent1"/>
+          </a:effectRef>
+          <a:fontRef idx="minor">
+            <a:schemeClr val="tx1"/>
+          </a:fontRef>
+        </p:style>
+      </p:cxnSp>
+      <p:cxnSp>
+        <p:nvCxnSpPr>
+          <p:cNvPr id="25" name="Straight Connector 24">
+            <a:extLst>
+              <a:ext uri="{FF2B5EF4-FFF2-40B4-BE49-F238E27FC236}">
+                <a16:creationId xmlns:a16="http://schemas.microsoft.com/office/drawing/2014/main" id="{0DFD8DF0-860E-4BA2-B55C-5125A1D7A0DA}"/>
+              </a:ext>
+            </a:extLst>
+          </p:cNvPr>
+          <p:cNvCxnSpPr>
+            <a:cxnSpLocks/>
+          </p:cNvCxnSpPr>
+          <p:nvPr/>
+        </p:nvCxnSpPr>
+        <p:spPr>
+          <a:xfrm>
+            <a:off x="1440180" y="3422491"/>
+            <a:ext cx="0" cy="1951687"/>
+          </a:xfrm>
+          <a:prstGeom prst="line">
+            <a:avLst/>
+          </a:prstGeom>
+          <a:ln w="28575">
+            <a:solidFill>
+              <a:schemeClr val="bg2">
+                <a:lumMod val="50000"/>
+              </a:schemeClr>
+            </a:solidFill>
+          </a:ln>
+        </p:spPr>
+        <p:style>
+          <a:lnRef idx="1">
+            <a:schemeClr val="accent1"/>
+          </a:lnRef>
+          <a:fillRef idx="0">
+            <a:schemeClr val="accent1"/>
+          </a:fillRef>
+          <a:effectRef idx="0">
+            <a:schemeClr val="accent1"/>
+          </a:effectRef>
+          <a:fontRef idx="minor">
+            <a:schemeClr val="tx1"/>
+          </a:fontRef>
+        </p:style>
+      </p:cxnSp>
+      <p:sp>
+        <p:nvSpPr>
+          <p:cNvPr id="26" name="TextBox 25">
+            <a:extLst>
+              <a:ext uri="{FF2B5EF4-FFF2-40B4-BE49-F238E27FC236}">
+                <a16:creationId xmlns:a16="http://schemas.microsoft.com/office/drawing/2014/main" id="{7C3B9D4D-83BE-49AF-BEF4-56C57DF1980C}"/>
+              </a:ext>
+            </a:extLst>
+          </p:cNvPr>
+          <p:cNvSpPr txBox="1"/>
+          <p:nvPr/>
+        </p:nvSpPr>
+        <p:spPr>
+          <a:xfrm rot="16200000">
+            <a:off x="250126" y="4241006"/>
+            <a:ext cx="1686680" cy="338554"/>
+          </a:xfrm>
+          <a:prstGeom prst="rect">
+            <a:avLst/>
+          </a:prstGeom>
+          <a:noFill/>
+        </p:spPr>
+        <p:txBody>
+          <a:bodyPr wrap="square" rtlCol="0">
+            <a:spAutoFit/>
+          </a:bodyPr>
+          <a:lstStyle/>
+          <a:p>
+            <a:pPr algn="l"/>
+            <a:r>
+              <a:rPr lang="en-US" sz="1600" dirty="0">
+                <a:solidFill>
+                  <a:schemeClr val="tx1">
+                    <a:lumMod val="50000"/>
+                    <a:lumOff val="50000"/>
+                  </a:schemeClr>
+                </a:solidFill>
+              </a:rPr>
+              <a:t>- Temperature +</a:t>
+            </a:r>
+          </a:p>
+        </p:txBody>
+      </p:sp>
+      <p:sp>
+        <p:nvSpPr>
+          <p:cNvPr id="27" name="TextBox 26">
+            <a:extLst>
+              <a:ext uri="{FF2B5EF4-FFF2-40B4-BE49-F238E27FC236}">
+                <a16:creationId xmlns:a16="http://schemas.microsoft.com/office/drawing/2014/main" id="{8EB3A0BC-6C4F-4228-B4EA-2232A75E80BC}"/>
+              </a:ext>
+            </a:extLst>
+          </p:cNvPr>
+          <p:cNvSpPr txBox="1"/>
+          <p:nvPr/>
+        </p:nvSpPr>
+        <p:spPr>
+          <a:xfrm>
+            <a:off x="2751393" y="5427577"/>
+            <a:ext cx="664854" cy="338554"/>
+          </a:xfrm>
+          <a:prstGeom prst="rect">
+            <a:avLst/>
+          </a:prstGeom>
+          <a:noFill/>
+        </p:spPr>
+        <p:txBody>
+          <a:bodyPr wrap="square" rtlCol="0">
+            <a:spAutoFit/>
+          </a:bodyPr>
+          <a:lstStyle/>
+          <a:p>
+            <a:pPr algn="l"/>
+            <a:r>
+              <a:rPr lang="en-US" sz="1600" dirty="0">
+                <a:solidFill>
+                  <a:schemeClr val="tx1">
+                    <a:lumMod val="50000"/>
+                    <a:lumOff val="50000"/>
+                  </a:schemeClr>
+                </a:solidFill>
+              </a:rPr>
+              <a:t>Time</a:t>
+            </a:r>
+          </a:p>
+        </p:txBody>
+      </p:sp>
+      <p:cxnSp>
+        <p:nvCxnSpPr>
+          <p:cNvPr id="28" name="Straight Connector 27">
+            <a:extLst>
+              <a:ext uri="{FF2B5EF4-FFF2-40B4-BE49-F238E27FC236}">
+                <a16:creationId xmlns:a16="http://schemas.microsoft.com/office/drawing/2014/main" id="{16890219-C19F-4F16-935C-A3D3C9E64DF2}"/>
+              </a:ext>
+            </a:extLst>
+          </p:cNvPr>
+          <p:cNvCxnSpPr>
+            <a:cxnSpLocks/>
+            <a:endCxn id="27" idx="1"/>
+          </p:cNvCxnSpPr>
+          <p:nvPr/>
+        </p:nvCxnSpPr>
+        <p:spPr>
+          <a:xfrm>
+            <a:off x="2414273" y="5596854"/>
+            <a:ext cx="337120" cy="0"/>
+          </a:xfrm>
+          <a:prstGeom prst="line">
+            <a:avLst/>
+          </a:prstGeom>
+          <a:ln>
+            <a:solidFill>
+              <a:schemeClr val="bg2">
+                <a:lumMod val="50000"/>
+              </a:schemeClr>
+            </a:solidFill>
+          </a:ln>
+        </p:spPr>
+        <p:style>
+          <a:lnRef idx="1">
+            <a:schemeClr val="accent1"/>
+          </a:lnRef>
+          <a:fillRef idx="0">
+            <a:schemeClr val="accent1"/>
+          </a:fillRef>
+          <a:effectRef idx="0">
+            <a:schemeClr val="accent1"/>
+          </a:effectRef>
+          <a:fontRef idx="minor">
+            <a:schemeClr val="tx1"/>
+          </a:fontRef>
+        </p:style>
+      </p:cxnSp>
+      <p:cxnSp>
+        <p:nvCxnSpPr>
+          <p:cNvPr id="29" name="Straight Connector 28">
+            <a:extLst>
+              <a:ext uri="{FF2B5EF4-FFF2-40B4-BE49-F238E27FC236}">
+                <a16:creationId xmlns:a16="http://schemas.microsoft.com/office/drawing/2014/main" id="{192F9285-ADA0-4292-8201-25CFD6166F65}"/>
+              </a:ext>
+            </a:extLst>
+          </p:cNvPr>
+          <p:cNvCxnSpPr>
+            <a:cxnSpLocks/>
+          </p:cNvCxnSpPr>
+          <p:nvPr/>
+        </p:nvCxnSpPr>
+        <p:spPr>
+          <a:xfrm>
+            <a:off x="3324055" y="5596854"/>
+            <a:ext cx="263236" cy="0"/>
+          </a:xfrm>
+          <a:prstGeom prst="line">
+            <a:avLst/>
+          </a:prstGeom>
+          <a:ln>
+            <a:solidFill>
+              <a:schemeClr val="bg2">
+                <a:lumMod val="50000"/>
+              </a:schemeClr>
+            </a:solidFill>
+            <a:headEnd type="none" w="med" len="med"/>
+            <a:tailEnd type="triangle" w="med" len="med"/>
+          </a:ln>
+        </p:spPr>
+        <p:style>
+          <a:lnRef idx="1">
+            <a:schemeClr val="accent1"/>
+          </a:lnRef>
+          <a:fillRef idx="0">
+            <a:schemeClr val="accent1"/>
+          </a:fillRef>
+          <a:effectRef idx="0">
+            <a:schemeClr val="accent1"/>
+          </a:effectRef>
+          <a:fontRef idx="minor">
+            <a:schemeClr val="tx1"/>
+          </a:fontRef>
+        </p:style>
+      </p:cxnSp>
+      <p:cxnSp>
+        <p:nvCxnSpPr>
+          <p:cNvPr id="30" name="Straight Connector 29">
+            <a:extLst>
+              <a:ext uri="{FF2B5EF4-FFF2-40B4-BE49-F238E27FC236}">
+                <a16:creationId xmlns:a16="http://schemas.microsoft.com/office/drawing/2014/main" id="{656B64E8-1F4D-4CFD-BD58-2D418356EDEC}"/>
+              </a:ext>
+            </a:extLst>
+          </p:cNvPr>
+          <p:cNvCxnSpPr>
+            <a:cxnSpLocks/>
+          </p:cNvCxnSpPr>
+          <p:nvPr/>
+        </p:nvCxnSpPr>
+        <p:spPr>
+          <a:xfrm>
+            <a:off x="1829924" y="4023779"/>
+            <a:ext cx="1413607" cy="427686"/>
+          </a:xfrm>
+          <a:prstGeom prst="line">
+            <a:avLst/>
+          </a:prstGeom>
+          <a:ln w="19050">
+            <a:solidFill>
+              <a:srgbClr val="1E6DA7"/>
+            </a:solidFill>
+          </a:ln>
+        </p:spPr>
+        <p:style>
+          <a:lnRef idx="1">
+            <a:schemeClr val="accent1"/>
+          </a:lnRef>
+          <a:fillRef idx="0">
+            <a:schemeClr val="accent1"/>
+          </a:fillRef>
+          <a:effectRef idx="0">
+            <a:schemeClr val="accent1"/>
+          </a:effectRef>
+          <a:fontRef idx="minor">
+            <a:schemeClr val="tx1"/>
+          </a:fontRef>
+        </p:style>
+      </p:cxnSp>
+      <p:cxnSp>
+        <p:nvCxnSpPr>
+          <p:cNvPr id="31" name="Straight Connector 30">
+            <a:extLst>
+              <a:ext uri="{FF2B5EF4-FFF2-40B4-BE49-F238E27FC236}">
+                <a16:creationId xmlns:a16="http://schemas.microsoft.com/office/drawing/2014/main" id="{D49219DA-40F1-4965-8A43-F4554CD5C9D9}"/>
+              </a:ext>
+            </a:extLst>
+          </p:cNvPr>
+          <p:cNvCxnSpPr>
+            <a:cxnSpLocks/>
+          </p:cNvCxnSpPr>
+          <p:nvPr/>
+        </p:nvCxnSpPr>
+        <p:spPr>
+          <a:xfrm flipH="1">
+            <a:off x="1425893" y="5374178"/>
+            <a:ext cx="2872598" cy="0"/>
+          </a:xfrm>
+          <a:prstGeom prst="line">
+            <a:avLst/>
+          </a:prstGeom>
+          <a:ln w="28575">
+            <a:solidFill>
+              <a:schemeClr val="bg2">
+                <a:lumMod val="50000"/>
+              </a:schemeClr>
+            </a:solidFill>
+          </a:ln>
+        </p:spPr>
+        <p:style>
+          <a:lnRef idx="1">
+            <a:schemeClr val="accent1"/>
+          </a:lnRef>
+          <a:fillRef idx="0">
+            <a:schemeClr val="accent1"/>
+          </a:fillRef>
+          <a:effectRef idx="0">
+            <a:schemeClr val="accent1"/>
+          </a:effectRef>
+          <a:fontRef idx="minor">
+            <a:schemeClr val="tx1"/>
+          </a:fontRef>
+        </p:style>
+      </p:cxnSp>
+      <p:cxnSp>
+        <p:nvCxnSpPr>
+          <p:cNvPr id="39" name="Straight Connector 38">
+            <a:extLst>
+              <a:ext uri="{FF2B5EF4-FFF2-40B4-BE49-F238E27FC236}">
+                <a16:creationId xmlns:a16="http://schemas.microsoft.com/office/drawing/2014/main" id="{C00FC413-50B0-469C-9EBD-BF7D57B46C35}"/>
+              </a:ext>
+            </a:extLst>
+          </p:cNvPr>
+          <p:cNvCxnSpPr>
+            <a:cxnSpLocks/>
+          </p:cNvCxnSpPr>
+          <p:nvPr/>
+        </p:nvCxnSpPr>
+        <p:spPr>
+          <a:xfrm flipV="1">
+            <a:off x="9157415" y="631768"/>
+            <a:ext cx="277783" cy="321424"/>
+          </a:xfrm>
+          <a:prstGeom prst="line">
+            <a:avLst/>
+          </a:prstGeom>
+          <a:ln w="19050">
+            <a:solidFill>
+              <a:srgbClr val="CD717C"/>
+            </a:solidFill>
+          </a:ln>
+        </p:spPr>
+        <p:style>
+          <a:lnRef idx="1">
+            <a:schemeClr val="accent1"/>
+          </a:lnRef>
+          <a:fillRef idx="0">
+            <a:schemeClr val="accent1"/>
+          </a:fillRef>
+          <a:effectRef idx="0">
+            <a:schemeClr val="accent1"/>
+          </a:effectRef>
+          <a:fontRef idx="minor">
+            <a:schemeClr val="tx1"/>
+          </a:fontRef>
+        </p:style>
+      </p:cxnSp>
+      <p:cxnSp>
+        <p:nvCxnSpPr>
+          <p:cNvPr id="40" name="Straight Connector 39">
+            <a:extLst>
+              <a:ext uri="{FF2B5EF4-FFF2-40B4-BE49-F238E27FC236}">
+                <a16:creationId xmlns:a16="http://schemas.microsoft.com/office/drawing/2014/main" id="{D9AA5691-28C1-491F-B276-A1A52EF3FB1C}"/>
+              </a:ext>
+            </a:extLst>
+          </p:cNvPr>
+          <p:cNvCxnSpPr>
+            <a:cxnSpLocks/>
+          </p:cNvCxnSpPr>
+          <p:nvPr/>
+        </p:nvCxnSpPr>
+        <p:spPr>
+          <a:xfrm>
+            <a:off x="7353743" y="498763"/>
+            <a:ext cx="0" cy="1951687"/>
+          </a:xfrm>
+          <a:prstGeom prst="line">
+            <a:avLst/>
+          </a:prstGeom>
+          <a:ln w="28575">
+            <a:solidFill>
+              <a:schemeClr val="bg2">
+                <a:lumMod val="50000"/>
+              </a:schemeClr>
+            </a:solidFill>
+          </a:ln>
+        </p:spPr>
+        <p:style>
+          <a:lnRef idx="1">
+            <a:schemeClr val="accent1"/>
+          </a:lnRef>
+          <a:fillRef idx="0">
+            <a:schemeClr val="accent1"/>
+          </a:fillRef>
+          <a:effectRef idx="0">
+            <a:schemeClr val="accent1"/>
+          </a:effectRef>
+          <a:fontRef idx="minor">
+            <a:schemeClr val="tx1"/>
+          </a:fontRef>
+        </p:style>
+      </p:cxnSp>
+      <p:sp>
+        <p:nvSpPr>
+          <p:cNvPr id="41" name="TextBox 40">
+            <a:extLst>
+              <a:ext uri="{FF2B5EF4-FFF2-40B4-BE49-F238E27FC236}">
+                <a16:creationId xmlns:a16="http://schemas.microsoft.com/office/drawing/2014/main" id="{4DADE5BB-912C-476A-AC04-49D46F694AC6}"/>
+              </a:ext>
+            </a:extLst>
+          </p:cNvPr>
+          <p:cNvSpPr txBox="1"/>
+          <p:nvPr/>
+        </p:nvSpPr>
+        <p:spPr>
+          <a:xfrm rot="16200000">
+            <a:off x="6163689" y="1317278"/>
+            <a:ext cx="1686680" cy="338554"/>
+          </a:xfrm>
+          <a:prstGeom prst="rect">
+            <a:avLst/>
+          </a:prstGeom>
+          <a:noFill/>
+        </p:spPr>
+        <p:txBody>
+          <a:bodyPr wrap="square" rtlCol="0">
+            <a:spAutoFit/>
+          </a:bodyPr>
+          <a:lstStyle/>
+          <a:p>
+            <a:pPr algn="l"/>
+            <a:r>
+              <a:rPr lang="en-US" sz="1600" dirty="0">
+                <a:solidFill>
+                  <a:schemeClr val="tx1">
+                    <a:lumMod val="50000"/>
+                    <a:lumOff val="50000"/>
+                  </a:schemeClr>
+                </a:solidFill>
+              </a:rPr>
+              <a:t>- Temperature +</a:t>
+            </a:r>
+          </a:p>
+        </p:txBody>
+      </p:sp>
+      <p:sp>
+        <p:nvSpPr>
+          <p:cNvPr id="42" name="TextBox 41">
+            <a:extLst>
+              <a:ext uri="{FF2B5EF4-FFF2-40B4-BE49-F238E27FC236}">
+                <a16:creationId xmlns:a16="http://schemas.microsoft.com/office/drawing/2014/main" id="{C77361CF-E389-4921-8725-B218227135F4}"/>
+              </a:ext>
+            </a:extLst>
+          </p:cNvPr>
+          <p:cNvSpPr txBox="1"/>
+          <p:nvPr/>
+        </p:nvSpPr>
+        <p:spPr>
+          <a:xfrm>
+            <a:off x="8664956" y="2503849"/>
+            <a:ext cx="664854" cy="338554"/>
+          </a:xfrm>
+          <a:prstGeom prst="rect">
+            <a:avLst/>
+          </a:prstGeom>
+          <a:noFill/>
+        </p:spPr>
+        <p:txBody>
+          <a:bodyPr wrap="square" rtlCol="0">
+            <a:spAutoFit/>
+          </a:bodyPr>
+          <a:lstStyle/>
+          <a:p>
+            <a:pPr algn="l"/>
+            <a:r>
+              <a:rPr lang="en-US" sz="1600" dirty="0">
+                <a:solidFill>
+                  <a:schemeClr val="tx1">
+                    <a:lumMod val="50000"/>
+                    <a:lumOff val="50000"/>
+                  </a:schemeClr>
+                </a:solidFill>
+              </a:rPr>
+              <a:t>Time</a:t>
+            </a:r>
+          </a:p>
+        </p:txBody>
+      </p:sp>
+      <p:cxnSp>
+        <p:nvCxnSpPr>
+          <p:cNvPr id="43" name="Straight Connector 42">
+            <a:extLst>
+              <a:ext uri="{FF2B5EF4-FFF2-40B4-BE49-F238E27FC236}">
+                <a16:creationId xmlns:a16="http://schemas.microsoft.com/office/drawing/2014/main" id="{0F968A2E-681B-48A3-9E94-68E80937F263}"/>
+              </a:ext>
+            </a:extLst>
+          </p:cNvPr>
+          <p:cNvCxnSpPr>
+            <a:cxnSpLocks/>
+            <a:endCxn id="42" idx="1"/>
+          </p:cNvCxnSpPr>
+          <p:nvPr/>
+        </p:nvCxnSpPr>
+        <p:spPr>
+          <a:xfrm>
+            <a:off x="8327836" y="2673126"/>
+            <a:ext cx="337120" cy="0"/>
+          </a:xfrm>
+          <a:prstGeom prst="line">
+            <a:avLst/>
+          </a:prstGeom>
+          <a:ln>
+            <a:solidFill>
+              <a:schemeClr val="bg2">
+                <a:lumMod val="50000"/>
+              </a:schemeClr>
+            </a:solidFill>
+          </a:ln>
+        </p:spPr>
+        <p:style>
+          <a:lnRef idx="1">
+            <a:schemeClr val="accent1"/>
+          </a:lnRef>
+          <a:fillRef idx="0">
+            <a:schemeClr val="accent1"/>
+          </a:fillRef>
+          <a:effectRef idx="0">
+            <a:schemeClr val="accent1"/>
+          </a:effectRef>
+          <a:fontRef idx="minor">
+            <a:schemeClr val="tx1"/>
+          </a:fontRef>
+        </p:style>
+      </p:cxnSp>
+      <p:cxnSp>
+        <p:nvCxnSpPr>
+          <p:cNvPr id="44" name="Straight Connector 43">
+            <a:extLst>
+              <a:ext uri="{FF2B5EF4-FFF2-40B4-BE49-F238E27FC236}">
+                <a16:creationId xmlns:a16="http://schemas.microsoft.com/office/drawing/2014/main" id="{322A514E-1FA0-49E4-BAA6-FE3A1397ABE7}"/>
+              </a:ext>
+            </a:extLst>
+          </p:cNvPr>
+          <p:cNvCxnSpPr>
+            <a:cxnSpLocks/>
+          </p:cNvCxnSpPr>
+          <p:nvPr/>
+        </p:nvCxnSpPr>
+        <p:spPr>
+          <a:xfrm>
+            <a:off x="9237618" y="2673126"/>
+            <a:ext cx="263236" cy="0"/>
+          </a:xfrm>
+          <a:prstGeom prst="line">
+            <a:avLst/>
+          </a:prstGeom>
+          <a:ln>
+            <a:solidFill>
+              <a:schemeClr val="bg2">
+                <a:lumMod val="50000"/>
+              </a:schemeClr>
+            </a:solidFill>
+            <a:headEnd type="none" w="med" len="med"/>
+            <a:tailEnd type="triangle" w="med" len="med"/>
+          </a:ln>
+        </p:spPr>
+        <p:style>
+          <a:lnRef idx="1">
+            <a:schemeClr val="accent1"/>
+          </a:lnRef>
+          <a:fillRef idx="0">
+            <a:schemeClr val="accent1"/>
+          </a:fillRef>
+          <a:effectRef idx="0">
+            <a:schemeClr val="accent1"/>
+          </a:effectRef>
+          <a:fontRef idx="minor">
+            <a:schemeClr val="tx1"/>
+          </a:fontRef>
+        </p:style>
+      </p:cxnSp>
+      <p:cxnSp>
+        <p:nvCxnSpPr>
+          <p:cNvPr id="45" name="Straight Connector 44">
+            <a:extLst>
+              <a:ext uri="{FF2B5EF4-FFF2-40B4-BE49-F238E27FC236}">
+                <a16:creationId xmlns:a16="http://schemas.microsoft.com/office/drawing/2014/main" id="{D7B6C99E-AEBD-42DB-8E88-D12F1AE96C65}"/>
+              </a:ext>
+            </a:extLst>
+          </p:cNvPr>
+          <p:cNvCxnSpPr>
+            <a:cxnSpLocks/>
+          </p:cNvCxnSpPr>
+          <p:nvPr/>
+        </p:nvCxnSpPr>
+        <p:spPr>
+          <a:xfrm flipV="1">
+            <a:off x="7631527" y="953193"/>
+            <a:ext cx="1525888" cy="1069572"/>
+          </a:xfrm>
+          <a:prstGeom prst="line">
+            <a:avLst/>
+          </a:prstGeom>
+          <a:ln w="19050">
+            <a:solidFill>
+              <a:srgbClr val="CD717C"/>
+            </a:solidFill>
+          </a:ln>
+        </p:spPr>
+        <p:style>
+          <a:lnRef idx="1">
+            <a:schemeClr val="accent1"/>
+          </a:lnRef>
+          <a:fillRef idx="0">
+            <a:schemeClr val="accent1"/>
+          </a:fillRef>
+          <a:effectRef idx="0">
+            <a:schemeClr val="accent1"/>
+          </a:effectRef>
+          <a:fontRef idx="minor">
+            <a:schemeClr val="tx1"/>
+          </a:fontRef>
+        </p:style>
+      </p:cxnSp>
+      <p:cxnSp>
+        <p:nvCxnSpPr>
+          <p:cNvPr id="46" name="Straight Connector 45">
+            <a:extLst>
+              <a:ext uri="{FF2B5EF4-FFF2-40B4-BE49-F238E27FC236}">
+                <a16:creationId xmlns:a16="http://schemas.microsoft.com/office/drawing/2014/main" id="{68FBB195-CB35-4286-BAD5-B96B0F3B7F0C}"/>
+              </a:ext>
+            </a:extLst>
+          </p:cNvPr>
+          <p:cNvCxnSpPr>
+            <a:cxnSpLocks/>
+          </p:cNvCxnSpPr>
+          <p:nvPr/>
+        </p:nvCxnSpPr>
+        <p:spPr>
+          <a:xfrm flipH="1">
+            <a:off x="7339456" y="2450450"/>
+            <a:ext cx="2872598" cy="0"/>
+          </a:xfrm>
+          <a:prstGeom prst="line">
+            <a:avLst/>
+          </a:prstGeom>
+          <a:ln w="28575">
+            <a:solidFill>
+              <a:schemeClr val="bg2">
+                <a:lumMod val="50000"/>
+              </a:schemeClr>
+            </a:solidFill>
+          </a:ln>
+        </p:spPr>
+        <p:style>
+          <a:lnRef idx="1">
+            <a:schemeClr val="accent1"/>
+          </a:lnRef>
+          <a:fillRef idx="0">
+            <a:schemeClr val="accent1"/>
+          </a:fillRef>
+          <a:effectRef idx="0">
+            <a:schemeClr val="accent1"/>
+          </a:effectRef>
+          <a:fontRef idx="minor">
+            <a:schemeClr val="tx1"/>
+          </a:fontRef>
+        </p:style>
+      </p:cxnSp>
+      <p:cxnSp>
+        <p:nvCxnSpPr>
+          <p:cNvPr id="48" name="Straight Connector 47">
+            <a:extLst>
+              <a:ext uri="{FF2B5EF4-FFF2-40B4-BE49-F238E27FC236}">
+                <a16:creationId xmlns:a16="http://schemas.microsoft.com/office/drawing/2014/main" id="{F74646F6-80DD-4E9D-B895-3D1ED07792D1}"/>
+              </a:ext>
+            </a:extLst>
+          </p:cNvPr>
+          <p:cNvCxnSpPr>
+            <a:cxnSpLocks/>
+          </p:cNvCxnSpPr>
+          <p:nvPr/>
+        </p:nvCxnSpPr>
+        <p:spPr>
+          <a:xfrm>
+            <a:off x="7353743" y="3422491"/>
+            <a:ext cx="0" cy="1951687"/>
+          </a:xfrm>
+          <a:prstGeom prst="line">
+            <a:avLst/>
+          </a:prstGeom>
+          <a:ln w="28575">
+            <a:solidFill>
+              <a:schemeClr val="bg2">
+                <a:lumMod val="50000"/>
+              </a:schemeClr>
+            </a:solidFill>
+          </a:ln>
+        </p:spPr>
+        <p:style>
+          <a:lnRef idx="1">
+            <a:schemeClr val="accent1"/>
+          </a:lnRef>
+          <a:fillRef idx="0">
+            <a:schemeClr val="accent1"/>
+          </a:fillRef>
+          <a:effectRef idx="0">
+            <a:schemeClr val="accent1"/>
+          </a:effectRef>
+          <a:fontRef idx="minor">
+            <a:schemeClr val="tx1"/>
+          </a:fontRef>
+        </p:style>
+      </p:cxnSp>
+      <p:sp>
+        <p:nvSpPr>
+          <p:cNvPr id="49" name="TextBox 48">
+            <a:extLst>
+              <a:ext uri="{FF2B5EF4-FFF2-40B4-BE49-F238E27FC236}">
+                <a16:creationId xmlns:a16="http://schemas.microsoft.com/office/drawing/2014/main" id="{8BBBC1F4-6E51-4C3D-8899-8C0E1A4F22BA}"/>
+              </a:ext>
+            </a:extLst>
+          </p:cNvPr>
+          <p:cNvSpPr txBox="1"/>
+          <p:nvPr/>
+        </p:nvSpPr>
+        <p:spPr>
+          <a:xfrm rot="16200000">
+            <a:off x="6163689" y="4241006"/>
+            <a:ext cx="1686680" cy="338554"/>
+          </a:xfrm>
+          <a:prstGeom prst="rect">
+            <a:avLst/>
+          </a:prstGeom>
+          <a:noFill/>
+        </p:spPr>
+        <p:txBody>
+          <a:bodyPr wrap="square" rtlCol="0">
+            <a:spAutoFit/>
+          </a:bodyPr>
+          <a:lstStyle/>
+          <a:p>
+            <a:pPr algn="l"/>
+            <a:r>
+              <a:rPr lang="en-US" sz="1600" dirty="0">
+                <a:solidFill>
+                  <a:schemeClr val="tx1">
+                    <a:lumMod val="50000"/>
+                    <a:lumOff val="50000"/>
+                  </a:schemeClr>
+                </a:solidFill>
+              </a:rPr>
+              <a:t>- Temperature +</a:t>
+            </a:r>
+          </a:p>
+        </p:txBody>
+      </p:sp>
+      <p:sp>
+        <p:nvSpPr>
+          <p:cNvPr id="50" name="TextBox 49">
+            <a:extLst>
+              <a:ext uri="{FF2B5EF4-FFF2-40B4-BE49-F238E27FC236}">
+                <a16:creationId xmlns:a16="http://schemas.microsoft.com/office/drawing/2014/main" id="{CF46FE8C-5AFE-465A-B3AF-8DA6978D2BA9}"/>
+              </a:ext>
+            </a:extLst>
+          </p:cNvPr>
+          <p:cNvSpPr txBox="1"/>
+          <p:nvPr/>
+        </p:nvSpPr>
+        <p:spPr>
+          <a:xfrm>
+            <a:off x="8664956" y="5427577"/>
+            <a:ext cx="664854" cy="338554"/>
+          </a:xfrm>
+          <a:prstGeom prst="rect">
+            <a:avLst/>
+          </a:prstGeom>
+          <a:noFill/>
+        </p:spPr>
+        <p:txBody>
+          <a:bodyPr wrap="square" rtlCol="0">
+            <a:spAutoFit/>
+          </a:bodyPr>
+          <a:lstStyle/>
+          <a:p>
+            <a:pPr algn="l"/>
+            <a:r>
+              <a:rPr lang="en-US" sz="1600" dirty="0">
+                <a:solidFill>
+                  <a:schemeClr val="tx1">
+                    <a:lumMod val="50000"/>
+                    <a:lumOff val="50000"/>
+                  </a:schemeClr>
+                </a:solidFill>
+              </a:rPr>
+              <a:t>Time</a:t>
+            </a:r>
+          </a:p>
+        </p:txBody>
+      </p:sp>
+      <p:cxnSp>
+        <p:nvCxnSpPr>
+          <p:cNvPr id="51" name="Straight Connector 50">
+            <a:extLst>
+              <a:ext uri="{FF2B5EF4-FFF2-40B4-BE49-F238E27FC236}">
+                <a16:creationId xmlns:a16="http://schemas.microsoft.com/office/drawing/2014/main" id="{30D8CF4C-FA7F-4D46-BC71-849CCCB66898}"/>
+              </a:ext>
+            </a:extLst>
+          </p:cNvPr>
+          <p:cNvCxnSpPr>
+            <a:cxnSpLocks/>
+            <a:endCxn id="50" idx="1"/>
+          </p:cNvCxnSpPr>
+          <p:nvPr/>
+        </p:nvCxnSpPr>
+        <p:spPr>
+          <a:xfrm>
+            <a:off x="8327836" y="5596854"/>
+            <a:ext cx="337120" cy="0"/>
+          </a:xfrm>
+          <a:prstGeom prst="line">
+            <a:avLst/>
+          </a:prstGeom>
+          <a:ln>
+            <a:solidFill>
+              <a:schemeClr val="bg2">
+                <a:lumMod val="50000"/>
+              </a:schemeClr>
+            </a:solidFill>
+          </a:ln>
+        </p:spPr>
+        <p:style>
+          <a:lnRef idx="1">
+            <a:schemeClr val="accent1"/>
+          </a:lnRef>
+          <a:fillRef idx="0">
+            <a:schemeClr val="accent1"/>
+          </a:fillRef>
+          <a:effectRef idx="0">
+            <a:schemeClr val="accent1"/>
+          </a:effectRef>
+          <a:fontRef idx="minor">
+            <a:schemeClr val="tx1"/>
+          </a:fontRef>
+        </p:style>
+      </p:cxnSp>
+      <p:cxnSp>
+        <p:nvCxnSpPr>
+          <p:cNvPr id="52" name="Straight Connector 51">
+            <a:extLst>
+              <a:ext uri="{FF2B5EF4-FFF2-40B4-BE49-F238E27FC236}">
+                <a16:creationId xmlns:a16="http://schemas.microsoft.com/office/drawing/2014/main" id="{93B8DA13-A484-46C2-8121-0149C5277CE9}"/>
+              </a:ext>
+            </a:extLst>
+          </p:cNvPr>
+          <p:cNvCxnSpPr>
+            <a:cxnSpLocks/>
+          </p:cNvCxnSpPr>
+          <p:nvPr/>
+        </p:nvCxnSpPr>
+        <p:spPr>
+          <a:xfrm>
+            <a:off x="9237618" y="5596854"/>
+            <a:ext cx="263236" cy="0"/>
+          </a:xfrm>
+          <a:prstGeom prst="line">
+            <a:avLst/>
+          </a:prstGeom>
+          <a:ln>
+            <a:solidFill>
+              <a:schemeClr val="bg2">
+                <a:lumMod val="50000"/>
+              </a:schemeClr>
+            </a:solidFill>
+            <a:headEnd type="none" w="med" len="med"/>
+            <a:tailEnd type="triangle" w="med" len="med"/>
+          </a:ln>
+        </p:spPr>
+        <p:style>
+          <a:lnRef idx="1">
+            <a:schemeClr val="accent1"/>
+          </a:lnRef>
+          <a:fillRef idx="0">
+            <a:schemeClr val="accent1"/>
+          </a:fillRef>
+          <a:effectRef idx="0">
+            <a:schemeClr val="accent1"/>
+          </a:effectRef>
+          <a:fontRef idx="minor">
+            <a:schemeClr val="tx1"/>
+          </a:fontRef>
+        </p:style>
+      </p:cxnSp>
+      <p:cxnSp>
+        <p:nvCxnSpPr>
+          <p:cNvPr id="53" name="Straight Connector 52">
+            <a:extLst>
+              <a:ext uri="{FF2B5EF4-FFF2-40B4-BE49-F238E27FC236}">
+                <a16:creationId xmlns:a16="http://schemas.microsoft.com/office/drawing/2014/main" id="{53BC0F42-564A-4EB7-8F3C-954A91A2762F}"/>
+              </a:ext>
+            </a:extLst>
+          </p:cNvPr>
+          <p:cNvCxnSpPr>
+            <a:cxnSpLocks/>
+          </p:cNvCxnSpPr>
+          <p:nvPr/>
+        </p:nvCxnSpPr>
+        <p:spPr>
+          <a:xfrm>
+            <a:off x="7743487" y="4023779"/>
+            <a:ext cx="1413607" cy="427686"/>
+          </a:xfrm>
+          <a:prstGeom prst="line">
+            <a:avLst/>
+          </a:prstGeom>
+          <a:ln w="19050">
+            <a:solidFill>
+              <a:srgbClr val="1E6DA7"/>
+            </a:solidFill>
+          </a:ln>
+        </p:spPr>
+        <p:style>
+          <a:lnRef idx="1">
+            <a:schemeClr val="accent1"/>
+          </a:lnRef>
+          <a:fillRef idx="0">
+            <a:schemeClr val="accent1"/>
+          </a:fillRef>
+          <a:effectRef idx="0">
+            <a:schemeClr val="accent1"/>
+          </a:effectRef>
+          <a:fontRef idx="minor">
+            <a:schemeClr val="tx1"/>
+          </a:fontRef>
+        </p:style>
+      </p:cxnSp>
+      <p:cxnSp>
+        <p:nvCxnSpPr>
+          <p:cNvPr id="54" name="Straight Connector 53">
+            <a:extLst>
+              <a:ext uri="{FF2B5EF4-FFF2-40B4-BE49-F238E27FC236}">
+                <a16:creationId xmlns:a16="http://schemas.microsoft.com/office/drawing/2014/main" id="{B8491302-2823-423A-826E-51B05B48E43F}"/>
+              </a:ext>
+            </a:extLst>
+          </p:cNvPr>
+          <p:cNvCxnSpPr>
+            <a:cxnSpLocks/>
+          </p:cNvCxnSpPr>
+          <p:nvPr/>
+        </p:nvCxnSpPr>
+        <p:spPr>
+          <a:xfrm flipH="1">
+            <a:off x="7339456" y="5374178"/>
+            <a:ext cx="2872598" cy="0"/>
+          </a:xfrm>
+          <a:prstGeom prst="line">
+            <a:avLst/>
+          </a:prstGeom>
+          <a:ln w="28575">
+            <a:solidFill>
+              <a:schemeClr val="bg2">
+                <a:lumMod val="50000"/>
+              </a:schemeClr>
+            </a:solidFill>
+          </a:ln>
+        </p:spPr>
+        <p:style>
+          <a:lnRef idx="1">
+            <a:schemeClr val="accent1"/>
+          </a:lnRef>
+          <a:fillRef idx="0">
+            <a:schemeClr val="accent1"/>
+          </a:fillRef>
+          <a:effectRef idx="0">
+            <a:schemeClr val="accent1"/>
+          </a:effectRef>
+          <a:fontRef idx="minor">
+            <a:schemeClr val="tx1"/>
+          </a:fontRef>
+        </p:style>
+      </p:cxnSp>
+      <p:cxnSp>
+        <p:nvCxnSpPr>
+          <p:cNvPr id="56" name="Straight Connector 55">
+            <a:extLst>
+              <a:ext uri="{FF2B5EF4-FFF2-40B4-BE49-F238E27FC236}">
+                <a16:creationId xmlns:a16="http://schemas.microsoft.com/office/drawing/2014/main" id="{7E58BAA7-2F32-4FAA-A1CD-AC4077DF4D51}"/>
+              </a:ext>
+            </a:extLst>
+          </p:cNvPr>
+          <p:cNvCxnSpPr>
+            <a:cxnSpLocks/>
+          </p:cNvCxnSpPr>
+          <p:nvPr/>
+        </p:nvCxnSpPr>
+        <p:spPr>
+          <a:xfrm flipV="1">
+            <a:off x="9157093" y="4130040"/>
+            <a:ext cx="277783" cy="321424"/>
+          </a:xfrm>
+          <a:prstGeom prst="line">
+            <a:avLst/>
+          </a:prstGeom>
+          <a:ln w="19050">
+            <a:solidFill>
+              <a:srgbClr val="CD717C"/>
+            </a:solidFill>
+          </a:ln>
+        </p:spPr>
+        <p:style>
+          <a:lnRef idx="1">
+            <a:schemeClr val="accent1"/>
+          </a:lnRef>
+          <a:fillRef idx="0">
+            <a:schemeClr val="accent1"/>
+          </a:fillRef>
+          <a:effectRef idx="0">
+            <a:schemeClr val="accent1"/>
+          </a:effectRef>
+          <a:fontRef idx="minor">
+            <a:schemeClr val="tx1"/>
+          </a:fontRef>
+        </p:style>
+      </p:cxnSp>
+      <p:cxnSp>
+        <p:nvCxnSpPr>
+          <p:cNvPr id="58" name="Straight Connector 57">
+            <a:extLst>
+              <a:ext uri="{FF2B5EF4-FFF2-40B4-BE49-F238E27FC236}">
+                <a16:creationId xmlns:a16="http://schemas.microsoft.com/office/drawing/2014/main" id="{6B32018F-17C8-4537-B20B-19793B9DD008}"/>
+              </a:ext>
+            </a:extLst>
+          </p:cNvPr>
+          <p:cNvCxnSpPr/>
+          <p:nvPr/>
+        </p:nvCxnSpPr>
+        <p:spPr>
+          <a:xfrm flipH="1">
+            <a:off x="4627418" y="350982"/>
+            <a:ext cx="1782618" cy="6028335"/>
+          </a:xfrm>
+          <a:prstGeom prst="line">
+            <a:avLst/>
+          </a:prstGeom>
+          <a:ln w="19050">
+            <a:solidFill>
+              <a:schemeClr val="bg2">
+                <a:lumMod val="25000"/>
+              </a:schemeClr>
+            </a:solidFill>
+          </a:ln>
+        </p:spPr>
+        <p:style>
+          <a:lnRef idx="1">
+            <a:schemeClr val="accent1"/>
+          </a:lnRef>
+          <a:fillRef idx="0">
+            <a:schemeClr val="accent1"/>
+          </a:fillRef>
+          <a:effectRef idx="0">
+            <a:schemeClr val="accent1"/>
+          </a:effectRef>
+          <a:fontRef idx="minor">
+            <a:schemeClr val="tx1"/>
+          </a:fontRef>
+        </p:style>
+      </p:cxnSp>
+    </p:spTree>
+    <p:extLst>
+      <p:ext uri="{BB962C8B-B14F-4D97-AF65-F5344CB8AC3E}">
+        <p14:creationId xmlns:p14="http://schemas.microsoft.com/office/powerpoint/2010/main" val="4211730808"/>
+      </p:ext>
+    </p:extLst>
+  </p:cSld>
+  <p:clrMapOvr>
+    <a:masterClrMapping/>
+  </p:clrMapOvr>
+  <p:transition>
+    <p:fade/>
+  </p:transition>
+  <p:timing>
+    <p:tnLst>
+      <p:par>
+        <p:cTn id="1" dur="indefinite" restart="never" nodeType="tmRoot">
+          <p:childTnLst>
+            <p:seq concurrent="1" nextAc="seek">
+              <p:cTn id="2" dur="indefinite" nodeType="mainSeq">
+                <p:childTnLst>
+                  <p:par>
+                    <p:cTn id="3" fill="hold">
+                      <p:stCondLst>
+                        <p:cond delay="indefinite"/>
+                      </p:stCondLst>
+                      <p:childTnLst>
+                        <p:par>
+                          <p:cTn id="4" fill="hold">
+                            <p:stCondLst>
+                              <p:cond delay="0"/>
+                            </p:stCondLst>
+                            <p:childTnLst>
+                              <p:par>
+                                <p:cTn id="5" presetID="10" presetClass="entr" presetSubtype="0" fill="hold" nodeType="clickEffect">
+                                  <p:stCondLst>
+                                    <p:cond delay="0"/>
+                                  </p:stCondLst>
+                                  <p:childTnLst>
+                                    <p:set>
+                                      <p:cBhvr>
+                                        <p:cTn id="6" dur="1" fill="hold">
+                                          <p:stCondLst>
+                                            <p:cond delay="0"/>
+                                          </p:stCondLst>
+                                        </p:cTn>
+                                        <p:tgtEl>
+                                          <p:spTgt spid="5"/>
+                                        </p:tgtEl>
+                                        <p:attrNameLst>
+                                          <p:attrName>style.visibility</p:attrName>
+                                        </p:attrNameLst>
+                                      </p:cBhvr>
+                                      <p:to>
+                                        <p:strVal val="visible"/>
+                                      </p:to>
+                                    </p:set>
+                                    <p:animEffect transition="in" filter="fade">
+                                      <p:cBhvr>
+                                        <p:cTn id="7" dur="1000"/>
+                                        <p:tgtEl>
+                                          <p:spTgt spid="5"/>
+                                        </p:tgtEl>
+                                      </p:cBhvr>
+                                    </p:animEffect>
+                                  </p:childTnLst>
+                                </p:cTn>
+                              </p:par>
+                              <p:par>
+                                <p:cTn id="8" presetID="10" presetClass="entr" presetSubtype="0" fill="hold" nodeType="withEffect">
+                                  <p:stCondLst>
+                                    <p:cond delay="0"/>
+                                  </p:stCondLst>
+                                  <p:childTnLst>
+                                    <p:set>
+                                      <p:cBhvr>
+                                        <p:cTn id="9" dur="1" fill="hold">
+                                          <p:stCondLst>
+                                            <p:cond delay="0"/>
+                                          </p:stCondLst>
+                                        </p:cTn>
+                                        <p:tgtEl>
+                                          <p:spTgt spid="6"/>
+                                        </p:tgtEl>
+                                        <p:attrNameLst>
+                                          <p:attrName>style.visibility</p:attrName>
+                                        </p:attrNameLst>
+                                      </p:cBhvr>
+                                      <p:to>
+                                        <p:strVal val="visible"/>
+                                      </p:to>
+                                    </p:set>
+                                    <p:animEffect transition="in" filter="fade">
+                                      <p:cBhvr>
+                                        <p:cTn id="10" dur="1000"/>
+                                        <p:tgtEl>
+                                          <p:spTgt spid="6"/>
+                                        </p:tgtEl>
+                                      </p:cBhvr>
+                                    </p:animEffect>
+                                  </p:childTnLst>
+                                </p:cTn>
+                              </p:par>
+                              <p:par>
+                                <p:cTn id="11" presetID="10" presetClass="entr" presetSubtype="0" fill="hold" grpId="0" nodeType="withEffect">
+                                  <p:stCondLst>
+                                    <p:cond delay="0"/>
+                                  </p:stCondLst>
+                                  <p:childTnLst>
+                                    <p:set>
+                                      <p:cBhvr>
+                                        <p:cTn id="12" dur="1" fill="hold">
+                                          <p:stCondLst>
+                                            <p:cond delay="0"/>
+                                          </p:stCondLst>
+                                        </p:cTn>
+                                        <p:tgtEl>
+                                          <p:spTgt spid="7"/>
+                                        </p:tgtEl>
+                                        <p:attrNameLst>
+                                          <p:attrName>style.visibility</p:attrName>
+                                        </p:attrNameLst>
+                                      </p:cBhvr>
+                                      <p:to>
+                                        <p:strVal val="visible"/>
+                                      </p:to>
+                                    </p:set>
+                                    <p:animEffect transition="in" filter="fade">
+                                      <p:cBhvr>
+                                        <p:cTn id="13" dur="1000"/>
+                                        <p:tgtEl>
+                                          <p:spTgt spid="7"/>
+                                        </p:tgtEl>
+                                      </p:cBhvr>
+                                    </p:animEffect>
+                                  </p:childTnLst>
+                                </p:cTn>
+                              </p:par>
+                              <p:par>
+                                <p:cTn id="14" presetID="10" presetClass="entr" presetSubtype="0" fill="hold" grpId="0" nodeType="withEffect">
+                                  <p:stCondLst>
+                                    <p:cond delay="0"/>
+                                  </p:stCondLst>
+                                  <p:childTnLst>
+                                    <p:set>
+                                      <p:cBhvr>
+                                        <p:cTn id="15" dur="1" fill="hold">
+                                          <p:stCondLst>
+                                            <p:cond delay="0"/>
+                                          </p:stCondLst>
+                                        </p:cTn>
+                                        <p:tgtEl>
+                                          <p:spTgt spid="8"/>
+                                        </p:tgtEl>
+                                        <p:attrNameLst>
+                                          <p:attrName>style.visibility</p:attrName>
+                                        </p:attrNameLst>
+                                      </p:cBhvr>
+                                      <p:to>
+                                        <p:strVal val="visible"/>
+                                      </p:to>
+                                    </p:set>
+                                    <p:animEffect transition="in" filter="fade">
+                                      <p:cBhvr>
+                                        <p:cTn id="16" dur="1000"/>
+                                        <p:tgtEl>
+                                          <p:spTgt spid="8"/>
+                                        </p:tgtEl>
+                                      </p:cBhvr>
+                                    </p:animEffect>
+                                  </p:childTnLst>
+                                </p:cTn>
+                              </p:par>
+                              <p:par>
+                                <p:cTn id="17" presetID="10" presetClass="entr" presetSubtype="0" fill="hold" nodeType="withEffect">
+                                  <p:stCondLst>
+                                    <p:cond delay="0"/>
+                                  </p:stCondLst>
+                                  <p:childTnLst>
+                                    <p:set>
+                                      <p:cBhvr>
+                                        <p:cTn id="18" dur="1" fill="hold">
+                                          <p:stCondLst>
+                                            <p:cond delay="0"/>
+                                          </p:stCondLst>
+                                        </p:cTn>
+                                        <p:tgtEl>
+                                          <p:spTgt spid="9"/>
+                                        </p:tgtEl>
+                                        <p:attrNameLst>
+                                          <p:attrName>style.visibility</p:attrName>
+                                        </p:attrNameLst>
+                                      </p:cBhvr>
+                                      <p:to>
+                                        <p:strVal val="visible"/>
+                                      </p:to>
+                                    </p:set>
+                                    <p:animEffect transition="in" filter="fade">
+                                      <p:cBhvr>
+                                        <p:cTn id="19" dur="1000"/>
+                                        <p:tgtEl>
+                                          <p:spTgt spid="9"/>
+                                        </p:tgtEl>
+                                      </p:cBhvr>
+                                    </p:animEffect>
+                                  </p:childTnLst>
+                                </p:cTn>
+                              </p:par>
+                              <p:par>
+                                <p:cTn id="20" presetID="10" presetClass="entr" presetSubtype="0" fill="hold" nodeType="withEffect">
+                                  <p:stCondLst>
+                                    <p:cond delay="0"/>
+                                  </p:stCondLst>
+                                  <p:childTnLst>
+                                    <p:set>
+                                      <p:cBhvr>
+                                        <p:cTn id="21" dur="1" fill="hold">
+                                          <p:stCondLst>
+                                            <p:cond delay="0"/>
+                                          </p:stCondLst>
+                                        </p:cTn>
+                                        <p:tgtEl>
+                                          <p:spTgt spid="10"/>
+                                        </p:tgtEl>
+                                        <p:attrNameLst>
+                                          <p:attrName>style.visibility</p:attrName>
+                                        </p:attrNameLst>
+                                      </p:cBhvr>
+                                      <p:to>
+                                        <p:strVal val="visible"/>
+                                      </p:to>
+                                    </p:set>
+                                    <p:animEffect transition="in" filter="fade">
+                                      <p:cBhvr>
+                                        <p:cTn id="22" dur="1000"/>
+                                        <p:tgtEl>
+                                          <p:spTgt spid="10"/>
+                                        </p:tgtEl>
+                                      </p:cBhvr>
+                                    </p:animEffect>
+                                  </p:childTnLst>
+                                </p:cTn>
+                              </p:par>
+                              <p:par>
+                                <p:cTn id="23" presetID="10" presetClass="entr" presetSubtype="0" fill="hold" nodeType="withEffect">
+                                  <p:stCondLst>
+                                    <p:cond delay="0"/>
+                                  </p:stCondLst>
+                                  <p:childTnLst>
+                                    <p:set>
+                                      <p:cBhvr>
+                                        <p:cTn id="24" dur="1" fill="hold">
+                                          <p:stCondLst>
+                                            <p:cond delay="0"/>
+                                          </p:stCondLst>
+                                        </p:cTn>
+                                        <p:tgtEl>
+                                          <p:spTgt spid="11"/>
+                                        </p:tgtEl>
+                                        <p:attrNameLst>
+                                          <p:attrName>style.visibility</p:attrName>
+                                        </p:attrNameLst>
+                                      </p:cBhvr>
+                                      <p:to>
+                                        <p:strVal val="visible"/>
+                                      </p:to>
+                                    </p:set>
+                                    <p:animEffect transition="in" filter="fade">
+                                      <p:cBhvr>
+                                        <p:cTn id="25" dur="1000"/>
+                                        <p:tgtEl>
+                                          <p:spTgt spid="11"/>
+                                        </p:tgtEl>
+                                      </p:cBhvr>
+                                    </p:animEffect>
+                                  </p:childTnLst>
+                                </p:cTn>
+                              </p:par>
+                              <p:par>
+                                <p:cTn id="26" presetID="10" presetClass="entr" presetSubtype="0" fill="hold" nodeType="withEffect">
+                                  <p:stCondLst>
+                                    <p:cond delay="0"/>
+                                  </p:stCondLst>
+                                  <p:childTnLst>
+                                    <p:set>
+                                      <p:cBhvr>
+                                        <p:cTn id="27" dur="1" fill="hold">
+                                          <p:stCondLst>
+                                            <p:cond delay="0"/>
+                                          </p:stCondLst>
+                                        </p:cTn>
+                                        <p:tgtEl>
+                                          <p:spTgt spid="13"/>
+                                        </p:tgtEl>
+                                        <p:attrNameLst>
+                                          <p:attrName>style.visibility</p:attrName>
+                                        </p:attrNameLst>
+                                      </p:cBhvr>
+                                      <p:to>
+                                        <p:strVal val="visible"/>
+                                      </p:to>
+                                    </p:set>
+                                    <p:animEffect transition="in" filter="fade">
+                                      <p:cBhvr>
+                                        <p:cTn id="28" dur="1000"/>
+                                        <p:tgtEl>
+                                          <p:spTgt spid="13"/>
+                                        </p:tgtEl>
+                                      </p:cBhvr>
+                                    </p:animEffect>
+                                  </p:childTnLst>
+                                </p:cTn>
+                              </p:par>
+                            </p:childTnLst>
+                          </p:cTn>
+                        </p:par>
+                      </p:childTnLst>
+                    </p:cTn>
+                  </p:par>
+                  <p:par>
+                    <p:cTn id="29" fill="hold">
+                      <p:stCondLst>
+                        <p:cond delay="indefinite"/>
+                      </p:stCondLst>
+                      <p:childTnLst>
+                        <p:par>
+                          <p:cTn id="30" fill="hold">
+                            <p:stCondLst>
+                              <p:cond delay="0"/>
+                            </p:stCondLst>
+                            <p:childTnLst>
+                              <p:par>
+                                <p:cTn id="31" presetID="10" presetClass="entr" presetSubtype="0" fill="hold" nodeType="clickEffect">
+                                  <p:stCondLst>
+                                    <p:cond delay="0"/>
+                                  </p:stCondLst>
+                                  <p:childTnLst>
+                                    <p:set>
+                                      <p:cBhvr>
+                                        <p:cTn id="32" dur="1" fill="hold">
+                                          <p:stCondLst>
+                                            <p:cond delay="0"/>
+                                          </p:stCondLst>
+                                        </p:cTn>
+                                        <p:tgtEl>
+                                          <p:spTgt spid="24"/>
+                                        </p:tgtEl>
+                                        <p:attrNameLst>
+                                          <p:attrName>style.visibility</p:attrName>
+                                        </p:attrNameLst>
+                                      </p:cBhvr>
+                                      <p:to>
+                                        <p:strVal val="visible"/>
+                                      </p:to>
+                                    </p:set>
+                                    <p:animEffect transition="in" filter="fade">
+                                      <p:cBhvr>
+                                        <p:cTn id="33" dur="1000"/>
+                                        <p:tgtEl>
+                                          <p:spTgt spid="24"/>
+                                        </p:tgtEl>
+                                      </p:cBhvr>
+                                    </p:animEffect>
+                                  </p:childTnLst>
+                                </p:cTn>
+                              </p:par>
+                              <p:par>
+                                <p:cTn id="34" presetID="10" presetClass="entr" presetSubtype="0" fill="hold" nodeType="withEffect">
+                                  <p:stCondLst>
+                                    <p:cond delay="0"/>
+                                  </p:stCondLst>
+                                  <p:childTnLst>
+                                    <p:set>
+                                      <p:cBhvr>
+                                        <p:cTn id="35" dur="1" fill="hold">
+                                          <p:stCondLst>
+                                            <p:cond delay="0"/>
+                                          </p:stCondLst>
+                                        </p:cTn>
+                                        <p:tgtEl>
+                                          <p:spTgt spid="25"/>
+                                        </p:tgtEl>
+                                        <p:attrNameLst>
+                                          <p:attrName>style.visibility</p:attrName>
+                                        </p:attrNameLst>
+                                      </p:cBhvr>
+                                      <p:to>
+                                        <p:strVal val="visible"/>
+                                      </p:to>
+                                    </p:set>
+                                    <p:animEffect transition="in" filter="fade">
+                                      <p:cBhvr>
+                                        <p:cTn id="36" dur="1000"/>
+                                        <p:tgtEl>
+                                          <p:spTgt spid="25"/>
+                                        </p:tgtEl>
+                                      </p:cBhvr>
+                                    </p:animEffect>
+                                  </p:childTnLst>
+                                </p:cTn>
+                              </p:par>
+                              <p:par>
+                                <p:cTn id="37" presetID="10" presetClass="entr" presetSubtype="0" fill="hold" grpId="0" nodeType="withEffect">
+                                  <p:stCondLst>
+                                    <p:cond delay="0"/>
+                                  </p:stCondLst>
+                                  <p:childTnLst>
+                                    <p:set>
+                                      <p:cBhvr>
+                                        <p:cTn id="38" dur="1" fill="hold">
+                                          <p:stCondLst>
+                                            <p:cond delay="0"/>
+                                          </p:stCondLst>
+                                        </p:cTn>
+                                        <p:tgtEl>
+                                          <p:spTgt spid="26"/>
+                                        </p:tgtEl>
+                                        <p:attrNameLst>
+                                          <p:attrName>style.visibility</p:attrName>
+                                        </p:attrNameLst>
+                                      </p:cBhvr>
+                                      <p:to>
+                                        <p:strVal val="visible"/>
+                                      </p:to>
+                                    </p:set>
+                                    <p:animEffect transition="in" filter="fade">
+                                      <p:cBhvr>
+                                        <p:cTn id="39" dur="1000"/>
+                                        <p:tgtEl>
+                                          <p:spTgt spid="26"/>
+                                        </p:tgtEl>
+                                      </p:cBhvr>
+                                    </p:animEffect>
+                                  </p:childTnLst>
+                                </p:cTn>
+                              </p:par>
+                              <p:par>
+                                <p:cTn id="40" presetID="10" presetClass="entr" presetSubtype="0" fill="hold" grpId="0" nodeType="withEffect">
+                                  <p:stCondLst>
+                                    <p:cond delay="0"/>
+                                  </p:stCondLst>
+                                  <p:childTnLst>
+                                    <p:set>
+                                      <p:cBhvr>
+                                        <p:cTn id="41" dur="1" fill="hold">
+                                          <p:stCondLst>
+                                            <p:cond delay="0"/>
+                                          </p:stCondLst>
+                                        </p:cTn>
+                                        <p:tgtEl>
+                                          <p:spTgt spid="27"/>
+                                        </p:tgtEl>
+                                        <p:attrNameLst>
+                                          <p:attrName>style.visibility</p:attrName>
+                                        </p:attrNameLst>
+                                      </p:cBhvr>
+                                      <p:to>
+                                        <p:strVal val="visible"/>
+                                      </p:to>
+                                    </p:set>
+                                    <p:animEffect transition="in" filter="fade">
+                                      <p:cBhvr>
+                                        <p:cTn id="42" dur="1000"/>
+                                        <p:tgtEl>
+                                          <p:spTgt spid="27"/>
+                                        </p:tgtEl>
+                                      </p:cBhvr>
+                                    </p:animEffect>
+                                  </p:childTnLst>
+                                </p:cTn>
+                              </p:par>
+                              <p:par>
+                                <p:cTn id="43" presetID="10" presetClass="entr" presetSubtype="0" fill="hold" nodeType="withEffect">
+                                  <p:stCondLst>
+                                    <p:cond delay="0"/>
+                                  </p:stCondLst>
+                                  <p:childTnLst>
+                                    <p:set>
+                                      <p:cBhvr>
+                                        <p:cTn id="44" dur="1" fill="hold">
+                                          <p:stCondLst>
+                                            <p:cond delay="0"/>
+                                          </p:stCondLst>
+                                        </p:cTn>
+                                        <p:tgtEl>
+                                          <p:spTgt spid="28"/>
+                                        </p:tgtEl>
+                                        <p:attrNameLst>
+                                          <p:attrName>style.visibility</p:attrName>
+                                        </p:attrNameLst>
+                                      </p:cBhvr>
+                                      <p:to>
+                                        <p:strVal val="visible"/>
+                                      </p:to>
+                                    </p:set>
+                                    <p:animEffect transition="in" filter="fade">
+                                      <p:cBhvr>
+                                        <p:cTn id="45" dur="1000"/>
+                                        <p:tgtEl>
+                                          <p:spTgt spid="28"/>
+                                        </p:tgtEl>
+                                      </p:cBhvr>
+                                    </p:animEffect>
+                                  </p:childTnLst>
+                                </p:cTn>
+                              </p:par>
+                              <p:par>
+                                <p:cTn id="46" presetID="10" presetClass="entr" presetSubtype="0" fill="hold" nodeType="withEffect">
+                                  <p:stCondLst>
+                                    <p:cond delay="0"/>
+                                  </p:stCondLst>
+                                  <p:childTnLst>
+                                    <p:set>
+                                      <p:cBhvr>
+                                        <p:cTn id="47" dur="1" fill="hold">
+                                          <p:stCondLst>
+                                            <p:cond delay="0"/>
+                                          </p:stCondLst>
+                                        </p:cTn>
+                                        <p:tgtEl>
+                                          <p:spTgt spid="29"/>
+                                        </p:tgtEl>
+                                        <p:attrNameLst>
+                                          <p:attrName>style.visibility</p:attrName>
+                                        </p:attrNameLst>
+                                      </p:cBhvr>
+                                      <p:to>
+                                        <p:strVal val="visible"/>
+                                      </p:to>
+                                    </p:set>
+                                    <p:animEffect transition="in" filter="fade">
+                                      <p:cBhvr>
+                                        <p:cTn id="48" dur="1000"/>
+                                        <p:tgtEl>
+                                          <p:spTgt spid="29"/>
+                                        </p:tgtEl>
+                                      </p:cBhvr>
+                                    </p:animEffect>
+                                  </p:childTnLst>
+                                </p:cTn>
+                              </p:par>
+                              <p:par>
+                                <p:cTn id="49" presetID="10" presetClass="entr" presetSubtype="0" fill="hold" nodeType="withEffect">
+                                  <p:stCondLst>
+                                    <p:cond delay="0"/>
+                                  </p:stCondLst>
+                                  <p:childTnLst>
+                                    <p:set>
+                                      <p:cBhvr>
+                                        <p:cTn id="50" dur="1" fill="hold">
+                                          <p:stCondLst>
+                                            <p:cond delay="0"/>
+                                          </p:stCondLst>
+                                        </p:cTn>
+                                        <p:tgtEl>
+                                          <p:spTgt spid="30"/>
+                                        </p:tgtEl>
+                                        <p:attrNameLst>
+                                          <p:attrName>style.visibility</p:attrName>
+                                        </p:attrNameLst>
+                                      </p:cBhvr>
+                                      <p:to>
+                                        <p:strVal val="visible"/>
+                                      </p:to>
+                                    </p:set>
+                                    <p:animEffect transition="in" filter="fade">
+                                      <p:cBhvr>
+                                        <p:cTn id="51" dur="1000"/>
+                                        <p:tgtEl>
+                                          <p:spTgt spid="30"/>
+                                        </p:tgtEl>
+                                      </p:cBhvr>
+                                    </p:animEffect>
+                                  </p:childTnLst>
+                                </p:cTn>
+                              </p:par>
+                              <p:par>
+                                <p:cTn id="52" presetID="10" presetClass="entr" presetSubtype="0" fill="hold" nodeType="withEffect">
+                                  <p:stCondLst>
+                                    <p:cond delay="0"/>
+                                  </p:stCondLst>
+                                  <p:childTnLst>
+                                    <p:set>
+                                      <p:cBhvr>
+                                        <p:cTn id="53" dur="1" fill="hold">
+                                          <p:stCondLst>
+                                            <p:cond delay="0"/>
+                                          </p:stCondLst>
+                                        </p:cTn>
+                                        <p:tgtEl>
+                                          <p:spTgt spid="31"/>
+                                        </p:tgtEl>
+                                        <p:attrNameLst>
+                                          <p:attrName>style.visibility</p:attrName>
+                                        </p:attrNameLst>
+                                      </p:cBhvr>
+                                      <p:to>
+                                        <p:strVal val="visible"/>
+                                      </p:to>
+                                    </p:set>
+                                    <p:animEffect transition="in" filter="fade">
+                                      <p:cBhvr>
+                                        <p:cTn id="54" dur="1000"/>
+                                        <p:tgtEl>
+                                          <p:spTgt spid="31"/>
+                                        </p:tgtEl>
+                                      </p:cBhvr>
+                                    </p:animEffect>
+                                  </p:childTnLst>
+                                </p:cTn>
+                              </p:par>
+                            </p:childTnLst>
+                          </p:cTn>
+                        </p:par>
+                      </p:childTnLst>
+                    </p:cTn>
+                  </p:par>
+                  <p:par>
+                    <p:cTn id="55" fill="hold">
+                      <p:stCondLst>
+                        <p:cond delay="indefinite"/>
+                      </p:stCondLst>
+                      <p:childTnLst>
+                        <p:par>
+                          <p:cTn id="56" fill="hold">
+                            <p:stCondLst>
+                              <p:cond delay="0"/>
+                            </p:stCondLst>
+                            <p:childTnLst>
+                              <p:par>
+                                <p:cTn id="57" presetID="10" presetClass="entr" presetSubtype="0" fill="hold" nodeType="clickEffect">
+                                  <p:stCondLst>
+                                    <p:cond delay="0"/>
+                                  </p:stCondLst>
+                                  <p:childTnLst>
+                                    <p:set>
+                                      <p:cBhvr>
+                                        <p:cTn id="58" dur="1" fill="hold">
+                                          <p:stCondLst>
+                                            <p:cond delay="0"/>
+                                          </p:stCondLst>
+                                        </p:cTn>
+                                        <p:tgtEl>
+                                          <p:spTgt spid="39"/>
+                                        </p:tgtEl>
+                                        <p:attrNameLst>
+                                          <p:attrName>style.visibility</p:attrName>
+                                        </p:attrNameLst>
+                                      </p:cBhvr>
+                                      <p:to>
+                                        <p:strVal val="visible"/>
+                                      </p:to>
+                                    </p:set>
+                                    <p:animEffect transition="in" filter="fade">
+                                      <p:cBhvr>
+                                        <p:cTn id="59" dur="1000"/>
+                                        <p:tgtEl>
+                                          <p:spTgt spid="39"/>
+                                        </p:tgtEl>
+                                      </p:cBhvr>
+                                    </p:animEffect>
+                                  </p:childTnLst>
+                                </p:cTn>
+                              </p:par>
+                              <p:par>
+                                <p:cTn id="60" presetID="10" presetClass="entr" presetSubtype="0" fill="hold" nodeType="withEffect">
+                                  <p:stCondLst>
+                                    <p:cond delay="0"/>
+                                  </p:stCondLst>
+                                  <p:childTnLst>
+                                    <p:set>
+                                      <p:cBhvr>
+                                        <p:cTn id="61" dur="1" fill="hold">
+                                          <p:stCondLst>
+                                            <p:cond delay="0"/>
+                                          </p:stCondLst>
+                                        </p:cTn>
+                                        <p:tgtEl>
+                                          <p:spTgt spid="40"/>
+                                        </p:tgtEl>
+                                        <p:attrNameLst>
+                                          <p:attrName>style.visibility</p:attrName>
+                                        </p:attrNameLst>
+                                      </p:cBhvr>
+                                      <p:to>
+                                        <p:strVal val="visible"/>
+                                      </p:to>
+                                    </p:set>
+                                    <p:animEffect transition="in" filter="fade">
+                                      <p:cBhvr>
+                                        <p:cTn id="62" dur="1000"/>
+                                        <p:tgtEl>
+                                          <p:spTgt spid="40"/>
+                                        </p:tgtEl>
+                                      </p:cBhvr>
+                                    </p:animEffect>
+                                  </p:childTnLst>
+                                </p:cTn>
+                              </p:par>
+                              <p:par>
+                                <p:cTn id="63" presetID="10" presetClass="entr" presetSubtype="0" fill="hold" grpId="0" nodeType="withEffect">
+                                  <p:stCondLst>
+                                    <p:cond delay="0"/>
+                                  </p:stCondLst>
+                                  <p:childTnLst>
+                                    <p:set>
+                                      <p:cBhvr>
+                                        <p:cTn id="64" dur="1" fill="hold">
+                                          <p:stCondLst>
+                                            <p:cond delay="0"/>
+                                          </p:stCondLst>
+                                        </p:cTn>
+                                        <p:tgtEl>
+                                          <p:spTgt spid="41"/>
+                                        </p:tgtEl>
+                                        <p:attrNameLst>
+                                          <p:attrName>style.visibility</p:attrName>
+                                        </p:attrNameLst>
+                                      </p:cBhvr>
+                                      <p:to>
+                                        <p:strVal val="visible"/>
+                                      </p:to>
+                                    </p:set>
+                                    <p:animEffect transition="in" filter="fade">
+                                      <p:cBhvr>
+                                        <p:cTn id="65" dur="1000"/>
+                                        <p:tgtEl>
+                                          <p:spTgt spid="41"/>
+                                        </p:tgtEl>
+                                      </p:cBhvr>
+                                    </p:animEffect>
+                                  </p:childTnLst>
+                                </p:cTn>
+                              </p:par>
+                              <p:par>
+                                <p:cTn id="66" presetID="10" presetClass="entr" presetSubtype="0" fill="hold" grpId="0" nodeType="withEffect">
+                                  <p:stCondLst>
+                                    <p:cond delay="0"/>
+                                  </p:stCondLst>
+                                  <p:childTnLst>
+                                    <p:set>
+                                      <p:cBhvr>
+                                        <p:cTn id="67" dur="1" fill="hold">
+                                          <p:stCondLst>
+                                            <p:cond delay="0"/>
+                                          </p:stCondLst>
+                                        </p:cTn>
+                                        <p:tgtEl>
+                                          <p:spTgt spid="42"/>
+                                        </p:tgtEl>
+                                        <p:attrNameLst>
+                                          <p:attrName>style.visibility</p:attrName>
+                                        </p:attrNameLst>
+                                      </p:cBhvr>
+                                      <p:to>
+                                        <p:strVal val="visible"/>
+                                      </p:to>
+                                    </p:set>
+                                    <p:animEffect transition="in" filter="fade">
+                                      <p:cBhvr>
+                                        <p:cTn id="68" dur="1000"/>
+                                        <p:tgtEl>
+                                          <p:spTgt spid="42"/>
+                                        </p:tgtEl>
+                                      </p:cBhvr>
+                                    </p:animEffect>
+                                  </p:childTnLst>
+                                </p:cTn>
+                              </p:par>
+                              <p:par>
+                                <p:cTn id="69" presetID="10" presetClass="entr" presetSubtype="0" fill="hold" nodeType="withEffect">
+                                  <p:stCondLst>
+                                    <p:cond delay="0"/>
+                                  </p:stCondLst>
+                                  <p:childTnLst>
+                                    <p:set>
+                                      <p:cBhvr>
+                                        <p:cTn id="70" dur="1" fill="hold">
+                                          <p:stCondLst>
+                                            <p:cond delay="0"/>
+                                          </p:stCondLst>
+                                        </p:cTn>
+                                        <p:tgtEl>
+                                          <p:spTgt spid="43"/>
+                                        </p:tgtEl>
+                                        <p:attrNameLst>
+                                          <p:attrName>style.visibility</p:attrName>
+                                        </p:attrNameLst>
+                                      </p:cBhvr>
+                                      <p:to>
+                                        <p:strVal val="visible"/>
+                                      </p:to>
+                                    </p:set>
+                                    <p:animEffect transition="in" filter="fade">
+                                      <p:cBhvr>
+                                        <p:cTn id="71" dur="1000"/>
+                                        <p:tgtEl>
+                                          <p:spTgt spid="43"/>
+                                        </p:tgtEl>
+                                      </p:cBhvr>
+                                    </p:animEffect>
+                                  </p:childTnLst>
+                                </p:cTn>
+                              </p:par>
+                              <p:par>
+                                <p:cTn id="72" presetID="10" presetClass="entr" presetSubtype="0" fill="hold" nodeType="withEffect">
+                                  <p:stCondLst>
+                                    <p:cond delay="0"/>
+                                  </p:stCondLst>
+                                  <p:childTnLst>
+                                    <p:set>
+                                      <p:cBhvr>
+                                        <p:cTn id="73" dur="1" fill="hold">
+                                          <p:stCondLst>
+                                            <p:cond delay="0"/>
+                                          </p:stCondLst>
+                                        </p:cTn>
+                                        <p:tgtEl>
+                                          <p:spTgt spid="44"/>
+                                        </p:tgtEl>
+                                        <p:attrNameLst>
+                                          <p:attrName>style.visibility</p:attrName>
+                                        </p:attrNameLst>
+                                      </p:cBhvr>
+                                      <p:to>
+                                        <p:strVal val="visible"/>
+                                      </p:to>
+                                    </p:set>
+                                    <p:animEffect transition="in" filter="fade">
+                                      <p:cBhvr>
+                                        <p:cTn id="74" dur="1000"/>
+                                        <p:tgtEl>
+                                          <p:spTgt spid="44"/>
+                                        </p:tgtEl>
+                                      </p:cBhvr>
+                                    </p:animEffect>
+                                  </p:childTnLst>
+                                </p:cTn>
+                              </p:par>
+                              <p:par>
+                                <p:cTn id="75" presetID="10" presetClass="entr" presetSubtype="0" fill="hold" nodeType="withEffect">
+                                  <p:stCondLst>
+                                    <p:cond delay="0"/>
+                                  </p:stCondLst>
+                                  <p:childTnLst>
+                                    <p:set>
+                                      <p:cBhvr>
+                                        <p:cTn id="76" dur="1" fill="hold">
+                                          <p:stCondLst>
+                                            <p:cond delay="0"/>
+                                          </p:stCondLst>
+                                        </p:cTn>
+                                        <p:tgtEl>
+                                          <p:spTgt spid="45"/>
+                                        </p:tgtEl>
+                                        <p:attrNameLst>
+                                          <p:attrName>style.visibility</p:attrName>
+                                        </p:attrNameLst>
+                                      </p:cBhvr>
+                                      <p:to>
+                                        <p:strVal val="visible"/>
+                                      </p:to>
+                                    </p:set>
+                                    <p:animEffect transition="in" filter="fade">
+                                      <p:cBhvr>
+                                        <p:cTn id="77" dur="1000"/>
+                                        <p:tgtEl>
+                                          <p:spTgt spid="45"/>
+                                        </p:tgtEl>
+                                      </p:cBhvr>
+                                    </p:animEffect>
+                                  </p:childTnLst>
+                                </p:cTn>
+                              </p:par>
+                              <p:par>
+                                <p:cTn id="78" presetID="10" presetClass="entr" presetSubtype="0" fill="hold" nodeType="withEffect">
+                                  <p:stCondLst>
+                                    <p:cond delay="0"/>
+                                  </p:stCondLst>
+                                  <p:childTnLst>
+                                    <p:set>
+                                      <p:cBhvr>
+                                        <p:cTn id="79" dur="1" fill="hold">
+                                          <p:stCondLst>
+                                            <p:cond delay="0"/>
+                                          </p:stCondLst>
+                                        </p:cTn>
+                                        <p:tgtEl>
+                                          <p:spTgt spid="46"/>
+                                        </p:tgtEl>
+                                        <p:attrNameLst>
+                                          <p:attrName>style.visibility</p:attrName>
+                                        </p:attrNameLst>
+                                      </p:cBhvr>
+                                      <p:to>
+                                        <p:strVal val="visible"/>
+                                      </p:to>
+                                    </p:set>
+                                    <p:animEffect transition="in" filter="fade">
+                                      <p:cBhvr>
+                                        <p:cTn id="80" dur="1000"/>
+                                        <p:tgtEl>
+                                          <p:spTgt spid="46"/>
+                                        </p:tgtEl>
+                                      </p:cBhvr>
+                                    </p:animEffect>
+                                  </p:childTnLst>
+                                </p:cTn>
+                              </p:par>
+                              <p:par>
+                                <p:cTn id="81" presetID="10" presetClass="entr" presetSubtype="0" fill="hold" nodeType="withEffect">
+                                  <p:stCondLst>
+                                    <p:cond delay="0"/>
+                                  </p:stCondLst>
+                                  <p:childTnLst>
+                                    <p:set>
+                                      <p:cBhvr>
+                                        <p:cTn id="82" dur="1" fill="hold">
+                                          <p:stCondLst>
+                                            <p:cond delay="0"/>
+                                          </p:stCondLst>
+                                        </p:cTn>
+                                        <p:tgtEl>
+                                          <p:spTgt spid="58"/>
+                                        </p:tgtEl>
+                                        <p:attrNameLst>
+                                          <p:attrName>style.visibility</p:attrName>
+                                        </p:attrNameLst>
+                                      </p:cBhvr>
+                                      <p:to>
+                                        <p:strVal val="visible"/>
+                                      </p:to>
+                                    </p:set>
+                                    <p:animEffect transition="in" filter="fade">
+                                      <p:cBhvr>
+                                        <p:cTn id="83" dur="1000"/>
+                                        <p:tgtEl>
+                                          <p:spTgt spid="58"/>
+                                        </p:tgtEl>
+                                      </p:cBhvr>
+                                    </p:animEffect>
+                                  </p:childTnLst>
+                                </p:cTn>
+                              </p:par>
+                            </p:childTnLst>
+                          </p:cTn>
+                        </p:par>
+                      </p:childTnLst>
+                    </p:cTn>
+                  </p:par>
+                  <p:par>
+                    <p:cTn id="84" fill="hold">
+                      <p:stCondLst>
+                        <p:cond delay="indefinite"/>
+                      </p:stCondLst>
+                      <p:childTnLst>
+                        <p:par>
+                          <p:cTn id="85" fill="hold">
+                            <p:stCondLst>
+                              <p:cond delay="0"/>
+                            </p:stCondLst>
+                            <p:childTnLst>
+                              <p:par>
+                                <p:cTn id="86" presetID="10" presetClass="entr" presetSubtype="0" fill="hold" nodeType="clickEffect">
+                                  <p:stCondLst>
+                                    <p:cond delay="0"/>
+                                  </p:stCondLst>
+                                  <p:childTnLst>
+                                    <p:set>
+                                      <p:cBhvr>
+                                        <p:cTn id="87" dur="1" fill="hold">
+                                          <p:stCondLst>
+                                            <p:cond delay="0"/>
+                                          </p:stCondLst>
+                                        </p:cTn>
+                                        <p:tgtEl>
+                                          <p:spTgt spid="48"/>
+                                        </p:tgtEl>
+                                        <p:attrNameLst>
+                                          <p:attrName>style.visibility</p:attrName>
+                                        </p:attrNameLst>
+                                      </p:cBhvr>
+                                      <p:to>
+                                        <p:strVal val="visible"/>
+                                      </p:to>
+                                    </p:set>
+                                    <p:animEffect transition="in" filter="fade">
+                                      <p:cBhvr>
+                                        <p:cTn id="88" dur="1000"/>
+                                        <p:tgtEl>
+                                          <p:spTgt spid="48"/>
+                                        </p:tgtEl>
+                                      </p:cBhvr>
+                                    </p:animEffect>
+                                  </p:childTnLst>
+                                </p:cTn>
+                              </p:par>
+                              <p:par>
+                                <p:cTn id="89" presetID="10" presetClass="entr" presetSubtype="0" fill="hold" grpId="0" nodeType="withEffect">
+                                  <p:stCondLst>
+                                    <p:cond delay="0"/>
+                                  </p:stCondLst>
+                                  <p:childTnLst>
+                                    <p:set>
+                                      <p:cBhvr>
+                                        <p:cTn id="90" dur="1" fill="hold">
+                                          <p:stCondLst>
+                                            <p:cond delay="0"/>
+                                          </p:stCondLst>
+                                        </p:cTn>
+                                        <p:tgtEl>
+                                          <p:spTgt spid="49"/>
+                                        </p:tgtEl>
+                                        <p:attrNameLst>
+                                          <p:attrName>style.visibility</p:attrName>
+                                        </p:attrNameLst>
+                                      </p:cBhvr>
+                                      <p:to>
+                                        <p:strVal val="visible"/>
+                                      </p:to>
+                                    </p:set>
+                                    <p:animEffect transition="in" filter="fade">
+                                      <p:cBhvr>
+                                        <p:cTn id="91" dur="1000"/>
+                                        <p:tgtEl>
+                                          <p:spTgt spid="49"/>
+                                        </p:tgtEl>
+                                      </p:cBhvr>
+                                    </p:animEffect>
+                                  </p:childTnLst>
+                                </p:cTn>
+                              </p:par>
+                              <p:par>
+                                <p:cTn id="92" presetID="10" presetClass="entr" presetSubtype="0" fill="hold" grpId="0" nodeType="withEffect">
+                                  <p:stCondLst>
+                                    <p:cond delay="0"/>
+                                  </p:stCondLst>
+                                  <p:childTnLst>
+                                    <p:set>
+                                      <p:cBhvr>
+                                        <p:cTn id="93" dur="1" fill="hold">
+                                          <p:stCondLst>
+                                            <p:cond delay="0"/>
+                                          </p:stCondLst>
+                                        </p:cTn>
+                                        <p:tgtEl>
+                                          <p:spTgt spid="50"/>
+                                        </p:tgtEl>
+                                        <p:attrNameLst>
+                                          <p:attrName>style.visibility</p:attrName>
+                                        </p:attrNameLst>
+                                      </p:cBhvr>
+                                      <p:to>
+                                        <p:strVal val="visible"/>
+                                      </p:to>
+                                    </p:set>
+                                    <p:animEffect transition="in" filter="fade">
+                                      <p:cBhvr>
+                                        <p:cTn id="94" dur="1000"/>
+                                        <p:tgtEl>
+                                          <p:spTgt spid="50"/>
+                                        </p:tgtEl>
+                                      </p:cBhvr>
+                                    </p:animEffect>
+                                  </p:childTnLst>
+                                </p:cTn>
+                              </p:par>
+                              <p:par>
+                                <p:cTn id="95" presetID="10" presetClass="entr" presetSubtype="0" fill="hold" nodeType="withEffect">
+                                  <p:stCondLst>
+                                    <p:cond delay="0"/>
+                                  </p:stCondLst>
+                                  <p:childTnLst>
+                                    <p:set>
+                                      <p:cBhvr>
+                                        <p:cTn id="96" dur="1" fill="hold">
+                                          <p:stCondLst>
+                                            <p:cond delay="0"/>
+                                          </p:stCondLst>
+                                        </p:cTn>
+                                        <p:tgtEl>
+                                          <p:spTgt spid="51"/>
+                                        </p:tgtEl>
+                                        <p:attrNameLst>
+                                          <p:attrName>style.visibility</p:attrName>
+                                        </p:attrNameLst>
+                                      </p:cBhvr>
+                                      <p:to>
+                                        <p:strVal val="visible"/>
+                                      </p:to>
+                                    </p:set>
+                                    <p:animEffect transition="in" filter="fade">
+                                      <p:cBhvr>
+                                        <p:cTn id="97" dur="1000"/>
+                                        <p:tgtEl>
+                                          <p:spTgt spid="51"/>
+                                        </p:tgtEl>
+                                      </p:cBhvr>
+                                    </p:animEffect>
+                                  </p:childTnLst>
+                                </p:cTn>
+                              </p:par>
+                              <p:par>
+                                <p:cTn id="98" presetID="10" presetClass="entr" presetSubtype="0" fill="hold" nodeType="withEffect">
+                                  <p:stCondLst>
+                                    <p:cond delay="0"/>
+                                  </p:stCondLst>
+                                  <p:childTnLst>
+                                    <p:set>
+                                      <p:cBhvr>
+                                        <p:cTn id="99" dur="1" fill="hold">
+                                          <p:stCondLst>
+                                            <p:cond delay="0"/>
+                                          </p:stCondLst>
+                                        </p:cTn>
+                                        <p:tgtEl>
+                                          <p:spTgt spid="52"/>
+                                        </p:tgtEl>
+                                        <p:attrNameLst>
+                                          <p:attrName>style.visibility</p:attrName>
+                                        </p:attrNameLst>
+                                      </p:cBhvr>
+                                      <p:to>
+                                        <p:strVal val="visible"/>
+                                      </p:to>
+                                    </p:set>
+                                    <p:animEffect transition="in" filter="fade">
+                                      <p:cBhvr>
+                                        <p:cTn id="100" dur="1000"/>
+                                        <p:tgtEl>
+                                          <p:spTgt spid="52"/>
+                                        </p:tgtEl>
+                                      </p:cBhvr>
+                                    </p:animEffect>
+                                  </p:childTnLst>
+                                </p:cTn>
+                              </p:par>
+                              <p:par>
+                                <p:cTn id="101" presetID="10" presetClass="entr" presetSubtype="0" fill="hold" nodeType="withEffect">
+                                  <p:stCondLst>
+                                    <p:cond delay="0"/>
+                                  </p:stCondLst>
+                                  <p:childTnLst>
+                                    <p:set>
+                                      <p:cBhvr>
+                                        <p:cTn id="102" dur="1" fill="hold">
+                                          <p:stCondLst>
+                                            <p:cond delay="0"/>
+                                          </p:stCondLst>
+                                        </p:cTn>
+                                        <p:tgtEl>
+                                          <p:spTgt spid="53"/>
+                                        </p:tgtEl>
+                                        <p:attrNameLst>
+                                          <p:attrName>style.visibility</p:attrName>
+                                        </p:attrNameLst>
+                                      </p:cBhvr>
+                                      <p:to>
+                                        <p:strVal val="visible"/>
+                                      </p:to>
+                                    </p:set>
+                                    <p:animEffect transition="in" filter="fade">
+                                      <p:cBhvr>
+                                        <p:cTn id="103" dur="1000"/>
+                                        <p:tgtEl>
+                                          <p:spTgt spid="53"/>
+                                        </p:tgtEl>
+                                      </p:cBhvr>
+                                    </p:animEffect>
+                                  </p:childTnLst>
+                                </p:cTn>
+                              </p:par>
+                              <p:par>
+                                <p:cTn id="104" presetID="10" presetClass="entr" presetSubtype="0" fill="hold" nodeType="withEffect">
+                                  <p:stCondLst>
+                                    <p:cond delay="0"/>
+                                  </p:stCondLst>
+                                  <p:childTnLst>
+                                    <p:set>
+                                      <p:cBhvr>
+                                        <p:cTn id="105" dur="1" fill="hold">
+                                          <p:stCondLst>
+                                            <p:cond delay="0"/>
+                                          </p:stCondLst>
+                                        </p:cTn>
+                                        <p:tgtEl>
+                                          <p:spTgt spid="54"/>
+                                        </p:tgtEl>
+                                        <p:attrNameLst>
+                                          <p:attrName>style.visibility</p:attrName>
+                                        </p:attrNameLst>
+                                      </p:cBhvr>
+                                      <p:to>
+                                        <p:strVal val="visible"/>
+                                      </p:to>
+                                    </p:set>
+                                    <p:animEffect transition="in" filter="fade">
+                                      <p:cBhvr>
+                                        <p:cTn id="106" dur="1000"/>
+                                        <p:tgtEl>
+                                          <p:spTgt spid="54"/>
+                                        </p:tgtEl>
+                                      </p:cBhvr>
+                                    </p:animEffect>
+                                  </p:childTnLst>
+                                </p:cTn>
+                              </p:par>
+                              <p:par>
+                                <p:cTn id="107" presetID="10" presetClass="entr" presetSubtype="0" fill="hold" nodeType="withEffect">
+                                  <p:stCondLst>
+                                    <p:cond delay="0"/>
+                                  </p:stCondLst>
+                                  <p:childTnLst>
+                                    <p:set>
+                                      <p:cBhvr>
+                                        <p:cTn id="108" dur="1" fill="hold">
+                                          <p:stCondLst>
+                                            <p:cond delay="0"/>
+                                          </p:stCondLst>
+                                        </p:cTn>
+                                        <p:tgtEl>
+                                          <p:spTgt spid="56"/>
+                                        </p:tgtEl>
+                                        <p:attrNameLst>
+                                          <p:attrName>style.visibility</p:attrName>
+                                        </p:attrNameLst>
+                                      </p:cBhvr>
+                                      <p:to>
+                                        <p:strVal val="visible"/>
+                                      </p:to>
+                                    </p:set>
+                                    <p:animEffect transition="in" filter="fade">
+                                      <p:cBhvr>
+                                        <p:cTn id="109" dur="1000"/>
+                                        <p:tgtEl>
+                                          <p:spTgt spid="56"/>
+                                        </p:tgtEl>
+                                      </p:cBhvr>
+                                    </p:animEffect>
+                                  </p:childTnLst>
+                                </p:cTn>
+                              </p:par>
+                            </p:childTnLst>
+                          </p:cTn>
+                        </p:par>
+                      </p:childTnLst>
+                    </p:cTn>
+                  </p:par>
+                </p:childTnLst>
+              </p:cTn>
+              <p:prevCondLst>
+                <p:cond evt="onPrev" delay="0">
+                  <p:tgtEl>
+                    <p:sldTgt/>
+                  </p:tgtEl>
+                </p:cond>
+              </p:prevCondLst>
+              <p:nextCondLst>
+                <p:cond evt="onNext" delay="0">
+                  <p:tgtEl>
+                    <p:sldTgt/>
+                  </p:tgtEl>
+                </p:cond>
+              </p:nextCondLst>
+            </p:seq>
+          </p:childTnLst>
+        </p:cTn>
+      </p:par>
+    </p:tnLst>
+    <p:bldLst>
+      <p:bldP spid="7" grpId="0"/>
+      <p:bldP spid="8" grpId="0"/>
+      <p:bldP spid="26" grpId="0"/>
+      <p:bldP spid="27" grpId="0"/>
+      <p:bldP spid="41" grpId="0"/>
+      <p:bldP spid="42" grpId="0"/>
+      <p:bldP spid="49" grpId="0"/>
+      <p:bldP spid="50" grpId="0"/>
     </p:bldLst>
   </p:timing>
 </p:sld>
@@ -8369,7 +16546,7 @@
       </a:bodyPr>
       <a:lstStyle>
         <a:defPPr algn="l">
-          <a:defRPr sz="1200" dirty="0" smtClean="0">
+          <a:defRPr sz="1600" dirty="0" smtClean="0">
             <a:solidFill>
               <a:schemeClr val="tx1">
                 <a:lumMod val="50000"/>
